--- a/introduction-to-r/results/v06-slides-and-speaker-notes.pptx
+++ b/introduction-to-r/results/v06-slides-and-speaker-notes.pptx
@@ -5,7 +5,7 @@
     <p:sldMasterId id="2147483648" r:id="rId1"/>
   </p:sldMasterIdLst>
   <p:notesMasterIdLst>
-    <p:NotesMasterId r:id="rId59"/>
+    <p:NotesMasterId r:id="rId61"/>
   </p:notesMasterIdLst>
   <p:sldIdLst>
     <p:sldId id="256" r:id="rId2"/>
@@ -65,6 +65,8 @@
     <p:sldId id="310" r:id="rId56"/>
     <p:sldId id="311" r:id="rId57"/>
     <p:sldId id="312" r:id="rId58"/>
+    <p:sldId id="313" r:id="rId59"/>
+    <p:sldId id="314" r:id="rId60"/>
   </p:sldIdLst>
   <p:sldSz cx="12192000" cy="6858000"/>
   <p:notesSz cx="6858000" cy="9144000"/>
@@ -7262,7 +7264,7 @@
           <a:p>
             <a:fld id="{18BDFEC3-8487-43E8-A154-7C12CBC1FFF2}" type="slidenum">
               <a:rPr lang="en-US"/>
-              <a:t>42</a:t>
+              <a:t>43</a:t>
             </a:fld>
             <a:endParaRPr lang="en-US"/>
           </a:p>
@@ -7738,7 +7740,7 @@
           <a:p>
             <a:fld id="{18BDFEC3-8487-43E8-A154-7C12CBC1FFF2}" type="slidenum">
               <a:rPr lang="en-US"/>
-              <a:t>43</a:t>
+              <a:t>44</a:t>
             </a:fld>
             <a:endParaRPr lang="en-US"/>
           </a:p>
@@ -7900,7 +7902,7 @@
           <a:p>
             <a:fld id="{18BDFEC3-8487-43E8-A154-7C12CBC1FFF2}" type="slidenum">
               <a:rPr lang="en-US"/>
-              <a:t>44</a:t>
+              <a:t>45</a:t>
             </a:fld>
             <a:endParaRPr lang="en-US"/>
           </a:p>
@@ -7960,55 +7962,15 @@
             </a:pPr>
             <a:r>
               <a:rPr/>
-              <a:t>You</a:t>
-            </a:r>
-            <a:r>
-              <a:rPr/>
-              <a:t> </a:t>
-            </a:r>
-            <a:r>
-              <a:rPr/>
-              <a:t>saw</a:t>
-            </a:r>
-            <a:r>
-              <a:rPr/>
-              <a:t> </a:t>
-            </a:r>
-            <a:r>
-              <a:rPr/>
-              <a:t>this</a:t>
-            </a:r>
-            <a:r>
-              <a:rPr/>
-              <a:t> </a:t>
-            </a:r>
-            <a:r>
-              <a:rPr/>
-              <a:t>data</a:t>
-            </a:r>
-            <a:r>
-              <a:rPr/>
-              <a:t> </a:t>
-            </a:r>
-            <a:r>
-              <a:rPr/>
-              <a:t>very</a:t>
-            </a:r>
-            <a:r>
-              <a:rPr/>
-              <a:t> </a:t>
-            </a:r>
-            <a:r>
-              <a:rPr/>
-              <a:t>early</a:t>
-            </a:r>
-            <a:r>
-              <a:rPr/>
-              <a:t> </a:t>
-            </a:r>
-            <a:r>
-              <a:rPr/>
-              <a:t>in</a:t>
+              <a:t>Here</a:t>
+            </a:r>
+            <a:r>
+              <a:rPr/>
+              <a:t> </a:t>
+            </a:r>
+            <a:r>
+              <a:rPr/>
+              <a:t>is</a:t>
             </a:r>
             <a:r>
               <a:rPr/>
@@ -8024,7 +7986,159 @@
             </a:r>
             <a:r>
               <a:rPr/>
-              <a:t>video.</a:t>
+              <a:t>short</a:t>
+            </a:r>
+            <a:r>
+              <a:rPr/>
+              <a:t> </a:t>
+            </a:r>
+            <a:r>
+              <a:rPr/>
+              <a:t>and</a:t>
+            </a:r>
+            <a:r>
+              <a:rPr/>
+              <a:t> </a:t>
+            </a:r>
+            <a:r>
+              <a:rPr/>
+              <a:t>fat</a:t>
+            </a:r>
+            <a:r>
+              <a:rPr/>
+              <a:t> </a:t>
+            </a:r>
+            <a:r>
+              <a:rPr/>
+              <a:t>format</a:t>
+            </a:r>
+            <a:r>
+              <a:rPr/>
+              <a:t> </a:t>
+            </a:r>
+            <a:r>
+              <a:rPr/>
+              <a:t>again.</a:t>
+            </a:r>
+            <a:r>
+              <a:rPr/>
+              <a:t> </a:t>
+            </a:r>
+            <a:r>
+              <a:rPr/>
+              <a:t>It</a:t>
+            </a:r>
+            <a:r>
+              <a:rPr/>
+              <a:t> </a:t>
+            </a:r>
+            <a:r>
+              <a:rPr/>
+              <a:t>has</a:t>
+            </a:r>
+            <a:r>
+              <a:rPr/>
+              <a:t> </a:t>
+            </a:r>
+            <a:r>
+              <a:rPr/>
+              <a:t>one</a:t>
+            </a:r>
+            <a:r>
+              <a:rPr/>
+              <a:t> </a:t>
+            </a:r>
+            <a:r>
+              <a:rPr/>
+              <a:t>row</a:t>
+            </a:r>
+            <a:r>
+              <a:rPr/>
+              <a:t> </a:t>
+            </a:r>
+            <a:r>
+              <a:rPr/>
+              <a:t>per</a:t>
+            </a:r>
+            <a:r>
+              <a:rPr/>
+              <a:t> </a:t>
+            </a:r>
+            <a:r>
+              <a:rPr/>
+              <a:t>patient</a:t>
+            </a:r>
+            <a:r>
+              <a:rPr/>
+              <a:t> </a:t>
+            </a:r>
+            <a:r>
+              <a:rPr/>
+              <a:t>and</a:t>
+            </a:r>
+            <a:r>
+              <a:rPr/>
+              <a:t> </a:t>
+            </a:r>
+            <a:r>
+              <a:rPr/>
+              <a:t>each</a:t>
+            </a:r>
+            <a:r>
+              <a:rPr/>
+              <a:t> </a:t>
+            </a:r>
+            <a:r>
+              <a:rPr/>
+              <a:t>successive</a:t>
+            </a:r>
+            <a:r>
+              <a:rPr/>
+              <a:t> </a:t>
+            </a:r>
+            <a:r>
+              <a:rPr/>
+              <a:t>patient</a:t>
+            </a:r>
+            <a:r>
+              <a:rPr/>
+              <a:t> </a:t>
+            </a:r>
+            <a:r>
+              <a:rPr/>
+              <a:t>encounter</a:t>
+            </a:r>
+            <a:r>
+              <a:rPr/>
+              <a:t> </a:t>
+            </a:r>
+            <a:r>
+              <a:rPr/>
+              <a:t>is</a:t>
+            </a:r>
+            <a:r>
+              <a:rPr/>
+              <a:t> </a:t>
+            </a:r>
+            <a:r>
+              <a:rPr/>
+              <a:t>strung</a:t>
+            </a:r>
+            <a:r>
+              <a:rPr/>
+              <a:t> </a:t>
+            </a:r>
+            <a:r>
+              <a:rPr/>
+              <a:t>out</a:t>
+            </a:r>
+            <a:r>
+              <a:rPr/>
+              <a:t> </a:t>
+            </a:r>
+            <a:r>
+              <a:rPr/>
+              <a:t>horizontally.</a:t>
             </a:r>
           </a:p>
         </p:txBody>
@@ -8046,7 +8160,7 @@
           <a:p>
             <a:fld id="{18BDFEC3-8487-43E8-A154-7C12CBC1FFF2}" type="slidenum">
               <a:rPr lang="en-US"/>
-              <a:t>46</a:t>
+              <a:t>47</a:t>
             </a:fld>
             <a:endParaRPr lang="en-US"/>
           </a:p>
@@ -8130,7 +8244,7 @@
             </a:r>
             <a:r>
               <a:rPr/>
-              <a:t>short</a:t>
+              <a:t>tall</a:t>
             </a:r>
             <a:r>
               <a:rPr/>
@@ -8146,7 +8260,7 @@
             </a:r>
             <a:r>
               <a:rPr/>
-              <a:t>fat</a:t>
+              <a:t>thin</a:t>
             </a:r>
             <a:r>
               <a:rPr/>
@@ -8218,6 +8332,14 @@
             </a:r>
             <a:r>
               <a:rPr/>
+              <a:t>encounter</a:t>
+            </a:r>
+            <a:r>
+              <a:rPr/>
+              <a:t> </a:t>
+            </a:r>
+            <a:r>
+              <a:rPr/>
               <a:t>and</a:t>
             </a:r>
             <a:r>
@@ -8226,63 +8348,39 @@
             </a:r>
             <a:r>
               <a:rPr/>
-              <a:t>each</a:t>
-            </a:r>
-            <a:r>
-              <a:rPr/>
-              <a:t> </a:t>
-            </a:r>
-            <a:r>
-              <a:rPr/>
-              <a:t>successive</a:t>
-            </a:r>
-            <a:r>
-              <a:rPr/>
-              <a:t> </a:t>
-            </a:r>
-            <a:r>
-              <a:rPr/>
-              <a:t>patient</a:t>
-            </a:r>
-            <a:r>
-              <a:rPr/>
-              <a:t> </a:t>
-            </a:r>
-            <a:r>
-              <a:rPr/>
-              <a:t>encounter</a:t>
-            </a:r>
-            <a:r>
-              <a:rPr/>
-              <a:t> </a:t>
-            </a:r>
-            <a:r>
-              <a:rPr/>
-              <a:t>is</a:t>
-            </a:r>
-            <a:r>
-              <a:rPr/>
-              <a:t> </a:t>
-            </a:r>
-            <a:r>
-              <a:rPr/>
-              <a:t>strung</a:t>
-            </a:r>
-            <a:r>
-              <a:rPr/>
-              <a:t> </a:t>
-            </a:r>
-            <a:r>
-              <a:rPr/>
-              <a:t>out</a:t>
-            </a:r>
-            <a:r>
-              <a:rPr/>
-              <a:t> </a:t>
-            </a:r>
-            <a:r>
-              <a:rPr/>
-              <a:t>horizontally.</a:t>
+              <a:t>therefore</a:t>
+            </a:r>
+            <a:r>
+              <a:rPr/>
+              <a:t> </a:t>
+            </a:r>
+            <a:r>
+              <a:rPr/>
+              <a:t>multiple</a:t>
+            </a:r>
+            <a:r>
+              <a:rPr/>
+              <a:t> </a:t>
+            </a:r>
+            <a:r>
+              <a:rPr/>
+              <a:t>rows</a:t>
+            </a:r>
+            <a:r>
+              <a:rPr/>
+              <a:t> </a:t>
+            </a:r>
+            <a:r>
+              <a:rPr/>
+              <a:t>per</a:t>
+            </a:r>
+            <a:r>
+              <a:rPr/>
+              <a:t> </a:t>
+            </a:r>
+            <a:r>
+              <a:rPr/>
+              <a:t>patient.</a:t>
             </a:r>
           </a:p>
         </p:txBody>
@@ -8304,7 +8402,7 @@
           <a:p>
             <a:fld id="{18BDFEC3-8487-43E8-A154-7C12CBC1FFF2}" type="slidenum">
               <a:rPr lang="en-US"/>
-              <a:t>47</a:t>
+              <a:t>48</a:t>
             </a:fld>
             <a:endParaRPr lang="en-US"/>
           </a:p>
@@ -8364,15 +8462,103 @@
             </a:pPr>
             <a:r>
               <a:rPr/>
-              <a:t>Here</a:t>
-            </a:r>
-            <a:r>
-              <a:rPr/>
-              <a:t> </a:t>
-            </a:r>
-            <a:r>
-              <a:rPr/>
-              <a:t>is</a:t>
+              <a:t>The</a:t>
+            </a:r>
+            <a:r>
+              <a:rPr/>
+              <a:t> </a:t>
+            </a:r>
+            <a:r>
+              <a:rPr/>
+              <a:t>time</a:t>
+            </a:r>
+            <a:r>
+              <a:rPr/>
+              <a:t> </a:t>
+            </a:r>
+            <a:r>
+              <a:rPr/>
+              <a:t>constant</a:t>
+            </a:r>
+            <a:r>
+              <a:rPr/>
+              <a:t> </a:t>
+            </a:r>
+            <a:r>
+              <a:rPr/>
+              <a:t>variables</a:t>
+            </a:r>
+            <a:r>
+              <a:rPr/>
+              <a:t> </a:t>
+            </a:r>
+            <a:r>
+              <a:rPr/>
+              <a:t>are</a:t>
+            </a:r>
+            <a:r>
+              <a:rPr/>
+              <a:t> </a:t>
+            </a:r>
+            <a:r>
+              <a:rPr/>
+              <a:t>sex,</a:t>
+            </a:r>
+            <a:r>
+              <a:rPr/>
+              <a:t> </a:t>
+            </a:r>
+            <a:r>
+              <a:rPr/>
+              <a:t>age,</a:t>
+            </a:r>
+            <a:r>
+              <a:rPr/>
+              <a:t> </a:t>
+            </a:r>
+            <a:r>
+              <a:rPr/>
+              <a:t>height,</a:t>
+            </a:r>
+            <a:r>
+              <a:rPr/>
+              <a:t> </a:t>
+            </a:r>
+            <a:r>
+              <a:rPr/>
+              <a:t>and</a:t>
+            </a:r>
+            <a:r>
+              <a:rPr/>
+              <a:t> </a:t>
+            </a:r>
+            <a:r>
+              <a:rPr/>
+              <a:t>weight.</a:t>
+            </a:r>
+            <a:r>
+              <a:rPr/>
+              <a:t> </a:t>
+            </a:r>
+            <a:r>
+              <a:rPr/>
+              <a:t>You</a:t>
+            </a:r>
+            <a:r>
+              <a:rPr/>
+              <a:t> </a:t>
+            </a:r>
+            <a:r>
+              <a:rPr/>
+              <a:t>must</a:t>
+            </a:r>
+            <a:r>
+              <a:rPr/>
+              <a:t> </a:t>
+            </a:r>
+            <a:r>
+              <a:rPr/>
+              <a:t>keep</a:t>
             </a:r>
             <a:r>
               <a:rPr/>
@@ -8388,143 +8574,151 @@
             </a:r>
             <a:r>
               <a:rPr/>
-              <a:t>tall</a:t>
-            </a:r>
-            <a:r>
-              <a:rPr/>
-              <a:t> </a:t>
-            </a:r>
-            <a:r>
-              <a:rPr/>
-              <a:t>and</a:t>
-            </a:r>
-            <a:r>
-              <a:rPr/>
-              <a:t> </a:t>
-            </a:r>
-            <a:r>
-              <a:rPr/>
-              <a:t>thin</a:t>
-            </a:r>
-            <a:r>
-              <a:rPr/>
-              <a:t> </a:t>
-            </a:r>
-            <a:r>
-              <a:rPr/>
-              <a:t>format</a:t>
-            </a:r>
-            <a:r>
-              <a:rPr/>
-              <a:t> </a:t>
-            </a:r>
-            <a:r>
-              <a:rPr/>
-              <a:t>again.</a:t>
-            </a:r>
-            <a:r>
-              <a:rPr/>
-              <a:t> </a:t>
-            </a:r>
-            <a:r>
-              <a:rPr/>
-              <a:t>It</a:t>
-            </a:r>
-            <a:r>
-              <a:rPr/>
-              <a:t> </a:t>
-            </a:r>
-            <a:r>
-              <a:rPr/>
-              <a:t>has</a:t>
-            </a:r>
-            <a:r>
-              <a:rPr/>
-              <a:t> </a:t>
-            </a:r>
-            <a:r>
-              <a:rPr/>
-              <a:t>one</a:t>
-            </a:r>
-            <a:r>
-              <a:rPr/>
-              <a:t> </a:t>
-            </a:r>
-            <a:r>
-              <a:rPr/>
-              <a:t>row</a:t>
-            </a:r>
-            <a:r>
-              <a:rPr/>
-              <a:t> </a:t>
-            </a:r>
-            <a:r>
-              <a:rPr/>
-              <a:t>per</a:t>
-            </a:r>
-            <a:r>
-              <a:rPr/>
-              <a:t> </a:t>
-            </a:r>
-            <a:r>
-              <a:rPr/>
-              <a:t>patient</a:t>
-            </a:r>
-            <a:r>
-              <a:rPr/>
-              <a:t> </a:t>
-            </a:r>
-            <a:r>
-              <a:rPr/>
-              <a:t>encounter</a:t>
-            </a:r>
-            <a:r>
-              <a:rPr/>
-              <a:t> </a:t>
-            </a:r>
-            <a:r>
-              <a:rPr/>
-              <a:t>and</a:t>
-            </a:r>
-            <a:r>
-              <a:rPr/>
-              <a:t> </a:t>
-            </a:r>
-            <a:r>
-              <a:rPr/>
-              <a:t>therefore</a:t>
-            </a:r>
-            <a:r>
-              <a:rPr/>
-              <a:t> </a:t>
-            </a:r>
-            <a:r>
-              <a:rPr/>
-              <a:t>multiple</a:t>
-            </a:r>
-            <a:r>
-              <a:rPr/>
-              <a:t> </a:t>
-            </a:r>
-            <a:r>
-              <a:rPr/>
-              <a:t>rows</a:t>
-            </a:r>
-            <a:r>
-              <a:rPr/>
-              <a:t> </a:t>
-            </a:r>
-            <a:r>
-              <a:rPr/>
-              <a:t>per</a:t>
-            </a:r>
-            <a:r>
-              <a:rPr/>
-              <a:t> </a:t>
-            </a:r>
-            <a:r>
-              <a:rPr/>
-              <a:t>patient.</a:t>
+              <a:t>subject</a:t>
+            </a:r>
+            <a:r>
+              <a:rPr/>
+              <a:t> </a:t>
+            </a:r>
+            <a:r>
+              <a:rPr/>
+              <a:t>id</a:t>
+            </a:r>
+            <a:r>
+              <a:rPr/>
+              <a:t> </a:t>
+            </a:r>
+            <a:r>
+              <a:rPr/>
+              <a:t>in</a:t>
+            </a:r>
+            <a:r>
+              <a:rPr/>
+              <a:t> </a:t>
+            </a:r>
+            <a:r>
+              <a:rPr/>
+              <a:t>this</a:t>
+            </a:r>
+            <a:r>
+              <a:rPr/>
+              <a:t> </a:t>
+            </a:r>
+            <a:r>
+              <a:rPr/>
+              <a:t>dataset</a:t>
+            </a:r>
+            <a:r>
+              <a:rPr/>
+              <a:t> </a:t>
+            </a:r>
+            <a:r>
+              <a:rPr/>
+              <a:t>as</a:t>
+            </a:r>
+            <a:r>
+              <a:rPr/>
+              <a:t> </a:t>
+            </a:r>
+            <a:r>
+              <a:rPr/>
+              <a:t>well</a:t>
+            </a:r>
+            <a:r>
+              <a:rPr/>
+              <a:t> </a:t>
+            </a:r>
+            <a:r>
+              <a:rPr/>
+              <a:t>because</a:t>
+            </a:r>
+            <a:r>
+              <a:rPr/>
+              <a:t> </a:t>
+            </a:r>
+            <a:r>
+              <a:rPr/>
+              <a:t>you</a:t>
+            </a:r>
+            <a:r>
+              <a:rPr/>
+              <a:t> </a:t>
+            </a:r>
+            <a:r>
+              <a:rPr/>
+              <a:t>will</a:t>
+            </a:r>
+            <a:r>
+              <a:rPr/>
+              <a:t> </a:t>
+            </a:r>
+            <a:r>
+              <a:rPr/>
+              <a:t>need</a:t>
+            </a:r>
+            <a:r>
+              <a:rPr/>
+              <a:t> </a:t>
+            </a:r>
+            <a:r>
+              <a:rPr/>
+              <a:t>it</a:t>
+            </a:r>
+            <a:r>
+              <a:rPr/>
+              <a:t> </a:t>
+            </a:r>
+            <a:r>
+              <a:rPr/>
+              <a:t>to</a:t>
+            </a:r>
+            <a:r>
+              <a:rPr/>
+              <a:t> </a:t>
+            </a:r>
+            <a:r>
+              <a:rPr/>
+              <a:t>link</a:t>
+            </a:r>
+            <a:r>
+              <a:rPr/>
+              <a:t> </a:t>
+            </a:r>
+            <a:r>
+              <a:rPr/>
+              <a:t>with</a:t>
+            </a:r>
+            <a:r>
+              <a:rPr/>
+              <a:t> </a:t>
+            </a:r>
+            <a:r>
+              <a:rPr/>
+              <a:t>the</a:t>
+            </a:r>
+            <a:r>
+              <a:rPr/>
+              <a:t> </a:t>
+            </a:r>
+            <a:r>
+              <a:rPr/>
+              <a:t>time</a:t>
+            </a:r>
+            <a:r>
+              <a:rPr/>
+              <a:t> </a:t>
+            </a:r>
+            <a:r>
+              <a:rPr/>
+              <a:t>variable</a:t>
+            </a:r>
+            <a:r>
+              <a:rPr/>
+              <a:t> </a:t>
+            </a:r>
+            <a:r>
+              <a:rPr/>
+              <a:t>data.</a:t>
             </a:r>
           </a:p>
         </p:txBody>
@@ -8546,7 +8740,7 @@
           <a:p>
             <a:fld id="{18BDFEC3-8487-43E8-A154-7C12CBC1FFF2}" type="slidenum">
               <a:rPr lang="en-US"/>
-              <a:t>48</a:t>
+              <a:t>53</a:t>
             </a:fld>
             <a:endParaRPr lang="en-US"/>
           </a:p>
@@ -8606,7 +8800,15 @@
             </a:pPr>
             <a:r>
               <a:rPr/>
-              <a:t>The</a:t>
+              <a:t>Pull</a:t>
+            </a:r>
+            <a:r>
+              <a:rPr/>
+              <a:t> </a:t>
+            </a:r>
+            <a:r>
+              <a:rPr/>
+              <a:t>the</a:t>
             </a:r>
             <a:r>
               <a:rPr/>
@@ -8622,6 +8824,100 @@
             </a:r>
             <a:r>
               <a:rPr/>
+              <a:t>variable</a:t>
+            </a:r>
+            <a:r>
+              <a:rPr/>
+              <a:t> </a:t>
+            </a:r>
+            <a:r>
+              <a:rPr/>
+              <a:t>data</a:t>
+            </a:r>
+            <a:r>
+              <a:rPr/>
+              <a:t> </a:t>
+            </a:r>
+            <a:r>
+              <a:rPr/>
+              <a:t>from</a:t>
+            </a:r>
+            <a:r>
+              <a:rPr/>
+              <a:t> </a:t>
+            </a:r>
+            <a:r>
+              <a:rPr/>
+              <a:t>the</a:t>
+            </a:r>
+            <a:r>
+              <a:rPr/>
+              <a:t> </a:t>
+            </a:r>
+            <a:r>
+              <a:rPr/>
+              <a:t>tall</a:t>
+            </a:r>
+            <a:r>
+              <a:rPr/>
+              <a:t> </a:t>
+            </a:r>
+            <a:r>
+              <a:rPr/>
+              <a:t>and</a:t>
+            </a:r>
+            <a:r>
+              <a:rPr/>
+              <a:t> </a:t>
+            </a:r>
+            <a:r>
+              <a:rPr/>
+              <a:t>thin</a:t>
+            </a:r>
+            <a:r>
+              <a:rPr/>
+              <a:t> </a:t>
+            </a:r>
+            <a:r>
+              <a:rPr/>
+              <a:t>format.</a:t>
+            </a:r>
+          </a:p>
+          <a:p>
+            <a:pPr lvl="0" marL="0" indent="0">
+              <a:buNone/>
+            </a:pPr>
+          </a:p>
+          <a:p>
+            <a:pPr lvl="0" marL="0" indent="0">
+              <a:buNone/>
+            </a:pPr>
+            <a:r>
+              <a:rPr/>
+              <a:t>Update</a:t>
+            </a:r>
+            <a:r>
+              <a:rPr/>
+              <a:t> </a:t>
+            </a:r>
+            <a:r>
+              <a:rPr/>
+              <a:t>the</a:t>
+            </a:r>
+            <a:r>
+              <a:rPr/>
+              <a:t> </a:t>
+            </a:r>
+            <a:r>
+              <a:rPr/>
+              <a:t>time</a:t>
+            </a:r>
+            <a:r>
+              <a:rPr/>
+              <a:t> </a:t>
+            </a:r>
+            <a:r>
+              <a:rPr/>
               <a:t>constant</a:t>
             </a:r>
             <a:r>
@@ -8630,79 +8926,31 @@
             </a:r>
             <a:r>
               <a:rPr/>
-              <a:t>variables</a:t>
-            </a:r>
-            <a:r>
-              <a:rPr/>
-              <a:t> </a:t>
-            </a:r>
-            <a:r>
-              <a:rPr/>
-              <a:t>are</a:t>
-            </a:r>
-            <a:r>
-              <a:rPr/>
-              <a:t> </a:t>
-            </a:r>
-            <a:r>
-              <a:rPr/>
-              <a:t>sex,</a:t>
-            </a:r>
-            <a:r>
-              <a:rPr/>
-              <a:t> </a:t>
-            </a:r>
-            <a:r>
-              <a:rPr/>
-              <a:t>age,</a:t>
-            </a:r>
-            <a:r>
-              <a:rPr/>
-              <a:t> </a:t>
-            </a:r>
-            <a:r>
-              <a:rPr/>
-              <a:t>height,</a:t>
-            </a:r>
-            <a:r>
-              <a:rPr/>
-              <a:t> </a:t>
-            </a:r>
-            <a:r>
-              <a:rPr/>
-              <a:t>and</a:t>
-            </a:r>
-            <a:r>
-              <a:rPr/>
-              <a:t> </a:t>
-            </a:r>
-            <a:r>
-              <a:rPr/>
-              <a:t>weight.</a:t>
-            </a:r>
-            <a:r>
-              <a:rPr/>
-              <a:t> </a:t>
-            </a:r>
-            <a:r>
-              <a:rPr/>
-              <a:t>You</a:t>
-            </a:r>
-            <a:r>
-              <a:rPr/>
-              <a:t> </a:t>
-            </a:r>
-            <a:r>
-              <a:rPr/>
-              <a:t>must</a:t>
-            </a:r>
-            <a:r>
-              <a:rPr/>
-              <a:t> </a:t>
-            </a:r>
-            <a:r>
-              <a:rPr/>
-              <a:t>keep</a:t>
+              <a:t>table</a:t>
+            </a:r>
+            <a:r>
+              <a:rPr/>
+              <a:t> </a:t>
+            </a:r>
+            <a:r>
+              <a:rPr/>
+              <a:t>only</a:t>
+            </a:r>
+            <a:r>
+              <a:rPr/>
+              <a:t> </a:t>
+            </a:r>
+            <a:r>
+              <a:rPr/>
+              <a:t>once.</a:t>
+            </a:r>
+            <a:r>
+              <a:rPr/>
+              <a:t> </a:t>
+            </a:r>
+            <a:r>
+              <a:rPr/>
+              <a:t>Update</a:t>
             </a:r>
             <a:r>
               <a:rPr/>
@@ -8718,23 +8966,125 @@
             </a:r>
             <a:r>
               <a:rPr/>
-              <a:t>subject</a:t>
-            </a:r>
-            <a:r>
-              <a:rPr/>
-              <a:t> </a:t>
-            </a:r>
-            <a:r>
-              <a:rPr/>
-              <a:t>id</a:t>
-            </a:r>
-            <a:r>
-              <a:rPr/>
-              <a:t> </a:t>
-            </a:r>
-            <a:r>
-              <a:rPr/>
-              <a:t>in</a:t>
+              <a:t>time</a:t>
+            </a:r>
+            <a:r>
+              <a:rPr/>
+              <a:t> </a:t>
+            </a:r>
+            <a:r>
+              <a:rPr/>
+              <a:t>varying</a:t>
+            </a:r>
+            <a:r>
+              <a:rPr/>
+              <a:t> </a:t>
+            </a:r>
+            <a:r>
+              <a:rPr/>
+              <a:t>table</a:t>
+            </a:r>
+            <a:r>
+              <a:rPr/>
+              <a:t> </a:t>
+            </a:r>
+            <a:r>
+              <a:rPr/>
+              <a:t>each</a:t>
+            </a:r>
+            <a:r>
+              <a:rPr/>
+              <a:t> </a:t>
+            </a:r>
+            <a:r>
+              <a:rPr/>
+              <a:t>time</a:t>
+            </a:r>
+            <a:r>
+              <a:rPr/>
+              <a:t> </a:t>
+            </a:r>
+            <a:r>
+              <a:rPr/>
+              <a:t>you</a:t>
+            </a:r>
+            <a:r>
+              <a:rPr/>
+              <a:t> </a:t>
+            </a:r>
+            <a:r>
+              <a:rPr/>
+              <a:t>get</a:t>
+            </a:r>
+            <a:r>
+              <a:rPr/>
+              <a:t> </a:t>
+            </a:r>
+            <a:r>
+              <a:rPr/>
+              <a:t>information</a:t>
+            </a:r>
+            <a:r>
+              <a:rPr/>
+              <a:t> </a:t>
+            </a:r>
+            <a:r>
+              <a:rPr/>
+              <a:t>at</a:t>
+            </a:r>
+            <a:r>
+              <a:rPr/>
+              <a:t> </a:t>
+            </a:r>
+            <a:r>
+              <a:rPr/>
+              <a:t>a</a:t>
+            </a:r>
+            <a:r>
+              <a:rPr/>
+              <a:t> </a:t>
+            </a:r>
+            <a:r>
+              <a:rPr/>
+              <a:t>new</a:t>
+            </a:r>
+            <a:r>
+              <a:rPr/>
+              <a:t> </a:t>
+            </a:r>
+            <a:r>
+              <a:rPr/>
+              <a:t>patient</a:t>
+            </a:r>
+            <a:r>
+              <a:rPr/>
+              <a:t> </a:t>
+            </a:r>
+            <a:r>
+              <a:rPr/>
+              <a:t>visit.</a:t>
+            </a:r>
+          </a:p>
+          <a:p>
+            <a:pPr lvl="0" marL="0" indent="0">
+              <a:buNone/>
+            </a:pPr>
+          </a:p>
+          <a:p>
+            <a:pPr lvl="0" marL="0" indent="0">
+              <a:buNone/>
+            </a:pPr>
+            <a:r>
+              <a:rPr/>
+              <a:t>Note</a:t>
+            </a:r>
+            <a:r>
+              <a:rPr/>
+              <a:t> </a:t>
+            </a:r>
+            <a:r>
+              <a:rPr/>
+              <a:t>that</a:t>
             </a:r>
             <a:r>
               <a:rPr/>
@@ -8750,31 +9100,15 @@
             </a:r>
             <a:r>
               <a:rPr/>
-              <a:t>dataset</a:t>
-            </a:r>
-            <a:r>
-              <a:rPr/>
-              <a:t> </a:t>
-            </a:r>
-            <a:r>
-              <a:rPr/>
-              <a:t>as</a:t>
-            </a:r>
-            <a:r>
-              <a:rPr/>
-              <a:t> </a:t>
-            </a:r>
-            <a:r>
-              <a:rPr/>
-              <a:t>well</a:t>
-            </a:r>
-            <a:r>
-              <a:rPr/>
-              <a:t> </a:t>
-            </a:r>
-            <a:r>
-              <a:rPr/>
-              <a:t>because</a:t>
+              <a:t>is</a:t>
+            </a:r>
+            <a:r>
+              <a:rPr/>
+              <a:t> </a:t>
+            </a:r>
+            <a:r>
+              <a:rPr/>
+              <a:t>what</a:t>
             </a:r>
             <a:r>
               <a:rPr/>
@@ -8790,23 +9124,151 @@
             </a:r>
             <a:r>
               <a:rPr/>
-              <a:t>will</a:t>
-            </a:r>
-            <a:r>
-              <a:rPr/>
-              <a:t> </a:t>
-            </a:r>
-            <a:r>
-              <a:rPr/>
-              <a:t>need</a:t>
-            </a:r>
-            <a:r>
-              <a:rPr/>
-              <a:t> </a:t>
-            </a:r>
-            <a:r>
-              <a:rPr/>
-              <a:t>it</a:t>
+              <a:t>should</a:t>
+            </a:r>
+            <a:r>
+              <a:rPr/>
+              <a:t> </a:t>
+            </a:r>
+            <a:r>
+              <a:rPr/>
+              <a:t>do</a:t>
+            </a:r>
+            <a:r>
+              <a:rPr/>
+              <a:t> </a:t>
+            </a:r>
+            <a:r>
+              <a:rPr/>
+              <a:t>before</a:t>
+            </a:r>
+            <a:r>
+              <a:rPr/>
+              <a:t> </a:t>
+            </a:r>
+            <a:r>
+              <a:rPr/>
+              <a:t>the</a:t>
+            </a:r>
+            <a:r>
+              <a:rPr/>
+              <a:t> </a:t>
+            </a:r>
+            <a:r>
+              <a:rPr/>
+              <a:t>data</a:t>
+            </a:r>
+            <a:r>
+              <a:rPr/>
+              <a:t> </a:t>
+            </a:r>
+            <a:r>
+              <a:rPr/>
+              <a:t>is</a:t>
+            </a:r>
+            <a:r>
+              <a:rPr/>
+              <a:t> </a:t>
+            </a:r>
+            <a:r>
+              <a:rPr/>
+              <a:t>collected.</a:t>
+            </a:r>
+            <a:r>
+              <a:rPr/>
+              <a:t> </a:t>
+            </a:r>
+            <a:r>
+              <a:rPr/>
+              <a:t>If</a:t>
+            </a:r>
+            <a:r>
+              <a:rPr/>
+              <a:t> </a:t>
+            </a:r>
+            <a:r>
+              <a:rPr/>
+              <a:t>the</a:t>
+            </a:r>
+            <a:r>
+              <a:rPr/>
+              <a:t> </a:t>
+            </a:r>
+            <a:r>
+              <a:rPr/>
+              <a:t>data</a:t>
+            </a:r>
+            <a:r>
+              <a:rPr/>
+              <a:t> </a:t>
+            </a:r>
+            <a:r>
+              <a:rPr/>
+              <a:t>is</a:t>
+            </a:r>
+            <a:r>
+              <a:rPr/>
+              <a:t> </a:t>
+            </a:r>
+            <a:r>
+              <a:rPr/>
+              <a:t>already</a:t>
+            </a:r>
+            <a:r>
+              <a:rPr/>
+              <a:t> </a:t>
+            </a:r>
+            <a:r>
+              <a:rPr/>
+              <a:t>collected</a:t>
+            </a:r>
+            <a:r>
+              <a:rPr/>
+              <a:t> </a:t>
+            </a:r>
+            <a:r>
+              <a:rPr/>
+              <a:t>by</a:t>
+            </a:r>
+            <a:r>
+              <a:rPr/>
+              <a:t> </a:t>
+            </a:r>
+            <a:r>
+              <a:rPr/>
+              <a:t>someone</a:t>
+            </a:r>
+            <a:r>
+              <a:rPr/>
+              <a:t> </a:t>
+            </a:r>
+            <a:r>
+              <a:rPr/>
+              <a:t>else,</a:t>
+            </a:r>
+            <a:r>
+              <a:rPr/>
+              <a:t> </a:t>
+            </a:r>
+            <a:r>
+              <a:rPr/>
+              <a:t>then</a:t>
+            </a:r>
+            <a:r>
+              <a:rPr/>
+              <a:t> </a:t>
+            </a:r>
+            <a:r>
+              <a:rPr/>
+              <a:t>you</a:t>
+            </a:r>
+            <a:r>
+              <a:rPr/>
+              <a:t> </a:t>
+            </a:r>
+            <a:r>
+              <a:rPr/>
+              <a:t>have</a:t>
             </a:r>
             <a:r>
               <a:rPr/>
@@ -8822,7 +9284,7 @@
             </a:r>
             <a:r>
               <a:rPr/>
-              <a:t>link</a:t>
+              <a:t>live</a:t>
             </a:r>
             <a:r>
               <a:rPr/>
@@ -8846,23 +9308,47 @@
             </a:r>
             <a:r>
               <a:rPr/>
-              <a:t>time</a:t>
-            </a:r>
-            <a:r>
-              <a:rPr/>
-              <a:t> </a:t>
-            </a:r>
-            <a:r>
-              <a:rPr/>
-              <a:t>variable</a:t>
-            </a:r>
-            <a:r>
-              <a:rPr/>
-              <a:t> </a:t>
-            </a:r>
-            <a:r>
-              <a:rPr/>
-              <a:t>data.</a:t>
+              <a:t>limitations</a:t>
+            </a:r>
+            <a:r>
+              <a:rPr/>
+              <a:t> </a:t>
+            </a:r>
+            <a:r>
+              <a:rPr/>
+              <a:t>of</a:t>
+            </a:r>
+            <a:r>
+              <a:rPr/>
+              <a:t> </a:t>
+            </a:r>
+            <a:r>
+              <a:rPr/>
+              <a:t>whatever</a:t>
+            </a:r>
+            <a:r>
+              <a:rPr/>
+              <a:t> </a:t>
+            </a:r>
+            <a:r>
+              <a:rPr/>
+              <a:t>format</a:t>
+            </a:r>
+            <a:r>
+              <a:rPr/>
+              <a:t> </a:t>
+            </a:r>
+            <a:r>
+              <a:rPr/>
+              <a:t>they</a:t>
+            </a:r>
+            <a:r>
+              <a:rPr/>
+              <a:t> </a:t>
+            </a:r>
+            <a:r>
+              <a:rPr/>
+              <a:t>chose.</a:t>
             </a:r>
           </a:p>
         </p:txBody>
@@ -8884,7 +9370,7 @@
           <a:p>
             <a:fld id="{18BDFEC3-8487-43E8-A154-7C12CBC1FFF2}" type="slidenum">
               <a:rPr lang="en-US"/>
-              <a:t>52</a:t>
+              <a:t>58</a:t>
             </a:fld>
             <a:endParaRPr lang="en-US"/>
           </a:p>
@@ -8944,7 +9430,215 @@
             </a:pPr>
             <a:r>
               <a:rPr/>
-              <a:t>Pull</a:t>
+              <a:t>We’ve</a:t>
+            </a:r>
+            <a:r>
+              <a:rPr/>
+              <a:t> </a:t>
+            </a:r>
+            <a:r>
+              <a:rPr/>
+              <a:t>covered</a:t>
+            </a:r>
+            <a:r>
+              <a:rPr/>
+              <a:t> </a:t>
+            </a:r>
+            <a:r>
+              <a:rPr/>
+              <a:t>a</a:t>
+            </a:r>
+            <a:r>
+              <a:rPr/>
+              <a:t> </a:t>
+            </a:r>
+            <a:r>
+              <a:rPr/>
+              <a:t>lot</a:t>
+            </a:r>
+            <a:r>
+              <a:rPr/>
+              <a:t> </a:t>
+            </a:r>
+            <a:r>
+              <a:rPr/>
+              <a:t>in</a:t>
+            </a:r>
+            <a:r>
+              <a:rPr/>
+              <a:t> </a:t>
+            </a:r>
+            <a:r>
+              <a:rPr/>
+              <a:t>these</a:t>
+            </a:r>
+            <a:r>
+              <a:rPr/>
+              <a:t> </a:t>
+            </a:r>
+            <a:r>
+              <a:rPr/>
+              <a:t>videos.</a:t>
+            </a:r>
+            <a:r>
+              <a:rPr/>
+              <a:t> </a:t>
+            </a:r>
+            <a:r>
+              <a:rPr/>
+              <a:t>There</a:t>
+            </a:r>
+            <a:r>
+              <a:rPr/>
+              <a:t> </a:t>
+            </a:r>
+            <a:r>
+              <a:rPr/>
+              <a:t>are</a:t>
+            </a:r>
+            <a:r>
+              <a:rPr/>
+              <a:t> </a:t>
+            </a:r>
+            <a:r>
+              <a:rPr/>
+              <a:t>two</a:t>
+            </a:r>
+            <a:r>
+              <a:rPr/>
+              <a:t> </a:t>
+            </a:r>
+            <a:r>
+              <a:rPr/>
+              <a:t>formats</a:t>
+            </a:r>
+            <a:r>
+              <a:rPr/>
+              <a:t> </a:t>
+            </a:r>
+            <a:r>
+              <a:rPr/>
+              <a:t>for</a:t>
+            </a:r>
+            <a:r>
+              <a:rPr/>
+              <a:t> </a:t>
+            </a:r>
+            <a:r>
+              <a:rPr/>
+              <a:t>longitudinal</a:t>
+            </a:r>
+            <a:r>
+              <a:rPr/>
+              <a:t> </a:t>
+            </a:r>
+            <a:r>
+              <a:rPr/>
+              <a:t>data.</a:t>
+            </a:r>
+            <a:r>
+              <a:rPr/>
+              <a:t> </a:t>
+            </a:r>
+            <a:r>
+              <a:rPr/>
+              <a:t>The</a:t>
+            </a:r>
+            <a:r>
+              <a:rPr/>
+              <a:t> </a:t>
+            </a:r>
+            <a:r>
+              <a:rPr/>
+              <a:t>short</a:t>
+            </a:r>
+            <a:r>
+              <a:rPr/>
+              <a:t> </a:t>
+            </a:r>
+            <a:r>
+              <a:rPr/>
+              <a:t>and</a:t>
+            </a:r>
+            <a:r>
+              <a:rPr/>
+              <a:t> </a:t>
+            </a:r>
+            <a:r>
+              <a:rPr/>
+              <a:t>fat</a:t>
+            </a:r>
+            <a:r>
+              <a:rPr/>
+              <a:t> </a:t>
+            </a:r>
+            <a:r>
+              <a:rPr/>
+              <a:t>format</a:t>
+            </a:r>
+            <a:r>
+              <a:rPr/>
+              <a:t> </a:t>
+            </a:r>
+            <a:r>
+              <a:rPr/>
+              <a:t>has</a:t>
+            </a:r>
+            <a:r>
+              <a:rPr/>
+              <a:t> </a:t>
+            </a:r>
+            <a:r>
+              <a:rPr/>
+              <a:t>one</a:t>
+            </a:r>
+            <a:r>
+              <a:rPr/>
+              <a:t> </a:t>
+            </a:r>
+            <a:r>
+              <a:rPr/>
+              <a:t>row</a:t>
+            </a:r>
+            <a:r>
+              <a:rPr/>
+              <a:t> </a:t>
+            </a:r>
+            <a:r>
+              <a:rPr/>
+              <a:t>per</a:t>
+            </a:r>
+            <a:r>
+              <a:rPr/>
+              <a:t> </a:t>
+            </a:r>
+            <a:r>
+              <a:rPr/>
+              <a:t>patient</a:t>
+            </a:r>
+            <a:r>
+              <a:rPr/>
+              <a:t> </a:t>
+            </a:r>
+            <a:r>
+              <a:rPr/>
+              <a:t>and</a:t>
+            </a:r>
+            <a:r>
+              <a:rPr/>
+              <a:t> </a:t>
+            </a:r>
+            <a:r>
+              <a:rPr/>
+              <a:t>strings</a:t>
+            </a:r>
+            <a:r>
+              <a:rPr/>
+              <a:t> </a:t>
+            </a:r>
+            <a:r>
+              <a:rPr/>
+              <a:t>out</a:t>
             </a:r>
             <a:r>
               <a:rPr/>
@@ -8960,6 +9654,118 @@
             </a:r>
             <a:r>
               <a:rPr/>
+              <a:t>data</a:t>
+            </a:r>
+            <a:r>
+              <a:rPr/>
+              <a:t> </a:t>
+            </a:r>
+            <a:r>
+              <a:rPr/>
+              <a:t>far</a:t>
+            </a:r>
+            <a:r>
+              <a:rPr/>
+              <a:t> </a:t>
+            </a:r>
+            <a:r>
+              <a:rPr/>
+              <a:t>to</a:t>
+            </a:r>
+            <a:r>
+              <a:rPr/>
+              <a:t> </a:t>
+            </a:r>
+            <a:r>
+              <a:rPr/>
+              <a:t>the</a:t>
+            </a:r>
+            <a:r>
+              <a:rPr/>
+              <a:t> </a:t>
+            </a:r>
+            <a:r>
+              <a:rPr/>
+              <a:t>right.</a:t>
+            </a:r>
+            <a:r>
+              <a:rPr/>
+              <a:t> </a:t>
+            </a:r>
+            <a:r>
+              <a:rPr/>
+              <a:t>The</a:t>
+            </a:r>
+            <a:r>
+              <a:rPr/>
+              <a:t> </a:t>
+            </a:r>
+            <a:r>
+              <a:rPr/>
+              <a:t>tall</a:t>
+            </a:r>
+            <a:r>
+              <a:rPr/>
+              <a:t> </a:t>
+            </a:r>
+            <a:r>
+              <a:rPr/>
+              <a:t>and</a:t>
+            </a:r>
+            <a:r>
+              <a:rPr/>
+              <a:t> </a:t>
+            </a:r>
+            <a:r>
+              <a:rPr/>
+              <a:t>thin</a:t>
+            </a:r>
+            <a:r>
+              <a:rPr/>
+              <a:t> </a:t>
+            </a:r>
+            <a:r>
+              <a:rPr/>
+              <a:t>format</a:t>
+            </a:r>
+            <a:r>
+              <a:rPr/>
+              <a:t> </a:t>
+            </a:r>
+            <a:r>
+              <a:rPr/>
+              <a:t>has</a:t>
+            </a:r>
+            <a:r>
+              <a:rPr/>
+              <a:t> </a:t>
+            </a:r>
+            <a:r>
+              <a:rPr/>
+              <a:t>one</a:t>
+            </a:r>
+            <a:r>
+              <a:rPr/>
+              <a:t> </a:t>
+            </a:r>
+            <a:r>
+              <a:rPr/>
+              <a:t>row</a:t>
+            </a:r>
+            <a:r>
+              <a:rPr/>
+              <a:t> </a:t>
+            </a:r>
+            <a:r>
+              <a:rPr/>
+              <a:t>per</a:t>
+            </a:r>
+            <a:r>
+              <a:rPr/>
+              <a:t> </a:t>
+            </a:r>
+            <a:r>
+              <a:rPr/>
               <a:t>time</a:t>
             </a:r>
             <a:r>
@@ -8968,7 +9774,39 @@
             </a:r>
             <a:r>
               <a:rPr/>
-              <a:t>variable</a:t>
+              <a:t>point</a:t>
+            </a:r>
+            <a:r>
+              <a:rPr/>
+              <a:t> </a:t>
+            </a:r>
+            <a:r>
+              <a:rPr/>
+              <a:t>and</a:t>
+            </a:r>
+            <a:r>
+              <a:rPr/>
+              <a:t> </a:t>
+            </a:r>
+            <a:r>
+              <a:rPr/>
+              <a:t>strings</a:t>
+            </a:r>
+            <a:r>
+              <a:rPr/>
+              <a:t> </a:t>
+            </a:r>
+            <a:r>
+              <a:rPr/>
+              <a:t>out</a:t>
+            </a:r>
+            <a:r>
+              <a:rPr/>
+              <a:t> </a:t>
+            </a:r>
+            <a:r>
+              <a:rPr/>
+              <a:t>the</a:t>
             </a:r>
             <a:r>
               <a:rPr/>
@@ -8984,47 +9822,15 @@
             </a:r>
             <a:r>
               <a:rPr/>
-              <a:t>from</a:t>
-            </a:r>
-            <a:r>
-              <a:rPr/>
-              <a:t> </a:t>
-            </a:r>
-            <a:r>
-              <a:rPr/>
-              <a:t>the</a:t>
-            </a:r>
-            <a:r>
-              <a:rPr/>
-              <a:t> </a:t>
-            </a:r>
-            <a:r>
-              <a:rPr/>
-              <a:t>tall</a:t>
-            </a:r>
-            <a:r>
-              <a:rPr/>
-              <a:t> </a:t>
-            </a:r>
-            <a:r>
-              <a:rPr/>
-              <a:t>and</a:t>
-            </a:r>
-            <a:r>
-              <a:rPr/>
-              <a:t> </a:t>
-            </a:r>
-            <a:r>
-              <a:rPr/>
-              <a:t>thin</a:t>
-            </a:r>
-            <a:r>
-              <a:rPr/>
-              <a:t> </a:t>
-            </a:r>
-            <a:r>
-              <a:rPr/>
-              <a:t>format.</a:t>
+              <a:t>far</a:t>
+            </a:r>
+            <a:r>
+              <a:rPr/>
+              <a:t> </a:t>
+            </a:r>
+            <a:r>
+              <a:rPr/>
+              <a:t>down.</a:t>
             </a:r>
           </a:p>
           <a:p>
@@ -9038,7 +9844,7 @@
             </a:pPr>
             <a:r>
               <a:rPr/>
-              <a:t>Update</a:t>
+              <a:t>Use</a:t>
             </a:r>
             <a:r>
               <a:rPr/>
@@ -9054,47 +9860,23 @@
             </a:r>
             <a:r>
               <a:rPr/>
-              <a:t>time</a:t>
-            </a:r>
-            <a:r>
-              <a:rPr/>
-              <a:t> </a:t>
-            </a:r>
-            <a:r>
-              <a:rPr/>
-              <a:t>constant</a:t>
-            </a:r>
-            <a:r>
-              <a:rPr/>
-              <a:t> </a:t>
-            </a:r>
-            <a:r>
-              <a:rPr/>
-              <a:t>table</a:t>
-            </a:r>
-            <a:r>
-              <a:rPr/>
-              <a:t> </a:t>
-            </a:r>
-            <a:r>
-              <a:rPr/>
-              <a:t>only</a:t>
-            </a:r>
-            <a:r>
-              <a:rPr/>
-              <a:t> </a:t>
-            </a:r>
-            <a:r>
-              <a:rPr/>
-              <a:t>once.</a:t>
-            </a:r>
-            <a:r>
-              <a:rPr/>
-              <a:t> </a:t>
-            </a:r>
-            <a:r>
-              <a:rPr/>
-              <a:t>Update</a:t>
+              <a:t>gather</a:t>
+            </a:r>
+            <a:r>
+              <a:rPr/>
+              <a:t> </a:t>
+            </a:r>
+            <a:r>
+              <a:rPr/>
+              <a:t>function</a:t>
+            </a:r>
+            <a:r>
+              <a:rPr/>
+              <a:t> </a:t>
+            </a:r>
+            <a:r>
+              <a:rPr/>
+              <a:t>in</a:t>
             </a:r>
             <a:r>
               <a:rPr/>
@@ -9110,71 +9892,39 @@
             </a:r>
             <a:r>
               <a:rPr/>
-              <a:t>time</a:t>
-            </a:r>
-            <a:r>
-              <a:rPr/>
-              <a:t> </a:t>
-            </a:r>
-            <a:r>
-              <a:rPr/>
-              <a:t>varying</a:t>
-            </a:r>
-            <a:r>
-              <a:rPr/>
-              <a:t> </a:t>
-            </a:r>
-            <a:r>
-              <a:rPr/>
-              <a:t>table</a:t>
-            </a:r>
-            <a:r>
-              <a:rPr/>
-              <a:t> </a:t>
-            </a:r>
-            <a:r>
-              <a:rPr/>
-              <a:t>each</a:t>
-            </a:r>
-            <a:r>
-              <a:rPr/>
-              <a:t> </a:t>
-            </a:r>
-            <a:r>
-              <a:rPr/>
-              <a:t>time</a:t>
-            </a:r>
-            <a:r>
-              <a:rPr/>
-              <a:t> </a:t>
-            </a:r>
-            <a:r>
-              <a:rPr/>
-              <a:t>you</a:t>
-            </a:r>
-            <a:r>
-              <a:rPr/>
-              <a:t> </a:t>
-            </a:r>
-            <a:r>
-              <a:rPr/>
-              <a:t>get</a:t>
-            </a:r>
-            <a:r>
-              <a:rPr/>
-              <a:t> </a:t>
-            </a:r>
-            <a:r>
-              <a:rPr/>
-              <a:t>information</a:t>
-            </a:r>
-            <a:r>
-              <a:rPr/>
-              <a:t> </a:t>
-            </a:r>
-            <a:r>
-              <a:rPr/>
-              <a:t>at</a:t>
+              <a:t>tidyr</a:t>
+            </a:r>
+            <a:r>
+              <a:rPr/>
+              <a:t> </a:t>
+            </a:r>
+            <a:r>
+              <a:rPr/>
+              <a:t>library</a:t>
+            </a:r>
+            <a:r>
+              <a:rPr/>
+              <a:t> </a:t>
+            </a:r>
+            <a:r>
+              <a:rPr/>
+              <a:t>to</a:t>
+            </a:r>
+            <a:r>
+              <a:rPr/>
+              <a:t> </a:t>
+            </a:r>
+            <a:r>
+              <a:rPr/>
+              <a:t>convert</a:t>
+            </a:r>
+            <a:r>
+              <a:rPr/>
+              <a:t> </a:t>
+            </a:r>
+            <a:r>
+              <a:rPr/>
+              <a:t>from</a:t>
             </a:r>
             <a:r>
               <a:rPr/>
@@ -9190,23 +9940,223 @@
             </a:r>
             <a:r>
               <a:rPr/>
-              <a:t>new</a:t>
-            </a:r>
-            <a:r>
-              <a:rPr/>
-              <a:t> </a:t>
-            </a:r>
-            <a:r>
-              <a:rPr/>
-              <a:t>patient</a:t>
-            </a:r>
-            <a:r>
-              <a:rPr/>
-              <a:t> </a:t>
-            </a:r>
-            <a:r>
-              <a:rPr/>
-              <a:t>visit.</a:t>
+              <a:t>short</a:t>
+            </a:r>
+            <a:r>
+              <a:rPr/>
+              <a:t> </a:t>
+            </a:r>
+            <a:r>
+              <a:rPr/>
+              <a:t>and</a:t>
+            </a:r>
+            <a:r>
+              <a:rPr/>
+              <a:t> </a:t>
+            </a:r>
+            <a:r>
+              <a:rPr/>
+              <a:t>fat</a:t>
+            </a:r>
+            <a:r>
+              <a:rPr/>
+              <a:t> </a:t>
+            </a:r>
+            <a:r>
+              <a:rPr/>
+              <a:t>format</a:t>
+            </a:r>
+            <a:r>
+              <a:rPr/>
+              <a:t> </a:t>
+            </a:r>
+            <a:r>
+              <a:rPr/>
+              <a:t>into</a:t>
+            </a:r>
+            <a:r>
+              <a:rPr/>
+              <a:t> </a:t>
+            </a:r>
+            <a:r>
+              <a:rPr/>
+              <a:t>a</a:t>
+            </a:r>
+            <a:r>
+              <a:rPr/>
+              <a:t> </a:t>
+            </a:r>
+            <a:r>
+              <a:rPr/>
+              <a:t>tall</a:t>
+            </a:r>
+            <a:r>
+              <a:rPr/>
+              <a:t> </a:t>
+            </a:r>
+            <a:r>
+              <a:rPr/>
+              <a:t>and</a:t>
+            </a:r>
+            <a:r>
+              <a:rPr/>
+              <a:t> </a:t>
+            </a:r>
+            <a:r>
+              <a:rPr/>
+              <a:t>thin</a:t>
+            </a:r>
+            <a:r>
+              <a:rPr/>
+              <a:t> </a:t>
+            </a:r>
+            <a:r>
+              <a:rPr/>
+              <a:t>format.</a:t>
+            </a:r>
+            <a:r>
+              <a:rPr/>
+              <a:t> </a:t>
+            </a:r>
+            <a:r>
+              <a:rPr/>
+              <a:t>Use</a:t>
+            </a:r>
+            <a:r>
+              <a:rPr/>
+              <a:t> </a:t>
+            </a:r>
+            <a:r>
+              <a:rPr/>
+              <a:t>the</a:t>
+            </a:r>
+            <a:r>
+              <a:rPr/>
+              <a:t> </a:t>
+            </a:r>
+            <a:r>
+              <a:rPr/>
+              <a:t>spread</a:t>
+            </a:r>
+            <a:r>
+              <a:rPr/>
+              <a:t> </a:t>
+            </a:r>
+            <a:r>
+              <a:rPr/>
+              <a:t>function</a:t>
+            </a:r>
+            <a:r>
+              <a:rPr/>
+              <a:t> </a:t>
+            </a:r>
+            <a:r>
+              <a:rPr/>
+              <a:t>to</a:t>
+            </a:r>
+            <a:r>
+              <a:rPr/>
+              <a:t> </a:t>
+            </a:r>
+            <a:r>
+              <a:rPr/>
+              <a:t>convert</a:t>
+            </a:r>
+            <a:r>
+              <a:rPr/>
+              <a:t> </a:t>
+            </a:r>
+            <a:r>
+              <a:rPr/>
+              <a:t>from</a:t>
+            </a:r>
+            <a:r>
+              <a:rPr/>
+              <a:t> </a:t>
+            </a:r>
+            <a:r>
+              <a:rPr/>
+              <a:t>a</a:t>
+            </a:r>
+            <a:r>
+              <a:rPr/>
+              <a:t> </a:t>
+            </a:r>
+            <a:r>
+              <a:rPr/>
+              <a:t>tall</a:t>
+            </a:r>
+            <a:r>
+              <a:rPr/>
+              <a:t> </a:t>
+            </a:r>
+            <a:r>
+              <a:rPr/>
+              <a:t>and</a:t>
+            </a:r>
+            <a:r>
+              <a:rPr/>
+              <a:t> </a:t>
+            </a:r>
+            <a:r>
+              <a:rPr/>
+              <a:t>thin</a:t>
+            </a:r>
+            <a:r>
+              <a:rPr/>
+              <a:t> </a:t>
+            </a:r>
+            <a:r>
+              <a:rPr/>
+              <a:t>format</a:t>
+            </a:r>
+            <a:r>
+              <a:rPr/>
+              <a:t> </a:t>
+            </a:r>
+            <a:r>
+              <a:rPr/>
+              <a:t>to</a:t>
+            </a:r>
+            <a:r>
+              <a:rPr/>
+              <a:t> </a:t>
+            </a:r>
+            <a:r>
+              <a:rPr/>
+              <a:t>a</a:t>
+            </a:r>
+            <a:r>
+              <a:rPr/>
+              <a:t> </a:t>
+            </a:r>
+            <a:r>
+              <a:rPr/>
+              <a:t>short</a:t>
+            </a:r>
+            <a:r>
+              <a:rPr/>
+              <a:t> </a:t>
+            </a:r>
+            <a:r>
+              <a:rPr/>
+              <a:t>and</a:t>
+            </a:r>
+            <a:r>
+              <a:rPr/>
+              <a:t> </a:t>
+            </a:r>
+            <a:r>
+              <a:rPr/>
+              <a:t>fat</a:t>
+            </a:r>
+            <a:r>
+              <a:rPr/>
+              <a:t> </a:t>
+            </a:r>
+            <a:r>
+              <a:rPr/>
+              <a:t>format.</a:t>
             </a:r>
           </a:p>
           <a:p>
@@ -9220,15 +10170,135 @@
             </a:pPr>
             <a:r>
               <a:rPr/>
-              <a:t>Note</a:t>
-            </a:r>
-            <a:r>
-              <a:rPr/>
-              <a:t> </a:t>
-            </a:r>
-            <a:r>
-              <a:rPr/>
-              <a:t>that</a:t>
+              <a:t>From</a:t>
+            </a:r>
+            <a:r>
+              <a:rPr/>
+              <a:t> </a:t>
+            </a:r>
+            <a:r>
+              <a:rPr/>
+              <a:t>a</a:t>
+            </a:r>
+            <a:r>
+              <a:rPr/>
+              <a:t> </a:t>
+            </a:r>
+            <a:r>
+              <a:rPr/>
+              <a:t>data</a:t>
+            </a:r>
+            <a:r>
+              <a:rPr/>
+              <a:t> </a:t>
+            </a:r>
+            <a:r>
+              <a:rPr/>
+              <a:t>management</a:t>
+            </a:r>
+            <a:r>
+              <a:rPr/>
+              <a:t> </a:t>
+            </a:r>
+            <a:r>
+              <a:rPr/>
+              <a:t>approach,</a:t>
+            </a:r>
+            <a:r>
+              <a:rPr/>
+              <a:t> </a:t>
+            </a:r>
+            <a:r>
+              <a:rPr/>
+              <a:t>you</a:t>
+            </a:r>
+            <a:r>
+              <a:rPr/>
+              <a:t> </a:t>
+            </a:r>
+            <a:r>
+              <a:rPr/>
+              <a:t>should</a:t>
+            </a:r>
+            <a:r>
+              <a:rPr/>
+              <a:t> </a:t>
+            </a:r>
+            <a:r>
+              <a:rPr/>
+              <a:t>consider</a:t>
+            </a:r>
+            <a:r>
+              <a:rPr/>
+              <a:t> </a:t>
+            </a:r>
+            <a:r>
+              <a:rPr/>
+              <a:t>a</a:t>
+            </a:r>
+            <a:r>
+              <a:rPr/>
+              <a:t> </a:t>
+            </a:r>
+            <a:r>
+              <a:rPr/>
+              <a:t>database</a:t>
+            </a:r>
+            <a:r>
+              <a:rPr/>
+              <a:t> </a:t>
+            </a:r>
+            <a:r>
+              <a:rPr/>
+              <a:t>term</a:t>
+            </a:r>
+            <a:r>
+              <a:rPr/>
+              <a:t> </a:t>
+            </a:r>
+            <a:r>
+              <a:rPr/>
+              <a:t>called</a:t>
+            </a:r>
+            <a:r>
+              <a:rPr/>
+              <a:t> </a:t>
+            </a:r>
+            <a:r>
+              <a:rPr/>
+              <a:t>normalization.</a:t>
+            </a:r>
+            <a:r>
+              <a:rPr/>
+              <a:t> </a:t>
+            </a:r>
+            <a:r>
+              <a:rPr/>
+              <a:t>In</a:t>
+            </a:r>
+            <a:r>
+              <a:rPr/>
+              <a:t> </a:t>
+            </a:r>
+            <a:r>
+              <a:rPr/>
+              <a:t>a</a:t>
+            </a:r>
+            <a:r>
+              <a:rPr/>
+              <a:t> </a:t>
+            </a:r>
+            <a:r>
+              <a:rPr/>
+              <a:t>longitudinal</a:t>
+            </a:r>
+            <a:r>
+              <a:rPr/>
+              <a:t> </a:t>
+            </a:r>
+            <a:r>
+              <a:rPr/>
+              <a:t>setting,</a:t>
             </a:r>
             <a:r>
               <a:rPr/>
@@ -9244,47 +10314,63 @@
             </a:r>
             <a:r>
               <a:rPr/>
-              <a:t>is</a:t>
-            </a:r>
-            <a:r>
-              <a:rPr/>
-              <a:t> </a:t>
-            </a:r>
-            <a:r>
-              <a:rPr/>
-              <a:t>what</a:t>
-            </a:r>
-            <a:r>
-              <a:rPr/>
-              <a:t> </a:t>
-            </a:r>
-            <a:r>
-              <a:rPr/>
-              <a:t>you</a:t>
-            </a:r>
-            <a:r>
-              <a:rPr/>
-              <a:t> </a:t>
-            </a:r>
-            <a:r>
-              <a:rPr/>
-              <a:t>should</a:t>
-            </a:r>
-            <a:r>
-              <a:rPr/>
-              <a:t> </a:t>
-            </a:r>
-            <a:r>
-              <a:rPr/>
-              <a:t>do</a:t>
-            </a:r>
-            <a:r>
-              <a:rPr/>
-              <a:t> </a:t>
-            </a:r>
-            <a:r>
-              <a:rPr/>
-              <a:t>before</a:t>
+              <a:t>simply</a:t>
+            </a:r>
+            <a:r>
+              <a:rPr/>
+              <a:t> </a:t>
+            </a:r>
+            <a:r>
+              <a:rPr/>
+              <a:t>means</a:t>
+            </a:r>
+            <a:r>
+              <a:rPr/>
+              <a:t> </a:t>
+            </a:r>
+            <a:r>
+              <a:rPr/>
+              <a:t>putting</a:t>
+            </a:r>
+            <a:r>
+              <a:rPr/>
+              <a:t> </a:t>
+            </a:r>
+            <a:r>
+              <a:rPr/>
+              <a:t>your</a:t>
+            </a:r>
+            <a:r>
+              <a:rPr/>
+              <a:t> </a:t>
+            </a:r>
+            <a:r>
+              <a:rPr/>
+              <a:t>time</a:t>
+            </a:r>
+            <a:r>
+              <a:rPr/>
+              <a:t> </a:t>
+            </a:r>
+            <a:r>
+              <a:rPr/>
+              <a:t>constant</a:t>
+            </a:r>
+            <a:r>
+              <a:rPr/>
+              <a:t> </a:t>
+            </a:r>
+            <a:r>
+              <a:rPr/>
+              <a:t>data</a:t>
+            </a:r>
+            <a:r>
+              <a:rPr/>
+              <a:t> </a:t>
+            </a:r>
+            <a:r>
+              <a:rPr/>
+              <a:t>(usually</a:t>
             </a:r>
             <a:r>
               <a:rPr/>
@@ -9300,6 +10386,166 @@
             </a:r>
             <a:r>
               <a:rPr/>
+              <a:t>demographic</a:t>
+            </a:r>
+            <a:r>
+              <a:rPr/>
+              <a:t> </a:t>
+            </a:r>
+            <a:r>
+              <a:rPr/>
+              <a:t>variables)</a:t>
+            </a:r>
+            <a:r>
+              <a:rPr/>
+              <a:t> </a:t>
+            </a:r>
+            <a:r>
+              <a:rPr/>
+              <a:t>in</a:t>
+            </a:r>
+            <a:r>
+              <a:rPr/>
+              <a:t> </a:t>
+            </a:r>
+            <a:r>
+              <a:rPr/>
+              <a:t>a</a:t>
+            </a:r>
+            <a:r>
+              <a:rPr/>
+              <a:t> </a:t>
+            </a:r>
+            <a:r>
+              <a:rPr/>
+              <a:t>table</a:t>
+            </a:r>
+            <a:r>
+              <a:rPr/>
+              <a:t> </a:t>
+            </a:r>
+            <a:r>
+              <a:rPr/>
+              <a:t>using</a:t>
+            </a:r>
+            <a:r>
+              <a:rPr/>
+              <a:t> </a:t>
+            </a:r>
+            <a:r>
+              <a:rPr/>
+              <a:t>the</a:t>
+            </a:r>
+            <a:r>
+              <a:rPr/>
+              <a:t> </a:t>
+            </a:r>
+            <a:r>
+              <a:rPr/>
+              <a:t>short</a:t>
+            </a:r>
+            <a:r>
+              <a:rPr/>
+              <a:t> </a:t>
+            </a:r>
+            <a:r>
+              <a:rPr/>
+              <a:t>and</a:t>
+            </a:r>
+            <a:r>
+              <a:rPr/>
+              <a:t> </a:t>
+            </a:r>
+            <a:r>
+              <a:rPr/>
+              <a:t>fat</a:t>
+            </a:r>
+            <a:r>
+              <a:rPr/>
+              <a:t> </a:t>
+            </a:r>
+            <a:r>
+              <a:rPr/>
+              <a:t>format</a:t>
+            </a:r>
+            <a:r>
+              <a:rPr/>
+              <a:t> </a:t>
+            </a:r>
+            <a:r>
+              <a:rPr/>
+              <a:t>(one</a:t>
+            </a:r>
+            <a:r>
+              <a:rPr/>
+              <a:t> </a:t>
+            </a:r>
+            <a:r>
+              <a:rPr/>
+              <a:t>row</a:t>
+            </a:r>
+            <a:r>
+              <a:rPr/>
+              <a:t> </a:t>
+            </a:r>
+            <a:r>
+              <a:rPr/>
+              <a:t>per</a:t>
+            </a:r>
+            <a:r>
+              <a:rPr/>
+              <a:t> </a:t>
+            </a:r>
+            <a:r>
+              <a:rPr/>
+              <a:t>patient).</a:t>
+            </a:r>
+            <a:r>
+              <a:rPr/>
+              <a:t> </a:t>
+            </a:r>
+            <a:r>
+              <a:rPr/>
+              <a:t>Then</a:t>
+            </a:r>
+            <a:r>
+              <a:rPr/>
+              <a:t> </a:t>
+            </a:r>
+            <a:r>
+              <a:rPr/>
+              <a:t>put</a:t>
+            </a:r>
+            <a:r>
+              <a:rPr/>
+              <a:t> </a:t>
+            </a:r>
+            <a:r>
+              <a:rPr/>
+              <a:t>your</a:t>
+            </a:r>
+            <a:r>
+              <a:rPr/>
+              <a:t> </a:t>
+            </a:r>
+            <a:r>
+              <a:rPr/>
+              <a:t>time</a:t>
+            </a:r>
+            <a:r>
+              <a:rPr/>
+              <a:t> </a:t>
+            </a:r>
+            <a:r>
+              <a:rPr/>
+              <a:t>varying</a:t>
+            </a:r>
+            <a:r>
+              <a:rPr/>
+              <a:t> </a:t>
+            </a:r>
+            <a:r>
+              <a:rPr/>
               <a:t>data</a:t>
             </a:r>
             <a:r>
@@ -9308,23 +10554,39 @@
             </a:r>
             <a:r>
               <a:rPr/>
-              <a:t>is</a:t>
-            </a:r>
-            <a:r>
-              <a:rPr/>
-              <a:t> </a:t>
-            </a:r>
-            <a:r>
-              <a:rPr/>
-              <a:t>collected.</a:t>
-            </a:r>
-            <a:r>
-              <a:rPr/>
-              <a:t> </a:t>
-            </a:r>
-            <a:r>
-              <a:rPr/>
-              <a:t>If</a:t>
+              <a:t>in</a:t>
+            </a:r>
+            <a:r>
+              <a:rPr/>
+              <a:t> </a:t>
+            </a:r>
+            <a:r>
+              <a:rPr/>
+              <a:t>a</a:t>
+            </a:r>
+            <a:r>
+              <a:rPr/>
+              <a:t> </a:t>
+            </a:r>
+            <a:r>
+              <a:rPr/>
+              <a:t>different</a:t>
+            </a:r>
+            <a:r>
+              <a:rPr/>
+              <a:t> </a:t>
+            </a:r>
+            <a:r>
+              <a:rPr/>
+              <a:t>table</a:t>
+            </a:r>
+            <a:r>
+              <a:rPr/>
+              <a:t> </a:t>
+            </a:r>
+            <a:r>
+              <a:rPr/>
+              <a:t>using</a:t>
             </a:r>
             <a:r>
               <a:rPr/>
@@ -9340,135 +10602,23 @@
             </a:r>
             <a:r>
               <a:rPr/>
-              <a:t>data</a:t>
-            </a:r>
-            <a:r>
-              <a:rPr/>
-              <a:t> </a:t>
-            </a:r>
-            <a:r>
-              <a:rPr/>
-              <a:t>is</a:t>
-            </a:r>
-            <a:r>
-              <a:rPr/>
-              <a:t> </a:t>
-            </a:r>
-            <a:r>
-              <a:rPr/>
-              <a:t>already</a:t>
-            </a:r>
-            <a:r>
-              <a:rPr/>
-              <a:t> </a:t>
-            </a:r>
-            <a:r>
-              <a:rPr/>
-              <a:t>collected</a:t>
-            </a:r>
-            <a:r>
-              <a:rPr/>
-              <a:t> </a:t>
-            </a:r>
-            <a:r>
-              <a:rPr/>
-              <a:t>by</a:t>
-            </a:r>
-            <a:r>
-              <a:rPr/>
-              <a:t> </a:t>
-            </a:r>
-            <a:r>
-              <a:rPr/>
-              <a:t>someone</a:t>
-            </a:r>
-            <a:r>
-              <a:rPr/>
-              <a:t> </a:t>
-            </a:r>
-            <a:r>
-              <a:rPr/>
-              <a:t>else,</a:t>
-            </a:r>
-            <a:r>
-              <a:rPr/>
-              <a:t> </a:t>
-            </a:r>
-            <a:r>
-              <a:rPr/>
-              <a:t>then</a:t>
-            </a:r>
-            <a:r>
-              <a:rPr/>
-              <a:t> </a:t>
-            </a:r>
-            <a:r>
-              <a:rPr/>
-              <a:t>you</a:t>
-            </a:r>
-            <a:r>
-              <a:rPr/>
-              <a:t> </a:t>
-            </a:r>
-            <a:r>
-              <a:rPr/>
-              <a:t>have</a:t>
-            </a:r>
-            <a:r>
-              <a:rPr/>
-              <a:t> </a:t>
-            </a:r>
-            <a:r>
-              <a:rPr/>
-              <a:t>to</a:t>
-            </a:r>
-            <a:r>
-              <a:rPr/>
-              <a:t> </a:t>
-            </a:r>
-            <a:r>
-              <a:rPr/>
-              <a:t>live</a:t>
-            </a:r>
-            <a:r>
-              <a:rPr/>
-              <a:t> </a:t>
-            </a:r>
-            <a:r>
-              <a:rPr/>
-              <a:t>with</a:t>
-            </a:r>
-            <a:r>
-              <a:rPr/>
-              <a:t> </a:t>
-            </a:r>
-            <a:r>
-              <a:rPr/>
-              <a:t>the</a:t>
-            </a:r>
-            <a:r>
-              <a:rPr/>
-              <a:t> </a:t>
-            </a:r>
-            <a:r>
-              <a:rPr/>
-              <a:t>limitations</a:t>
-            </a:r>
-            <a:r>
-              <a:rPr/>
-              <a:t> </a:t>
-            </a:r>
-            <a:r>
-              <a:rPr/>
-              <a:t>of</a:t>
-            </a:r>
-            <a:r>
-              <a:rPr/>
-              <a:t> </a:t>
-            </a:r>
-            <a:r>
-              <a:rPr/>
-              <a:t>whatever</a:t>
+              <a:t>tall</a:t>
+            </a:r>
+            <a:r>
+              <a:rPr/>
+              <a:t> </a:t>
+            </a:r>
+            <a:r>
+              <a:rPr/>
+              <a:t>and</a:t>
+            </a:r>
+            <a:r>
+              <a:rPr/>
+              <a:t> </a:t>
+            </a:r>
+            <a:r>
+              <a:rPr/>
+              <a:t>thin</a:t>
             </a:r>
             <a:r>
               <a:rPr/>
@@ -9484,15 +10634,39 @@
             </a:r>
             <a:r>
               <a:rPr/>
-              <a:t>they</a:t>
-            </a:r>
-            <a:r>
-              <a:rPr/>
-              <a:t> </a:t>
-            </a:r>
-            <a:r>
-              <a:rPr/>
-              <a:t>chose.</a:t>
+              <a:t>(one</a:t>
+            </a:r>
+            <a:r>
+              <a:rPr/>
+              <a:t> </a:t>
+            </a:r>
+            <a:r>
+              <a:rPr/>
+              <a:t>row</a:t>
+            </a:r>
+            <a:r>
+              <a:rPr/>
+              <a:t> </a:t>
+            </a:r>
+            <a:r>
+              <a:rPr/>
+              <a:t>per</a:t>
+            </a:r>
+            <a:r>
+              <a:rPr/>
+              <a:t> </a:t>
+            </a:r>
+            <a:r>
+              <a:rPr/>
+              <a:t>time</a:t>
+            </a:r>
+            <a:r>
+              <a:rPr/>
+              <a:t> </a:t>
+            </a:r>
+            <a:r>
+              <a:rPr/>
+              <a:t>point).</a:t>
             </a:r>
           </a:p>
         </p:txBody>
@@ -9514,1325 +10688,7 @@
           <a:p>
             <a:fld id="{18BDFEC3-8487-43E8-A154-7C12CBC1FFF2}" type="slidenum">
               <a:rPr lang="en-US"/>
-              <a:t>56</a:t>
-            </a:fld>
-            <a:endParaRPr lang="en-US"/>
-          </a:p>
-        </p:txBody>
-      </p:sp>
-    </p:spTree>
-  </p:cSld>
-</p:notes>
-</file>
-
-<file path=ppt/notesSlides/notesSlide37.xml><?xml version="1.0" encoding="utf-8"?>
-<p:notes xmlns:a="http://schemas.openxmlformats.org/drawingml/2006/main" xmlns:r="http://schemas.openxmlformats.org/officeDocument/2006/relationships" xmlns:p="http://schemas.openxmlformats.org/presentationml/2006/main">
-  <p:cSld>
-    <p:spTree>
-      <p:nvGrpSpPr>
-        <p:cNvPr id="1" name=""/>
-        <p:cNvGrpSpPr/>
-        <p:nvPr/>
-      </p:nvGrpSpPr>
-      <p:grpSpPr>
-        <a:xfrm>
-          <a:off x="0" y="0"/>
-          <a:ext cx="0" cy="0"/>
-          <a:chOff x="0" y="0"/>
-          <a:chExt cx="0" cy="0"/>
-        </a:xfrm>
-      </p:grpSpPr>
-      <p:sp>
-        <p:nvSpPr>
-          <p:cNvPr id="2" name="Slide Image Placeholder 1"/>
-          <p:cNvSpPr>
-            <a:spLocks noGrp="1" noRot="1" noChangeAspect="1"/>
-          </p:cNvSpPr>
-          <p:nvPr>
-            <p:ph type="sldImg"/>
-          </p:nvPr>
-        </p:nvSpPr>
-        <p:spPr/>
-      </p:sp>
-      <p:sp>
-        <p:nvSpPr>
-          <p:cNvPr id="3" name="Notes Placeholder 2"/>
-          <p:cNvSpPr>
-            <a:spLocks noGrp="1"/>
-          </p:cNvSpPr>
-          <p:nvPr>
-            <p:ph type="body" idx="1"/>
-          </p:nvPr>
-        </p:nvSpPr>
-        <p:spPr/>
-        <p:txBody>
-          <a:bodyPr/>
-          <a:lstStyle/>
-          <a:p>
-            <a:pPr lvl="0" marL="0" indent="0">
-              <a:buNone/>
-            </a:pPr>
-            <a:r>
-              <a:rPr/>
-              <a:t>We’ve</a:t>
-            </a:r>
-            <a:r>
-              <a:rPr/>
-              <a:t> </a:t>
-            </a:r>
-            <a:r>
-              <a:rPr/>
-              <a:t>covered</a:t>
-            </a:r>
-            <a:r>
-              <a:rPr/>
-              <a:t> </a:t>
-            </a:r>
-            <a:r>
-              <a:rPr/>
-              <a:t>a</a:t>
-            </a:r>
-            <a:r>
-              <a:rPr/>
-              <a:t> </a:t>
-            </a:r>
-            <a:r>
-              <a:rPr/>
-              <a:t>lot</a:t>
-            </a:r>
-            <a:r>
-              <a:rPr/>
-              <a:t> </a:t>
-            </a:r>
-            <a:r>
-              <a:rPr/>
-              <a:t>in</a:t>
-            </a:r>
-            <a:r>
-              <a:rPr/>
-              <a:t> </a:t>
-            </a:r>
-            <a:r>
-              <a:rPr/>
-              <a:t>these</a:t>
-            </a:r>
-            <a:r>
-              <a:rPr/>
-              <a:t> </a:t>
-            </a:r>
-            <a:r>
-              <a:rPr/>
-              <a:t>videos.</a:t>
-            </a:r>
-            <a:r>
-              <a:rPr/>
-              <a:t> </a:t>
-            </a:r>
-            <a:r>
-              <a:rPr/>
-              <a:t>There</a:t>
-            </a:r>
-            <a:r>
-              <a:rPr/>
-              <a:t> </a:t>
-            </a:r>
-            <a:r>
-              <a:rPr/>
-              <a:t>are</a:t>
-            </a:r>
-            <a:r>
-              <a:rPr/>
-              <a:t> </a:t>
-            </a:r>
-            <a:r>
-              <a:rPr/>
-              <a:t>two</a:t>
-            </a:r>
-            <a:r>
-              <a:rPr/>
-              <a:t> </a:t>
-            </a:r>
-            <a:r>
-              <a:rPr/>
-              <a:t>formats</a:t>
-            </a:r>
-            <a:r>
-              <a:rPr/>
-              <a:t> </a:t>
-            </a:r>
-            <a:r>
-              <a:rPr/>
-              <a:t>for</a:t>
-            </a:r>
-            <a:r>
-              <a:rPr/>
-              <a:t> </a:t>
-            </a:r>
-            <a:r>
-              <a:rPr/>
-              <a:t>longitudinal</a:t>
-            </a:r>
-            <a:r>
-              <a:rPr/>
-              <a:t> </a:t>
-            </a:r>
-            <a:r>
-              <a:rPr/>
-              <a:t>data.</a:t>
-            </a:r>
-            <a:r>
-              <a:rPr/>
-              <a:t> </a:t>
-            </a:r>
-            <a:r>
-              <a:rPr/>
-              <a:t>The</a:t>
-            </a:r>
-            <a:r>
-              <a:rPr/>
-              <a:t> </a:t>
-            </a:r>
-            <a:r>
-              <a:rPr/>
-              <a:t>short</a:t>
-            </a:r>
-            <a:r>
-              <a:rPr/>
-              <a:t> </a:t>
-            </a:r>
-            <a:r>
-              <a:rPr/>
-              <a:t>and</a:t>
-            </a:r>
-            <a:r>
-              <a:rPr/>
-              <a:t> </a:t>
-            </a:r>
-            <a:r>
-              <a:rPr/>
-              <a:t>fat</a:t>
-            </a:r>
-            <a:r>
-              <a:rPr/>
-              <a:t> </a:t>
-            </a:r>
-            <a:r>
-              <a:rPr/>
-              <a:t>format</a:t>
-            </a:r>
-            <a:r>
-              <a:rPr/>
-              <a:t> </a:t>
-            </a:r>
-            <a:r>
-              <a:rPr/>
-              <a:t>has</a:t>
-            </a:r>
-            <a:r>
-              <a:rPr/>
-              <a:t> </a:t>
-            </a:r>
-            <a:r>
-              <a:rPr/>
-              <a:t>one</a:t>
-            </a:r>
-            <a:r>
-              <a:rPr/>
-              <a:t> </a:t>
-            </a:r>
-            <a:r>
-              <a:rPr/>
-              <a:t>row</a:t>
-            </a:r>
-            <a:r>
-              <a:rPr/>
-              <a:t> </a:t>
-            </a:r>
-            <a:r>
-              <a:rPr/>
-              <a:t>per</a:t>
-            </a:r>
-            <a:r>
-              <a:rPr/>
-              <a:t> </a:t>
-            </a:r>
-            <a:r>
-              <a:rPr/>
-              <a:t>patient</a:t>
-            </a:r>
-            <a:r>
-              <a:rPr/>
-              <a:t> </a:t>
-            </a:r>
-            <a:r>
-              <a:rPr/>
-              <a:t>and</a:t>
-            </a:r>
-            <a:r>
-              <a:rPr/>
-              <a:t> </a:t>
-            </a:r>
-            <a:r>
-              <a:rPr/>
-              <a:t>strings</a:t>
-            </a:r>
-            <a:r>
-              <a:rPr/>
-              <a:t> </a:t>
-            </a:r>
-            <a:r>
-              <a:rPr/>
-              <a:t>out</a:t>
-            </a:r>
-            <a:r>
-              <a:rPr/>
-              <a:t> </a:t>
-            </a:r>
-            <a:r>
-              <a:rPr/>
-              <a:t>the</a:t>
-            </a:r>
-            <a:r>
-              <a:rPr/>
-              <a:t> </a:t>
-            </a:r>
-            <a:r>
-              <a:rPr/>
-              <a:t>data</a:t>
-            </a:r>
-            <a:r>
-              <a:rPr/>
-              <a:t> </a:t>
-            </a:r>
-            <a:r>
-              <a:rPr/>
-              <a:t>far</a:t>
-            </a:r>
-            <a:r>
-              <a:rPr/>
-              <a:t> </a:t>
-            </a:r>
-            <a:r>
-              <a:rPr/>
-              <a:t>to</a:t>
-            </a:r>
-            <a:r>
-              <a:rPr/>
-              <a:t> </a:t>
-            </a:r>
-            <a:r>
-              <a:rPr/>
-              <a:t>the</a:t>
-            </a:r>
-            <a:r>
-              <a:rPr/>
-              <a:t> </a:t>
-            </a:r>
-            <a:r>
-              <a:rPr/>
-              <a:t>right.</a:t>
-            </a:r>
-            <a:r>
-              <a:rPr/>
-              <a:t> </a:t>
-            </a:r>
-            <a:r>
-              <a:rPr/>
-              <a:t>The</a:t>
-            </a:r>
-            <a:r>
-              <a:rPr/>
-              <a:t> </a:t>
-            </a:r>
-            <a:r>
-              <a:rPr/>
-              <a:t>tall</a:t>
-            </a:r>
-            <a:r>
-              <a:rPr/>
-              <a:t> </a:t>
-            </a:r>
-            <a:r>
-              <a:rPr/>
-              <a:t>and</a:t>
-            </a:r>
-            <a:r>
-              <a:rPr/>
-              <a:t> </a:t>
-            </a:r>
-            <a:r>
-              <a:rPr/>
-              <a:t>thin</a:t>
-            </a:r>
-            <a:r>
-              <a:rPr/>
-              <a:t> </a:t>
-            </a:r>
-            <a:r>
-              <a:rPr/>
-              <a:t>format</a:t>
-            </a:r>
-            <a:r>
-              <a:rPr/>
-              <a:t> </a:t>
-            </a:r>
-            <a:r>
-              <a:rPr/>
-              <a:t>has</a:t>
-            </a:r>
-            <a:r>
-              <a:rPr/>
-              <a:t> </a:t>
-            </a:r>
-            <a:r>
-              <a:rPr/>
-              <a:t>one</a:t>
-            </a:r>
-            <a:r>
-              <a:rPr/>
-              <a:t> </a:t>
-            </a:r>
-            <a:r>
-              <a:rPr/>
-              <a:t>row</a:t>
-            </a:r>
-            <a:r>
-              <a:rPr/>
-              <a:t> </a:t>
-            </a:r>
-            <a:r>
-              <a:rPr/>
-              <a:t>per</a:t>
-            </a:r>
-            <a:r>
-              <a:rPr/>
-              <a:t> </a:t>
-            </a:r>
-            <a:r>
-              <a:rPr/>
-              <a:t>time</a:t>
-            </a:r>
-            <a:r>
-              <a:rPr/>
-              <a:t> </a:t>
-            </a:r>
-            <a:r>
-              <a:rPr/>
-              <a:t>point</a:t>
-            </a:r>
-            <a:r>
-              <a:rPr/>
-              <a:t> </a:t>
-            </a:r>
-            <a:r>
-              <a:rPr/>
-              <a:t>and</a:t>
-            </a:r>
-            <a:r>
-              <a:rPr/>
-              <a:t> </a:t>
-            </a:r>
-            <a:r>
-              <a:rPr/>
-              <a:t>strings</a:t>
-            </a:r>
-            <a:r>
-              <a:rPr/>
-              <a:t> </a:t>
-            </a:r>
-            <a:r>
-              <a:rPr/>
-              <a:t>out</a:t>
-            </a:r>
-            <a:r>
-              <a:rPr/>
-              <a:t> </a:t>
-            </a:r>
-            <a:r>
-              <a:rPr/>
-              <a:t>the</a:t>
-            </a:r>
-            <a:r>
-              <a:rPr/>
-              <a:t> </a:t>
-            </a:r>
-            <a:r>
-              <a:rPr/>
-              <a:t>data</a:t>
-            </a:r>
-            <a:r>
-              <a:rPr/>
-              <a:t> </a:t>
-            </a:r>
-            <a:r>
-              <a:rPr/>
-              <a:t>far</a:t>
-            </a:r>
-            <a:r>
-              <a:rPr/>
-              <a:t> </a:t>
-            </a:r>
-            <a:r>
-              <a:rPr/>
-              <a:t>down.</a:t>
-            </a:r>
-          </a:p>
-          <a:p>
-            <a:pPr lvl="0" marL="0" indent="0">
-              <a:buNone/>
-            </a:pPr>
-          </a:p>
-          <a:p>
-            <a:pPr lvl="0" marL="0" indent="0">
-              <a:buNone/>
-            </a:pPr>
-            <a:r>
-              <a:rPr/>
-              <a:t>Use</a:t>
-            </a:r>
-            <a:r>
-              <a:rPr/>
-              <a:t> </a:t>
-            </a:r>
-            <a:r>
-              <a:rPr/>
-              <a:t>the</a:t>
-            </a:r>
-            <a:r>
-              <a:rPr/>
-              <a:t> </a:t>
-            </a:r>
-            <a:r>
-              <a:rPr/>
-              <a:t>gather</a:t>
-            </a:r>
-            <a:r>
-              <a:rPr/>
-              <a:t> </a:t>
-            </a:r>
-            <a:r>
-              <a:rPr/>
-              <a:t>function</a:t>
-            </a:r>
-            <a:r>
-              <a:rPr/>
-              <a:t> </a:t>
-            </a:r>
-            <a:r>
-              <a:rPr/>
-              <a:t>in</a:t>
-            </a:r>
-            <a:r>
-              <a:rPr/>
-              <a:t> </a:t>
-            </a:r>
-            <a:r>
-              <a:rPr/>
-              <a:t>the</a:t>
-            </a:r>
-            <a:r>
-              <a:rPr/>
-              <a:t> </a:t>
-            </a:r>
-            <a:r>
-              <a:rPr/>
-              <a:t>tidyr</a:t>
-            </a:r>
-            <a:r>
-              <a:rPr/>
-              <a:t> </a:t>
-            </a:r>
-            <a:r>
-              <a:rPr/>
-              <a:t>library</a:t>
-            </a:r>
-            <a:r>
-              <a:rPr/>
-              <a:t> </a:t>
-            </a:r>
-            <a:r>
-              <a:rPr/>
-              <a:t>to</a:t>
-            </a:r>
-            <a:r>
-              <a:rPr/>
-              <a:t> </a:t>
-            </a:r>
-            <a:r>
-              <a:rPr/>
-              <a:t>convert</a:t>
-            </a:r>
-            <a:r>
-              <a:rPr/>
-              <a:t> </a:t>
-            </a:r>
-            <a:r>
-              <a:rPr/>
-              <a:t>from</a:t>
-            </a:r>
-            <a:r>
-              <a:rPr/>
-              <a:t> </a:t>
-            </a:r>
-            <a:r>
-              <a:rPr/>
-              <a:t>a</a:t>
-            </a:r>
-            <a:r>
-              <a:rPr/>
-              <a:t> </a:t>
-            </a:r>
-            <a:r>
-              <a:rPr/>
-              <a:t>short</a:t>
-            </a:r>
-            <a:r>
-              <a:rPr/>
-              <a:t> </a:t>
-            </a:r>
-            <a:r>
-              <a:rPr/>
-              <a:t>and</a:t>
-            </a:r>
-            <a:r>
-              <a:rPr/>
-              <a:t> </a:t>
-            </a:r>
-            <a:r>
-              <a:rPr/>
-              <a:t>fat</a:t>
-            </a:r>
-            <a:r>
-              <a:rPr/>
-              <a:t> </a:t>
-            </a:r>
-            <a:r>
-              <a:rPr/>
-              <a:t>format</a:t>
-            </a:r>
-            <a:r>
-              <a:rPr/>
-              <a:t> </a:t>
-            </a:r>
-            <a:r>
-              <a:rPr/>
-              <a:t>into</a:t>
-            </a:r>
-            <a:r>
-              <a:rPr/>
-              <a:t> </a:t>
-            </a:r>
-            <a:r>
-              <a:rPr/>
-              <a:t>a</a:t>
-            </a:r>
-            <a:r>
-              <a:rPr/>
-              <a:t> </a:t>
-            </a:r>
-            <a:r>
-              <a:rPr/>
-              <a:t>tall</a:t>
-            </a:r>
-            <a:r>
-              <a:rPr/>
-              <a:t> </a:t>
-            </a:r>
-            <a:r>
-              <a:rPr/>
-              <a:t>and</a:t>
-            </a:r>
-            <a:r>
-              <a:rPr/>
-              <a:t> </a:t>
-            </a:r>
-            <a:r>
-              <a:rPr/>
-              <a:t>thin</a:t>
-            </a:r>
-            <a:r>
-              <a:rPr/>
-              <a:t> </a:t>
-            </a:r>
-            <a:r>
-              <a:rPr/>
-              <a:t>format.</a:t>
-            </a:r>
-            <a:r>
-              <a:rPr/>
-              <a:t> </a:t>
-            </a:r>
-            <a:r>
-              <a:rPr/>
-              <a:t>Use</a:t>
-            </a:r>
-            <a:r>
-              <a:rPr/>
-              <a:t> </a:t>
-            </a:r>
-            <a:r>
-              <a:rPr/>
-              <a:t>the</a:t>
-            </a:r>
-            <a:r>
-              <a:rPr/>
-              <a:t> </a:t>
-            </a:r>
-            <a:r>
-              <a:rPr/>
-              <a:t>spread</a:t>
-            </a:r>
-            <a:r>
-              <a:rPr/>
-              <a:t> </a:t>
-            </a:r>
-            <a:r>
-              <a:rPr/>
-              <a:t>function</a:t>
-            </a:r>
-            <a:r>
-              <a:rPr/>
-              <a:t> </a:t>
-            </a:r>
-            <a:r>
-              <a:rPr/>
-              <a:t>to</a:t>
-            </a:r>
-            <a:r>
-              <a:rPr/>
-              <a:t> </a:t>
-            </a:r>
-            <a:r>
-              <a:rPr/>
-              <a:t>convert</a:t>
-            </a:r>
-            <a:r>
-              <a:rPr/>
-              <a:t> </a:t>
-            </a:r>
-            <a:r>
-              <a:rPr/>
-              <a:t>from</a:t>
-            </a:r>
-            <a:r>
-              <a:rPr/>
-              <a:t> </a:t>
-            </a:r>
-            <a:r>
-              <a:rPr/>
-              <a:t>a</a:t>
-            </a:r>
-            <a:r>
-              <a:rPr/>
-              <a:t> </a:t>
-            </a:r>
-            <a:r>
-              <a:rPr/>
-              <a:t>tall</a:t>
-            </a:r>
-            <a:r>
-              <a:rPr/>
-              <a:t> </a:t>
-            </a:r>
-            <a:r>
-              <a:rPr/>
-              <a:t>and</a:t>
-            </a:r>
-            <a:r>
-              <a:rPr/>
-              <a:t> </a:t>
-            </a:r>
-            <a:r>
-              <a:rPr/>
-              <a:t>thin</a:t>
-            </a:r>
-            <a:r>
-              <a:rPr/>
-              <a:t> </a:t>
-            </a:r>
-            <a:r>
-              <a:rPr/>
-              <a:t>format</a:t>
-            </a:r>
-            <a:r>
-              <a:rPr/>
-              <a:t> </a:t>
-            </a:r>
-            <a:r>
-              <a:rPr/>
-              <a:t>to</a:t>
-            </a:r>
-            <a:r>
-              <a:rPr/>
-              <a:t> </a:t>
-            </a:r>
-            <a:r>
-              <a:rPr/>
-              <a:t>a</a:t>
-            </a:r>
-            <a:r>
-              <a:rPr/>
-              <a:t> </a:t>
-            </a:r>
-            <a:r>
-              <a:rPr/>
-              <a:t>short</a:t>
-            </a:r>
-            <a:r>
-              <a:rPr/>
-              <a:t> </a:t>
-            </a:r>
-            <a:r>
-              <a:rPr/>
-              <a:t>and</a:t>
-            </a:r>
-            <a:r>
-              <a:rPr/>
-              <a:t> </a:t>
-            </a:r>
-            <a:r>
-              <a:rPr/>
-              <a:t>fat</a:t>
-            </a:r>
-            <a:r>
-              <a:rPr/>
-              <a:t> </a:t>
-            </a:r>
-            <a:r>
-              <a:rPr/>
-              <a:t>format.</a:t>
-            </a:r>
-          </a:p>
-          <a:p>
-            <a:pPr lvl="0" marL="0" indent="0">
-              <a:buNone/>
-            </a:pPr>
-          </a:p>
-          <a:p>
-            <a:pPr lvl="0" marL="0" indent="0">
-              <a:buNone/>
-            </a:pPr>
-            <a:r>
-              <a:rPr/>
-              <a:t>From</a:t>
-            </a:r>
-            <a:r>
-              <a:rPr/>
-              <a:t> </a:t>
-            </a:r>
-            <a:r>
-              <a:rPr/>
-              <a:t>a</a:t>
-            </a:r>
-            <a:r>
-              <a:rPr/>
-              <a:t> </a:t>
-            </a:r>
-            <a:r>
-              <a:rPr/>
-              <a:t>data</a:t>
-            </a:r>
-            <a:r>
-              <a:rPr/>
-              <a:t> </a:t>
-            </a:r>
-            <a:r>
-              <a:rPr/>
-              <a:t>management</a:t>
-            </a:r>
-            <a:r>
-              <a:rPr/>
-              <a:t> </a:t>
-            </a:r>
-            <a:r>
-              <a:rPr/>
-              <a:t>approach,</a:t>
-            </a:r>
-            <a:r>
-              <a:rPr/>
-              <a:t> </a:t>
-            </a:r>
-            <a:r>
-              <a:rPr/>
-              <a:t>you</a:t>
-            </a:r>
-            <a:r>
-              <a:rPr/>
-              <a:t> </a:t>
-            </a:r>
-            <a:r>
-              <a:rPr/>
-              <a:t>should</a:t>
-            </a:r>
-            <a:r>
-              <a:rPr/>
-              <a:t> </a:t>
-            </a:r>
-            <a:r>
-              <a:rPr/>
-              <a:t>consider</a:t>
-            </a:r>
-            <a:r>
-              <a:rPr/>
-              <a:t> </a:t>
-            </a:r>
-            <a:r>
-              <a:rPr/>
-              <a:t>a</a:t>
-            </a:r>
-            <a:r>
-              <a:rPr/>
-              <a:t> </a:t>
-            </a:r>
-            <a:r>
-              <a:rPr/>
-              <a:t>database</a:t>
-            </a:r>
-            <a:r>
-              <a:rPr/>
-              <a:t> </a:t>
-            </a:r>
-            <a:r>
-              <a:rPr/>
-              <a:t>term</a:t>
-            </a:r>
-            <a:r>
-              <a:rPr/>
-              <a:t> </a:t>
-            </a:r>
-            <a:r>
-              <a:rPr/>
-              <a:t>called</a:t>
-            </a:r>
-            <a:r>
-              <a:rPr/>
-              <a:t> </a:t>
-            </a:r>
-            <a:r>
-              <a:rPr/>
-              <a:t>normalization.</a:t>
-            </a:r>
-            <a:r>
-              <a:rPr/>
-              <a:t> </a:t>
-            </a:r>
-            <a:r>
-              <a:rPr/>
-              <a:t>In</a:t>
-            </a:r>
-            <a:r>
-              <a:rPr/>
-              <a:t> </a:t>
-            </a:r>
-            <a:r>
-              <a:rPr/>
-              <a:t>a</a:t>
-            </a:r>
-            <a:r>
-              <a:rPr/>
-              <a:t> </a:t>
-            </a:r>
-            <a:r>
-              <a:rPr/>
-              <a:t>longitudinal</a:t>
-            </a:r>
-            <a:r>
-              <a:rPr/>
-              <a:t> </a:t>
-            </a:r>
-            <a:r>
-              <a:rPr/>
-              <a:t>setting,</a:t>
-            </a:r>
-            <a:r>
-              <a:rPr/>
-              <a:t> </a:t>
-            </a:r>
-            <a:r>
-              <a:rPr/>
-              <a:t>this</a:t>
-            </a:r>
-            <a:r>
-              <a:rPr/>
-              <a:t> </a:t>
-            </a:r>
-            <a:r>
-              <a:rPr/>
-              <a:t>simply</a:t>
-            </a:r>
-            <a:r>
-              <a:rPr/>
-              <a:t> </a:t>
-            </a:r>
-            <a:r>
-              <a:rPr/>
-              <a:t>means</a:t>
-            </a:r>
-            <a:r>
-              <a:rPr/>
-              <a:t> </a:t>
-            </a:r>
-            <a:r>
-              <a:rPr/>
-              <a:t>putting</a:t>
-            </a:r>
-            <a:r>
-              <a:rPr/>
-              <a:t> </a:t>
-            </a:r>
-            <a:r>
-              <a:rPr/>
-              <a:t>your</a:t>
-            </a:r>
-            <a:r>
-              <a:rPr/>
-              <a:t> </a:t>
-            </a:r>
-            <a:r>
-              <a:rPr/>
-              <a:t>time</a:t>
-            </a:r>
-            <a:r>
-              <a:rPr/>
-              <a:t> </a:t>
-            </a:r>
-            <a:r>
-              <a:rPr/>
-              <a:t>constant</a:t>
-            </a:r>
-            <a:r>
-              <a:rPr/>
-              <a:t> </a:t>
-            </a:r>
-            <a:r>
-              <a:rPr/>
-              <a:t>data</a:t>
-            </a:r>
-            <a:r>
-              <a:rPr/>
-              <a:t> </a:t>
-            </a:r>
-            <a:r>
-              <a:rPr/>
-              <a:t>(usually</a:t>
-            </a:r>
-            <a:r>
-              <a:rPr/>
-              <a:t> </a:t>
-            </a:r>
-            <a:r>
-              <a:rPr/>
-              <a:t>the</a:t>
-            </a:r>
-            <a:r>
-              <a:rPr/>
-              <a:t> </a:t>
-            </a:r>
-            <a:r>
-              <a:rPr/>
-              <a:t>demographic</a:t>
-            </a:r>
-            <a:r>
-              <a:rPr/>
-              <a:t> </a:t>
-            </a:r>
-            <a:r>
-              <a:rPr/>
-              <a:t>variables)</a:t>
-            </a:r>
-            <a:r>
-              <a:rPr/>
-              <a:t> </a:t>
-            </a:r>
-            <a:r>
-              <a:rPr/>
-              <a:t>in</a:t>
-            </a:r>
-            <a:r>
-              <a:rPr/>
-              <a:t> </a:t>
-            </a:r>
-            <a:r>
-              <a:rPr/>
-              <a:t>a</a:t>
-            </a:r>
-            <a:r>
-              <a:rPr/>
-              <a:t> </a:t>
-            </a:r>
-            <a:r>
-              <a:rPr/>
-              <a:t>table</a:t>
-            </a:r>
-            <a:r>
-              <a:rPr/>
-              <a:t> </a:t>
-            </a:r>
-            <a:r>
-              <a:rPr/>
-              <a:t>using</a:t>
-            </a:r>
-            <a:r>
-              <a:rPr/>
-              <a:t> </a:t>
-            </a:r>
-            <a:r>
-              <a:rPr/>
-              <a:t>the</a:t>
-            </a:r>
-            <a:r>
-              <a:rPr/>
-              <a:t> </a:t>
-            </a:r>
-            <a:r>
-              <a:rPr/>
-              <a:t>short</a:t>
-            </a:r>
-            <a:r>
-              <a:rPr/>
-              <a:t> </a:t>
-            </a:r>
-            <a:r>
-              <a:rPr/>
-              <a:t>and</a:t>
-            </a:r>
-            <a:r>
-              <a:rPr/>
-              <a:t> </a:t>
-            </a:r>
-            <a:r>
-              <a:rPr/>
-              <a:t>fat</a:t>
-            </a:r>
-            <a:r>
-              <a:rPr/>
-              <a:t> </a:t>
-            </a:r>
-            <a:r>
-              <a:rPr/>
-              <a:t>format</a:t>
-            </a:r>
-            <a:r>
-              <a:rPr/>
-              <a:t> </a:t>
-            </a:r>
-            <a:r>
-              <a:rPr/>
-              <a:t>(one</a:t>
-            </a:r>
-            <a:r>
-              <a:rPr/>
-              <a:t> </a:t>
-            </a:r>
-            <a:r>
-              <a:rPr/>
-              <a:t>row</a:t>
-            </a:r>
-            <a:r>
-              <a:rPr/>
-              <a:t> </a:t>
-            </a:r>
-            <a:r>
-              <a:rPr/>
-              <a:t>per</a:t>
-            </a:r>
-            <a:r>
-              <a:rPr/>
-              <a:t> </a:t>
-            </a:r>
-            <a:r>
-              <a:rPr/>
-              <a:t>patient).</a:t>
-            </a:r>
-            <a:r>
-              <a:rPr/>
-              <a:t> </a:t>
-            </a:r>
-            <a:r>
-              <a:rPr/>
-              <a:t>Then</a:t>
-            </a:r>
-            <a:r>
-              <a:rPr/>
-              <a:t> </a:t>
-            </a:r>
-            <a:r>
-              <a:rPr/>
-              <a:t>put</a:t>
-            </a:r>
-            <a:r>
-              <a:rPr/>
-              <a:t> </a:t>
-            </a:r>
-            <a:r>
-              <a:rPr/>
-              <a:t>your</a:t>
-            </a:r>
-            <a:r>
-              <a:rPr/>
-              <a:t> </a:t>
-            </a:r>
-            <a:r>
-              <a:rPr/>
-              <a:t>time</a:t>
-            </a:r>
-            <a:r>
-              <a:rPr/>
-              <a:t> </a:t>
-            </a:r>
-            <a:r>
-              <a:rPr/>
-              <a:t>varying</a:t>
-            </a:r>
-            <a:r>
-              <a:rPr/>
-              <a:t> </a:t>
-            </a:r>
-            <a:r>
-              <a:rPr/>
-              <a:t>data</a:t>
-            </a:r>
-            <a:r>
-              <a:rPr/>
-              <a:t> </a:t>
-            </a:r>
-            <a:r>
-              <a:rPr/>
-              <a:t>in</a:t>
-            </a:r>
-            <a:r>
-              <a:rPr/>
-              <a:t> </a:t>
-            </a:r>
-            <a:r>
-              <a:rPr/>
-              <a:t>a</a:t>
-            </a:r>
-            <a:r>
-              <a:rPr/>
-              <a:t> </a:t>
-            </a:r>
-            <a:r>
-              <a:rPr/>
-              <a:t>different</a:t>
-            </a:r>
-            <a:r>
-              <a:rPr/>
-              <a:t> </a:t>
-            </a:r>
-            <a:r>
-              <a:rPr/>
-              <a:t>table</a:t>
-            </a:r>
-            <a:r>
-              <a:rPr/>
-              <a:t> </a:t>
-            </a:r>
-            <a:r>
-              <a:rPr/>
-              <a:t>using</a:t>
-            </a:r>
-            <a:r>
-              <a:rPr/>
-              <a:t> </a:t>
-            </a:r>
-            <a:r>
-              <a:rPr/>
-              <a:t>the</a:t>
-            </a:r>
-            <a:r>
-              <a:rPr/>
-              <a:t> </a:t>
-            </a:r>
-            <a:r>
-              <a:rPr/>
-              <a:t>tall</a:t>
-            </a:r>
-            <a:r>
-              <a:rPr/>
-              <a:t> </a:t>
-            </a:r>
-            <a:r>
-              <a:rPr/>
-              <a:t>and</a:t>
-            </a:r>
-            <a:r>
-              <a:rPr/>
-              <a:t> </a:t>
-            </a:r>
-            <a:r>
-              <a:rPr/>
-              <a:t>thin</a:t>
-            </a:r>
-            <a:r>
-              <a:rPr/>
-              <a:t> </a:t>
-            </a:r>
-            <a:r>
-              <a:rPr/>
-              <a:t>format</a:t>
-            </a:r>
-            <a:r>
-              <a:rPr/>
-              <a:t> </a:t>
-            </a:r>
-            <a:r>
-              <a:rPr/>
-              <a:t>(one</a:t>
-            </a:r>
-            <a:r>
-              <a:rPr/>
-              <a:t> </a:t>
-            </a:r>
-            <a:r>
-              <a:rPr/>
-              <a:t>row</a:t>
-            </a:r>
-            <a:r>
-              <a:rPr/>
-              <a:t> </a:t>
-            </a:r>
-            <a:r>
-              <a:rPr/>
-              <a:t>per</a:t>
-            </a:r>
-            <a:r>
-              <a:rPr/>
-              <a:t> </a:t>
-            </a:r>
-            <a:r>
-              <a:rPr/>
-              <a:t>time</a:t>
-            </a:r>
-            <a:r>
-              <a:rPr/>
-              <a:t> </a:t>
-            </a:r>
-            <a:r>
-              <a:rPr/>
-              <a:t>point).</a:t>
-            </a:r>
-          </a:p>
-        </p:txBody>
-      </p:sp>
-      <p:sp>
-        <p:nvSpPr>
-          <p:cNvPr id="4" name="Slide Number Placeholder 3"/>
-          <p:cNvSpPr>
-            <a:spLocks noGrp="1"/>
-          </p:cNvSpPr>
-          <p:nvPr>
-            <p:ph type="sldNum" sz="quarter" idx="10"/>
-          </p:nvPr>
-        </p:nvSpPr>
-        <p:spPr/>
-        <p:txBody>
-          <a:bodyPr/>
-          <a:lstStyle/>
-          <a:p>
-            <a:fld id="{18BDFEC3-8487-43E8-A154-7C12CBC1FFF2}" type="slidenum">
-              <a:rPr lang="en-US"/>
-              <a:t>57</a:t>
+              <a:t>59</a:t>
             </a:fld>
             <a:endParaRPr lang="en-US"/>
           </a:p>
@@ -18536,21 +18392,49 @@
             <a:pPr lvl="1"/>
             <a:r>
               <a:rPr/>
-              <a:t>Earthquake data dictionary</a:t>
+              <a:t>Longitudinal study of stress</a:t>
             </a:r>
           </a:p>
           <a:p>
             <a:pPr lvl="2"/>
             <a:r>
               <a:rPr/>
-              <a:t>www.statsci.org/data/general/lomaprie.html</a:t>
+              <a:t>Study started two weeks prior to major earthquake (Week0)</a:t>
+            </a:r>
+          </a:p>
+          <a:p>
+            <a:pPr lvl="2"/>
+            <a:r>
+              <a:rPr/>
+              <a:t>Researchers added extra stress measurments</a:t>
+            </a:r>
+          </a:p>
+          <a:p>
+            <a:pPr lvl="3"/>
+            <a:r>
+              <a:rPr/>
+              <a:t>Week3, Week6, Week9, Week12</a:t>
+            </a:r>
+          </a:p>
+          <a:p>
+            <a:pPr lvl="2"/>
+            <a:r>
+              <a:rPr/>
+              <a:t>There are 26 subjects</a:t>
+            </a:r>
+          </a:p>
+          <a:p>
+            <a:pPr lvl="2"/>
+            <a:r>
+              <a:rPr/>
+              <a:t>There are 5*26=130 measurements</a:t>
             </a:r>
           </a:p>
           <a:p>
             <a:pPr lvl="1"/>
             <a:r>
               <a:rPr/>
-              <a:t>Earthquake dataset</a:t>
+              <a:t>For more information</a:t>
             </a:r>
           </a:p>
           <a:p>
@@ -21090,28 +20974,93 @@
             <a:pPr lvl="1"/>
             <a:r>
               <a:rPr/>
-              <a:t>Backpain data dictionary</a:t>
+              <a:t>Matched case-control study</a:t>
             </a:r>
           </a:p>
           <a:p>
             <a:pPr lvl="2"/>
             <a:r>
               <a:rPr/>
-              <a:t>www.pmean.com/introduction-to-r/data/backpain-data-dictionary.txt</a:t>
+              <a:t>Study of 11 runners with back pain</a:t>
+            </a:r>
+          </a:p>
+          <a:p>
+            <a:pPr lvl="2"/>
+            <a:r>
+              <a:rPr/>
+              <a:t>Two control groups</a:t>
+            </a:r>
+          </a:p>
+          <a:p>
+            <a:pPr lvl="3"/>
+            <a:r>
+              <a:rPr/>
+              <a:t>Runners without pain, Sedentary volunteers</a:t>
+            </a:r>
+          </a:p>
+          <a:p>
+            <a:pPr lvl="3"/>
+            <a:r>
+              <a:rPr/>
+              <a:t>Matched by age, height, weight</a:t>
+            </a:r>
+          </a:p>
+          <a:p>
+            <a:pPr lvl="2"/>
+            <a:r>
+              <a:rPr/>
+              <a:t>Outcome variables</a:t>
+            </a:r>
+          </a:p>
+          <a:p>
+            <a:pPr lvl="3"/>
+            <a:r>
+              <a:rPr/>
+              <a:t>Flexibility and length of various muscle groups</a:t>
+            </a:r>
+          </a:p>
+          <a:p>
+            <a:pPr lvl="2"/>
+            <a:r>
+              <a:rPr/>
+              <a:t>Also collected covariates</a:t>
+            </a:r>
+          </a:p>
+          <a:p>
+            <a:pPr lvl="3"/>
+            <a:r>
+              <a:rPr/>
+              <a:t>Type of running, number of years running</a:t>
+            </a:r>
+          </a:p>
+          <a:p>
+            <a:pPr lvl="2"/>
+            <a:r>
+              <a:rPr/>
+              <a:t>Our focus: quality of matching</a:t>
+            </a:r>
+          </a:p>
+          <a:p>
+            <a:pPr lvl="2"/>
+            <a:r>
+              <a:rPr/>
+              <a:t>There are 3*11=33 measurements</a:t>
             </a:r>
           </a:p>
           <a:p>
             <a:pPr lvl="1"/>
             <a:r>
               <a:rPr/>
-              <a:t>Backpain data</a:t>
+              <a:t>For more information</a:t>
             </a:r>
           </a:p>
           <a:p>
             <a:pPr lvl="2"/>
             <a:r>
-              <a:rPr/>
-              <a:t>www.pmean.com/introduction-to-r/data/backpain.csv</a:t>
+              <a:rPr>
+                <a:hlinkClick r:id="rId3"/>
+              </a:rPr>
+              <a:t>http://www.statsci.org/data/oz/backpain.html</a:t>
             </a:r>
           </a:p>
         </p:txBody>
@@ -21166,7 +21115,7 @@
             </a:r>
             <a:r>
               <a:rPr/>
-              <a:t>dataset</a:t>
+              <a:t>overview</a:t>
             </a:r>
           </a:p>
         </p:txBody>
@@ -21811,7 +21760,7 @@
               <a:rPr>
                 <a:latin typeface="Courier"/>
               </a:rPr>
-              <a:t>age_fat </a:t>
+              <a:t>pain_fat </a:t>
             </a:r>
             <a:r>
               <a:rPr>
@@ -22015,7 +21964,7 @@
               <a:rPr>
                 <a:latin typeface="Courier"/>
               </a:rPr>
-              <a:t>(age_fat)</a:t>
+              <a:t>(pain_fat)</a:t>
             </a:r>
           </a:p>
           <a:p>
@@ -22221,23 +22170,15 @@
             </a:pPr>
             <a:r>
               <a:rPr/>
-              <a:t>Plots</a:t>
-            </a:r>
-            <a:r>
-              <a:rPr/>
-              <a:t> </a:t>
-            </a:r>
-            <a:r>
-              <a:rPr/>
-              <a:t>of</a:t>
-            </a:r>
-            <a:r>
-              <a:rPr/>
-              <a:t> </a:t>
-            </a:r>
-            <a:r>
-              <a:rPr/>
-              <a:t>agreement</a:t>
+              <a:t>Remaining</a:t>
+            </a:r>
+            <a:r>
+              <a:rPr/>
+              <a:t> </a:t>
+            </a:r>
+            <a:r>
+              <a:rPr/>
+              <a:t>variables</a:t>
             </a:r>
           </a:p>
         </p:txBody>
@@ -22262,61 +22203,27 @@
             </a:pPr>
             <a:r>
               <a:rPr>
-                <a:latin typeface="Courier"/>
-              </a:rPr>
-              <a:t>age_range </a:t>
-            </a:r>
-            <a:r>
-              <a:rPr>
-                <a:solidFill>
-                  <a:srgbClr val="007020"/>
-                </a:solidFill>
-                <a:latin typeface="Courier"/>
-              </a:rPr>
-              <a:t>&lt;-</a:t>
-            </a:r>
-            <a:r>
-              <a:rPr>
-                <a:latin typeface="Courier"/>
-              </a:rPr>
-              <a:t> </a:t>
-            </a:r>
-            <a:r>
-              <a:rPr>
                 <a:solidFill>
                   <a:srgbClr val="06287E"/>
                 </a:solidFill>
                 <a:latin typeface="Courier"/>
               </a:rPr>
-              <a:t>range</a:t>
-            </a:r>
-            <a:r>
-              <a:rPr>
-                <a:latin typeface="Courier"/>
-              </a:rPr>
-              <a:t>(</a:t>
+              <a:t>names</a:t>
+            </a:r>
+            <a:r>
+              <a:rPr>
+                <a:latin typeface="Courier"/>
+              </a:rPr>
+              <a:t>(pain_fat)[</a:t>
             </a:r>
             <a:r>
               <a:rPr>
                 <a:solidFill>
-                  <a:srgbClr val="06287E"/>
+                  <a:srgbClr val="40A070"/>
                 </a:solidFill>
                 <a:latin typeface="Courier"/>
               </a:rPr>
-              <a:t>c</a:t>
-            </a:r>
-            <a:r>
-              <a:rPr>
-                <a:latin typeface="Courier"/>
-              </a:rPr>
-              <a:t>(</a:t>
-            </a:r>
-            <a:br/>
-            <a:r>
-              <a:rPr>
-                <a:latin typeface="Courier"/>
-              </a:rPr>
-              <a:t>  age_fat</a:t>
+              <a:t>7</a:t>
             </a:r>
             <a:r>
               <a:rPr>
@@ -22325,408 +22232,7 @@
                 </a:solidFill>
                 <a:latin typeface="Courier"/>
               </a:rPr>
-              <a:t>$</a:t>
-            </a:r>
-            <a:r>
-              <a:rPr>
-                <a:latin typeface="Courier"/>
-              </a:rPr>
-              <a:t>Age_Pain, </a:t>
-            </a:r>
-            <a:br/>
-            <a:r>
-              <a:rPr>
-                <a:latin typeface="Courier"/>
-              </a:rPr>
-              <a:t>  age_fat</a:t>
-            </a:r>
-            <a:r>
-              <a:rPr>
-                <a:solidFill>
-                  <a:srgbClr val="4070A0"/>
-                </a:solidFill>
-                <a:latin typeface="Courier"/>
-              </a:rPr>
-              <a:t>$</a:t>
-            </a:r>
-            <a:r>
-              <a:rPr>
-                <a:latin typeface="Courier"/>
-              </a:rPr>
-              <a:t>Age_NoPain, </a:t>
-            </a:r>
-            <a:br/>
-            <a:r>
-              <a:rPr>
-                <a:latin typeface="Courier"/>
-              </a:rPr>
-              <a:t>  age_fat</a:t>
-            </a:r>
-            <a:r>
-              <a:rPr>
-                <a:solidFill>
-                  <a:srgbClr val="4070A0"/>
-                </a:solidFill>
-                <a:latin typeface="Courier"/>
-              </a:rPr>
-              <a:t>$</a:t>
-            </a:r>
-            <a:r>
-              <a:rPr>
-                <a:latin typeface="Courier"/>
-              </a:rPr>
-              <a:t>Age_Sedentary))</a:t>
-            </a:r>
-            <a:br/>
-            <a:r>
-              <a:rPr>
-                <a:latin typeface="Courier"/>
-              </a:rPr>
-              <a:t>agreement_age </a:t>
-            </a:r>
-            <a:r>
-              <a:rPr>
-                <a:solidFill>
-                  <a:srgbClr val="007020"/>
-                </a:solidFill>
-                <a:latin typeface="Courier"/>
-              </a:rPr>
-              <a:t>&lt;-</a:t>
-            </a:r>
-            <a:r>
-              <a:rPr>
-                <a:latin typeface="Courier"/>
-              </a:rPr>
-              <a:t> </a:t>
-            </a:r>
-            <a:r>
-              <a:rPr>
-                <a:solidFill>
-                  <a:srgbClr val="06287E"/>
-                </a:solidFill>
-                <a:latin typeface="Courier"/>
-              </a:rPr>
-              <a:t>ggplot</a:t>
-            </a:r>
-            <a:r>
-              <a:rPr>
-                <a:latin typeface="Courier"/>
-              </a:rPr>
-              <a:t>(age_fat, </a:t>
-            </a:r>
-            <a:br/>
-            <a:r>
-              <a:rPr>
-                <a:latin typeface="Courier"/>
-              </a:rPr>
-              <a:t>  </a:t>
-            </a:r>
-            <a:r>
-              <a:rPr>
-                <a:solidFill>
-                  <a:srgbClr val="06287E"/>
-                </a:solidFill>
-                <a:latin typeface="Courier"/>
-              </a:rPr>
-              <a:t>aes</a:t>
-            </a:r>
-            <a:r>
-              <a:rPr>
-                <a:latin typeface="Courier"/>
-              </a:rPr>
-              <a:t>(</a:t>
-            </a:r>
-            <a:r>
-              <a:rPr>
-                <a:solidFill>
-                  <a:srgbClr val="7D9029"/>
-                </a:solidFill>
-                <a:latin typeface="Courier"/>
-              </a:rPr>
-              <a:t>x=</a:t>
-            </a:r>
-            <a:r>
-              <a:rPr>
-                <a:latin typeface="Courier"/>
-              </a:rPr>
-              <a:t>Age_Pain, </a:t>
-            </a:r>
-            <a:br/>
-            <a:r>
-              <a:rPr>
-                <a:latin typeface="Courier"/>
-              </a:rPr>
-              <a:t>      </a:t>
-            </a:r>
-            <a:r>
-              <a:rPr>
-                <a:solidFill>
-                  <a:srgbClr val="7D9029"/>
-                </a:solidFill>
-                <a:latin typeface="Courier"/>
-              </a:rPr>
-              <a:t>y=</a:t>
-            </a:r>
-            <a:r>
-              <a:rPr>
-                <a:latin typeface="Courier"/>
-              </a:rPr>
-              <a:t>Age_NoPain, </a:t>
-            </a:r>
-            <a:br/>
-            <a:r>
-              <a:rPr>
-                <a:latin typeface="Courier"/>
-              </a:rPr>
-              <a:t>      </a:t>
-            </a:r>
-            <a:r>
-              <a:rPr>
-                <a:solidFill>
-                  <a:srgbClr val="7D9029"/>
-                </a:solidFill>
-                <a:latin typeface="Courier"/>
-              </a:rPr>
-              <a:t>label=</a:t>
-            </a:r>
-            <a:r>
-              <a:rPr>
-                <a:latin typeface="Courier"/>
-              </a:rPr>
-              <a:t>Match)) </a:t>
-            </a:r>
-            <a:r>
-              <a:rPr>
-                <a:solidFill>
-                  <a:srgbClr val="4070A0"/>
-                </a:solidFill>
-                <a:latin typeface="Courier"/>
-              </a:rPr>
-              <a:t>+</a:t>
-            </a:r>
-            <a:br/>
-            <a:r>
-              <a:rPr>
-                <a:latin typeface="Courier"/>
-              </a:rPr>
-              <a:t>    </a:t>
-            </a:r>
-            <a:r>
-              <a:rPr>
-                <a:solidFill>
-                  <a:srgbClr val="06287E"/>
-                </a:solidFill>
-                <a:latin typeface="Courier"/>
-              </a:rPr>
-              <a:t>geom_text</a:t>
-            </a:r>
-            <a:r>
-              <a:rPr>
-                <a:latin typeface="Courier"/>
-              </a:rPr>
-              <a:t>() </a:t>
-            </a:r>
-            <a:r>
-              <a:rPr>
-                <a:solidFill>
-                  <a:srgbClr val="4070A0"/>
-                </a:solidFill>
-                <a:latin typeface="Courier"/>
-              </a:rPr>
-              <a:t>+</a:t>
-            </a:r>
-            <a:br/>
-            <a:r>
-              <a:rPr>
-                <a:latin typeface="Courier"/>
-              </a:rPr>
-              <a:t>    </a:t>
-            </a:r>
-            <a:r>
-              <a:rPr>
-                <a:solidFill>
-                  <a:srgbClr val="06287E"/>
-                </a:solidFill>
-                <a:latin typeface="Courier"/>
-              </a:rPr>
-              <a:t>geom_text</a:t>
-            </a:r>
-            <a:r>
-              <a:rPr>
-                <a:latin typeface="Courier"/>
-              </a:rPr>
-              <a:t>(</a:t>
-            </a:r>
-            <a:r>
-              <a:rPr>
-                <a:solidFill>
-                  <a:srgbClr val="06287E"/>
-                </a:solidFill>
-                <a:latin typeface="Courier"/>
-              </a:rPr>
-              <a:t>aes</a:t>
-            </a:r>
-            <a:r>
-              <a:rPr>
-                <a:latin typeface="Courier"/>
-              </a:rPr>
-              <a:t>(</a:t>
-            </a:r>
-            <a:r>
-              <a:rPr>
-                <a:solidFill>
-                  <a:srgbClr val="7D9029"/>
-                </a:solidFill>
-                <a:latin typeface="Courier"/>
-              </a:rPr>
-              <a:t>y=</a:t>
-            </a:r>
-            <a:r>
-              <a:rPr>
-                <a:latin typeface="Courier"/>
-              </a:rPr>
-              <a:t>Age_Sedentary))</a:t>
-            </a:r>
-            <a:br/>
-            <a:r>
-              <a:rPr>
-                <a:latin typeface="Courier"/>
-              </a:rPr>
-              <a:t>agreement_age </a:t>
-            </a:r>
-            <a:r>
-              <a:rPr>
-                <a:solidFill>
-                  <a:srgbClr val="4070A0"/>
-                </a:solidFill>
-                <a:latin typeface="Courier"/>
-              </a:rPr>
-              <a:t>+</a:t>
-            </a:r>
-            <a:r>
-              <a:rPr>
-                <a:latin typeface="Courier"/>
-              </a:rPr>
-              <a:t> </a:t>
-            </a:r>
-            <a:br/>
-            <a:r>
-              <a:rPr>
-                <a:latin typeface="Courier"/>
-              </a:rPr>
-              <a:t>    </a:t>
-            </a:r>
-            <a:r>
-              <a:rPr>
-                <a:solidFill>
-                  <a:srgbClr val="06287E"/>
-                </a:solidFill>
-                <a:latin typeface="Courier"/>
-              </a:rPr>
-              <a:t>expand_limits</a:t>
-            </a:r>
-            <a:r>
-              <a:rPr>
-                <a:latin typeface="Courier"/>
-              </a:rPr>
-              <a:t>(</a:t>
-            </a:r>
-            <a:br/>
-            <a:r>
-              <a:rPr>
-                <a:latin typeface="Courier"/>
-              </a:rPr>
-              <a:t>      </a:t>
-            </a:r>
-            <a:r>
-              <a:rPr>
-                <a:solidFill>
-                  <a:srgbClr val="7D9029"/>
-                </a:solidFill>
-                <a:latin typeface="Courier"/>
-              </a:rPr>
-              <a:t>x=</a:t>
-            </a:r>
-            <a:r>
-              <a:rPr>
-                <a:latin typeface="Courier"/>
-              </a:rPr>
-              <a:t>age_range, </a:t>
-            </a:r>
-            <a:br/>
-            <a:r>
-              <a:rPr>
-                <a:latin typeface="Courier"/>
-              </a:rPr>
-              <a:t>      </a:t>
-            </a:r>
-            <a:r>
-              <a:rPr>
-                <a:solidFill>
-                  <a:srgbClr val="7D9029"/>
-                </a:solidFill>
-                <a:latin typeface="Courier"/>
-              </a:rPr>
-              <a:t>y=</a:t>
-            </a:r>
-            <a:r>
-              <a:rPr>
-                <a:latin typeface="Courier"/>
-              </a:rPr>
-              <a:t>age_range) </a:t>
-            </a:r>
-            <a:r>
-              <a:rPr>
-                <a:solidFill>
-                  <a:srgbClr val="4070A0"/>
-                </a:solidFill>
-                <a:latin typeface="Courier"/>
-              </a:rPr>
-              <a:t>+</a:t>
-            </a:r>
-            <a:br/>
-            <a:r>
-              <a:rPr>
-                <a:latin typeface="Courier"/>
-              </a:rPr>
-              <a:t>    </a:t>
-            </a:r>
-            <a:r>
-              <a:rPr>
-                <a:solidFill>
-                  <a:srgbClr val="06287E"/>
-                </a:solidFill>
-                <a:latin typeface="Courier"/>
-              </a:rPr>
-              <a:t>geom_segment</a:t>
-            </a:r>
-            <a:r>
-              <a:rPr>
-                <a:latin typeface="Courier"/>
-              </a:rPr>
-              <a:t>(</a:t>
-            </a:r>
-            <a:br/>
-            <a:r>
-              <a:rPr>
-                <a:latin typeface="Courier"/>
-              </a:rPr>
-              <a:t>      </a:t>
-            </a:r>
-            <a:r>
-              <a:rPr>
-                <a:solidFill>
-                  <a:srgbClr val="7D9029"/>
-                </a:solidFill>
-                <a:latin typeface="Courier"/>
-              </a:rPr>
-              <a:t>x=</a:t>
-            </a:r>
-            <a:r>
-              <a:rPr>
-                <a:latin typeface="Courier"/>
-              </a:rPr>
-              <a:t>age_range[</a:t>
+              <a:t>:</a:t>
             </a:r>
             <a:r>
               <a:rPr>
@@ -22735,124 +22241,27 @@
                 </a:solidFill>
                 <a:latin typeface="Courier"/>
               </a:rPr>
-              <a:t>1</a:t>
-            </a:r>
-            <a:r>
-              <a:rPr>
-                <a:latin typeface="Courier"/>
-              </a:rPr>
-              <a:t>], </a:t>
-            </a:r>
-            <a:br/>
-            <a:r>
-              <a:rPr>
-                <a:latin typeface="Courier"/>
-              </a:rPr>
-              <a:t>      </a:t>
-            </a:r>
-            <a:r>
-              <a:rPr>
-                <a:solidFill>
-                  <a:srgbClr val="7D9029"/>
-                </a:solidFill>
-                <a:latin typeface="Courier"/>
-              </a:rPr>
-              <a:t>y=</a:t>
-            </a:r>
-            <a:r>
-              <a:rPr>
-                <a:latin typeface="Courier"/>
-              </a:rPr>
-              <a:t>age_range[</a:t>
-            </a:r>
-            <a:r>
-              <a:rPr>
-                <a:solidFill>
-                  <a:srgbClr val="40A070"/>
-                </a:solidFill>
-                <a:latin typeface="Courier"/>
-              </a:rPr>
-              <a:t>1</a:t>
-            </a:r>
-            <a:r>
-              <a:rPr>
-                <a:latin typeface="Courier"/>
-              </a:rPr>
-              <a:t>], </a:t>
-            </a:r>
-            <a:br/>
-            <a:r>
-              <a:rPr>
-                <a:latin typeface="Courier"/>
-              </a:rPr>
-              <a:t>      </a:t>
-            </a:r>
-            <a:r>
-              <a:rPr>
-                <a:solidFill>
-                  <a:srgbClr val="7D9029"/>
-                </a:solidFill>
-                <a:latin typeface="Courier"/>
-              </a:rPr>
-              <a:t>xend=</a:t>
-            </a:r>
-            <a:r>
-              <a:rPr>
-                <a:latin typeface="Courier"/>
-              </a:rPr>
-              <a:t>age_range[</a:t>
-            </a:r>
-            <a:r>
-              <a:rPr>
-                <a:solidFill>
-                  <a:srgbClr val="40A070"/>
-                </a:solidFill>
-                <a:latin typeface="Courier"/>
-              </a:rPr>
-              <a:t>2</a:t>
-            </a:r>
-            <a:r>
-              <a:rPr>
-                <a:latin typeface="Courier"/>
-              </a:rPr>
-              <a:t>], </a:t>
-            </a:r>
-            <a:br/>
-            <a:r>
-              <a:rPr>
-                <a:latin typeface="Courier"/>
-              </a:rPr>
-              <a:t>      </a:t>
-            </a:r>
-            <a:r>
-              <a:rPr>
-                <a:solidFill>
-                  <a:srgbClr val="7D9029"/>
-                </a:solidFill>
-                <a:latin typeface="Courier"/>
-              </a:rPr>
-              <a:t>yend=</a:t>
-            </a:r>
-            <a:r>
-              <a:rPr>
-                <a:latin typeface="Courier"/>
-              </a:rPr>
-              <a:t>age_range[</a:t>
-            </a:r>
-            <a:r>
-              <a:rPr>
-                <a:solidFill>
-                  <a:srgbClr val="40A070"/>
-                </a:solidFill>
-                <a:latin typeface="Courier"/>
-              </a:rPr>
-              <a:t>2</a:t>
-            </a:r>
-            <a:r>
-              <a:rPr>
-                <a:latin typeface="Courier"/>
-              </a:rPr>
-              <a:t>])</a:t>
+              <a:t>10</a:t>
+            </a:r>
+            <a:r>
+              <a:rPr>
+                <a:latin typeface="Courier"/>
+              </a:rPr>
+              <a:t>]</a:t>
+            </a:r>
+          </a:p>
+          <a:p>
+            <a:pPr lvl="0" indent="0">
+              <a:buNone/>
+            </a:pPr>
+            <a:r>
+              <a:rPr>
+                <a:latin typeface="Courier"/>
+              </a:rPr>
+              <a:t>## [1] "Height_Sedentary"
+## [2] "Weight_NoPain"   
+## [3] "Weight_Pain"     
+## [4] "Weight_Sedentary"</a:t>
             </a:r>
           </a:p>
         </p:txBody>
@@ -22879,36 +22288,209 @@
           <a:chExt cx="0" cy="0"/>
         </a:xfrm>
       </p:grpSpPr>
-      <p:pic>
-        <p:nvPicPr>
-          <p:cNvPr descr="C:/Users/steve/Documents/git/classes/introduction-to-r/results/v06-slides-and-speaker-notes_files/figure-pptx/agreement-plot-1.png" id="0" name="Picture 1"/>
-          <p:cNvPicPr>
-            <a:picLocks noGrp="1" noChangeAspect="1"/>
-          </p:cNvPicPr>
-          <p:nvPr/>
-        </p:nvPicPr>
-        <p:blipFill>
-          <a:blip r:embed="rId2"/>
-          <a:stretch>
-            <a:fillRect/>
-          </a:stretch>
-        </p:blipFill>
-        <p:spPr bwMode="auto">
-          <a:xfrm>
-            <a:off x="3276600" y="1600200"/>
-            <a:ext cx="5651500" cy="4521200"/>
-          </a:xfrm>
-          <a:prstGeom prst="rect">
-            <a:avLst/>
-          </a:prstGeom>
-          <a:noFill/>
-          <a:ln w="9525">
-            <a:noFill/>
-            <a:headEnd/>
-            <a:tailEnd/>
-          </a:ln>
-        </p:spPr>
-      </p:pic>
+      <p:sp>
+        <p:nvSpPr>
+          <p:cNvPr id="2" name="Title 1"/>
+          <p:cNvSpPr>
+            <a:spLocks noGrp="1"/>
+          </p:cNvSpPr>
+          <p:nvPr>
+            <p:ph type="title"/>
+          </p:nvPr>
+        </p:nvSpPr>
+        <p:spPr/>
+        <p:txBody>
+          <a:bodyPr/>
+          <a:lstStyle/>
+          <a:p>
+            <a:pPr lvl="0" marL="0" indent="0">
+              <a:buNone/>
+            </a:pPr>
+            <a:r>
+              <a:rPr/>
+              <a:t>Backpain</a:t>
+            </a:r>
+            <a:r>
+              <a:rPr/>
+              <a:t> </a:t>
+            </a:r>
+            <a:r>
+              <a:rPr/>
+              <a:t>plot</a:t>
+            </a:r>
+            <a:r>
+              <a:rPr/>
+              <a:t> </a:t>
+            </a:r>
+            <a:r>
+              <a:rPr/>
+              <a:t>code</a:t>
+            </a:r>
+            <a:r>
+              <a:rPr/>
+              <a:t> </a:t>
+            </a:r>
+            <a:r>
+              <a:rPr/>
+              <a:t>(1</a:t>
+            </a:r>
+            <a:r>
+              <a:rPr/>
+              <a:t> </a:t>
+            </a:r>
+            <a:r>
+              <a:rPr/>
+              <a:t>of</a:t>
+            </a:r>
+            <a:r>
+              <a:rPr/>
+              <a:t> </a:t>
+            </a:r>
+            <a:r>
+              <a:rPr/>
+              <a:t>3)</a:t>
+            </a:r>
+          </a:p>
+        </p:txBody>
+      </p:sp>
+      <p:sp>
+        <p:nvSpPr>
+          <p:cNvPr id="3" name="Content Placeholder 2"/>
+          <p:cNvSpPr>
+            <a:spLocks noGrp="1"/>
+          </p:cNvSpPr>
+          <p:nvPr>
+            <p:ph idx="1"/>
+          </p:nvPr>
+        </p:nvSpPr>
+        <p:spPr/>
+        <p:txBody>
+          <a:bodyPr/>
+          <a:lstStyle/>
+          <a:p>
+            <a:pPr lvl="0" indent="0">
+              <a:buNone/>
+            </a:pPr>
+            <a:r>
+              <a:rPr>
+                <a:latin typeface="Courier"/>
+              </a:rPr>
+              <a:t>age_range </a:t>
+            </a:r>
+            <a:r>
+              <a:rPr>
+                <a:solidFill>
+                  <a:srgbClr val="007020"/>
+                </a:solidFill>
+                <a:latin typeface="Courier"/>
+              </a:rPr>
+              <a:t>&lt;-</a:t>
+            </a:r>
+            <a:r>
+              <a:rPr>
+                <a:latin typeface="Courier"/>
+              </a:rPr>
+              <a:t> </a:t>
+            </a:r>
+            <a:r>
+              <a:rPr>
+                <a:solidFill>
+                  <a:srgbClr val="06287E"/>
+                </a:solidFill>
+                <a:latin typeface="Courier"/>
+              </a:rPr>
+              <a:t>range</a:t>
+            </a:r>
+            <a:r>
+              <a:rPr>
+                <a:latin typeface="Courier"/>
+              </a:rPr>
+              <a:t>(</a:t>
+            </a:r>
+            <a:r>
+              <a:rPr>
+                <a:solidFill>
+                  <a:srgbClr val="06287E"/>
+                </a:solidFill>
+                <a:latin typeface="Courier"/>
+              </a:rPr>
+              <a:t>c</a:t>
+            </a:r>
+            <a:r>
+              <a:rPr>
+                <a:latin typeface="Courier"/>
+              </a:rPr>
+              <a:t>(</a:t>
+            </a:r>
+            <a:br/>
+            <a:r>
+              <a:rPr>
+                <a:latin typeface="Courier"/>
+              </a:rPr>
+              <a:t>  pain_fat</a:t>
+            </a:r>
+            <a:r>
+              <a:rPr>
+                <a:solidFill>
+                  <a:srgbClr val="4070A0"/>
+                </a:solidFill>
+                <a:latin typeface="Courier"/>
+              </a:rPr>
+              <a:t>$</a:t>
+            </a:r>
+            <a:r>
+              <a:rPr>
+                <a:latin typeface="Courier"/>
+              </a:rPr>
+              <a:t>Age_Pain, </a:t>
+            </a:r>
+            <a:br/>
+            <a:r>
+              <a:rPr>
+                <a:latin typeface="Courier"/>
+              </a:rPr>
+              <a:t>  pain_fat</a:t>
+            </a:r>
+            <a:r>
+              <a:rPr>
+                <a:solidFill>
+                  <a:srgbClr val="4070A0"/>
+                </a:solidFill>
+                <a:latin typeface="Courier"/>
+              </a:rPr>
+              <a:t>$</a:t>
+            </a:r>
+            <a:r>
+              <a:rPr>
+                <a:latin typeface="Courier"/>
+              </a:rPr>
+              <a:t>Age_NoPain, </a:t>
+            </a:r>
+            <a:br/>
+            <a:r>
+              <a:rPr>
+                <a:latin typeface="Courier"/>
+              </a:rPr>
+              <a:t>  pain_fat</a:t>
+            </a:r>
+            <a:r>
+              <a:rPr>
+                <a:solidFill>
+                  <a:srgbClr val="4070A0"/>
+                </a:solidFill>
+                <a:latin typeface="Courier"/>
+              </a:rPr>
+              <a:t>$</a:t>
+            </a:r>
+            <a:r>
+              <a:rPr>
+                <a:latin typeface="Courier"/>
+              </a:rPr>
+              <a:t>Age_Sedentary))</a:t>
+            </a:r>
+          </a:p>
+        </p:txBody>
+      </p:sp>
     </p:spTree>
   </p:cSld>
 </p:sld>
@@ -22933,12 +22515,12 @@
       </p:grpSpPr>
       <p:sp>
         <p:nvSpPr>
-          <p:cNvPr id="3" name="Content Placeholder 2"/>
+          <p:cNvPr id="2" name="Title 1"/>
           <p:cNvSpPr>
             <a:spLocks noGrp="1"/>
           </p:cNvSpPr>
           <p:nvPr>
-            <p:ph idx="1"/>
+            <p:ph type="title"/>
           </p:nvPr>
         </p:nvSpPr>
         <p:spPr/>
@@ -22949,19 +22531,122 @@
             <a:pPr lvl="0" marL="0" indent="0">
               <a:buNone/>
             </a:pPr>
-          </a:p>
+            <a:r>
+              <a:rPr/>
+              <a:t>Backpain</a:t>
+            </a:r>
+            <a:r>
+              <a:rPr/>
+              <a:t> </a:t>
+            </a:r>
+            <a:r>
+              <a:rPr/>
+              <a:t>plot</a:t>
+            </a:r>
+            <a:r>
+              <a:rPr/>
+              <a:t> </a:t>
+            </a:r>
+            <a:r>
+              <a:rPr/>
+              <a:t>code</a:t>
+            </a:r>
+            <a:r>
+              <a:rPr/>
+              <a:t> </a:t>
+            </a:r>
+            <a:r>
+              <a:rPr/>
+              <a:t>(2</a:t>
+            </a:r>
+            <a:r>
+              <a:rPr/>
+              <a:t> </a:t>
+            </a:r>
+            <a:r>
+              <a:rPr/>
+              <a:t>of</a:t>
+            </a:r>
+            <a:r>
+              <a:rPr/>
+              <a:t> </a:t>
+            </a:r>
+            <a:r>
+              <a:rPr/>
+              <a:t>3)</a:t>
+            </a:r>
+          </a:p>
+        </p:txBody>
+      </p:sp>
+      <p:sp>
+        <p:nvSpPr>
+          <p:cNvPr id="3" name="Content Placeholder 2"/>
+          <p:cNvSpPr>
+            <a:spLocks noGrp="1"/>
+          </p:cNvSpPr>
+          <p:nvPr>
+            <p:ph idx="1"/>
+          </p:nvPr>
+        </p:nvSpPr>
+        <p:spPr/>
+        <p:txBody>
+          <a:bodyPr/>
+          <a:lstStyle/>
           <a:p>
             <a:pPr lvl="0" indent="0">
               <a:buNone/>
             </a:pPr>
             <a:r>
               <a:rPr>
+                <a:latin typeface="Courier"/>
+              </a:rPr>
+              <a:t>agreement_age </a:t>
+            </a:r>
+            <a:r>
+              <a:rPr>
+                <a:solidFill>
+                  <a:srgbClr val="007020"/>
+                </a:solidFill>
+                <a:latin typeface="Courier"/>
+              </a:rPr>
+              <a:t>&lt;-</a:t>
+            </a:r>
+            <a:r>
+              <a:rPr>
+                <a:latin typeface="Courier"/>
+              </a:rPr>
+              <a:t> </a:t>
+            </a:r>
+            <a:r>
+              <a:rPr>
                 <a:solidFill>
                   <a:srgbClr val="06287E"/>
                 </a:solidFill>
                 <a:latin typeface="Courier"/>
               </a:rPr>
-              <a:t>ggsave</a:t>
+              <a:t>ggplot</a:t>
+            </a:r>
+            <a:r>
+              <a:rPr>
+                <a:latin typeface="Courier"/>
+              </a:rPr>
+              <a:t>(pain_fat, </a:t>
+            </a:r>
+            <a:br/>
+            <a:r>
+              <a:rPr>
+                <a:latin typeface="Courier"/>
+              </a:rPr>
+              <a:t>  </a:t>
+            </a:r>
+            <a:r>
+              <a:rPr>
+                <a:solidFill>
+                  <a:srgbClr val="06287E"/>
+                </a:solidFill>
+                <a:latin typeface="Courier"/>
+              </a:rPr>
+              <a:t>aes</a:t>
             </a:r>
             <a:r>
               <a:rPr>
@@ -22969,12 +22654,64 @@
               </a:rPr>
               <a:t>(</a:t>
             </a:r>
+            <a:r>
+              <a:rPr>
+                <a:solidFill>
+                  <a:srgbClr val="7D9029"/>
+                </a:solidFill>
+                <a:latin typeface="Courier"/>
+              </a:rPr>
+              <a:t>x=</a:t>
+            </a:r>
+            <a:r>
+              <a:rPr>
+                <a:latin typeface="Courier"/>
+              </a:rPr>
+              <a:t>Age_Pain, </a:t>
+            </a:r>
             <a:br/>
             <a:r>
               <a:rPr>
                 <a:latin typeface="Courier"/>
               </a:rPr>
-              <a:t>  </a:t>
+              <a:t>      </a:t>
+            </a:r>
+            <a:r>
+              <a:rPr>
+                <a:solidFill>
+                  <a:srgbClr val="7D9029"/>
+                </a:solidFill>
+                <a:latin typeface="Courier"/>
+              </a:rPr>
+              <a:t>y=</a:t>
+            </a:r>
+            <a:r>
+              <a:rPr>
+                <a:latin typeface="Courier"/>
+              </a:rPr>
+              <a:t>Age_NoPain, </a:t>
+            </a:r>
+            <a:br/>
+            <a:r>
+              <a:rPr>
+                <a:latin typeface="Courier"/>
+              </a:rPr>
+              <a:t>      </a:t>
+            </a:r>
+            <a:r>
+              <a:rPr>
+                <a:solidFill>
+                  <a:srgbClr val="7D9029"/>
+                </a:solidFill>
+                <a:latin typeface="Courier"/>
+              </a:rPr>
+              <a:t>label=</a:t>
+            </a:r>
+            <a:r>
+              <a:rPr>
+                <a:latin typeface="Courier"/>
+              </a:rPr>
+              <a:t>Match)) </a:t>
             </a:r>
             <a:r>
               <a:rPr>
@@ -22983,20 +22720,29 @@
                 </a:solidFill>
                 <a:latin typeface="Courier"/>
               </a:rPr>
-              <a:t>"../images/agreement_age.png"</a:t>
-            </a:r>
-            <a:r>
-              <a:rPr>
-                <a:latin typeface="Courier"/>
-              </a:rPr>
-              <a:t>,</a:t>
+              <a:t>+</a:t>
             </a:r>
             <a:br/>
             <a:r>
               <a:rPr>
                 <a:latin typeface="Courier"/>
               </a:rPr>
-              <a:t>  agreement_age, </a:t>
+              <a:t>    </a:t>
+            </a:r>
+            <a:r>
+              <a:rPr>
+                <a:solidFill>
+                  <a:srgbClr val="06287E"/>
+                </a:solidFill>
+                <a:latin typeface="Courier"/>
+              </a:rPr>
+              <a:t>geom_text</a:t>
+            </a:r>
+            <a:r>
+              <a:rPr>
+                <a:latin typeface="Courier"/>
+              </a:rPr>
+              <a:t>(</a:t>
             </a:r>
             <a:r>
               <a:rPr>
@@ -23005,22 +22751,68 @@
                 </a:solidFill>
                 <a:latin typeface="Courier"/>
               </a:rPr>
-              <a:t>width=</a:t>
+              <a:t>color=</a:t>
             </a:r>
             <a:r>
               <a:rPr>
                 <a:solidFill>
-                  <a:srgbClr val="40A070"/>
+                  <a:srgbClr val="4070A0"/>
                 </a:solidFill>
                 <a:latin typeface="Courier"/>
               </a:rPr>
-              <a:t>4</a:t>
-            </a:r>
-            <a:r>
-              <a:rPr>
-                <a:latin typeface="Courier"/>
-              </a:rPr>
-              <a:t>, </a:t>
+              <a:t>"darkgreen"</a:t>
+            </a:r>
+            <a:r>
+              <a:rPr>
+                <a:latin typeface="Courier"/>
+              </a:rPr>
+              <a:t>) </a:t>
+            </a:r>
+            <a:r>
+              <a:rPr>
+                <a:solidFill>
+                  <a:srgbClr val="4070A0"/>
+                </a:solidFill>
+                <a:latin typeface="Courier"/>
+              </a:rPr>
+              <a:t>+</a:t>
+            </a:r>
+            <a:br/>
+            <a:r>
+              <a:rPr>
+                <a:latin typeface="Courier"/>
+              </a:rPr>
+              <a:t>    </a:t>
+            </a:r>
+            <a:r>
+              <a:rPr>
+                <a:solidFill>
+                  <a:srgbClr val="06287E"/>
+                </a:solidFill>
+                <a:latin typeface="Courier"/>
+              </a:rPr>
+              <a:t>geom_text</a:t>
+            </a:r>
+            <a:r>
+              <a:rPr>
+                <a:latin typeface="Courier"/>
+              </a:rPr>
+              <a:t>(</a:t>
+            </a:r>
+            <a:r>
+              <a:rPr>
+                <a:solidFill>
+                  <a:srgbClr val="06287E"/>
+                </a:solidFill>
+                <a:latin typeface="Courier"/>
+              </a:rPr>
+              <a:t>aes</a:t>
+            </a:r>
+            <a:r>
+              <a:rPr>
+                <a:latin typeface="Courier"/>
+              </a:rPr>
+              <a:t>(</a:t>
             </a:r>
             <a:r>
               <a:rPr>
@@ -23029,22 +22821,89 @@
                 </a:solidFill>
                 <a:latin typeface="Courier"/>
               </a:rPr>
-              <a:t>height=</a:t>
+              <a:t>y=</a:t>
+            </a:r>
+            <a:r>
+              <a:rPr>
+                <a:latin typeface="Courier"/>
+              </a:rPr>
+              <a:t>Age_Sedentary), </a:t>
             </a:r>
             <a:r>
               <a:rPr>
                 <a:solidFill>
-                  <a:srgbClr val="40A070"/>
+                  <a:srgbClr val="7D9029"/>
                 </a:solidFill>
                 <a:latin typeface="Courier"/>
               </a:rPr>
-              <a:t>4</a:t>
-            </a:r>
-            <a:r>
-              <a:rPr>
-                <a:latin typeface="Courier"/>
-              </a:rPr>
-              <a:t>)</a:t>
+              <a:t>color=</a:t>
+            </a:r>
+            <a:r>
+              <a:rPr>
+                <a:solidFill>
+                  <a:srgbClr val="4070A0"/>
+                </a:solidFill>
+                <a:latin typeface="Courier"/>
+              </a:rPr>
+              <a:t>"red"</a:t>
+            </a:r>
+            <a:r>
+              <a:rPr>
+                <a:latin typeface="Courier"/>
+              </a:rPr>
+              <a:t>) </a:t>
+            </a:r>
+            <a:r>
+              <a:rPr>
+                <a:solidFill>
+                  <a:srgbClr val="4070A0"/>
+                </a:solidFill>
+                <a:latin typeface="Courier"/>
+              </a:rPr>
+              <a:t>+</a:t>
+            </a:r>
+            <a:r>
+              <a:rPr>
+                <a:latin typeface="Courier"/>
+              </a:rPr>
+              <a:t> </a:t>
+            </a:r>
+            <a:br/>
+            <a:r>
+              <a:rPr>
+                <a:latin typeface="Courier"/>
+              </a:rPr>
+              <a:t>    </a:t>
+            </a:r>
+            <a:r>
+              <a:rPr>
+                <a:solidFill>
+                  <a:srgbClr val="06287E"/>
+                </a:solidFill>
+                <a:latin typeface="Courier"/>
+              </a:rPr>
+              <a:t>ylab</a:t>
+            </a:r>
+            <a:r>
+              <a:rPr>
+                <a:latin typeface="Courier"/>
+              </a:rPr>
+              <a:t>(</a:t>
+            </a:r>
+            <a:r>
+              <a:rPr>
+                <a:solidFill>
+                  <a:srgbClr val="4070A0"/>
+                </a:solidFill>
+                <a:latin typeface="Courier"/>
+              </a:rPr>
+              <a:t>"Age_Sedentary (red) and Age_NoPain (green)"</a:t>
+            </a:r>
+            <a:r>
+              <a:rPr>
+                <a:latin typeface="Courier"/>
+              </a:rPr>
+              <a:t> )</a:t>
             </a:r>
           </a:p>
         </p:txBody>
@@ -23091,6 +22950,489 @@
             </a:pPr>
             <a:r>
               <a:rPr/>
+              <a:t>Backpain</a:t>
+            </a:r>
+            <a:r>
+              <a:rPr/>
+              <a:t> </a:t>
+            </a:r>
+            <a:r>
+              <a:rPr/>
+              <a:t>plot</a:t>
+            </a:r>
+            <a:r>
+              <a:rPr/>
+              <a:t> </a:t>
+            </a:r>
+            <a:r>
+              <a:rPr/>
+              <a:t>code</a:t>
+            </a:r>
+            <a:r>
+              <a:rPr/>
+              <a:t> </a:t>
+            </a:r>
+            <a:r>
+              <a:rPr/>
+              <a:t>(3</a:t>
+            </a:r>
+            <a:r>
+              <a:rPr/>
+              <a:t> </a:t>
+            </a:r>
+            <a:r>
+              <a:rPr/>
+              <a:t>of</a:t>
+            </a:r>
+            <a:r>
+              <a:rPr/>
+              <a:t> </a:t>
+            </a:r>
+            <a:r>
+              <a:rPr/>
+              <a:t>3)</a:t>
+            </a:r>
+          </a:p>
+        </p:txBody>
+      </p:sp>
+      <p:sp>
+        <p:nvSpPr>
+          <p:cNvPr id="3" name="Content Placeholder 2"/>
+          <p:cNvSpPr>
+            <a:spLocks noGrp="1"/>
+          </p:cNvSpPr>
+          <p:nvPr>
+            <p:ph idx="1"/>
+          </p:nvPr>
+        </p:nvSpPr>
+        <p:spPr/>
+        <p:txBody>
+          <a:bodyPr/>
+          <a:lstStyle/>
+          <a:p>
+            <a:pPr lvl="0" indent="0">
+              <a:buNone/>
+            </a:pPr>
+            <a:r>
+              <a:rPr>
+                <a:latin typeface="Courier"/>
+              </a:rPr>
+              <a:t>agreement_age </a:t>
+            </a:r>
+            <a:r>
+              <a:rPr>
+                <a:solidFill>
+                  <a:srgbClr val="007020"/>
+                </a:solidFill>
+                <a:latin typeface="Courier"/>
+              </a:rPr>
+              <a:t>&lt;-</a:t>
+            </a:r>
+            <a:br/>
+            <a:r>
+              <a:rPr>
+                <a:latin typeface="Courier"/>
+              </a:rPr>
+              <a:t>  agreement_age </a:t>
+            </a:r>
+            <a:r>
+              <a:rPr>
+                <a:solidFill>
+                  <a:srgbClr val="4070A0"/>
+                </a:solidFill>
+                <a:latin typeface="Courier"/>
+              </a:rPr>
+              <a:t>+</a:t>
+            </a:r>
+            <a:r>
+              <a:rPr>
+                <a:latin typeface="Courier"/>
+              </a:rPr>
+              <a:t> </a:t>
+            </a:r>
+            <a:br/>
+            <a:r>
+              <a:rPr>
+                <a:latin typeface="Courier"/>
+              </a:rPr>
+              <a:t>    </a:t>
+            </a:r>
+            <a:r>
+              <a:rPr>
+                <a:solidFill>
+                  <a:srgbClr val="06287E"/>
+                </a:solidFill>
+                <a:latin typeface="Courier"/>
+              </a:rPr>
+              <a:t>expand_limits</a:t>
+            </a:r>
+            <a:r>
+              <a:rPr>
+                <a:latin typeface="Courier"/>
+              </a:rPr>
+              <a:t>(</a:t>
+            </a:r>
+            <a:br/>
+            <a:r>
+              <a:rPr>
+                <a:latin typeface="Courier"/>
+              </a:rPr>
+              <a:t>      </a:t>
+            </a:r>
+            <a:r>
+              <a:rPr>
+                <a:solidFill>
+                  <a:srgbClr val="7D9029"/>
+                </a:solidFill>
+                <a:latin typeface="Courier"/>
+              </a:rPr>
+              <a:t>x=</a:t>
+            </a:r>
+            <a:r>
+              <a:rPr>
+                <a:latin typeface="Courier"/>
+              </a:rPr>
+              <a:t>age_range, </a:t>
+            </a:r>
+            <a:br/>
+            <a:r>
+              <a:rPr>
+                <a:latin typeface="Courier"/>
+              </a:rPr>
+              <a:t>      </a:t>
+            </a:r>
+            <a:r>
+              <a:rPr>
+                <a:solidFill>
+                  <a:srgbClr val="7D9029"/>
+                </a:solidFill>
+                <a:latin typeface="Courier"/>
+              </a:rPr>
+              <a:t>y=</a:t>
+            </a:r>
+            <a:r>
+              <a:rPr>
+                <a:latin typeface="Courier"/>
+              </a:rPr>
+              <a:t>age_range) </a:t>
+            </a:r>
+            <a:r>
+              <a:rPr>
+                <a:solidFill>
+                  <a:srgbClr val="4070A0"/>
+                </a:solidFill>
+                <a:latin typeface="Courier"/>
+              </a:rPr>
+              <a:t>+</a:t>
+            </a:r>
+            <a:br/>
+            <a:r>
+              <a:rPr>
+                <a:latin typeface="Courier"/>
+              </a:rPr>
+              <a:t>    </a:t>
+            </a:r>
+            <a:r>
+              <a:rPr>
+                <a:solidFill>
+                  <a:srgbClr val="06287E"/>
+                </a:solidFill>
+                <a:latin typeface="Courier"/>
+              </a:rPr>
+              <a:t>geom_segment</a:t>
+            </a:r>
+            <a:r>
+              <a:rPr>
+                <a:latin typeface="Courier"/>
+              </a:rPr>
+              <a:t>(</a:t>
+            </a:r>
+            <a:br/>
+            <a:r>
+              <a:rPr>
+                <a:latin typeface="Courier"/>
+              </a:rPr>
+              <a:t>      </a:t>
+            </a:r>
+            <a:r>
+              <a:rPr>
+                <a:solidFill>
+                  <a:srgbClr val="7D9029"/>
+                </a:solidFill>
+                <a:latin typeface="Courier"/>
+              </a:rPr>
+              <a:t>x=</a:t>
+            </a:r>
+            <a:r>
+              <a:rPr>
+                <a:latin typeface="Courier"/>
+              </a:rPr>
+              <a:t>age_range[</a:t>
+            </a:r>
+            <a:r>
+              <a:rPr>
+                <a:solidFill>
+                  <a:srgbClr val="40A070"/>
+                </a:solidFill>
+                <a:latin typeface="Courier"/>
+              </a:rPr>
+              <a:t>1</a:t>
+            </a:r>
+            <a:r>
+              <a:rPr>
+                <a:latin typeface="Courier"/>
+              </a:rPr>
+              <a:t>], </a:t>
+            </a:r>
+            <a:br/>
+            <a:r>
+              <a:rPr>
+                <a:latin typeface="Courier"/>
+              </a:rPr>
+              <a:t>      </a:t>
+            </a:r>
+            <a:r>
+              <a:rPr>
+                <a:solidFill>
+                  <a:srgbClr val="7D9029"/>
+                </a:solidFill>
+                <a:latin typeface="Courier"/>
+              </a:rPr>
+              <a:t>y=</a:t>
+            </a:r>
+            <a:r>
+              <a:rPr>
+                <a:latin typeface="Courier"/>
+              </a:rPr>
+              <a:t>age_range[</a:t>
+            </a:r>
+            <a:r>
+              <a:rPr>
+                <a:solidFill>
+                  <a:srgbClr val="40A070"/>
+                </a:solidFill>
+                <a:latin typeface="Courier"/>
+              </a:rPr>
+              <a:t>1</a:t>
+            </a:r>
+            <a:r>
+              <a:rPr>
+                <a:latin typeface="Courier"/>
+              </a:rPr>
+              <a:t>], </a:t>
+            </a:r>
+            <a:br/>
+            <a:r>
+              <a:rPr>
+                <a:latin typeface="Courier"/>
+              </a:rPr>
+              <a:t>      </a:t>
+            </a:r>
+            <a:r>
+              <a:rPr>
+                <a:solidFill>
+                  <a:srgbClr val="7D9029"/>
+                </a:solidFill>
+                <a:latin typeface="Courier"/>
+              </a:rPr>
+              <a:t>xend=</a:t>
+            </a:r>
+            <a:r>
+              <a:rPr>
+                <a:latin typeface="Courier"/>
+              </a:rPr>
+              <a:t>age_range[</a:t>
+            </a:r>
+            <a:r>
+              <a:rPr>
+                <a:solidFill>
+                  <a:srgbClr val="40A070"/>
+                </a:solidFill>
+                <a:latin typeface="Courier"/>
+              </a:rPr>
+              <a:t>2</a:t>
+            </a:r>
+            <a:r>
+              <a:rPr>
+                <a:latin typeface="Courier"/>
+              </a:rPr>
+              <a:t>], </a:t>
+            </a:r>
+            <a:br/>
+            <a:r>
+              <a:rPr>
+                <a:latin typeface="Courier"/>
+              </a:rPr>
+              <a:t>      </a:t>
+            </a:r>
+            <a:r>
+              <a:rPr>
+                <a:solidFill>
+                  <a:srgbClr val="7D9029"/>
+                </a:solidFill>
+                <a:latin typeface="Courier"/>
+              </a:rPr>
+              <a:t>yend=</a:t>
+            </a:r>
+            <a:r>
+              <a:rPr>
+                <a:latin typeface="Courier"/>
+              </a:rPr>
+              <a:t>age_range[</a:t>
+            </a:r>
+            <a:r>
+              <a:rPr>
+                <a:solidFill>
+                  <a:srgbClr val="40A070"/>
+                </a:solidFill>
+                <a:latin typeface="Courier"/>
+              </a:rPr>
+              <a:t>2</a:t>
+            </a:r>
+            <a:r>
+              <a:rPr>
+                <a:latin typeface="Courier"/>
+              </a:rPr>
+              <a:t>])</a:t>
+            </a:r>
+            <a:br/>
+            <a:r>
+              <a:rPr>
+                <a:solidFill>
+                  <a:srgbClr val="06287E"/>
+                </a:solidFill>
+                <a:latin typeface="Courier"/>
+              </a:rPr>
+              <a:t>ggsave</a:t>
+            </a:r>
+            <a:r>
+              <a:rPr>
+                <a:latin typeface="Courier"/>
+              </a:rPr>
+              <a:t>(</a:t>
+            </a:r>
+            <a:br/>
+            <a:r>
+              <a:rPr>
+                <a:latin typeface="Courier"/>
+              </a:rPr>
+              <a:t>  </a:t>
+            </a:r>
+            <a:r>
+              <a:rPr>
+                <a:solidFill>
+                  <a:srgbClr val="4070A0"/>
+                </a:solidFill>
+                <a:latin typeface="Courier"/>
+              </a:rPr>
+              <a:t>"../images/agreement_age.png"</a:t>
+            </a:r>
+            <a:r>
+              <a:rPr>
+                <a:latin typeface="Courier"/>
+              </a:rPr>
+              <a:t>,</a:t>
+            </a:r>
+            <a:br/>
+            <a:r>
+              <a:rPr>
+                <a:latin typeface="Courier"/>
+              </a:rPr>
+              <a:t>  agreement_age, </a:t>
+            </a:r>
+            <a:r>
+              <a:rPr>
+                <a:solidFill>
+                  <a:srgbClr val="7D9029"/>
+                </a:solidFill>
+                <a:latin typeface="Courier"/>
+              </a:rPr>
+              <a:t>width=</a:t>
+            </a:r>
+            <a:r>
+              <a:rPr>
+                <a:solidFill>
+                  <a:srgbClr val="40A070"/>
+                </a:solidFill>
+                <a:latin typeface="Courier"/>
+              </a:rPr>
+              <a:t>4</a:t>
+            </a:r>
+            <a:r>
+              <a:rPr>
+                <a:latin typeface="Courier"/>
+              </a:rPr>
+              <a:t>, </a:t>
+            </a:r>
+            <a:r>
+              <a:rPr>
+                <a:solidFill>
+                  <a:srgbClr val="7D9029"/>
+                </a:solidFill>
+                <a:latin typeface="Courier"/>
+              </a:rPr>
+              <a:t>height=</a:t>
+            </a:r>
+            <a:r>
+              <a:rPr>
+                <a:solidFill>
+                  <a:srgbClr val="40A070"/>
+                </a:solidFill>
+                <a:latin typeface="Courier"/>
+              </a:rPr>
+              <a:t>4</a:t>
+            </a:r>
+            <a:r>
+              <a:rPr>
+                <a:latin typeface="Courier"/>
+              </a:rPr>
+              <a:t>)</a:t>
+            </a:r>
+          </a:p>
+        </p:txBody>
+      </p:sp>
+    </p:spTree>
+  </p:cSld>
+</p:sld>
+</file>
+
+<file path=ppt/slides/slide44.xml><?xml version="1.0" encoding="utf-8"?>
+<p:sld xmlns:a="http://schemas.openxmlformats.org/drawingml/2006/main" xmlns:r="http://schemas.openxmlformats.org/officeDocument/2006/relationships" xmlns:p="http://schemas.openxmlformats.org/presentationml/2006/main">
+  <p:cSld>
+    <p:spTree>
+      <p:nvGrpSpPr>
+        <p:cNvPr id="1" name=""/>
+        <p:cNvGrpSpPr/>
+        <p:nvPr/>
+      </p:nvGrpSpPr>
+      <p:grpSpPr>
+        <a:xfrm>
+          <a:off x="0" y="0"/>
+          <a:ext cx="0" cy="0"/>
+          <a:chOff x="0" y="0"/>
+          <a:chExt cx="0" cy="0"/>
+        </a:xfrm>
+      </p:grpSpPr>
+      <p:sp>
+        <p:nvSpPr>
+          <p:cNvPr id="2" name="Title 1"/>
+          <p:cNvSpPr>
+            <a:spLocks noGrp="1"/>
+          </p:cNvSpPr>
+          <p:nvPr>
+            <p:ph type="title"/>
+          </p:nvPr>
+        </p:nvSpPr>
+        <p:spPr/>
+        <p:txBody>
+          <a:bodyPr/>
+          <a:lstStyle/>
+          <a:p>
+            <a:pPr lvl="0" marL="0" indent="0">
+              <a:buNone/>
+            </a:pPr>
+            <a:r>
+              <a:rPr/>
               <a:t>Plots</a:t>
             </a:r>
             <a:r>
@@ -23114,7 +23456,7 @@
       </p:sp>
       <p:pic>
         <p:nvPicPr>
-          <p:cNvPr descr="../images/agreement12.png" id="0" name="Picture 1"/>
+          <p:cNvPr descr="../images/agreement_age.png" id="0" name="Picture 1"/>
           <p:cNvPicPr>
             <a:picLocks noGrp="1" noChangeAspect="1"/>
           </p:cNvPicPr>
@@ -23209,105 +23551,6 @@
 </p:sld>
 </file>
 
-<file path=ppt/slides/slide44.xml><?xml version="1.0" encoding="utf-8"?>
-<p:sld xmlns:a="http://schemas.openxmlformats.org/drawingml/2006/main" xmlns:r="http://schemas.openxmlformats.org/officeDocument/2006/relationships" xmlns:p="http://schemas.openxmlformats.org/presentationml/2006/main">
-  <p:cSld>
-    <p:spTree>
-      <p:nvGrpSpPr>
-        <p:cNvPr id="1" name=""/>
-        <p:cNvGrpSpPr/>
-        <p:nvPr/>
-      </p:nvGrpSpPr>
-      <p:grpSpPr>
-        <a:xfrm>
-          <a:off x="0" y="0"/>
-          <a:ext cx="0" cy="0"/>
-          <a:chOff x="0" y="0"/>
-          <a:chExt cx="0" cy="0"/>
-        </a:xfrm>
-      </p:grpSpPr>
-      <p:sp>
-        <p:nvSpPr>
-          <p:cNvPr id="2" name="Title 1"/>
-          <p:cNvSpPr>
-            <a:spLocks noGrp="1"/>
-          </p:cNvSpPr>
-          <p:nvPr>
-            <p:ph type="title"/>
-          </p:nvPr>
-        </p:nvSpPr>
-        <p:spPr/>
-        <p:txBody>
-          <a:bodyPr/>
-          <a:lstStyle/>
-          <a:p>
-            <a:pPr lvl="0" marL="0" indent="0">
-              <a:buNone/>
-            </a:pPr>
-            <a:r>
-              <a:rPr/>
-              <a:t>Break</a:t>
-            </a:r>
-            <a:r>
-              <a:rPr/>
-              <a:t> </a:t>
-            </a:r>
-            <a:r>
-              <a:rPr/>
-              <a:t>#2</a:t>
-            </a:r>
-          </a:p>
-        </p:txBody>
-      </p:sp>
-      <p:sp>
-        <p:nvSpPr>
-          <p:cNvPr id="3" name="Content Placeholder 2"/>
-          <p:cNvSpPr>
-            <a:spLocks noGrp="1"/>
-          </p:cNvSpPr>
-          <p:nvPr>
-            <p:ph idx="1"/>
-          </p:nvPr>
-        </p:nvSpPr>
-        <p:spPr/>
-        <p:txBody>
-          <a:bodyPr/>
-          <a:lstStyle/>
-          <a:p>
-            <a:pPr lvl="1"/>
-            <a:r>
-              <a:rPr/>
-              <a:t>What have you learned</a:t>
-            </a:r>
-          </a:p>
-          <a:p>
-            <a:pPr lvl="2"/>
-            <a:r>
-              <a:rPr/>
-              <a:t>Converting to short and fat format</a:t>
-            </a:r>
-          </a:p>
-          <a:p>
-            <a:pPr lvl="1"/>
-            <a:r>
-              <a:rPr/>
-              <a:t>What is coming next</a:t>
-            </a:r>
-          </a:p>
-          <a:p>
-            <a:pPr lvl="2"/>
-            <a:r>
-              <a:rPr/>
-              <a:t>Separating into time constant/time varying tables</a:t>
-            </a:r>
-          </a:p>
-        </p:txBody>
-      </p:sp>
-    </p:spTree>
-  </p:cSld>
-</p:sld>
-</file>
-
 <file path=ppt/slides/slide45.xml><?xml version="1.0" encoding="utf-8"?>
 <p:sld xmlns:a="http://schemas.openxmlformats.org/drawingml/2006/main" xmlns:r="http://schemas.openxmlformats.org/officeDocument/2006/relationships" xmlns:p="http://schemas.openxmlformats.org/presentationml/2006/main">
   <p:cSld>
@@ -23345,23 +23588,15 @@
             </a:pPr>
             <a:r>
               <a:rPr/>
-              <a:t>One</a:t>
-            </a:r>
-            <a:r>
-              <a:rPr/>
-              <a:t> </a:t>
-            </a:r>
-            <a:r>
-              <a:rPr/>
-              <a:t>last</a:t>
-            </a:r>
-            <a:r>
-              <a:rPr/>
-              <a:t> </a:t>
-            </a:r>
-            <a:r>
-              <a:rPr/>
-              <a:t>recommendation</a:t>
+              <a:t>Break</a:t>
+            </a:r>
+            <a:r>
+              <a:rPr/>
+              <a:t> </a:t>
+            </a:r>
+            <a:r>
+              <a:rPr/>
+              <a:t>#2</a:t>
             </a:r>
           </a:p>
         </p:txBody>
@@ -23384,42 +23619,28 @@
             <a:pPr lvl="1"/>
             <a:r>
               <a:rPr/>
-              <a:t>Both formats have problems</a:t>
+              <a:t>What have you learned</a:t>
             </a:r>
           </a:p>
           <a:p>
             <a:pPr lvl="2"/>
             <a:r>
               <a:rPr/>
-              <a:t>Tall and thin: repetition of demographic information</a:t>
+              <a:t>Converting to short and fat format</a:t>
+            </a:r>
+          </a:p>
+          <a:p>
+            <a:pPr lvl="1"/>
+            <a:r>
+              <a:rPr/>
+              <a:t>What is coming next</a:t>
             </a:r>
           </a:p>
           <a:p>
             <a:pPr lvl="2"/>
             <a:r>
               <a:rPr/>
-              <a:t>Short and fat: poor handling of missing value</a:t>
-            </a:r>
-          </a:p>
-          <a:p>
-            <a:pPr lvl="1"/>
-            <a:r>
-              <a:rPr/>
-              <a:t>Ideal solution: normalization</a:t>
-            </a:r>
-          </a:p>
-          <a:p>
-            <a:pPr lvl="2"/>
-            <a:r>
-              <a:rPr/>
-              <a:t>Put time constant data in first table</a:t>
-            </a:r>
-          </a:p>
-          <a:p>
-            <a:pPr lvl="2"/>
-            <a:r>
-              <a:rPr/>
-              <a:t>Put time varying data in second table</a:t>
+              <a:t>Separating into time constant/time varying tables</a:t>
             </a:r>
           </a:p>
         </p:txBody>
@@ -23466,15 +23687,23 @@
             </a:pPr>
             <a:r>
               <a:rPr/>
-              <a:t>Balance</a:t>
-            </a:r>
-            <a:r>
-              <a:rPr/>
-              <a:t> </a:t>
-            </a:r>
-            <a:r>
-              <a:rPr/>
-              <a:t>dataset</a:t>
+              <a:t>One</a:t>
+            </a:r>
+            <a:r>
+              <a:rPr/>
+              <a:t> </a:t>
+            </a:r>
+            <a:r>
+              <a:rPr/>
+              <a:t>last</a:t>
+            </a:r>
+            <a:r>
+              <a:rPr/>
+              <a:t> </a:t>
+            </a:r>
+            <a:r>
+              <a:rPr/>
+              <a:t>recommendation</a:t>
             </a:r>
           </a:p>
         </p:txBody>
@@ -23497,42 +23726,42 @@
             <a:pPr lvl="1"/>
             <a:r>
               <a:rPr/>
-              <a:t>Short and fat format</a:t>
+              <a:t>Both formats have problems</a:t>
             </a:r>
           </a:p>
           <a:p>
             <a:pPr lvl="2"/>
             <a:r>
               <a:rPr/>
-              <a:t>www.statsci.org/data/oz/ctsibrm.txt</a:t>
+              <a:t>Tall and thin: repetition of demographic information</a:t>
+            </a:r>
+          </a:p>
+          <a:p>
+            <a:pPr lvl="2"/>
+            <a:r>
+              <a:rPr/>
+              <a:t>Short and fat: poor handling of missing value</a:t>
             </a:r>
           </a:p>
           <a:p>
             <a:pPr lvl="1"/>
             <a:r>
               <a:rPr/>
-              <a:t>Tall and thin format</a:t>
+              <a:t>Ideal solution: normalization</a:t>
             </a:r>
           </a:p>
           <a:p>
             <a:pPr lvl="2"/>
             <a:r>
               <a:rPr/>
-              <a:t>www.statsci.org/data/oz/ctsibuni.txt</a:t>
-            </a:r>
-          </a:p>
-          <a:p>
-            <a:pPr lvl="1"/>
-            <a:r>
-              <a:rPr/>
-              <a:t>Look here for context</a:t>
+              <a:t>Put time constant data in first table</a:t>
             </a:r>
           </a:p>
           <a:p>
             <a:pPr lvl="2"/>
             <a:r>
               <a:rPr/>
-              <a:t>www.statsci.org/data/oz/ctsib.html</a:t>
+              <a:t>Put time varying data in second table</a:t>
             </a:r>
           </a:p>
         </p:txBody>
@@ -24518,31 +24747,15 @@
             </a:pPr>
             <a:r>
               <a:rPr/>
-              <a:t>Create</a:t>
-            </a:r>
-            <a:r>
-              <a:rPr/>
-              <a:t> </a:t>
-            </a:r>
-            <a:r>
-              <a:rPr/>
-              <a:t>time</a:t>
-            </a:r>
-            <a:r>
-              <a:rPr/>
-              <a:t> </a:t>
-            </a:r>
-            <a:r>
-              <a:rPr/>
-              <a:t>constant</a:t>
-            </a:r>
-            <a:r>
-              <a:rPr/>
-              <a:t> </a:t>
-            </a:r>
-            <a:r>
-              <a:rPr/>
-              <a:t>data</a:t>
+              <a:t>Additional</a:t>
+            </a:r>
+            <a:r>
+              <a:rPr/>
+              <a:t> </a:t>
+            </a:r>
+            <a:r>
+              <a:rPr/>
+              <a:t>variables</a:t>
             </a:r>
           </a:p>
         </p:txBody>
@@ -24567,46 +24780,27 @@
             </a:pPr>
             <a:r>
               <a:rPr>
-                <a:latin typeface="Courier"/>
-              </a:rPr>
-              <a:t>time_constant_list </a:t>
-            </a:r>
-            <a:r>
-              <a:rPr>
-                <a:solidFill>
-                  <a:srgbClr val="007020"/>
-                </a:solidFill>
-                <a:latin typeface="Courier"/>
-              </a:rPr>
-              <a:t>&lt;-</a:t>
-            </a:r>
-            <a:r>
-              <a:rPr>
-                <a:latin typeface="Courier"/>
-              </a:rPr>
-              <a:t> </a:t>
-            </a:r>
-            <a:br/>
-            <a:r>
-              <a:rPr>
-                <a:latin typeface="Courier"/>
-              </a:rPr>
-              <a:t>  </a:t>
-            </a:r>
-            <a:r>
-              <a:rPr>
                 <a:solidFill>
                   <a:srgbClr val="06287E"/>
                 </a:solidFill>
                 <a:latin typeface="Courier"/>
               </a:rPr>
-              <a:t>c</a:t>
-            </a:r>
-            <a:r>
-              <a:rPr>
-                <a:latin typeface="Courier"/>
-              </a:rPr>
-              <a:t>(</a:t>
+              <a:t>names</a:t>
+            </a:r>
+            <a:r>
+              <a:rPr>
+                <a:latin typeface="Courier"/>
+              </a:rPr>
+              <a:t>(short_and_fat_data)[</a:t>
+            </a:r>
+            <a:r>
+              <a:rPr>
+                <a:solidFill>
+                  <a:srgbClr val="40A070"/>
+                </a:solidFill>
+                <a:latin typeface="Courier"/>
+              </a:rPr>
+              <a:t>7</a:t>
             </a:r>
             <a:r>
               <a:rPr>
@@ -24615,102 +24809,34 @@
                 </a:solidFill>
                 <a:latin typeface="Courier"/>
               </a:rPr>
-              <a:t>"Subject"</a:t>
-            </a:r>
-            <a:r>
-              <a:rPr>
-                <a:latin typeface="Courier"/>
-              </a:rPr>
-              <a:t>, </a:t>
+              <a:t>:</a:t>
             </a:r>
             <a:r>
               <a:rPr>
                 <a:solidFill>
-                  <a:srgbClr val="4070A0"/>
+                  <a:srgbClr val="40A070"/>
                 </a:solidFill>
                 <a:latin typeface="Courier"/>
               </a:rPr>
-              <a:t>"Sex"</a:t>
-            </a:r>
-            <a:r>
-              <a:rPr>
-                <a:latin typeface="Courier"/>
-              </a:rPr>
-              <a:t>, </a:t>
-            </a:r>
-            <a:r>
-              <a:rPr>
-                <a:solidFill>
-                  <a:srgbClr val="4070A0"/>
-                </a:solidFill>
-                <a:latin typeface="Courier"/>
-              </a:rPr>
-              <a:t>"Age"</a:t>
-            </a:r>
-            <a:r>
-              <a:rPr>
-                <a:latin typeface="Courier"/>
-              </a:rPr>
-              <a:t>, </a:t>
-            </a:r>
-            <a:r>
-              <a:rPr>
-                <a:solidFill>
-                  <a:srgbClr val="4070A0"/>
-                </a:solidFill>
-                <a:latin typeface="Courier"/>
-              </a:rPr>
-              <a:t>"Height"</a:t>
-            </a:r>
-            <a:r>
-              <a:rPr>
-                <a:latin typeface="Courier"/>
-              </a:rPr>
-              <a:t>, </a:t>
-            </a:r>
-            <a:r>
-              <a:rPr>
-                <a:solidFill>
-                  <a:srgbClr val="4070A0"/>
-                </a:solidFill>
-                <a:latin typeface="Courier"/>
-              </a:rPr>
-              <a:t>"Weight"</a:t>
-            </a:r>
-            <a:r>
-              <a:rPr>
-                <a:latin typeface="Courier"/>
-              </a:rPr>
-              <a:t>)</a:t>
-            </a:r>
-            <a:br/>
-            <a:r>
-              <a:rPr>
-                <a:latin typeface="Courier"/>
-              </a:rPr>
-              <a:t>time_constant_data </a:t>
-            </a:r>
-            <a:r>
-              <a:rPr>
-                <a:solidFill>
-                  <a:srgbClr val="007020"/>
-                </a:solidFill>
-                <a:latin typeface="Courier"/>
-              </a:rPr>
-              <a:t>&lt;-</a:t>
-            </a:r>
-            <a:r>
-              <a:rPr>
-                <a:latin typeface="Courier"/>
-              </a:rPr>
-              <a:t> </a:t>
-            </a:r>
-            <a:br/>
-            <a:r>
-              <a:rPr>
-                <a:latin typeface="Courier"/>
-              </a:rPr>
-              <a:t>  short_and_fat_data[ , time_constant_list]</a:t>
+              <a:t>17</a:t>
+            </a:r>
+            <a:r>
+              <a:rPr>
+                <a:latin typeface="Courier"/>
+              </a:rPr>
+              <a:t>]</a:t>
+            </a:r>
+          </a:p>
+          <a:p>
+            <a:pPr lvl="0" indent="0">
+              <a:buNone/>
+            </a:pPr>
+            <a:r>
+              <a:rPr>
+                <a:latin typeface="Courier"/>
+              </a:rPr>
+              <a:t>##  [1] "NO2" "NC1" "NC2" "ND1" "ND2" "FO1"
+##  [7] "FO2" "FC1" "FC2" "FD1" "FD2"</a:t>
             </a:r>
           </a:p>
         </p:txBody>
@@ -24757,15 +24883,7 @@
             </a:pPr>
             <a:r>
               <a:rPr/>
-              <a:t>Structure</a:t>
-            </a:r>
-            <a:r>
-              <a:rPr/>
-              <a:t> </a:t>
-            </a:r>
-            <a:r>
-              <a:rPr/>
-              <a:t>of</a:t>
+              <a:t>Create</a:t>
             </a:r>
             <a:r>
               <a:rPr/>
@@ -24814,35 +24932,150 @@
             </a:pPr>
             <a:r>
               <a:rPr>
+                <a:latin typeface="Courier"/>
+              </a:rPr>
+              <a:t>time_constant_list </a:t>
+            </a:r>
+            <a:r>
+              <a:rPr>
+                <a:solidFill>
+                  <a:srgbClr val="007020"/>
+                </a:solidFill>
+                <a:latin typeface="Courier"/>
+              </a:rPr>
+              <a:t>&lt;-</a:t>
+            </a:r>
+            <a:r>
+              <a:rPr>
+                <a:latin typeface="Courier"/>
+              </a:rPr>
+              <a:t> </a:t>
+            </a:r>
+            <a:br/>
+            <a:r>
+              <a:rPr>
+                <a:latin typeface="Courier"/>
+              </a:rPr>
+              <a:t>  </a:t>
+            </a:r>
+            <a:r>
+              <a:rPr>
                 <a:solidFill>
                   <a:srgbClr val="06287E"/>
                 </a:solidFill>
                 <a:latin typeface="Courier"/>
               </a:rPr>
-              <a:t>glimpse</a:t>
-            </a:r>
-            <a:r>
-              <a:rPr>
-                <a:latin typeface="Courier"/>
-              </a:rPr>
-              <a:t>(time_constant_data)</a:t>
-            </a:r>
-          </a:p>
-          <a:p>
-            <a:pPr lvl="0" indent="0">
-              <a:buNone/>
-            </a:pPr>
-            <a:r>
-              <a:rPr>
-                <a:latin typeface="Courier"/>
-              </a:rPr>
-              <a:t>## Rows: 40
-## Columns: 5
-## $ Subject &lt;dbl&gt; 1, 2, 3, 4, 5, 6, 7, 8~
-## $ Sex     &lt;chr&gt; "male", "male", "male"~
-## $ Age     &lt;dbl&gt; 22, 22, 22, 21, 20, 18~
-## $ Height  &lt;dbl&gt; 176.0, 181.0, 175.5, 1~
-## $ Weight  &lt;dbl&gt; 68.2, 67.6, 72.0, 73.2~</a:t>
+              <a:t>c</a:t>
+            </a:r>
+            <a:r>
+              <a:rPr>
+                <a:latin typeface="Courier"/>
+              </a:rPr>
+              <a:t>(</a:t>
+            </a:r>
+            <a:r>
+              <a:rPr>
+                <a:solidFill>
+                  <a:srgbClr val="4070A0"/>
+                </a:solidFill>
+                <a:latin typeface="Courier"/>
+              </a:rPr>
+              <a:t>"Subject"</a:t>
+            </a:r>
+            <a:r>
+              <a:rPr>
+                <a:latin typeface="Courier"/>
+              </a:rPr>
+              <a:t>, </a:t>
+            </a:r>
+            <a:r>
+              <a:rPr>
+                <a:solidFill>
+                  <a:srgbClr val="4070A0"/>
+                </a:solidFill>
+                <a:latin typeface="Courier"/>
+              </a:rPr>
+              <a:t>"Sex"</a:t>
+            </a:r>
+            <a:r>
+              <a:rPr>
+                <a:latin typeface="Courier"/>
+              </a:rPr>
+              <a:t>, </a:t>
+            </a:r>
+            <a:r>
+              <a:rPr>
+                <a:solidFill>
+                  <a:srgbClr val="4070A0"/>
+                </a:solidFill>
+                <a:latin typeface="Courier"/>
+              </a:rPr>
+              <a:t>"Age"</a:t>
+            </a:r>
+            <a:r>
+              <a:rPr>
+                <a:latin typeface="Courier"/>
+              </a:rPr>
+              <a:t>, </a:t>
+            </a:r>
+            <a:r>
+              <a:rPr>
+                <a:solidFill>
+                  <a:srgbClr val="4070A0"/>
+                </a:solidFill>
+                <a:latin typeface="Courier"/>
+              </a:rPr>
+              <a:t>"Height"</a:t>
+            </a:r>
+            <a:r>
+              <a:rPr>
+                <a:latin typeface="Courier"/>
+              </a:rPr>
+              <a:t>, </a:t>
+            </a:r>
+            <a:r>
+              <a:rPr>
+                <a:solidFill>
+                  <a:srgbClr val="4070A0"/>
+                </a:solidFill>
+                <a:latin typeface="Courier"/>
+              </a:rPr>
+              <a:t>"Weight"</a:t>
+            </a:r>
+            <a:r>
+              <a:rPr>
+                <a:latin typeface="Courier"/>
+              </a:rPr>
+              <a:t>)</a:t>
+            </a:r>
+            <a:br/>
+            <a:r>
+              <a:rPr>
+                <a:latin typeface="Courier"/>
+              </a:rPr>
+              <a:t>time_constant_data </a:t>
+            </a:r>
+            <a:r>
+              <a:rPr>
+                <a:solidFill>
+                  <a:srgbClr val="007020"/>
+                </a:solidFill>
+                <a:latin typeface="Courier"/>
+              </a:rPr>
+              <a:t>&lt;-</a:t>
+            </a:r>
+            <a:r>
+              <a:rPr>
+                <a:latin typeface="Courier"/>
+              </a:rPr>
+              <a:t> </a:t>
+            </a:r>
+            <a:br/>
+            <a:r>
+              <a:rPr>
+                <a:latin typeface="Courier"/>
+              </a:rPr>
+              <a:t>  short_and_fat_data[ , time_constant_list]</a:t>
             </a:r>
           </a:p>
         </p:txBody>
@@ -24889,55 +25122,39 @@
             </a:pPr>
             <a:r>
               <a:rPr/>
-              <a:t>Read</a:t>
-            </a:r>
-            <a:r>
-              <a:rPr/>
-              <a:t> </a:t>
-            </a:r>
-            <a:r>
-              <a:rPr/>
-              <a:t>balance</a:t>
-            </a:r>
-            <a:r>
-              <a:rPr/>
-              <a:t> </a:t>
-            </a:r>
-            <a:r>
-              <a:rPr/>
-              <a:t>in</a:t>
-            </a:r>
-            <a:r>
-              <a:rPr/>
-              <a:t> </a:t>
-            </a:r>
-            <a:r>
-              <a:rPr/>
-              <a:t>tall</a:t>
-            </a:r>
-            <a:r>
-              <a:rPr/>
-              <a:t> </a:t>
-            </a:r>
-            <a:r>
-              <a:rPr/>
-              <a:t>and</a:t>
-            </a:r>
-            <a:r>
-              <a:rPr/>
-              <a:t> </a:t>
-            </a:r>
-            <a:r>
-              <a:rPr/>
-              <a:t>thin</a:t>
-            </a:r>
-            <a:r>
-              <a:rPr/>
-              <a:t> </a:t>
-            </a:r>
-            <a:r>
-              <a:rPr/>
-              <a:t>format</a:t>
+              <a:t>Structure</a:t>
+            </a:r>
+            <a:r>
+              <a:rPr/>
+              <a:t> </a:t>
+            </a:r>
+            <a:r>
+              <a:rPr/>
+              <a:t>of</a:t>
+            </a:r>
+            <a:r>
+              <a:rPr/>
+              <a:t> </a:t>
+            </a:r>
+            <a:r>
+              <a:rPr/>
+              <a:t>time</a:t>
+            </a:r>
+            <a:r>
+              <a:rPr/>
+              <a:t> </a:t>
+            </a:r>
+            <a:r>
+              <a:rPr/>
+              <a:t>constant</a:t>
+            </a:r>
+            <a:r>
+              <a:rPr/>
+              <a:t> </a:t>
+            </a:r>
+            <a:r>
+              <a:rPr/>
+              <a:t>data</a:t>
             </a:r>
           </a:p>
         </p:txBody>
@@ -24962,101 +25179,35 @@
             </a:pPr>
             <a:r>
               <a:rPr>
-                <a:latin typeface="Courier"/>
-              </a:rPr>
-              <a:t>fn </a:t>
-            </a:r>
-            <a:r>
-              <a:rPr>
-                <a:solidFill>
-                  <a:srgbClr val="007020"/>
-                </a:solidFill>
-                <a:latin typeface="Courier"/>
-              </a:rPr>
-              <a:t>&lt;-</a:t>
-            </a:r>
-            <a:r>
-              <a:rPr>
-                <a:latin typeface="Courier"/>
-              </a:rPr>
-              <a:t> </a:t>
-            </a:r>
-            <a:r>
-              <a:rPr>
-                <a:solidFill>
-                  <a:srgbClr val="4070A0"/>
-                </a:solidFill>
-                <a:latin typeface="Courier"/>
-              </a:rPr>
-              <a:t>"../data/balance2.txt"</a:t>
-            </a:r>
-            <a:br/>
-            <a:r>
-              <a:rPr>
-                <a:latin typeface="Courier"/>
-              </a:rPr>
-              <a:t>tall_and_thin_data </a:t>
-            </a:r>
-            <a:r>
-              <a:rPr>
-                <a:solidFill>
-                  <a:srgbClr val="007020"/>
-                </a:solidFill>
-                <a:latin typeface="Courier"/>
-              </a:rPr>
-              <a:t>&lt;-</a:t>
-            </a:r>
-            <a:r>
-              <a:rPr>
-                <a:latin typeface="Courier"/>
-              </a:rPr>
-              <a:t> </a:t>
-            </a:r>
-            <a:br/>
-            <a:r>
-              <a:rPr>
-                <a:latin typeface="Courier"/>
-              </a:rPr>
-              <a:t>  </a:t>
-            </a:r>
-            <a:r>
-              <a:rPr>
                 <a:solidFill>
                   <a:srgbClr val="06287E"/>
                 </a:solidFill>
                 <a:latin typeface="Courier"/>
               </a:rPr>
-              <a:t>read_table</a:t>
-            </a:r>
-            <a:r>
-              <a:rPr>
-                <a:latin typeface="Courier"/>
-              </a:rPr>
-              <a:t>(fn, </a:t>
-            </a:r>
-            <a:r>
-              <a:rPr>
-                <a:solidFill>
-                  <a:srgbClr val="7D9029"/>
-                </a:solidFill>
-                <a:latin typeface="Courier"/>
-              </a:rPr>
-              <a:t>col_types=</a:t>
-            </a:r>
-            <a:r>
-              <a:rPr>
-                <a:solidFill>
-                  <a:srgbClr val="4070A0"/>
-                </a:solidFill>
-                <a:latin typeface="Courier"/>
-              </a:rPr>
-              <a:t>"ncnnnccn"</a:t>
-            </a:r>
-            <a:r>
-              <a:rPr>
-                <a:latin typeface="Courier"/>
-              </a:rPr>
-              <a:t>)</a:t>
+              <a:t>glimpse</a:t>
+            </a:r>
+            <a:r>
+              <a:rPr>
+                <a:latin typeface="Courier"/>
+              </a:rPr>
+              <a:t>(time_constant_data)</a:t>
+            </a:r>
+          </a:p>
+          <a:p>
+            <a:pPr lvl="0" indent="0">
+              <a:buNone/>
+            </a:pPr>
+            <a:r>
+              <a:rPr>
+                <a:latin typeface="Courier"/>
+              </a:rPr>
+              <a:t>## Rows: 40
+## Columns: 5
+## $ Subject &lt;dbl&gt; 1, 2, 3, 4, 5, 6, 7, 8~
+## $ Sex     &lt;chr&gt; "male", "male", "male"~
+## $ Age     &lt;dbl&gt; 22, 22, 22, 21, 20, 18~
+## $ Height  &lt;dbl&gt; 176.0, 181.0, 175.5, 1~
+## $ Weight  &lt;dbl&gt; 68.2, 67.6, 72.0, 73.2~</a:t>
             </a:r>
           </a:p>
         </p:txBody>
@@ -25103,15 +25254,23 @@
             </a:pPr>
             <a:r>
               <a:rPr/>
-              <a:t>Balance</a:t>
-            </a:r>
-            <a:r>
-              <a:rPr/>
-              <a:t> </a:t>
-            </a:r>
-            <a:r>
-              <a:rPr/>
-              <a:t>data,</a:t>
+              <a:t>Read</a:t>
+            </a:r>
+            <a:r>
+              <a:rPr/>
+              <a:t> </a:t>
+            </a:r>
+            <a:r>
+              <a:rPr/>
+              <a:t>balance</a:t>
+            </a:r>
+            <a:r>
+              <a:rPr/>
+              <a:t> </a:t>
+            </a:r>
+            <a:r>
+              <a:rPr/>
+              <a:t>in</a:t>
             </a:r>
             <a:r>
               <a:rPr/>
@@ -25135,15 +25294,15 @@
             </a:r>
             <a:r>
               <a:rPr/>
-              <a:t>thing</a:t>
-            </a:r>
-            <a:r>
-              <a:rPr/>
-              <a:t> </a:t>
-            </a:r>
-            <a:r>
-              <a:rPr/>
-              <a:t>structure</a:t>
+              <a:t>thin</a:t>
+            </a:r>
+            <a:r>
+              <a:rPr/>
+              <a:t> </a:t>
+            </a:r>
+            <a:r>
+              <a:rPr/>
+              <a:t>format</a:t>
             </a:r>
           </a:p>
         </p:txBody>
@@ -25168,38 +25327,101 @@
             </a:pPr>
             <a:r>
               <a:rPr>
+                <a:latin typeface="Courier"/>
+              </a:rPr>
+              <a:t>fn </a:t>
+            </a:r>
+            <a:r>
+              <a:rPr>
+                <a:solidFill>
+                  <a:srgbClr val="007020"/>
+                </a:solidFill>
+                <a:latin typeface="Courier"/>
+              </a:rPr>
+              <a:t>&lt;-</a:t>
+            </a:r>
+            <a:r>
+              <a:rPr>
+                <a:latin typeface="Courier"/>
+              </a:rPr>
+              <a:t> </a:t>
+            </a:r>
+            <a:r>
+              <a:rPr>
+                <a:solidFill>
+                  <a:srgbClr val="4070A0"/>
+                </a:solidFill>
+                <a:latin typeface="Courier"/>
+              </a:rPr>
+              <a:t>"../data/balance2.txt"</a:t>
+            </a:r>
+            <a:br/>
+            <a:r>
+              <a:rPr>
+                <a:latin typeface="Courier"/>
+              </a:rPr>
+              <a:t>tall_and_thin_data </a:t>
+            </a:r>
+            <a:r>
+              <a:rPr>
+                <a:solidFill>
+                  <a:srgbClr val="007020"/>
+                </a:solidFill>
+                <a:latin typeface="Courier"/>
+              </a:rPr>
+              <a:t>&lt;-</a:t>
+            </a:r>
+            <a:r>
+              <a:rPr>
+                <a:latin typeface="Courier"/>
+              </a:rPr>
+              <a:t> </a:t>
+            </a:r>
+            <a:br/>
+            <a:r>
+              <a:rPr>
+                <a:latin typeface="Courier"/>
+              </a:rPr>
+              <a:t>  </a:t>
+            </a:r>
+            <a:r>
+              <a:rPr>
                 <a:solidFill>
                   <a:srgbClr val="06287E"/>
                 </a:solidFill>
                 <a:latin typeface="Courier"/>
               </a:rPr>
-              <a:t>glimpse</a:t>
-            </a:r>
-            <a:r>
-              <a:rPr>
-                <a:latin typeface="Courier"/>
-              </a:rPr>
-              <a:t>(tall_and_thin_data)</a:t>
-            </a:r>
-          </a:p>
-          <a:p>
-            <a:pPr lvl="0" indent="0">
-              <a:buNone/>
-            </a:pPr>
-            <a:r>
-              <a:rPr>
-                <a:latin typeface="Courier"/>
-              </a:rPr>
-              <a:t>## Rows: 480
-## Columns: 8
-## $ Subject &lt;dbl&gt; 1, 1, 1, 1, 1, 1, 1, 1~
-## $ Sex     &lt;chr&gt; "male", "male", "male"~
-## $ Age     &lt;dbl&gt; 22, 22, 22, 22, 22, 22~
-## $ Height  &lt;dbl&gt; 176, 176, 176, 176, 17~
-## $ Weight  &lt;dbl&gt; 68.2, 68.2, 68.2, 68.2~
-## $ Surface &lt;chr&gt; "norm", "norm", "norm"~
-## $ Vision  &lt;chr&gt; "open", "open", "close~
-## $ CTSIB   &lt;dbl&gt; 1, 1, 2, 2, 1, 2, 2, 2~</a:t>
+              <a:t>read_table</a:t>
+            </a:r>
+            <a:r>
+              <a:rPr>
+                <a:latin typeface="Courier"/>
+              </a:rPr>
+              <a:t>(fn, </a:t>
+            </a:r>
+            <a:r>
+              <a:rPr>
+                <a:solidFill>
+                  <a:srgbClr val="7D9029"/>
+                </a:solidFill>
+                <a:latin typeface="Courier"/>
+              </a:rPr>
+              <a:t>col_types=</a:t>
+            </a:r>
+            <a:r>
+              <a:rPr>
+                <a:solidFill>
+                  <a:srgbClr val="4070A0"/>
+                </a:solidFill>
+                <a:latin typeface="Courier"/>
+              </a:rPr>
+              <a:t>"ncnnnccn"</a:t>
+            </a:r>
+            <a:r>
+              <a:rPr>
+                <a:latin typeface="Courier"/>
+              </a:rPr>
+              <a:t>)</a:t>
             </a:r>
           </a:p>
         </p:txBody>
@@ -25246,31 +25468,47 @@
             </a:pPr>
             <a:r>
               <a:rPr/>
-              <a:t>Create</a:t>
-            </a:r>
-            <a:r>
-              <a:rPr/>
-              <a:t> </a:t>
-            </a:r>
-            <a:r>
-              <a:rPr/>
-              <a:t>time</a:t>
-            </a:r>
-            <a:r>
-              <a:rPr/>
-              <a:t> </a:t>
-            </a:r>
-            <a:r>
-              <a:rPr/>
-              <a:t>varying</a:t>
-            </a:r>
-            <a:r>
-              <a:rPr/>
-              <a:t> </a:t>
-            </a:r>
-            <a:r>
-              <a:rPr/>
-              <a:t>table</a:t>
+              <a:t>Balance</a:t>
+            </a:r>
+            <a:r>
+              <a:rPr/>
+              <a:t> </a:t>
+            </a:r>
+            <a:r>
+              <a:rPr/>
+              <a:t>data,</a:t>
+            </a:r>
+            <a:r>
+              <a:rPr/>
+              <a:t> </a:t>
+            </a:r>
+            <a:r>
+              <a:rPr/>
+              <a:t>tall</a:t>
+            </a:r>
+            <a:r>
+              <a:rPr/>
+              <a:t> </a:t>
+            </a:r>
+            <a:r>
+              <a:rPr/>
+              <a:t>and</a:t>
+            </a:r>
+            <a:r>
+              <a:rPr/>
+              <a:t> </a:t>
+            </a:r>
+            <a:r>
+              <a:rPr/>
+              <a:t>thing</a:t>
+            </a:r>
+            <a:r>
+              <a:rPr/>
+              <a:t> </a:t>
+            </a:r>
+            <a:r>
+              <a:rPr/>
+              <a:t>structure</a:t>
             </a:r>
           </a:p>
         </p:txBody>
@@ -25295,135 +25533,38 @@
             </a:pPr>
             <a:r>
               <a:rPr>
-                <a:latin typeface="Courier"/>
-              </a:rPr>
-              <a:t>time_variable_list </a:t>
-            </a:r>
-            <a:r>
-              <a:rPr>
-                <a:solidFill>
-                  <a:srgbClr val="007020"/>
-                </a:solidFill>
-                <a:latin typeface="Courier"/>
-              </a:rPr>
-              <a:t>&lt;-</a:t>
-            </a:r>
-            <a:r>
-              <a:rPr>
-                <a:latin typeface="Courier"/>
-              </a:rPr>
-              <a:t> </a:t>
-            </a:r>
-            <a:br/>
-            <a:r>
-              <a:rPr>
-                <a:latin typeface="Courier"/>
-              </a:rPr>
-              <a:t>  </a:t>
-            </a:r>
-            <a:r>
-              <a:rPr>
                 <a:solidFill>
                   <a:srgbClr val="06287E"/>
                 </a:solidFill>
                 <a:latin typeface="Courier"/>
               </a:rPr>
-              <a:t>c</a:t>
-            </a:r>
-            <a:r>
-              <a:rPr>
-                <a:latin typeface="Courier"/>
-              </a:rPr>
-              <a:t>(</a:t>
-            </a:r>
-            <a:r>
-              <a:rPr>
-                <a:solidFill>
-                  <a:srgbClr val="4070A0"/>
-                </a:solidFill>
-                <a:latin typeface="Courier"/>
-              </a:rPr>
-              <a:t>"Subject"</a:t>
-            </a:r>
-            <a:r>
-              <a:rPr>
-                <a:latin typeface="Courier"/>
-              </a:rPr>
-              <a:t>, </a:t>
-            </a:r>
-            <a:r>
-              <a:rPr>
-                <a:solidFill>
-                  <a:srgbClr val="4070A0"/>
-                </a:solidFill>
-                <a:latin typeface="Courier"/>
-              </a:rPr>
-              <a:t>"Surface"</a:t>
-            </a:r>
-            <a:r>
-              <a:rPr>
-                <a:latin typeface="Courier"/>
-              </a:rPr>
-              <a:t>, </a:t>
-            </a:r>
-            <a:r>
-              <a:rPr>
-                <a:solidFill>
-                  <a:srgbClr val="4070A0"/>
-                </a:solidFill>
-                <a:latin typeface="Courier"/>
-              </a:rPr>
-              <a:t>"Vision"</a:t>
-            </a:r>
-            <a:r>
-              <a:rPr>
-                <a:latin typeface="Courier"/>
-              </a:rPr>
-              <a:t>, </a:t>
-            </a:r>
-            <a:r>
-              <a:rPr>
-                <a:solidFill>
-                  <a:srgbClr val="4070A0"/>
-                </a:solidFill>
-                <a:latin typeface="Courier"/>
-              </a:rPr>
-              <a:t>"CTSIB"</a:t>
-            </a:r>
-            <a:r>
-              <a:rPr>
-                <a:latin typeface="Courier"/>
-              </a:rPr>
-              <a:t>)</a:t>
-            </a:r>
-            <a:br/>
-            <a:r>
-              <a:rPr>
-                <a:latin typeface="Courier"/>
-              </a:rPr>
-              <a:t>time_variable_data </a:t>
-            </a:r>
-            <a:r>
-              <a:rPr>
-                <a:solidFill>
-                  <a:srgbClr val="007020"/>
-                </a:solidFill>
-                <a:latin typeface="Courier"/>
-              </a:rPr>
-              <a:t>&lt;-</a:t>
-            </a:r>
-            <a:r>
-              <a:rPr>
-                <a:latin typeface="Courier"/>
-              </a:rPr>
-              <a:t> </a:t>
-            </a:r>
-            <a:br/>
-            <a:r>
-              <a:rPr>
-                <a:latin typeface="Courier"/>
-              </a:rPr>
-              <a:t>  tall_and_thin_data[ , time_variable_list]</a:t>
+              <a:t>glimpse</a:t>
+            </a:r>
+            <a:r>
+              <a:rPr>
+                <a:latin typeface="Courier"/>
+              </a:rPr>
+              <a:t>(tall_and_thin_data)</a:t>
+            </a:r>
+          </a:p>
+          <a:p>
+            <a:pPr lvl="0" indent="0">
+              <a:buNone/>
+            </a:pPr>
+            <a:r>
+              <a:rPr>
+                <a:latin typeface="Courier"/>
+              </a:rPr>
+              <a:t>## Rows: 480
+## Columns: 8
+## $ Subject &lt;dbl&gt; 1, 1, 1, 1, 1, 1, 1, 1~
+## $ Sex     &lt;chr&gt; "male", "male", "male"~
+## $ Age     &lt;dbl&gt; 22, 22, 22, 22, 22, 22~
+## $ Height  &lt;dbl&gt; 176, 176, 176, 176, 17~
+## $ Weight  &lt;dbl&gt; 68.2, 68.2, 68.2, 68.2~
+## $ Surface &lt;chr&gt; "norm", "norm", "norm"~
+## $ Vision  &lt;chr&gt; "open", "open", "close~
+## $ CTSIB   &lt;dbl&gt; 1, 1, 2, 2, 1, 2, 2, 2~</a:t>
             </a:r>
           </a:p>
         </p:txBody>
@@ -25470,6 +25611,365 @@
             </a:pPr>
             <a:r>
               <a:rPr/>
+              <a:t>Additional</a:t>
+            </a:r>
+            <a:r>
+              <a:rPr/>
+              <a:t> </a:t>
+            </a:r>
+            <a:r>
+              <a:rPr/>
+              <a:t>variables</a:t>
+            </a:r>
+          </a:p>
+        </p:txBody>
+      </p:sp>
+      <p:sp>
+        <p:nvSpPr>
+          <p:cNvPr id="3" name="Content Placeholder 2"/>
+          <p:cNvSpPr>
+            <a:spLocks noGrp="1"/>
+          </p:cNvSpPr>
+          <p:nvPr>
+            <p:ph idx="1"/>
+          </p:nvPr>
+        </p:nvSpPr>
+        <p:spPr/>
+        <p:txBody>
+          <a:bodyPr/>
+          <a:lstStyle/>
+          <a:p>
+            <a:pPr lvl="0" indent="0">
+              <a:buNone/>
+            </a:pPr>
+            <a:r>
+              <a:rPr>
+                <a:solidFill>
+                  <a:srgbClr val="06287E"/>
+                </a:solidFill>
+                <a:latin typeface="Courier"/>
+              </a:rPr>
+              <a:t>names</a:t>
+            </a:r>
+            <a:r>
+              <a:rPr>
+                <a:latin typeface="Courier"/>
+              </a:rPr>
+              <a:t>(tall_and_thin_data)[</a:t>
+            </a:r>
+            <a:r>
+              <a:rPr>
+                <a:solidFill>
+                  <a:srgbClr val="40A070"/>
+                </a:solidFill>
+                <a:latin typeface="Courier"/>
+              </a:rPr>
+              <a:t>7</a:t>
+            </a:r>
+            <a:r>
+              <a:rPr>
+                <a:solidFill>
+                  <a:srgbClr val="4070A0"/>
+                </a:solidFill>
+                <a:latin typeface="Courier"/>
+              </a:rPr>
+              <a:t>:</a:t>
+            </a:r>
+            <a:r>
+              <a:rPr>
+                <a:solidFill>
+                  <a:srgbClr val="40A070"/>
+                </a:solidFill>
+                <a:latin typeface="Courier"/>
+              </a:rPr>
+              <a:t>8</a:t>
+            </a:r>
+            <a:r>
+              <a:rPr>
+                <a:latin typeface="Courier"/>
+              </a:rPr>
+              <a:t>]</a:t>
+            </a:r>
+          </a:p>
+          <a:p>
+            <a:pPr lvl="0" indent="0">
+              <a:buNone/>
+            </a:pPr>
+            <a:r>
+              <a:rPr>
+                <a:latin typeface="Courier"/>
+              </a:rPr>
+              <a:t>## [1] "Vision" "CTSIB"</a:t>
+            </a:r>
+          </a:p>
+        </p:txBody>
+      </p:sp>
+    </p:spTree>
+  </p:cSld>
+</p:sld>
+</file>
+
+<file path=ppt/slides/slide57.xml><?xml version="1.0" encoding="utf-8"?>
+<p:sld xmlns:a="http://schemas.openxmlformats.org/drawingml/2006/main" xmlns:r="http://schemas.openxmlformats.org/officeDocument/2006/relationships" xmlns:p="http://schemas.openxmlformats.org/presentationml/2006/main">
+  <p:cSld>
+    <p:spTree>
+      <p:nvGrpSpPr>
+        <p:cNvPr id="1" name=""/>
+        <p:cNvGrpSpPr/>
+        <p:nvPr/>
+      </p:nvGrpSpPr>
+      <p:grpSpPr>
+        <a:xfrm>
+          <a:off x="0" y="0"/>
+          <a:ext cx="0" cy="0"/>
+          <a:chOff x="0" y="0"/>
+          <a:chExt cx="0" cy="0"/>
+        </a:xfrm>
+      </p:grpSpPr>
+      <p:sp>
+        <p:nvSpPr>
+          <p:cNvPr id="2" name="Title 1"/>
+          <p:cNvSpPr>
+            <a:spLocks noGrp="1"/>
+          </p:cNvSpPr>
+          <p:nvPr>
+            <p:ph type="title"/>
+          </p:nvPr>
+        </p:nvSpPr>
+        <p:spPr/>
+        <p:txBody>
+          <a:bodyPr/>
+          <a:lstStyle/>
+          <a:p>
+            <a:pPr lvl="0" marL="0" indent="0">
+              <a:buNone/>
+            </a:pPr>
+            <a:r>
+              <a:rPr/>
+              <a:t>Create</a:t>
+            </a:r>
+            <a:r>
+              <a:rPr/>
+              <a:t> </a:t>
+            </a:r>
+            <a:r>
+              <a:rPr/>
+              <a:t>time</a:t>
+            </a:r>
+            <a:r>
+              <a:rPr/>
+              <a:t> </a:t>
+            </a:r>
+            <a:r>
+              <a:rPr/>
+              <a:t>varying</a:t>
+            </a:r>
+            <a:r>
+              <a:rPr/>
+              <a:t> </a:t>
+            </a:r>
+            <a:r>
+              <a:rPr/>
+              <a:t>table</a:t>
+            </a:r>
+          </a:p>
+        </p:txBody>
+      </p:sp>
+      <p:sp>
+        <p:nvSpPr>
+          <p:cNvPr id="3" name="Content Placeholder 2"/>
+          <p:cNvSpPr>
+            <a:spLocks noGrp="1"/>
+          </p:cNvSpPr>
+          <p:nvPr>
+            <p:ph idx="1"/>
+          </p:nvPr>
+        </p:nvSpPr>
+        <p:spPr/>
+        <p:txBody>
+          <a:bodyPr/>
+          <a:lstStyle/>
+          <a:p>
+            <a:pPr lvl="0" indent="0">
+              <a:buNone/>
+            </a:pPr>
+            <a:r>
+              <a:rPr>
+                <a:latin typeface="Courier"/>
+              </a:rPr>
+              <a:t>time_variable_list </a:t>
+            </a:r>
+            <a:r>
+              <a:rPr>
+                <a:solidFill>
+                  <a:srgbClr val="007020"/>
+                </a:solidFill>
+                <a:latin typeface="Courier"/>
+              </a:rPr>
+              <a:t>&lt;-</a:t>
+            </a:r>
+            <a:r>
+              <a:rPr>
+                <a:latin typeface="Courier"/>
+              </a:rPr>
+              <a:t> </a:t>
+            </a:r>
+            <a:br/>
+            <a:r>
+              <a:rPr>
+                <a:latin typeface="Courier"/>
+              </a:rPr>
+              <a:t>  </a:t>
+            </a:r>
+            <a:r>
+              <a:rPr>
+                <a:solidFill>
+                  <a:srgbClr val="06287E"/>
+                </a:solidFill>
+                <a:latin typeface="Courier"/>
+              </a:rPr>
+              <a:t>c</a:t>
+            </a:r>
+            <a:r>
+              <a:rPr>
+                <a:latin typeface="Courier"/>
+              </a:rPr>
+              <a:t>(</a:t>
+            </a:r>
+            <a:r>
+              <a:rPr>
+                <a:solidFill>
+                  <a:srgbClr val="4070A0"/>
+                </a:solidFill>
+                <a:latin typeface="Courier"/>
+              </a:rPr>
+              <a:t>"Subject"</a:t>
+            </a:r>
+            <a:r>
+              <a:rPr>
+                <a:latin typeface="Courier"/>
+              </a:rPr>
+              <a:t>, </a:t>
+            </a:r>
+            <a:r>
+              <a:rPr>
+                <a:solidFill>
+                  <a:srgbClr val="4070A0"/>
+                </a:solidFill>
+                <a:latin typeface="Courier"/>
+              </a:rPr>
+              <a:t>"Surface"</a:t>
+            </a:r>
+            <a:r>
+              <a:rPr>
+                <a:latin typeface="Courier"/>
+              </a:rPr>
+              <a:t>, </a:t>
+            </a:r>
+            <a:r>
+              <a:rPr>
+                <a:solidFill>
+                  <a:srgbClr val="4070A0"/>
+                </a:solidFill>
+                <a:latin typeface="Courier"/>
+              </a:rPr>
+              <a:t>"Vision"</a:t>
+            </a:r>
+            <a:r>
+              <a:rPr>
+                <a:latin typeface="Courier"/>
+              </a:rPr>
+              <a:t>, </a:t>
+            </a:r>
+            <a:r>
+              <a:rPr>
+                <a:solidFill>
+                  <a:srgbClr val="4070A0"/>
+                </a:solidFill>
+                <a:latin typeface="Courier"/>
+              </a:rPr>
+              <a:t>"CTSIB"</a:t>
+            </a:r>
+            <a:r>
+              <a:rPr>
+                <a:latin typeface="Courier"/>
+              </a:rPr>
+              <a:t>)</a:t>
+            </a:r>
+            <a:br/>
+            <a:r>
+              <a:rPr>
+                <a:latin typeface="Courier"/>
+              </a:rPr>
+              <a:t>time_variable_data </a:t>
+            </a:r>
+            <a:r>
+              <a:rPr>
+                <a:solidFill>
+                  <a:srgbClr val="007020"/>
+                </a:solidFill>
+                <a:latin typeface="Courier"/>
+              </a:rPr>
+              <a:t>&lt;-</a:t>
+            </a:r>
+            <a:r>
+              <a:rPr>
+                <a:latin typeface="Courier"/>
+              </a:rPr>
+              <a:t> </a:t>
+            </a:r>
+            <a:br/>
+            <a:r>
+              <a:rPr>
+                <a:latin typeface="Courier"/>
+              </a:rPr>
+              <a:t>  tall_and_thin_data[ , time_variable_list]</a:t>
+            </a:r>
+          </a:p>
+        </p:txBody>
+      </p:sp>
+    </p:spTree>
+  </p:cSld>
+</p:sld>
+</file>
+
+<file path=ppt/slides/slide58.xml><?xml version="1.0" encoding="utf-8"?>
+<p:sld xmlns:a="http://schemas.openxmlformats.org/drawingml/2006/main" xmlns:r="http://schemas.openxmlformats.org/officeDocument/2006/relationships" xmlns:p="http://schemas.openxmlformats.org/presentationml/2006/main">
+  <p:cSld>
+    <p:spTree>
+      <p:nvGrpSpPr>
+        <p:cNvPr id="1" name=""/>
+        <p:cNvGrpSpPr/>
+        <p:nvPr/>
+      </p:nvGrpSpPr>
+      <p:grpSpPr>
+        <a:xfrm>
+          <a:off x="0" y="0"/>
+          <a:ext cx="0" cy="0"/>
+          <a:chOff x="0" y="0"/>
+          <a:chExt cx="0" cy="0"/>
+        </a:xfrm>
+      </p:grpSpPr>
+      <p:sp>
+        <p:nvSpPr>
+          <p:cNvPr id="2" name="Title 1"/>
+          <p:cNvSpPr>
+            <a:spLocks noGrp="1"/>
+          </p:cNvSpPr>
+          <p:nvPr>
+            <p:ph type="title"/>
+          </p:nvPr>
+        </p:nvSpPr>
+        <p:spPr/>
+        <p:txBody>
+          <a:bodyPr/>
+          <a:lstStyle/>
+          <a:p>
+            <a:pPr lvl="0" marL="0" indent="0">
+              <a:buNone/>
+            </a:pPr>
+            <a:r>
+              <a:rPr/>
               <a:t>Display</a:t>
             </a:r>
             <a:r>
@@ -25572,7 +26072,7 @@
 </p:sld>
 </file>
 
-<file path=ppt/slides/slide57.xml><?xml version="1.0" encoding="utf-8"?>
+<file path=ppt/slides/slide59.xml><?xml version="1.0" encoding="utf-8"?>
 <p:sld xmlns:a="http://schemas.openxmlformats.org/drawingml/2006/main" xmlns:r="http://schemas.openxmlformats.org/officeDocument/2006/relationships" xmlns:p="http://schemas.openxmlformats.org/presentationml/2006/main">
   <p:cSld>
     <p:spTree>

--- a/introduction-to-r/results/v06-slides-and-speaker-notes.pptx
+++ b/introduction-to-r/results/v06-slides-and-speaker-notes.pptx
@@ -1082,15 +1082,7 @@
             </a:pPr>
             <a:r>
               <a:rPr/>
-              <a:t>This</a:t>
-            </a:r>
-            <a:r>
-              <a:rPr/>
-              <a:t> </a:t>
-            </a:r>
-            <a:r>
-              <a:rPr/>
-              <a:t>dataset</a:t>
+              <a:t>Here</a:t>
             </a:r>
             <a:r>
               <a:rPr/>
@@ -1106,15 +1098,63 @@
             </a:r>
             <a:r>
               <a:rPr/>
-              <a:t>small</a:t>
-            </a:r>
-            <a:r>
-              <a:rPr/>
-              <a:t> </a:t>
-            </a:r>
-            <a:r>
-              <a:rPr/>
-              <a:t>enough</a:t>
+              <a:t>the</a:t>
+            </a:r>
+            <a:r>
+              <a:rPr/>
+              <a:t> </a:t>
+            </a:r>
+            <a:r>
+              <a:rPr/>
+              <a:t>structure</a:t>
+            </a:r>
+            <a:r>
+              <a:rPr/>
+              <a:t> </a:t>
+            </a:r>
+            <a:r>
+              <a:rPr/>
+              <a:t>of</a:t>
+            </a:r>
+            <a:r>
+              <a:rPr/>
+              <a:t> </a:t>
+            </a:r>
+            <a:r>
+              <a:rPr/>
+              <a:t>this</a:t>
+            </a:r>
+            <a:r>
+              <a:rPr/>
+              <a:t> </a:t>
+            </a:r>
+            <a:r>
+              <a:rPr/>
+              <a:t>dataset.</a:t>
+            </a:r>
+            <a:r>
+              <a:rPr/>
+              <a:t> </a:t>
+            </a:r>
+            <a:r>
+              <a:rPr/>
+              <a:t>It</a:t>
+            </a:r>
+            <a:r>
+              <a:rPr/>
+              <a:t> </a:t>
+            </a:r>
+            <a:r>
+              <a:rPr/>
+              <a:t>doesn’t</a:t>
+            </a:r>
+            <a:r>
+              <a:rPr/>
+              <a:t> </a:t>
+            </a:r>
+            <a:r>
+              <a:rPr/>
+              <a:t>look</a:t>
             </a:r>
             <a:r>
               <a:rPr/>
@@ -1130,31 +1170,31 @@
             </a:r>
             <a:r>
               <a:rPr/>
-              <a:t>you</a:t>
-            </a:r>
-            <a:r>
-              <a:rPr/>
-              <a:t> </a:t>
-            </a:r>
-            <a:r>
-              <a:rPr/>
-              <a:t>can</a:t>
-            </a:r>
-            <a:r>
-              <a:rPr/>
-              <a:t> </a:t>
-            </a:r>
-            <a:r>
-              <a:rPr/>
-              <a:t>safely</a:t>
-            </a:r>
-            <a:r>
-              <a:rPr/>
-              <a:t> </a:t>
-            </a:r>
-            <a:r>
-              <a:rPr/>
-              <a:t>print</a:t>
+              <a:t>fat,</a:t>
+            </a:r>
+            <a:r>
+              <a:rPr/>
+              <a:t> </a:t>
+            </a:r>
+            <a:r>
+              <a:rPr/>
+              <a:t>but</a:t>
+            </a:r>
+            <a:r>
+              <a:rPr/>
+              <a:t> </a:t>
+            </a:r>
+            <a:r>
+              <a:rPr/>
+              <a:t>it</a:t>
+            </a:r>
+            <a:r>
+              <a:rPr/>
+              <a:t> </a:t>
+            </a:r>
+            <a:r>
+              <a:rPr/>
+              <a:t>strings</a:t>
             </a:r>
             <a:r>
               <a:rPr/>
@@ -1170,23 +1210,71 @@
             </a:r>
             <a:r>
               <a:rPr/>
-              <a:t>the</a:t>
-            </a:r>
-            <a:r>
-              <a:rPr/>
-              <a:t> </a:t>
-            </a:r>
-            <a:r>
-              <a:rPr/>
-              <a:t>entire</a:t>
-            </a:r>
-            <a:r>
-              <a:rPr/>
-              <a:t> </a:t>
-            </a:r>
-            <a:r>
-              <a:rPr/>
-              <a:t>thing.</a:t>
+              <a:t>three</a:t>
+            </a:r>
+            <a:r>
+              <a:rPr/>
+              <a:t> </a:t>
+            </a:r>
+            <a:r>
+              <a:rPr/>
+              <a:t>separate</a:t>
+            </a:r>
+            <a:r>
+              <a:rPr/>
+              <a:t> </a:t>
+            </a:r>
+            <a:r>
+              <a:rPr/>
+              <a:t>measurements</a:t>
+            </a:r>
+            <a:r>
+              <a:rPr/>
+              <a:t> </a:t>
+            </a:r>
+            <a:r>
+              <a:rPr/>
+              <a:t>on</a:t>
+            </a:r>
+            <a:r>
+              <a:rPr/>
+              <a:t> </a:t>
+            </a:r>
+            <a:r>
+              <a:rPr/>
+              <a:t>each</a:t>
+            </a:r>
+            <a:r>
+              <a:rPr/>
+              <a:t> </a:t>
+            </a:r>
+            <a:r>
+              <a:rPr/>
+              <a:t>patient</a:t>
+            </a:r>
+            <a:r>
+              <a:rPr/>
+              <a:t> </a:t>
+            </a:r>
+            <a:r>
+              <a:rPr/>
+              <a:t>across</a:t>
+            </a:r>
+            <a:r>
+              <a:rPr/>
+              <a:t> </a:t>
+            </a:r>
+            <a:r>
+              <a:rPr/>
+              <a:t>three</a:t>
+            </a:r>
+            <a:r>
+              <a:rPr/>
+              <a:t> </a:t>
+            </a:r>
+            <a:r>
+              <a:rPr/>
+              <a:t>columns.</a:t>
             </a:r>
           </a:p>
           <a:p>
@@ -1520,7 +1608,7 @@
             </a:r>
             <a:r>
               <a:rPr/>
-              <a:t>row,</a:t>
+              <a:t>patient,</a:t>
             </a:r>
             <a:r>
               <a:rPr/>
@@ -1536,7 +1624,7 @@
             </a:r>
             <a:r>
               <a:rPr/>
-              <a:t>row,</a:t>
+              <a:t>patient,</a:t>
             </a:r>
             <a:r>
               <a:rPr/>
@@ -1545,6 +1633,484 @@
             <a:r>
               <a:rPr/>
               <a:t>etc.</a:t>
+            </a:r>
+          </a:p>
+          <a:p>
+            <a:pPr lvl="0" marL="0" indent="0">
+              <a:buNone/>
+            </a:pPr>
+          </a:p>
+          <a:p>
+            <a:pPr lvl="0" marL="0" indent="0">
+              <a:buNone/>
+            </a:pPr>
+            <a:r>
+              <a:rPr/>
+              <a:t>This</a:t>
+            </a:r>
+            <a:r>
+              <a:rPr/>
+              <a:t> </a:t>
+            </a:r>
+            <a:r>
+              <a:rPr/>
+              <a:t>is</a:t>
+            </a:r>
+            <a:r>
+              <a:rPr/>
+              <a:t> </a:t>
+            </a:r>
+            <a:r>
+              <a:rPr/>
+              <a:t>important</a:t>
+            </a:r>
+            <a:r>
+              <a:rPr/>
+              <a:t> </a:t>
+            </a:r>
+            <a:r>
+              <a:rPr/>
+              <a:t>to</a:t>
+            </a:r>
+            <a:r>
+              <a:rPr/>
+              <a:t> </a:t>
+            </a:r>
+            <a:r>
+              <a:rPr/>
+              <a:t>remember.</a:t>
+            </a:r>
+            <a:r>
+              <a:rPr/>
+              <a:t> </a:t>
+            </a:r>
+            <a:r>
+              <a:rPr/>
+              <a:t>For</a:t>
+            </a:r>
+            <a:r>
+              <a:rPr/>
+              <a:t> </a:t>
+            </a:r>
+            <a:r>
+              <a:rPr/>
+              <a:t>the</a:t>
+            </a:r>
+            <a:r>
+              <a:rPr/>
+              <a:t> </a:t>
+            </a:r>
+            <a:r>
+              <a:rPr/>
+              <a:t>short</a:t>
+            </a:r>
+            <a:r>
+              <a:rPr/>
+              <a:t> </a:t>
+            </a:r>
+            <a:r>
+              <a:rPr/>
+              <a:t>and</a:t>
+            </a:r>
+            <a:r>
+              <a:rPr/>
+              <a:t> </a:t>
+            </a:r>
+            <a:r>
+              <a:rPr/>
+              <a:t>fat</a:t>
+            </a:r>
+            <a:r>
+              <a:rPr/>
+              <a:t> </a:t>
+            </a:r>
+            <a:r>
+              <a:rPr/>
+              <a:t>datasets,</a:t>
+            </a:r>
+            <a:r>
+              <a:rPr/>
+              <a:t> </a:t>
+            </a:r>
+            <a:r>
+              <a:rPr/>
+              <a:t>with</a:t>
+            </a:r>
+            <a:r>
+              <a:rPr/>
+              <a:t> </a:t>
+            </a:r>
+            <a:r>
+              <a:rPr/>
+              <a:t>one</a:t>
+            </a:r>
+            <a:r>
+              <a:rPr/>
+              <a:t> </a:t>
+            </a:r>
+            <a:r>
+              <a:rPr/>
+              <a:t>row</a:t>
+            </a:r>
+            <a:r>
+              <a:rPr/>
+              <a:t> </a:t>
+            </a:r>
+            <a:r>
+              <a:rPr/>
+              <a:t>per</a:t>
+            </a:r>
+            <a:r>
+              <a:rPr/>
+              <a:t> </a:t>
+            </a:r>
+            <a:r>
+              <a:rPr/>
+              <a:t>subject,</a:t>
+            </a:r>
+            <a:r>
+              <a:rPr/>
+              <a:t> </a:t>
+            </a:r>
+            <a:r>
+              <a:rPr/>
+              <a:t>you</a:t>
+            </a:r>
+            <a:r>
+              <a:rPr/>
+              <a:t> </a:t>
+            </a:r>
+            <a:r>
+              <a:rPr/>
+              <a:t>do</a:t>
+            </a:r>
+            <a:r>
+              <a:rPr/>
+              <a:t> </a:t>
+            </a:r>
+            <a:r>
+              <a:rPr/>
+              <a:t>not</a:t>
+            </a:r>
+            <a:r>
+              <a:rPr/>
+              <a:t> </a:t>
+            </a:r>
+            <a:r>
+              <a:rPr/>
+              <a:t>need</a:t>
+            </a:r>
+            <a:r>
+              <a:rPr/>
+              <a:t> </a:t>
+            </a:r>
+            <a:r>
+              <a:rPr/>
+              <a:t>to</a:t>
+            </a:r>
+            <a:r>
+              <a:rPr/>
+              <a:t> </a:t>
+            </a:r>
+            <a:r>
+              <a:rPr/>
+              <a:t>record</a:t>
+            </a:r>
+            <a:r>
+              <a:rPr/>
+              <a:t> </a:t>
+            </a:r>
+            <a:r>
+              <a:rPr/>
+              <a:t>a</a:t>
+            </a:r>
+            <a:r>
+              <a:rPr/>
+              <a:t> </a:t>
+            </a:r>
+            <a:r>
+              <a:rPr/>
+              <a:t>patient</a:t>
+            </a:r>
+            <a:r>
+              <a:rPr/>
+              <a:t> </a:t>
+            </a:r>
+            <a:r>
+              <a:rPr/>
+              <a:t>identification</a:t>
+            </a:r>
+            <a:r>
+              <a:rPr/>
+              <a:t> </a:t>
+            </a:r>
+            <a:r>
+              <a:rPr/>
+              <a:t>number.</a:t>
+            </a:r>
+            <a:r>
+              <a:rPr/>
+              <a:t> </a:t>
+            </a:r>
+            <a:r>
+              <a:rPr/>
+              <a:t>But</a:t>
+            </a:r>
+            <a:r>
+              <a:rPr/>
+              <a:t> </a:t>
+            </a:r>
+            <a:r>
+              <a:rPr/>
+              <a:t>with</a:t>
+            </a:r>
+            <a:r>
+              <a:rPr/>
+              <a:t> </a:t>
+            </a:r>
+            <a:r>
+              <a:rPr/>
+              <a:t>the</a:t>
+            </a:r>
+            <a:r>
+              <a:rPr/>
+              <a:t> </a:t>
+            </a:r>
+            <a:r>
+              <a:rPr/>
+              <a:t>tall</a:t>
+            </a:r>
+            <a:r>
+              <a:rPr/>
+              <a:t> </a:t>
+            </a:r>
+            <a:r>
+              <a:rPr/>
+              <a:t>and</a:t>
+            </a:r>
+            <a:r>
+              <a:rPr/>
+              <a:t> </a:t>
+            </a:r>
+            <a:r>
+              <a:rPr/>
+              <a:t>thin</a:t>
+            </a:r>
+            <a:r>
+              <a:rPr/>
+              <a:t> </a:t>
+            </a:r>
+            <a:r>
+              <a:rPr/>
+              <a:t>format,</a:t>
+            </a:r>
+            <a:r>
+              <a:rPr/>
+              <a:t> </a:t>
+            </a:r>
+            <a:r>
+              <a:rPr/>
+              <a:t>with</a:t>
+            </a:r>
+            <a:r>
+              <a:rPr/>
+              <a:t> </a:t>
+            </a:r>
+            <a:r>
+              <a:rPr/>
+              <a:t>multiple</a:t>
+            </a:r>
+            <a:r>
+              <a:rPr/>
+              <a:t> </a:t>
+            </a:r>
+            <a:r>
+              <a:rPr/>
+              <a:t>rows</a:t>
+            </a:r>
+            <a:r>
+              <a:rPr/>
+              <a:t> </a:t>
+            </a:r>
+            <a:r>
+              <a:rPr/>
+              <a:t>per</a:t>
+            </a:r>
+            <a:r>
+              <a:rPr/>
+              <a:t> </a:t>
+            </a:r>
+            <a:r>
+              <a:rPr/>
+              <a:t>patient,</a:t>
+            </a:r>
+            <a:r>
+              <a:rPr/>
+              <a:t> </a:t>
+            </a:r>
+            <a:r>
+              <a:rPr/>
+              <a:t>if</a:t>
+            </a:r>
+            <a:r>
+              <a:rPr/>
+              <a:t> </a:t>
+            </a:r>
+            <a:r>
+              <a:rPr/>
+              <a:t>you</a:t>
+            </a:r>
+            <a:r>
+              <a:rPr/>
+              <a:t> </a:t>
+            </a:r>
+            <a:r>
+              <a:rPr/>
+              <a:t>don’t</a:t>
+            </a:r>
+            <a:r>
+              <a:rPr/>
+              <a:t> </a:t>
+            </a:r>
+            <a:r>
+              <a:rPr/>
+              <a:t>have</a:t>
+            </a:r>
+            <a:r>
+              <a:rPr/>
+              <a:t> </a:t>
+            </a:r>
+            <a:r>
+              <a:rPr/>
+              <a:t>an</a:t>
+            </a:r>
+            <a:r>
+              <a:rPr/>
+              <a:t> </a:t>
+            </a:r>
+            <a:r>
+              <a:rPr/>
+              <a:t>identification</a:t>
+            </a:r>
+            <a:r>
+              <a:rPr/>
+              <a:t> </a:t>
+            </a:r>
+            <a:r>
+              <a:rPr/>
+              <a:t>number,</a:t>
+            </a:r>
+            <a:r>
+              <a:rPr/>
+              <a:t> </a:t>
+            </a:r>
+            <a:r>
+              <a:rPr/>
+              <a:t>you</a:t>
+            </a:r>
+            <a:r>
+              <a:rPr/>
+              <a:t> </a:t>
+            </a:r>
+            <a:r>
+              <a:rPr/>
+              <a:t>won’t</a:t>
+            </a:r>
+            <a:r>
+              <a:rPr/>
+              <a:t> </a:t>
+            </a:r>
+            <a:r>
+              <a:rPr/>
+              <a:t>be</a:t>
+            </a:r>
+            <a:r>
+              <a:rPr/>
+              <a:t> </a:t>
+            </a:r>
+            <a:r>
+              <a:rPr/>
+              <a:t>able</a:t>
+            </a:r>
+            <a:r>
+              <a:rPr/>
+              <a:t> </a:t>
+            </a:r>
+            <a:r>
+              <a:rPr/>
+              <a:t>to</a:t>
+            </a:r>
+            <a:r>
+              <a:rPr/>
+              <a:t> </a:t>
+            </a:r>
+            <a:r>
+              <a:rPr/>
+              <a:t>know</a:t>
+            </a:r>
+            <a:r>
+              <a:rPr/>
+              <a:t> </a:t>
+            </a:r>
+            <a:r>
+              <a:rPr/>
+              <a:t>which</a:t>
+            </a:r>
+            <a:r>
+              <a:rPr/>
+              <a:t> </a:t>
+            </a:r>
+            <a:r>
+              <a:rPr/>
+              <a:t>rows</a:t>
+            </a:r>
+            <a:r>
+              <a:rPr/>
+              <a:t> </a:t>
+            </a:r>
+            <a:r>
+              <a:rPr/>
+              <a:t>belong</a:t>
+            </a:r>
+            <a:r>
+              <a:rPr/>
+              <a:t> </a:t>
+            </a:r>
+            <a:r>
+              <a:rPr/>
+              <a:t>together</a:t>
+            </a:r>
+            <a:r>
+              <a:rPr/>
+              <a:t> </a:t>
+            </a:r>
+            <a:r>
+              <a:rPr/>
+              <a:t>under</a:t>
+            </a:r>
+            <a:r>
+              <a:rPr/>
+              <a:t> </a:t>
+            </a:r>
+            <a:r>
+              <a:rPr/>
+              <a:t>a</a:t>
+            </a:r>
+            <a:r>
+              <a:rPr/>
+              <a:t> </a:t>
+            </a:r>
+            <a:r>
+              <a:rPr/>
+              <a:t>single</a:t>
+            </a:r>
+            <a:r>
+              <a:rPr/>
+              <a:t> </a:t>
+            </a:r>
+            <a:r>
+              <a:rPr/>
+              <a:t>patient.</a:t>
             </a:r>
           </a:p>
         </p:txBody>
@@ -1626,7 +2192,23 @@
             </a:pPr>
             <a:r>
               <a:rPr/>
-              <a:t>Gather</a:t>
+              <a:t>The</a:t>
+            </a:r>
+            <a:r>
+              <a:rPr/>
+              <a:t> </a:t>
+            </a:r>
+            <a:r>
+              <a:rPr/>
+              <a:t>pivot_longer</a:t>
+            </a:r>
+            <a:r>
+              <a:rPr/>
+              <a:t> </a:t>
+            </a:r>
+            <a:r>
+              <a:rPr/>
+              <a:t>function</a:t>
             </a:r>
             <a:r>
               <a:rPr/>
@@ -1678,7 +2260,7 @@
             </a:r>
             <a:r>
               <a:rPr/>
-              <a:t>key</a:t>
+              <a:t>names_to</a:t>
             </a:r>
             <a:r>
               <a:rPr/>
@@ -1806,7 +2388,7 @@
             </a:r>
             <a:r>
               <a:rPr/>
-              <a:t>value</a:t>
+              <a:t>values_to</a:t>
             </a:r>
             <a:r>
               <a:rPr/>
@@ -2016,7 +2598,7 @@
           <a:p>
             <a:fld id="{18BDFEC3-8487-43E8-A154-7C12CBC1FFF2}" type="slidenum">
               <a:rPr lang="en-US"/>
-              <a:t>17</a:t>
+              <a:t>16</a:t>
             </a:fld>
             <a:endParaRPr lang="en-US"/>
           </a:p>
@@ -2076,23 +2658,63 @@
             </a:pPr>
             <a:r>
               <a:rPr/>
-              <a:t>One</a:t>
-            </a:r>
-            <a:r>
-              <a:rPr/>
-              <a:t> </a:t>
-            </a:r>
-            <a:r>
-              <a:rPr/>
-              <a:t>possible</a:t>
-            </a:r>
-            <a:r>
-              <a:rPr/>
-              <a:t> </a:t>
-            </a:r>
-            <a:r>
-              <a:rPr/>
-              <a:t>graph</a:t>
+              <a:t>Here</a:t>
+            </a:r>
+            <a:r>
+              <a:rPr/>
+              <a:t> </a:t>
+            </a:r>
+            <a:r>
+              <a:rPr/>
+              <a:t>is</a:t>
+            </a:r>
+            <a:r>
+              <a:rPr/>
+              <a:t> </a:t>
+            </a:r>
+            <a:r>
+              <a:rPr/>
+              <a:t>the</a:t>
+            </a:r>
+            <a:r>
+              <a:rPr/>
+              <a:t> </a:t>
+            </a:r>
+            <a:r>
+              <a:rPr/>
+              <a:t>tall</a:t>
+            </a:r>
+            <a:r>
+              <a:rPr/>
+              <a:t> </a:t>
+            </a:r>
+            <a:r>
+              <a:rPr/>
+              <a:t>and</a:t>
+            </a:r>
+            <a:r>
+              <a:rPr/>
+              <a:t> </a:t>
+            </a:r>
+            <a:r>
+              <a:rPr/>
+              <a:t>thin</a:t>
+            </a:r>
+            <a:r>
+              <a:rPr/>
+              <a:t> </a:t>
+            </a:r>
+            <a:r>
+              <a:rPr/>
+              <a:t>format.</a:t>
+            </a:r>
+            <a:r>
+              <a:rPr/>
+              <a:t> </a:t>
+            </a:r>
+            <a:r>
+              <a:rPr/>
+              <a:t>Notice</a:t>
             </a:r>
             <a:r>
               <a:rPr/>
@@ -2108,31 +2730,143 @@
             </a:r>
             <a:r>
               <a:rPr/>
-              <a:t>could</a:t>
-            </a:r>
-            <a:r>
-              <a:rPr/>
-              <a:t> </a:t>
-            </a:r>
-            <a:r>
-              <a:rPr/>
-              <a:t>not</a:t>
-            </a:r>
-            <a:r>
-              <a:rPr/>
-              <a:t> </a:t>
-            </a:r>
-            <a:r>
-              <a:rPr/>
-              <a:t>have</a:t>
-            </a:r>
-            <a:r>
-              <a:rPr/>
-              <a:t> </a:t>
-            </a:r>
-            <a:r>
-              <a:rPr/>
-              <a:t>done</a:t>
+              <a:t>there</a:t>
+            </a:r>
+            <a:r>
+              <a:rPr/>
+              <a:t> </a:t>
+            </a:r>
+            <a:r>
+              <a:rPr/>
+              <a:t>are</a:t>
+            </a:r>
+            <a:r>
+              <a:rPr/>
+              <a:t> </a:t>
+            </a:r>
+            <a:r>
+              <a:rPr/>
+              <a:t>24</a:t>
+            </a:r>
+            <a:r>
+              <a:rPr/>
+              <a:t> </a:t>
+            </a:r>
+            <a:r>
+              <a:rPr/>
+              <a:t>rows</a:t>
+            </a:r>
+            <a:r>
+              <a:rPr/>
+              <a:t> </a:t>
+            </a:r>
+            <a:r>
+              <a:rPr/>
+              <a:t>now,</a:t>
+            </a:r>
+            <a:r>
+              <a:rPr/>
+              <a:t> </a:t>
+            </a:r>
+            <a:r>
+              <a:rPr/>
+              <a:t>3</a:t>
+            </a:r>
+            <a:r>
+              <a:rPr/>
+              <a:t> </a:t>
+            </a:r>
+            <a:r>
+              <a:rPr/>
+              <a:t>for</a:t>
+            </a:r>
+            <a:r>
+              <a:rPr/>
+              <a:t> </a:t>
+            </a:r>
+            <a:r>
+              <a:rPr/>
+              <a:t>each</a:t>
+            </a:r>
+            <a:r>
+              <a:rPr/>
+              <a:t> </a:t>
+            </a:r>
+            <a:r>
+              <a:rPr/>
+              <a:t>of</a:t>
+            </a:r>
+            <a:r>
+              <a:rPr/>
+              <a:t> </a:t>
+            </a:r>
+            <a:r>
+              <a:rPr/>
+              <a:t>the</a:t>
+            </a:r>
+            <a:r>
+              <a:rPr/>
+              <a:t> </a:t>
+            </a:r>
+            <a:r>
+              <a:rPr/>
+              <a:t>8</a:t>
+            </a:r>
+            <a:r>
+              <a:rPr/>
+              <a:t> </a:t>
+            </a:r>
+            <a:r>
+              <a:rPr/>
+              <a:t>subjects.</a:t>
+            </a:r>
+            <a:r>
+              <a:rPr/>
+              <a:t> </a:t>
+            </a:r>
+            <a:r>
+              <a:rPr/>
+              <a:t>All</a:t>
+            </a:r>
+            <a:r>
+              <a:rPr/>
+              <a:t> </a:t>
+            </a:r>
+            <a:r>
+              <a:rPr/>
+              <a:t>the</a:t>
+            </a:r>
+            <a:r>
+              <a:rPr/>
+              <a:t> </a:t>
+            </a:r>
+            <a:r>
+              <a:rPr/>
+              <a:t>energy</a:t>
+            </a:r>
+            <a:r>
+              <a:rPr/>
+              <a:t> </a:t>
+            </a:r>
+            <a:r>
+              <a:rPr/>
+              <a:t>measurements</a:t>
+            </a:r>
+            <a:r>
+              <a:rPr/>
+              <a:t> </a:t>
+            </a:r>
+            <a:r>
+              <a:rPr/>
+              <a:t>are</a:t>
+            </a:r>
+            <a:r>
+              <a:rPr/>
+              <a:t> </a:t>
+            </a:r>
+            <a:r>
+              <a:rPr/>
+              <a:t>now</a:t>
             </a:r>
             <a:r>
               <a:rPr/>
@@ -2148,54 +2882,6 @@
             </a:r>
             <a:r>
               <a:rPr/>
-              <a:t>the</a:t>
-            </a:r>
-            <a:r>
-              <a:rPr/>
-              <a:t> </a:t>
-            </a:r>
-            <a:r>
-              <a:rPr/>
-              <a:t>short</a:t>
-            </a:r>
-            <a:r>
-              <a:rPr/>
-              <a:t> </a:t>
-            </a:r>
-            <a:r>
-              <a:rPr/>
-              <a:t>and</a:t>
-            </a:r>
-            <a:r>
-              <a:rPr/>
-              <a:t> </a:t>
-            </a:r>
-            <a:r>
-              <a:rPr/>
-              <a:t>fat</a:t>
-            </a:r>
-            <a:r>
-              <a:rPr/>
-              <a:t> </a:t>
-            </a:r>
-            <a:r>
-              <a:rPr/>
-              <a:t>format</a:t>
-            </a:r>
-            <a:r>
-              <a:rPr/>
-              <a:t> </a:t>
-            </a:r>
-            <a:r>
-              <a:rPr/>
-              <a:t>is</a:t>
-            </a:r>
-            <a:r>
-              <a:rPr/>
-              <a:t> </a:t>
-            </a:r>
-            <a:r>
-              <a:rPr/>
               <a:t>a</a:t>
             </a:r>
             <a:r>
@@ -2204,143 +2890,15 @@
             </a:r>
             <a:r>
               <a:rPr/>
-              <a:t>lineplot.</a:t>
-            </a:r>
-            <a:r>
-              <a:rPr/>
-              <a:t> </a:t>
-            </a:r>
-            <a:r>
-              <a:rPr/>
-              <a:t>The</a:t>
-            </a:r>
-            <a:r>
-              <a:rPr/>
-              <a:t> </a:t>
-            </a:r>
-            <a:r>
-              <a:rPr/>
-              <a:t>group</a:t>
-            </a:r>
-            <a:r>
-              <a:rPr/>
-              <a:t> </a:t>
-            </a:r>
-            <a:r>
-              <a:rPr/>
-              <a:t>parameter</a:t>
-            </a:r>
-            <a:r>
-              <a:rPr/>
-              <a:t> </a:t>
-            </a:r>
-            <a:r>
-              <a:rPr/>
-              <a:t>in</a:t>
-            </a:r>
-            <a:r>
-              <a:rPr/>
-              <a:t> </a:t>
-            </a:r>
-            <a:r>
-              <a:rPr/>
-              <a:t>the</a:t>
-            </a:r>
-            <a:r>
-              <a:rPr/>
-              <a:t> </a:t>
-            </a:r>
-            <a:r>
-              <a:rPr/>
-              <a:t>aes</a:t>
-            </a:r>
-            <a:r>
-              <a:rPr/>
-              <a:t> </a:t>
-            </a:r>
-            <a:r>
-              <a:rPr/>
-              <a:t>function</a:t>
-            </a:r>
-            <a:r>
-              <a:rPr/>
-              <a:t> </a:t>
-            </a:r>
-            <a:r>
-              <a:rPr/>
-              <a:t>tells</a:t>
-            </a:r>
-            <a:r>
-              <a:rPr/>
-              <a:t> </a:t>
-            </a:r>
-            <a:r>
-              <a:rPr/>
-              <a:t>R</a:t>
-            </a:r>
-            <a:r>
-              <a:rPr/>
-              <a:t> </a:t>
-            </a:r>
-            <a:r>
-              <a:rPr/>
-              <a:t>that</a:t>
-            </a:r>
-            <a:r>
-              <a:rPr/>
-              <a:t> </a:t>
-            </a:r>
-            <a:r>
-              <a:rPr/>
-              <a:t>separate</a:t>
-            </a:r>
-            <a:r>
-              <a:rPr/>
-              <a:t> </a:t>
-            </a:r>
-            <a:r>
-              <a:rPr/>
-              <a:t>lines</a:t>
-            </a:r>
-            <a:r>
-              <a:rPr/>
-              <a:t> </a:t>
-            </a:r>
-            <a:r>
-              <a:rPr/>
-              <a:t>are</a:t>
-            </a:r>
-            <a:r>
-              <a:rPr/>
-              <a:t> </a:t>
-            </a:r>
-            <a:r>
-              <a:rPr/>
-              <a:t>defined</a:t>
-            </a:r>
-            <a:r>
-              <a:rPr/>
-              <a:t> </a:t>
-            </a:r>
-            <a:r>
-              <a:rPr/>
-              <a:t>for</a:t>
-            </a:r>
-            <a:r>
-              <a:rPr/>
-              <a:t> </a:t>
-            </a:r>
-            <a:r>
-              <a:rPr/>
-              <a:t>each</a:t>
-            </a:r>
-            <a:r>
-              <a:rPr/>
-              <a:t> </a:t>
-            </a:r>
-            <a:r>
-              <a:rPr/>
-              <a:t>subject.</a:t>
+              <a:t>single</a:t>
+            </a:r>
+            <a:r>
+              <a:rPr/>
+              <a:t> </a:t>
+            </a:r>
+            <a:r>
+              <a:rPr/>
+              <a:t>column.</a:t>
             </a:r>
           </a:p>
         </p:txBody>
@@ -2362,7 +2920,7 @@
           <a:p>
             <a:fld id="{18BDFEC3-8487-43E8-A154-7C12CBC1FFF2}" type="slidenum">
               <a:rPr lang="en-US"/>
-              <a:t>18</a:t>
+              <a:t>17</a:t>
             </a:fld>
             <a:endParaRPr lang="en-US"/>
           </a:p>
@@ -2422,7 +2980,111 @@
             </a:pPr>
             <a:r>
               <a:rPr/>
-              <a:t>Here</a:t>
+              <a:t>One</a:t>
+            </a:r>
+            <a:r>
+              <a:rPr/>
+              <a:t> </a:t>
+            </a:r>
+            <a:r>
+              <a:rPr/>
+              <a:t>possible</a:t>
+            </a:r>
+            <a:r>
+              <a:rPr/>
+              <a:t> </a:t>
+            </a:r>
+            <a:r>
+              <a:rPr/>
+              <a:t>graph</a:t>
+            </a:r>
+            <a:r>
+              <a:rPr/>
+              <a:t> </a:t>
+            </a:r>
+            <a:r>
+              <a:rPr/>
+              <a:t>that</a:t>
+            </a:r>
+            <a:r>
+              <a:rPr/>
+              <a:t> </a:t>
+            </a:r>
+            <a:r>
+              <a:rPr/>
+              <a:t>could</a:t>
+            </a:r>
+            <a:r>
+              <a:rPr/>
+              <a:t> </a:t>
+            </a:r>
+            <a:r>
+              <a:rPr/>
+              <a:t>not</a:t>
+            </a:r>
+            <a:r>
+              <a:rPr/>
+              <a:t> </a:t>
+            </a:r>
+            <a:r>
+              <a:rPr/>
+              <a:t>have</a:t>
+            </a:r>
+            <a:r>
+              <a:rPr/>
+              <a:t> </a:t>
+            </a:r>
+            <a:r>
+              <a:rPr/>
+              <a:t>done</a:t>
+            </a:r>
+            <a:r>
+              <a:rPr/>
+              <a:t> </a:t>
+            </a:r>
+            <a:r>
+              <a:rPr/>
+              <a:t>in</a:t>
+            </a:r>
+            <a:r>
+              <a:rPr/>
+              <a:t> </a:t>
+            </a:r>
+            <a:r>
+              <a:rPr/>
+              <a:t>the</a:t>
+            </a:r>
+            <a:r>
+              <a:rPr/>
+              <a:t> </a:t>
+            </a:r>
+            <a:r>
+              <a:rPr/>
+              <a:t>short</a:t>
+            </a:r>
+            <a:r>
+              <a:rPr/>
+              <a:t> </a:t>
+            </a:r>
+            <a:r>
+              <a:rPr/>
+              <a:t>and</a:t>
+            </a:r>
+            <a:r>
+              <a:rPr/>
+              <a:t> </a:t>
+            </a:r>
+            <a:r>
+              <a:rPr/>
+              <a:t>fat</a:t>
+            </a:r>
+            <a:r>
+              <a:rPr/>
+              <a:t> </a:t>
+            </a:r>
+            <a:r>
+              <a:rPr/>
+              <a:t>format</a:t>
             </a:r>
             <a:r>
               <a:rPr/>
@@ -2438,6 +3100,54 @@
             </a:r>
             <a:r>
               <a:rPr/>
+              <a:t>a</a:t>
+            </a:r>
+            <a:r>
+              <a:rPr/>
+              <a:t> </a:t>
+            </a:r>
+            <a:r>
+              <a:rPr/>
+              <a:t>lineplot.</a:t>
+            </a:r>
+            <a:r>
+              <a:rPr/>
+              <a:t> </a:t>
+            </a:r>
+            <a:r>
+              <a:rPr/>
+              <a:t>The</a:t>
+            </a:r>
+            <a:r>
+              <a:rPr/>
+              <a:t> </a:t>
+            </a:r>
+            <a:r>
+              <a:rPr/>
+              <a:t>group</a:t>
+            </a:r>
+            <a:r>
+              <a:rPr/>
+              <a:t> </a:t>
+            </a:r>
+            <a:r>
+              <a:rPr/>
+              <a:t>parameter</a:t>
+            </a:r>
+            <a:r>
+              <a:rPr/>
+              <a:t> </a:t>
+            </a:r>
+            <a:r>
+              <a:rPr/>
+              <a:t>in</a:t>
+            </a:r>
+            <a:r>
+              <a:rPr/>
+              <a:t> </a:t>
+            </a:r>
+            <a:r>
+              <a:rPr/>
               <a:t>the</a:t>
             </a:r>
             <a:r>
@@ -2446,47 +3156,71 @@
             </a:r>
             <a:r>
               <a:rPr/>
-              <a:t>graph.</a:t>
-            </a:r>
-            <a:r>
-              <a:rPr/>
-              <a:t> </a:t>
-            </a:r>
-            <a:r>
-              <a:rPr/>
-              <a:t>Notice</a:t>
-            </a:r>
-            <a:r>
-              <a:rPr/>
-              <a:t> </a:t>
-            </a:r>
-            <a:r>
-              <a:rPr/>
-              <a:t>the</a:t>
-            </a:r>
-            <a:r>
-              <a:rPr/>
-              <a:t> </a:t>
-            </a:r>
-            <a:r>
-              <a:rPr/>
-              <a:t>inverted</a:t>
-            </a:r>
-            <a:r>
-              <a:rPr/>
-              <a:t> </a:t>
-            </a:r>
-            <a:r>
-              <a:rPr/>
-              <a:t>V</a:t>
-            </a:r>
-            <a:r>
-              <a:rPr/>
-              <a:t> </a:t>
-            </a:r>
-            <a:r>
-              <a:rPr/>
-              <a:t>shape</a:t>
+              <a:t>aes</a:t>
+            </a:r>
+            <a:r>
+              <a:rPr/>
+              <a:t> </a:t>
+            </a:r>
+            <a:r>
+              <a:rPr/>
+              <a:t>function</a:t>
+            </a:r>
+            <a:r>
+              <a:rPr/>
+              <a:t> </a:t>
+            </a:r>
+            <a:r>
+              <a:rPr/>
+              <a:t>tells</a:t>
+            </a:r>
+            <a:r>
+              <a:rPr/>
+              <a:t> </a:t>
+            </a:r>
+            <a:r>
+              <a:rPr/>
+              <a:t>R</a:t>
+            </a:r>
+            <a:r>
+              <a:rPr/>
+              <a:t> </a:t>
+            </a:r>
+            <a:r>
+              <a:rPr/>
+              <a:t>that</a:t>
+            </a:r>
+            <a:r>
+              <a:rPr/>
+              <a:t> </a:t>
+            </a:r>
+            <a:r>
+              <a:rPr/>
+              <a:t>separate</a:t>
+            </a:r>
+            <a:r>
+              <a:rPr/>
+              <a:t> </a:t>
+            </a:r>
+            <a:r>
+              <a:rPr/>
+              <a:t>lines</a:t>
+            </a:r>
+            <a:r>
+              <a:rPr/>
+              <a:t> </a:t>
+            </a:r>
+            <a:r>
+              <a:rPr/>
+              <a:t>are</a:t>
+            </a:r>
+            <a:r>
+              <a:rPr/>
+              <a:t> </a:t>
+            </a:r>
+            <a:r>
+              <a:rPr/>
+              <a:t>defined</a:t>
             </a:r>
             <a:r>
               <a:rPr/>
@@ -2503,102 +3237,6 @@
             <a:r>
               <a:rPr/>
               <a:t>each</a:t>
-            </a:r>
-            <a:r>
-              <a:rPr/>
-              <a:t> </a:t>
-            </a:r>
-            <a:r>
-              <a:rPr/>
-              <a:t>line.</a:t>
-            </a:r>
-            <a:r>
-              <a:rPr/>
-              <a:t> </a:t>
-            </a:r>
-            <a:r>
-              <a:rPr/>
-              <a:t>This</a:t>
-            </a:r>
-            <a:r>
-              <a:rPr/>
-              <a:t> </a:t>
-            </a:r>
-            <a:r>
-              <a:rPr/>
-              <a:t>shows</a:t>
-            </a:r>
-            <a:r>
-              <a:rPr/>
-              <a:t> </a:t>
-            </a:r>
-            <a:r>
-              <a:rPr/>
-              <a:t>that</a:t>
-            </a:r>
-            <a:r>
-              <a:rPr/>
-              <a:t> </a:t>
-            </a:r>
-            <a:r>
-              <a:rPr/>
-              <a:t>running</a:t>
-            </a:r>
-            <a:r>
-              <a:rPr/>
-              <a:t> </a:t>
-            </a:r>
-            <a:r>
-              <a:rPr/>
-              <a:t>uses</a:t>
-            </a:r>
-            <a:r>
-              <a:rPr/>
-              <a:t> </a:t>
-            </a:r>
-            <a:r>
-              <a:rPr/>
-              <a:t>the</a:t>
-            </a:r>
-            <a:r>
-              <a:rPr/>
-              <a:t> </a:t>
-            </a:r>
-            <a:r>
-              <a:rPr/>
-              <a:t>most</a:t>
-            </a:r>
-            <a:r>
-              <a:rPr/>
-              <a:t> </a:t>
-            </a:r>
-            <a:r>
-              <a:rPr/>
-              <a:t>energy</a:t>
-            </a:r>
-            <a:r>
-              <a:rPr/>
-              <a:t> </a:t>
-            </a:r>
-            <a:r>
-              <a:rPr/>
-              <a:t>for</a:t>
-            </a:r>
-            <a:r>
-              <a:rPr/>
-              <a:t> </a:t>
-            </a:r>
-            <a:r>
-              <a:rPr/>
-              <a:t>any</a:t>
-            </a:r>
-            <a:r>
-              <a:rPr/>
-              <a:t> </a:t>
-            </a:r>
-            <a:r>
-              <a:rPr/>
-              <a:t>individual</a:t>
             </a:r>
             <a:r>
               <a:rPr/>
@@ -2628,7 +3266,7 @@
           <a:p>
             <a:fld id="{18BDFEC3-8487-43E8-A154-7C12CBC1FFF2}" type="slidenum">
               <a:rPr lang="en-US"/>
-              <a:t>19</a:t>
+              <a:t>18</a:t>
             </a:fld>
             <a:endParaRPr lang="en-US"/>
           </a:p>
@@ -2704,38 +3342,6 @@
             </a:r>
             <a:r>
               <a:rPr/>
-              <a:t>a</a:t>
-            </a:r>
-            <a:r>
-              <a:rPr/>
-              <a:t> </a:t>
-            </a:r>
-            <a:r>
-              <a:rPr/>
-              <a:t>dataset</a:t>
-            </a:r>
-            <a:r>
-              <a:rPr/>
-              <a:t> </a:t>
-            </a:r>
-            <a:r>
-              <a:rPr/>
-              <a:t>stored</a:t>
-            </a:r>
-            <a:r>
-              <a:rPr/>
-              <a:t> </a:t>
-            </a:r>
-            <a:r>
-              <a:rPr/>
-              <a:t>in</a:t>
-            </a:r>
-            <a:r>
-              <a:rPr/>
-              <a:t> </a:t>
-            </a:r>
-            <a:r>
-              <a:rPr/>
               <a:t>the</a:t>
             </a:r>
             <a:r>
@@ -2744,31 +3350,71 @@
             </a:r>
             <a:r>
               <a:rPr/>
-              <a:t>short</a:t>
-            </a:r>
-            <a:r>
-              <a:rPr/>
-              <a:t> </a:t>
-            </a:r>
-            <a:r>
-              <a:rPr/>
-              <a:t>and</a:t>
-            </a:r>
-            <a:r>
-              <a:rPr/>
-              <a:t> </a:t>
-            </a:r>
-            <a:r>
-              <a:rPr/>
-              <a:t>fat</a:t>
-            </a:r>
-            <a:r>
-              <a:rPr/>
-              <a:t> </a:t>
-            </a:r>
-            <a:r>
-              <a:rPr/>
-              <a:t>format.</a:t>
+              <a:t>graph.</a:t>
+            </a:r>
+            <a:r>
+              <a:rPr/>
+              <a:t> </a:t>
+            </a:r>
+            <a:r>
+              <a:rPr/>
+              <a:t>Notice</a:t>
+            </a:r>
+            <a:r>
+              <a:rPr/>
+              <a:t> </a:t>
+            </a:r>
+            <a:r>
+              <a:rPr/>
+              <a:t>the</a:t>
+            </a:r>
+            <a:r>
+              <a:rPr/>
+              <a:t> </a:t>
+            </a:r>
+            <a:r>
+              <a:rPr/>
+              <a:t>inverted</a:t>
+            </a:r>
+            <a:r>
+              <a:rPr/>
+              <a:t> </a:t>
+            </a:r>
+            <a:r>
+              <a:rPr/>
+              <a:t>V</a:t>
+            </a:r>
+            <a:r>
+              <a:rPr/>
+              <a:t> </a:t>
+            </a:r>
+            <a:r>
+              <a:rPr/>
+              <a:t>shape</a:t>
+            </a:r>
+            <a:r>
+              <a:rPr/>
+              <a:t> </a:t>
+            </a:r>
+            <a:r>
+              <a:rPr/>
+              <a:t>for</a:t>
+            </a:r>
+            <a:r>
+              <a:rPr/>
+              <a:t> </a:t>
+            </a:r>
+            <a:r>
+              <a:rPr/>
+              <a:t>each</a:t>
+            </a:r>
+            <a:r>
+              <a:rPr/>
+              <a:t> </a:t>
+            </a:r>
+            <a:r>
+              <a:rPr/>
+              <a:t>line.</a:t>
             </a:r>
             <a:r>
               <a:rPr/>
@@ -2784,183 +3430,87 @@
             </a:r>
             <a:r>
               <a:rPr/>
-              <a:t>dataset</a:t>
-            </a:r>
-            <a:r>
-              <a:rPr/>
-              <a:t> </a:t>
-            </a:r>
-            <a:r>
-              <a:rPr/>
-              <a:t>will</a:t>
-            </a:r>
-            <a:r>
-              <a:rPr/>
-              <a:t> </a:t>
-            </a:r>
-            <a:r>
-              <a:rPr/>
-              <a:t>serve</a:t>
-            </a:r>
-            <a:r>
-              <a:rPr/>
-              <a:t> </a:t>
-            </a:r>
-            <a:r>
-              <a:rPr/>
-              <a:t>as</a:t>
-            </a:r>
-            <a:r>
-              <a:rPr/>
-              <a:t> </a:t>
-            </a:r>
-            <a:r>
-              <a:rPr/>
-              <a:t>a</a:t>
-            </a:r>
-            <a:r>
-              <a:rPr/>
-              <a:t> </a:t>
-            </a:r>
-            <a:r>
-              <a:rPr/>
-              <a:t>second</a:t>
-            </a:r>
-            <a:r>
-              <a:rPr/>
-              <a:t> </a:t>
-            </a:r>
-            <a:r>
-              <a:rPr/>
-              <a:t>example</a:t>
-            </a:r>
-            <a:r>
-              <a:rPr/>
-              <a:t> </a:t>
-            </a:r>
-            <a:r>
-              <a:rPr/>
-              <a:t>of</a:t>
-            </a:r>
-            <a:r>
-              <a:rPr/>
-              <a:t> </a:t>
-            </a:r>
-            <a:r>
-              <a:rPr/>
-              <a:t>how</a:t>
-            </a:r>
-            <a:r>
-              <a:rPr/>
-              <a:t> </a:t>
-            </a:r>
-            <a:r>
-              <a:rPr/>
-              <a:t>to</a:t>
-            </a:r>
-            <a:r>
-              <a:rPr/>
-              <a:t> </a:t>
-            </a:r>
-            <a:r>
-              <a:rPr/>
-              <a:t>convert</a:t>
-            </a:r>
-            <a:r>
-              <a:rPr/>
-              <a:t> </a:t>
-            </a:r>
-            <a:r>
-              <a:rPr/>
-              <a:t>from</a:t>
-            </a:r>
-            <a:r>
-              <a:rPr/>
-              <a:t> </a:t>
-            </a:r>
-            <a:r>
-              <a:rPr/>
-              <a:t>a</a:t>
-            </a:r>
-            <a:r>
-              <a:rPr/>
-              <a:t> </a:t>
-            </a:r>
-            <a:r>
-              <a:rPr/>
-              <a:t>short</a:t>
-            </a:r>
-            <a:r>
-              <a:rPr/>
-              <a:t> </a:t>
-            </a:r>
-            <a:r>
-              <a:rPr/>
-              <a:t>and</a:t>
-            </a:r>
-            <a:r>
-              <a:rPr/>
-              <a:t> </a:t>
-            </a:r>
-            <a:r>
-              <a:rPr/>
-              <a:t>fat</a:t>
-            </a:r>
-            <a:r>
-              <a:rPr/>
-              <a:t> </a:t>
-            </a:r>
-            <a:r>
-              <a:rPr/>
-              <a:t>format</a:t>
-            </a:r>
-            <a:r>
-              <a:rPr/>
-              <a:t> </a:t>
-            </a:r>
-            <a:r>
-              <a:rPr/>
-              <a:t>to</a:t>
-            </a:r>
-            <a:r>
-              <a:rPr/>
-              <a:t> </a:t>
-            </a:r>
-            <a:r>
-              <a:rPr/>
-              <a:t>a</a:t>
-            </a:r>
-            <a:r>
-              <a:rPr/>
-              <a:t> </a:t>
-            </a:r>
-            <a:r>
-              <a:rPr/>
-              <a:t>tall</a:t>
-            </a:r>
-            <a:r>
-              <a:rPr/>
-              <a:t> </a:t>
-            </a:r>
-            <a:r>
-              <a:rPr/>
-              <a:t>and</a:t>
-            </a:r>
-            <a:r>
-              <a:rPr/>
-              <a:t> </a:t>
-            </a:r>
-            <a:r>
-              <a:rPr/>
-              <a:t>thin</a:t>
-            </a:r>
-            <a:r>
-              <a:rPr/>
-              <a:t> </a:t>
-            </a:r>
-            <a:r>
-              <a:rPr/>
-              <a:t>format.</a:t>
+              <a:t>shows</a:t>
+            </a:r>
+            <a:r>
+              <a:rPr/>
+              <a:t> </a:t>
+            </a:r>
+            <a:r>
+              <a:rPr/>
+              <a:t>that</a:t>
+            </a:r>
+            <a:r>
+              <a:rPr/>
+              <a:t> </a:t>
+            </a:r>
+            <a:r>
+              <a:rPr/>
+              <a:t>running</a:t>
+            </a:r>
+            <a:r>
+              <a:rPr/>
+              <a:t> </a:t>
+            </a:r>
+            <a:r>
+              <a:rPr/>
+              <a:t>uses</a:t>
+            </a:r>
+            <a:r>
+              <a:rPr/>
+              <a:t> </a:t>
+            </a:r>
+            <a:r>
+              <a:rPr/>
+              <a:t>the</a:t>
+            </a:r>
+            <a:r>
+              <a:rPr/>
+              <a:t> </a:t>
+            </a:r>
+            <a:r>
+              <a:rPr/>
+              <a:t>most</a:t>
+            </a:r>
+            <a:r>
+              <a:rPr/>
+              <a:t> </a:t>
+            </a:r>
+            <a:r>
+              <a:rPr/>
+              <a:t>energy</a:t>
+            </a:r>
+            <a:r>
+              <a:rPr/>
+              <a:t> </a:t>
+            </a:r>
+            <a:r>
+              <a:rPr/>
+              <a:t>for</a:t>
+            </a:r>
+            <a:r>
+              <a:rPr/>
+              <a:t> </a:t>
+            </a:r>
+            <a:r>
+              <a:rPr/>
+              <a:t>any</a:t>
+            </a:r>
+            <a:r>
+              <a:rPr/>
+              <a:t> </a:t>
+            </a:r>
+            <a:r>
+              <a:rPr/>
+              <a:t>individual</a:t>
+            </a:r>
+            <a:r>
+              <a:rPr/>
+              <a:t> </a:t>
+            </a:r>
+            <a:r>
+              <a:rPr/>
+              <a:t>subject.</a:t>
             </a:r>
           </a:p>
         </p:txBody>
@@ -2982,7 +3532,7 @@
           <a:p>
             <a:fld id="{18BDFEC3-8487-43E8-A154-7C12CBC1FFF2}" type="slidenum">
               <a:rPr lang="en-US"/>
-              <a:t>20</a:t>
+              <a:t>19</a:t>
             </a:fld>
             <a:endParaRPr lang="en-US"/>
           </a:p>
@@ -3058,6 +3608,38 @@
             </a:r>
             <a:r>
               <a:rPr/>
+              <a:t>a</a:t>
+            </a:r>
+            <a:r>
+              <a:rPr/>
+              <a:t> </a:t>
+            </a:r>
+            <a:r>
+              <a:rPr/>
+              <a:t>dataset</a:t>
+            </a:r>
+            <a:r>
+              <a:rPr/>
+              <a:t> </a:t>
+            </a:r>
+            <a:r>
+              <a:rPr/>
+              <a:t>stored</a:t>
+            </a:r>
+            <a:r>
+              <a:rPr/>
+              <a:t> </a:t>
+            </a:r>
+            <a:r>
+              <a:rPr/>
+              <a:t>in</a:t>
+            </a:r>
+            <a:r>
+              <a:rPr/>
+              <a:t> </a:t>
+            </a:r>
+            <a:r>
+              <a:rPr/>
               <a:t>the</a:t>
             </a:r>
             <a:r>
@@ -3066,15 +3648,223 @@
             </a:r>
             <a:r>
               <a:rPr/>
-              <a:t>data</a:t>
-            </a:r>
-            <a:r>
-              <a:rPr/>
-              <a:t> </a:t>
-            </a:r>
-            <a:r>
-              <a:rPr/>
-              <a:t>dictionary</a:t>
+              <a:t>short</a:t>
+            </a:r>
+            <a:r>
+              <a:rPr/>
+              <a:t> </a:t>
+            </a:r>
+            <a:r>
+              <a:rPr/>
+              <a:t>and</a:t>
+            </a:r>
+            <a:r>
+              <a:rPr/>
+              <a:t> </a:t>
+            </a:r>
+            <a:r>
+              <a:rPr/>
+              <a:t>fat</a:t>
+            </a:r>
+            <a:r>
+              <a:rPr/>
+              <a:t> </a:t>
+            </a:r>
+            <a:r>
+              <a:rPr/>
+              <a:t>format.</a:t>
+            </a:r>
+            <a:r>
+              <a:rPr/>
+              <a:t> </a:t>
+            </a:r>
+            <a:r>
+              <a:rPr/>
+              <a:t>This</a:t>
+            </a:r>
+            <a:r>
+              <a:rPr/>
+              <a:t> </a:t>
+            </a:r>
+            <a:r>
+              <a:rPr/>
+              <a:t>dataset</a:t>
+            </a:r>
+            <a:r>
+              <a:rPr/>
+              <a:t> </a:t>
+            </a:r>
+            <a:r>
+              <a:rPr/>
+              <a:t>will</a:t>
+            </a:r>
+            <a:r>
+              <a:rPr/>
+              <a:t> </a:t>
+            </a:r>
+            <a:r>
+              <a:rPr/>
+              <a:t>serve</a:t>
+            </a:r>
+            <a:r>
+              <a:rPr/>
+              <a:t> </a:t>
+            </a:r>
+            <a:r>
+              <a:rPr/>
+              <a:t>as</a:t>
+            </a:r>
+            <a:r>
+              <a:rPr/>
+              <a:t> </a:t>
+            </a:r>
+            <a:r>
+              <a:rPr/>
+              <a:t>a</a:t>
+            </a:r>
+            <a:r>
+              <a:rPr/>
+              <a:t> </a:t>
+            </a:r>
+            <a:r>
+              <a:rPr/>
+              <a:t>second</a:t>
+            </a:r>
+            <a:r>
+              <a:rPr/>
+              <a:t> </a:t>
+            </a:r>
+            <a:r>
+              <a:rPr/>
+              <a:t>example</a:t>
+            </a:r>
+            <a:r>
+              <a:rPr/>
+              <a:t> </a:t>
+            </a:r>
+            <a:r>
+              <a:rPr/>
+              <a:t>of</a:t>
+            </a:r>
+            <a:r>
+              <a:rPr/>
+              <a:t> </a:t>
+            </a:r>
+            <a:r>
+              <a:rPr/>
+              <a:t>how</a:t>
+            </a:r>
+            <a:r>
+              <a:rPr/>
+              <a:t> </a:t>
+            </a:r>
+            <a:r>
+              <a:rPr/>
+              <a:t>to</a:t>
+            </a:r>
+            <a:r>
+              <a:rPr/>
+              <a:t> </a:t>
+            </a:r>
+            <a:r>
+              <a:rPr/>
+              <a:t>convert</a:t>
+            </a:r>
+            <a:r>
+              <a:rPr/>
+              <a:t> </a:t>
+            </a:r>
+            <a:r>
+              <a:rPr/>
+              <a:t>from</a:t>
+            </a:r>
+            <a:r>
+              <a:rPr/>
+              <a:t> </a:t>
+            </a:r>
+            <a:r>
+              <a:rPr/>
+              <a:t>a</a:t>
+            </a:r>
+            <a:r>
+              <a:rPr/>
+              <a:t> </a:t>
+            </a:r>
+            <a:r>
+              <a:rPr/>
+              <a:t>short</a:t>
+            </a:r>
+            <a:r>
+              <a:rPr/>
+              <a:t> </a:t>
+            </a:r>
+            <a:r>
+              <a:rPr/>
+              <a:t>and</a:t>
+            </a:r>
+            <a:r>
+              <a:rPr/>
+              <a:t> </a:t>
+            </a:r>
+            <a:r>
+              <a:rPr/>
+              <a:t>fat</a:t>
+            </a:r>
+            <a:r>
+              <a:rPr/>
+              <a:t> </a:t>
+            </a:r>
+            <a:r>
+              <a:rPr/>
+              <a:t>format</a:t>
+            </a:r>
+            <a:r>
+              <a:rPr/>
+              <a:t> </a:t>
+            </a:r>
+            <a:r>
+              <a:rPr/>
+              <a:t>to</a:t>
+            </a:r>
+            <a:r>
+              <a:rPr/>
+              <a:t> </a:t>
+            </a:r>
+            <a:r>
+              <a:rPr/>
+              <a:t>a</a:t>
+            </a:r>
+            <a:r>
+              <a:rPr/>
+              <a:t> </a:t>
+            </a:r>
+            <a:r>
+              <a:rPr/>
+              <a:t>tall</a:t>
+            </a:r>
+            <a:r>
+              <a:rPr/>
+              <a:t> </a:t>
+            </a:r>
+            <a:r>
+              <a:rPr/>
+              <a:t>and</a:t>
+            </a:r>
+            <a:r>
+              <a:rPr/>
+              <a:t> </a:t>
+            </a:r>
+            <a:r>
+              <a:rPr/>
+              <a:t>thin</a:t>
+            </a:r>
+            <a:r>
+              <a:rPr/>
+              <a:t> </a:t>
+            </a:r>
+            <a:r>
+              <a:rPr/>
+              <a:t>format.</a:t>
             </a:r>
           </a:p>
         </p:txBody>
@@ -3096,7 +3886,7 @@
           <a:p>
             <a:fld id="{18BDFEC3-8487-43E8-A154-7C12CBC1FFF2}" type="slidenum">
               <a:rPr lang="en-US"/>
-              <a:t>21</a:t>
+              <a:t>20</a:t>
             </a:fld>
             <a:endParaRPr lang="en-US"/>
           </a:p>
@@ -3156,7 +3946,7 @@
             </a:pPr>
             <a:r>
               <a:rPr/>
-              <a:t>This</a:t>
+              <a:t>Here</a:t>
             </a:r>
             <a:r>
               <a:rPr/>
@@ -3172,62 +3962,6 @@
             </a:r>
             <a:r>
               <a:rPr/>
-              <a:t>clearly</a:t>
-            </a:r>
-            <a:r>
-              <a:rPr/>
-              <a:t> </a:t>
-            </a:r>
-            <a:r>
-              <a:rPr/>
-              <a:t>a</a:t>
-            </a:r>
-            <a:r>
-              <a:rPr/>
-              <a:t> </a:t>
-            </a:r>
-            <a:r>
-              <a:rPr/>
-              <a:t>tab</a:t>
-            </a:r>
-            <a:r>
-              <a:rPr/>
-              <a:t> </a:t>
-            </a:r>
-            <a:r>
-              <a:rPr/>
-              <a:t>delimited</a:t>
-            </a:r>
-            <a:r>
-              <a:rPr/>
-              <a:t> </a:t>
-            </a:r>
-            <a:r>
-              <a:rPr/>
-              <a:t>file.</a:t>
-            </a:r>
-            <a:r>
-              <a:rPr/>
-              <a:t> </a:t>
-            </a:r>
-            <a:r>
-              <a:rPr/>
-              <a:t>All</a:t>
-            </a:r>
-            <a:r>
-              <a:rPr/>
-              <a:t> </a:t>
-            </a:r>
-            <a:r>
-              <a:rPr/>
-              <a:t>of</a:t>
-            </a:r>
-            <a:r>
-              <a:rPr/>
-              <a:t> </a:t>
-            </a:r>
-            <a:r>
-              <a:rPr/>
               <a:t>the</a:t>
             </a:r>
             <a:r>
@@ -3236,31 +3970,15 @@
             </a:r>
             <a:r>
               <a:rPr/>
-              <a:t>fields</a:t>
-            </a:r>
-            <a:r>
-              <a:rPr/>
-              <a:t> </a:t>
-            </a:r>
-            <a:r>
-              <a:rPr/>
-              <a:t>are</a:t>
-            </a:r>
-            <a:r>
-              <a:rPr/>
-              <a:t> </a:t>
-            </a:r>
-            <a:r>
-              <a:rPr/>
-              <a:t>left</a:t>
-            </a:r>
-            <a:r>
-              <a:rPr/>
-              <a:t> </a:t>
-            </a:r>
-            <a:r>
-              <a:rPr/>
-              <a:t>justified.</a:t>
+              <a:t>data</a:t>
+            </a:r>
+            <a:r>
+              <a:rPr/>
+              <a:t> </a:t>
+            </a:r>
+            <a:r>
+              <a:rPr/>
+              <a:t>dictionary</a:t>
             </a:r>
           </a:p>
         </p:txBody>
@@ -3282,7 +4000,7 @@
           <a:p>
             <a:fld id="{18BDFEC3-8487-43E8-A154-7C12CBC1FFF2}" type="slidenum">
               <a:rPr lang="en-US"/>
-              <a:t>22</a:t>
+              <a:t>21</a:t>
             </a:fld>
             <a:endParaRPr lang="en-US"/>
           </a:p>
@@ -3342,7 +4060,87 @@
             </a:pPr>
             <a:r>
               <a:rPr/>
-              <a:t>There</a:t>
+              <a:t>This</a:t>
+            </a:r>
+            <a:r>
+              <a:rPr/>
+              <a:t> </a:t>
+            </a:r>
+            <a:r>
+              <a:rPr/>
+              <a:t>is</a:t>
+            </a:r>
+            <a:r>
+              <a:rPr/>
+              <a:t> </a:t>
+            </a:r>
+            <a:r>
+              <a:rPr/>
+              <a:t>clearly</a:t>
+            </a:r>
+            <a:r>
+              <a:rPr/>
+              <a:t> </a:t>
+            </a:r>
+            <a:r>
+              <a:rPr/>
+              <a:t>a</a:t>
+            </a:r>
+            <a:r>
+              <a:rPr/>
+              <a:t> </a:t>
+            </a:r>
+            <a:r>
+              <a:rPr/>
+              <a:t>tab</a:t>
+            </a:r>
+            <a:r>
+              <a:rPr/>
+              <a:t> </a:t>
+            </a:r>
+            <a:r>
+              <a:rPr/>
+              <a:t>delimited</a:t>
+            </a:r>
+            <a:r>
+              <a:rPr/>
+              <a:t> </a:t>
+            </a:r>
+            <a:r>
+              <a:rPr/>
+              <a:t>file.</a:t>
+            </a:r>
+            <a:r>
+              <a:rPr/>
+              <a:t> </a:t>
+            </a:r>
+            <a:r>
+              <a:rPr/>
+              <a:t>All</a:t>
+            </a:r>
+            <a:r>
+              <a:rPr/>
+              <a:t> </a:t>
+            </a:r>
+            <a:r>
+              <a:rPr/>
+              <a:t>of</a:t>
+            </a:r>
+            <a:r>
+              <a:rPr/>
+              <a:t> </a:t>
+            </a:r>
+            <a:r>
+              <a:rPr/>
+              <a:t>the</a:t>
+            </a:r>
+            <a:r>
+              <a:rPr/>
+              <a:t> </a:t>
+            </a:r>
+            <a:r>
+              <a:rPr/>
+              <a:t>fields</a:t>
             </a:r>
             <a:r>
               <a:rPr/>
@@ -3358,71 +4156,15 @@
             </a:r>
             <a:r>
               <a:rPr/>
-              <a:t>measurements</a:t>
-            </a:r>
-            <a:r>
-              <a:rPr/>
-              <a:t> </a:t>
-            </a:r>
-            <a:r>
-              <a:rPr/>
-              <a:t>at</a:t>
-            </a:r>
-            <a:r>
-              <a:rPr/>
-              <a:t> </a:t>
-            </a:r>
-            <a:r>
-              <a:rPr/>
-              <a:t>weeks</a:t>
-            </a:r>
-            <a:r>
-              <a:rPr/>
-              <a:t> </a:t>
-            </a:r>
-            <a:r>
-              <a:rPr/>
-              <a:t>0,</a:t>
-            </a:r>
-            <a:r>
-              <a:rPr/>
-              <a:t> </a:t>
-            </a:r>
-            <a:r>
-              <a:rPr/>
-              <a:t>3,</a:t>
-            </a:r>
-            <a:r>
-              <a:rPr/>
-              <a:t> </a:t>
-            </a:r>
-            <a:r>
-              <a:rPr/>
-              <a:t>6,</a:t>
-            </a:r>
-            <a:r>
-              <a:rPr/>
-              <a:t> </a:t>
-            </a:r>
-            <a:r>
-              <a:rPr/>
-              <a:t>9,</a:t>
-            </a:r>
-            <a:r>
-              <a:rPr/>
-              <a:t> </a:t>
-            </a:r>
-            <a:r>
-              <a:rPr/>
-              <a:t>and</a:t>
-            </a:r>
-            <a:r>
-              <a:rPr/>
-              <a:t> </a:t>
-            </a:r>
-            <a:r>
-              <a:rPr/>
-              <a:t>12.</a:t>
+              <a:t>left</a:t>
+            </a:r>
+            <a:r>
+              <a:rPr/>
+              <a:t> </a:t>
+            </a:r>
+            <a:r>
+              <a:rPr/>
+              <a:t>justified.</a:t>
             </a:r>
           </a:p>
         </p:txBody>
@@ -3444,7 +4186,7 @@
           <a:p>
             <a:fld id="{18BDFEC3-8487-43E8-A154-7C12CBC1FFF2}" type="slidenum">
               <a:rPr lang="en-US"/>
-              <a:t>24</a:t>
+              <a:t>22</a:t>
             </a:fld>
             <a:endParaRPr lang="en-US"/>
           </a:p>
@@ -3504,311 +4246,71 @@
             </a:pPr>
             <a:r>
               <a:rPr/>
-              <a:t>Suggestion:</a:t>
-            </a:r>
-            <a:r>
-              <a:rPr/>
-              <a:t> </a:t>
-            </a:r>
-            <a:r>
-              <a:rPr/>
-              <a:t>create</a:t>
-            </a:r>
-            <a:r>
-              <a:rPr/>
-              <a:t> </a:t>
-            </a:r>
-            <a:r>
-              <a:rPr/>
-              <a:t>an</a:t>
-            </a:r>
-            <a:r>
-              <a:rPr/>
-              <a:t> </a:t>
-            </a:r>
-            <a:r>
-              <a:rPr/>
-              <a:t>id</a:t>
-            </a:r>
-            <a:r>
-              <a:rPr/>
-              <a:t> </a:t>
-            </a:r>
-            <a:r>
-              <a:rPr/>
-              <a:t>variable</a:t>
-            </a:r>
-            <a:r>
-              <a:rPr/>
-              <a:t> </a:t>
-            </a:r>
-            <a:r>
-              <a:rPr/>
-              <a:t>with</a:t>
-            </a:r>
-            <a:r>
-              <a:rPr/>
-              <a:t> </a:t>
-            </a:r>
-            <a:r>
-              <a:rPr/>
-              <a:t>values</a:t>
-            </a:r>
-            <a:r>
-              <a:rPr/>
-              <a:t> </a:t>
-            </a:r>
-            <a:r>
-              <a:rPr/>
-              <a:t>1:25</a:t>
-            </a:r>
-            <a:r>
-              <a:rPr/>
-              <a:t> </a:t>
-            </a:r>
-            <a:r>
-              <a:rPr/>
-              <a:t>before</a:t>
-            </a:r>
-            <a:r>
-              <a:rPr/>
-              <a:t> </a:t>
-            </a:r>
-            <a:r>
-              <a:rPr/>
-              <a:t>you</a:t>
-            </a:r>
-            <a:r>
-              <a:rPr/>
-              <a:t> </a:t>
-            </a:r>
-            <a:r>
-              <a:rPr/>
-              <a:t>convert</a:t>
-            </a:r>
-            <a:r>
-              <a:rPr/>
-              <a:t> </a:t>
-            </a:r>
-            <a:r>
-              <a:rPr/>
-              <a:t>the</a:t>
-            </a:r>
-            <a:r>
-              <a:rPr/>
-              <a:t> </a:t>
-            </a:r>
-            <a:r>
-              <a:rPr/>
-              <a:t>format.</a:t>
-            </a:r>
-            <a:r>
-              <a:rPr/>
-              <a:t> </a:t>
-            </a:r>
-            <a:r>
-              <a:rPr/>
-              <a:t>It</a:t>
-            </a:r>
-            <a:r>
-              <a:rPr/>
-              <a:t> </a:t>
-            </a:r>
-            <a:r>
-              <a:rPr/>
-              <a:t>is</a:t>
-            </a:r>
-            <a:r>
-              <a:rPr/>
-              <a:t> </a:t>
-            </a:r>
-            <a:r>
-              <a:rPr/>
-              <a:t>not</a:t>
-            </a:r>
-            <a:r>
-              <a:rPr/>
-              <a:t> </a:t>
-            </a:r>
-            <a:r>
-              <a:rPr/>
-              <a:t>needed</a:t>
-            </a:r>
-            <a:r>
-              <a:rPr/>
-              <a:t> </a:t>
-            </a:r>
-            <a:r>
-              <a:rPr/>
-              <a:t>for</a:t>
-            </a:r>
-            <a:r>
-              <a:rPr/>
-              <a:t> </a:t>
-            </a:r>
-            <a:r>
-              <a:rPr/>
-              <a:t>the</a:t>
-            </a:r>
-            <a:r>
-              <a:rPr/>
-              <a:t> </a:t>
-            </a:r>
-            <a:r>
-              <a:rPr/>
-              <a:t>boxplots,</a:t>
-            </a:r>
-            <a:r>
-              <a:rPr/>
-              <a:t> </a:t>
-            </a:r>
-            <a:r>
-              <a:rPr/>
-              <a:t>but</a:t>
-            </a:r>
-            <a:r>
-              <a:rPr/>
-              <a:t> </a:t>
-            </a:r>
-            <a:r>
-              <a:rPr/>
-              <a:t>if</a:t>
-            </a:r>
-            <a:r>
-              <a:rPr/>
-              <a:t> </a:t>
-            </a:r>
-            <a:r>
-              <a:rPr/>
-              <a:t>you</a:t>
-            </a:r>
-            <a:r>
-              <a:rPr/>
-              <a:t> </a:t>
-            </a:r>
-            <a:r>
-              <a:rPr/>
-              <a:t>do</a:t>
-            </a:r>
-            <a:r>
-              <a:rPr/>
-              <a:t> </a:t>
-            </a:r>
-            <a:r>
-              <a:rPr/>
-              <a:t>anything</a:t>
-            </a:r>
-            <a:r>
-              <a:rPr/>
-              <a:t> </a:t>
-            </a:r>
-            <a:r>
-              <a:rPr/>
-              <a:t>more</a:t>
-            </a:r>
-            <a:r>
-              <a:rPr/>
-              <a:t> </a:t>
-            </a:r>
-            <a:r>
-              <a:rPr/>
-              <a:t>complex</a:t>
-            </a:r>
-            <a:r>
-              <a:rPr/>
-              <a:t> </a:t>
-            </a:r>
-            <a:r>
-              <a:rPr/>
-              <a:t>with</a:t>
-            </a:r>
-            <a:r>
-              <a:rPr/>
-              <a:t> </a:t>
-            </a:r>
-            <a:r>
-              <a:rPr/>
-              <a:t>this</a:t>
-            </a:r>
-            <a:r>
-              <a:rPr/>
-              <a:t> </a:t>
-            </a:r>
-            <a:r>
-              <a:rPr/>
-              <a:t>data,</a:t>
-            </a:r>
-            <a:r>
-              <a:rPr/>
-              <a:t> </a:t>
-            </a:r>
-            <a:r>
-              <a:rPr/>
-              <a:t>you</a:t>
-            </a:r>
-            <a:r>
-              <a:rPr/>
-              <a:t> </a:t>
-            </a:r>
-            <a:r>
-              <a:rPr/>
-              <a:t>need</a:t>
-            </a:r>
-            <a:r>
-              <a:rPr/>
-              <a:t> </a:t>
-            </a:r>
-            <a:r>
-              <a:rPr/>
-              <a:t>to</a:t>
-            </a:r>
-            <a:r>
-              <a:rPr/>
-              <a:t> </a:t>
-            </a:r>
-            <a:r>
-              <a:rPr/>
-              <a:t>know</a:t>
-            </a:r>
-            <a:r>
-              <a:rPr/>
-              <a:t> </a:t>
-            </a:r>
-            <a:r>
-              <a:rPr/>
-              <a:t>which</a:t>
-            </a:r>
-            <a:r>
-              <a:rPr/>
-              <a:t> </a:t>
-            </a:r>
-            <a:r>
-              <a:rPr/>
-              <a:t>data</a:t>
-            </a:r>
-            <a:r>
-              <a:rPr/>
-              <a:t> </a:t>
-            </a:r>
-            <a:r>
-              <a:rPr/>
-              <a:t>in</a:t>
-            </a:r>
-            <a:r>
-              <a:rPr/>
-              <a:t> </a:t>
-            </a:r>
-            <a:r>
-              <a:rPr/>
-              <a:t>the</a:t>
-            </a:r>
-            <a:r>
-              <a:rPr/>
-              <a:t> </a:t>
-            </a:r>
-            <a:r>
-              <a:rPr/>
-              <a:t>tall</a:t>
+              <a:t>There</a:t>
+            </a:r>
+            <a:r>
+              <a:rPr/>
+              <a:t> </a:t>
+            </a:r>
+            <a:r>
+              <a:rPr/>
+              <a:t>are</a:t>
+            </a:r>
+            <a:r>
+              <a:rPr/>
+              <a:t> </a:t>
+            </a:r>
+            <a:r>
+              <a:rPr/>
+              <a:t>measurements</a:t>
+            </a:r>
+            <a:r>
+              <a:rPr/>
+              <a:t> </a:t>
+            </a:r>
+            <a:r>
+              <a:rPr/>
+              <a:t>at</a:t>
+            </a:r>
+            <a:r>
+              <a:rPr/>
+              <a:t> </a:t>
+            </a:r>
+            <a:r>
+              <a:rPr/>
+              <a:t>weeks</a:t>
+            </a:r>
+            <a:r>
+              <a:rPr/>
+              <a:t> </a:t>
+            </a:r>
+            <a:r>
+              <a:rPr/>
+              <a:t>0,</a:t>
+            </a:r>
+            <a:r>
+              <a:rPr/>
+              <a:t> </a:t>
+            </a:r>
+            <a:r>
+              <a:rPr/>
+              <a:t>3,</a:t>
+            </a:r>
+            <a:r>
+              <a:rPr/>
+              <a:t> </a:t>
+            </a:r>
+            <a:r>
+              <a:rPr/>
+              <a:t>6,</a:t>
+            </a:r>
+            <a:r>
+              <a:rPr/>
+              <a:t> </a:t>
+            </a:r>
+            <a:r>
+              <a:rPr/>
+              <a:t>9,</a:t>
             </a:r>
             <a:r>
               <a:rPr/>
@@ -3824,135 +4326,7 @@
             </a:r>
             <a:r>
               <a:rPr/>
-              <a:t>thin</a:t>
-            </a:r>
-            <a:r>
-              <a:rPr/>
-              <a:t> </a:t>
-            </a:r>
-            <a:r>
-              <a:rPr/>
-              <a:t>format</a:t>
-            </a:r>
-            <a:r>
-              <a:rPr/>
-              <a:t> </a:t>
-            </a:r>
-            <a:r>
-              <a:rPr/>
-              <a:t>comes</a:t>
-            </a:r>
-            <a:r>
-              <a:rPr/>
-              <a:t> </a:t>
-            </a:r>
-            <a:r>
-              <a:rPr/>
-              <a:t>from</a:t>
-            </a:r>
-            <a:r>
-              <a:rPr/>
-              <a:t> </a:t>
-            </a:r>
-            <a:r>
-              <a:rPr/>
-              <a:t>the</a:t>
-            </a:r>
-            <a:r>
-              <a:rPr/>
-              <a:t> </a:t>
-            </a:r>
-            <a:r>
-              <a:rPr/>
-              <a:t>first</a:t>
-            </a:r>
-            <a:r>
-              <a:rPr/>
-              <a:t> </a:t>
-            </a:r>
-            <a:r>
-              <a:rPr/>
-              <a:t>row</a:t>
-            </a:r>
-            <a:r>
-              <a:rPr/>
-              <a:t> </a:t>
-            </a:r>
-            <a:r>
-              <a:rPr/>
-              <a:t>of</a:t>
-            </a:r>
-            <a:r>
-              <a:rPr/>
-              <a:t> </a:t>
-            </a:r>
-            <a:r>
-              <a:rPr/>
-              <a:t>the</a:t>
-            </a:r>
-            <a:r>
-              <a:rPr/>
-              <a:t> </a:t>
-            </a:r>
-            <a:r>
-              <a:rPr/>
-              <a:t>original</a:t>
-            </a:r>
-            <a:r>
-              <a:rPr/>
-              <a:t> </a:t>
-            </a:r>
-            <a:r>
-              <a:rPr/>
-              <a:t>data</a:t>
-            </a:r>
-            <a:r>
-              <a:rPr/>
-              <a:t> </a:t>
-            </a:r>
-            <a:r>
-              <a:rPr/>
-              <a:t>set,</a:t>
-            </a:r>
-            <a:r>
-              <a:rPr/>
-              <a:t> </a:t>
-            </a:r>
-            <a:r>
-              <a:rPr/>
-              <a:t>from</a:t>
-            </a:r>
-            <a:r>
-              <a:rPr/>
-              <a:t> </a:t>
-            </a:r>
-            <a:r>
-              <a:rPr/>
-              <a:t>the</a:t>
-            </a:r>
-            <a:r>
-              <a:rPr/>
-              <a:t> </a:t>
-            </a:r>
-            <a:r>
-              <a:rPr/>
-              <a:t>second</a:t>
-            </a:r>
-            <a:r>
-              <a:rPr/>
-              <a:t> </a:t>
-            </a:r>
-            <a:r>
-              <a:rPr/>
-              <a:t>row,</a:t>
-            </a:r>
-            <a:r>
-              <a:rPr/>
-              <a:t> </a:t>
-            </a:r>
-            <a:r>
-              <a:rPr/>
-              <a:t>etc.</a:t>
+              <a:t>12.</a:t>
             </a:r>
           </a:p>
         </p:txBody>
@@ -3974,7 +4348,7 @@
           <a:p>
             <a:fld id="{18BDFEC3-8487-43E8-A154-7C12CBC1FFF2}" type="slidenum">
               <a:rPr lang="en-US"/>
-              <a:t>26</a:t>
+              <a:t>24</a:t>
             </a:fld>
             <a:endParaRPr lang="en-US"/>
           </a:p>
@@ -4754,31 +5128,87 @@
             </a:pPr>
             <a:r>
               <a:rPr/>
-              <a:t>Notice</a:t>
-            </a:r>
-            <a:r>
-              <a:rPr/>
-              <a:t> </a:t>
-            </a:r>
-            <a:r>
-              <a:rPr/>
-              <a:t>how</a:t>
-            </a:r>
-            <a:r>
-              <a:rPr/>
-              <a:t> </a:t>
-            </a:r>
-            <a:r>
-              <a:rPr/>
-              <a:t>R</a:t>
-            </a:r>
-            <a:r>
-              <a:rPr/>
-              <a:t> </a:t>
-            </a:r>
-            <a:r>
-              <a:rPr/>
-              <a:t>orders</a:t>
+              <a:t>Suggestion:</a:t>
+            </a:r>
+            <a:r>
+              <a:rPr/>
+              <a:t> </a:t>
+            </a:r>
+            <a:r>
+              <a:rPr/>
+              <a:t>create</a:t>
+            </a:r>
+            <a:r>
+              <a:rPr/>
+              <a:t> </a:t>
+            </a:r>
+            <a:r>
+              <a:rPr/>
+              <a:t>an</a:t>
+            </a:r>
+            <a:r>
+              <a:rPr/>
+              <a:t> </a:t>
+            </a:r>
+            <a:r>
+              <a:rPr/>
+              <a:t>id</a:t>
+            </a:r>
+            <a:r>
+              <a:rPr/>
+              <a:t> </a:t>
+            </a:r>
+            <a:r>
+              <a:rPr/>
+              <a:t>variable</a:t>
+            </a:r>
+            <a:r>
+              <a:rPr/>
+              <a:t> </a:t>
+            </a:r>
+            <a:r>
+              <a:rPr/>
+              <a:t>with</a:t>
+            </a:r>
+            <a:r>
+              <a:rPr/>
+              <a:t> </a:t>
+            </a:r>
+            <a:r>
+              <a:rPr/>
+              <a:t>values</a:t>
+            </a:r>
+            <a:r>
+              <a:rPr/>
+              <a:t> </a:t>
+            </a:r>
+            <a:r>
+              <a:rPr/>
+              <a:t>1:25</a:t>
+            </a:r>
+            <a:r>
+              <a:rPr/>
+              <a:t> </a:t>
+            </a:r>
+            <a:r>
+              <a:rPr/>
+              <a:t>before</a:t>
+            </a:r>
+            <a:r>
+              <a:rPr/>
+              <a:t> </a:t>
+            </a:r>
+            <a:r>
+              <a:rPr/>
+              <a:t>you</a:t>
+            </a:r>
+            <a:r>
+              <a:rPr/>
+              <a:t> </a:t>
+            </a:r>
+            <a:r>
+              <a:rPr/>
+              <a:t>convert</a:t>
             </a:r>
             <a:r>
               <a:rPr/>
@@ -4794,15 +5224,493 @@
             </a:r>
             <a:r>
               <a:rPr/>
-              <a:t>weeks.</a:t>
-            </a:r>
-            <a:r>
-              <a:rPr/>
-              <a:t> </a:t>
-            </a:r>
-            <a:r>
-              <a:rPr/>
-              <a:t>From</a:t>
+              <a:t>format.</a:t>
+            </a:r>
+            <a:r>
+              <a:rPr/>
+              <a:t> </a:t>
+            </a:r>
+            <a:r>
+              <a:rPr/>
+              <a:t>It</a:t>
+            </a:r>
+            <a:r>
+              <a:rPr/>
+              <a:t> </a:t>
+            </a:r>
+            <a:r>
+              <a:rPr/>
+              <a:t>is</a:t>
+            </a:r>
+            <a:r>
+              <a:rPr/>
+              <a:t> </a:t>
+            </a:r>
+            <a:r>
+              <a:rPr/>
+              <a:t>not</a:t>
+            </a:r>
+            <a:r>
+              <a:rPr/>
+              <a:t> </a:t>
+            </a:r>
+            <a:r>
+              <a:rPr/>
+              <a:t>needed</a:t>
+            </a:r>
+            <a:r>
+              <a:rPr/>
+              <a:t> </a:t>
+            </a:r>
+            <a:r>
+              <a:rPr/>
+              <a:t>for</a:t>
+            </a:r>
+            <a:r>
+              <a:rPr/>
+              <a:t> </a:t>
+            </a:r>
+            <a:r>
+              <a:rPr/>
+              <a:t>the</a:t>
+            </a:r>
+            <a:r>
+              <a:rPr/>
+              <a:t> </a:t>
+            </a:r>
+            <a:r>
+              <a:rPr/>
+              <a:t>boxplots</a:t>
+            </a:r>
+            <a:r>
+              <a:rPr/>
+              <a:t> </a:t>
+            </a:r>
+            <a:r>
+              <a:rPr/>
+              <a:t>that</a:t>
+            </a:r>
+            <a:r>
+              <a:rPr/>
+              <a:t> </a:t>
+            </a:r>
+            <a:r>
+              <a:rPr/>
+              <a:t>I</a:t>
+            </a:r>
+            <a:r>
+              <a:rPr/>
+              <a:t> </a:t>
+            </a:r>
+            <a:r>
+              <a:rPr/>
+              <a:t>draw</a:t>
+            </a:r>
+            <a:r>
+              <a:rPr/>
+              <a:t> </a:t>
+            </a:r>
+            <a:r>
+              <a:rPr/>
+              <a:t>later,</a:t>
+            </a:r>
+            <a:r>
+              <a:rPr/>
+              <a:t> </a:t>
+            </a:r>
+            <a:r>
+              <a:rPr/>
+              <a:t>but</a:t>
+            </a:r>
+            <a:r>
+              <a:rPr/>
+              <a:t> </a:t>
+            </a:r>
+            <a:r>
+              <a:rPr/>
+              <a:t>if</a:t>
+            </a:r>
+            <a:r>
+              <a:rPr/>
+              <a:t> </a:t>
+            </a:r>
+            <a:r>
+              <a:rPr/>
+              <a:t>you</a:t>
+            </a:r>
+            <a:r>
+              <a:rPr/>
+              <a:t> </a:t>
+            </a:r>
+            <a:r>
+              <a:rPr/>
+              <a:t>do</a:t>
+            </a:r>
+            <a:r>
+              <a:rPr/>
+              <a:t> </a:t>
+            </a:r>
+            <a:r>
+              <a:rPr/>
+              <a:t>anything</a:t>
+            </a:r>
+            <a:r>
+              <a:rPr/>
+              <a:t> </a:t>
+            </a:r>
+            <a:r>
+              <a:rPr/>
+              <a:t>more</a:t>
+            </a:r>
+            <a:r>
+              <a:rPr/>
+              <a:t> </a:t>
+            </a:r>
+            <a:r>
+              <a:rPr/>
+              <a:t>complex</a:t>
+            </a:r>
+            <a:r>
+              <a:rPr/>
+              <a:t> </a:t>
+            </a:r>
+            <a:r>
+              <a:rPr/>
+              <a:t>with</a:t>
+            </a:r>
+            <a:r>
+              <a:rPr/>
+              <a:t> </a:t>
+            </a:r>
+            <a:r>
+              <a:rPr/>
+              <a:t>this</a:t>
+            </a:r>
+            <a:r>
+              <a:rPr/>
+              <a:t> </a:t>
+            </a:r>
+            <a:r>
+              <a:rPr/>
+              <a:t>data,</a:t>
+            </a:r>
+            <a:r>
+              <a:rPr/>
+              <a:t> </a:t>
+            </a:r>
+            <a:r>
+              <a:rPr/>
+              <a:t>you</a:t>
+            </a:r>
+            <a:r>
+              <a:rPr/>
+              <a:t> </a:t>
+            </a:r>
+            <a:r>
+              <a:rPr/>
+              <a:t>need</a:t>
+            </a:r>
+            <a:r>
+              <a:rPr/>
+              <a:t> </a:t>
+            </a:r>
+            <a:r>
+              <a:rPr/>
+              <a:t>to</a:t>
+            </a:r>
+            <a:r>
+              <a:rPr/>
+              <a:t> </a:t>
+            </a:r>
+            <a:r>
+              <a:rPr/>
+              <a:t>know</a:t>
+            </a:r>
+            <a:r>
+              <a:rPr/>
+              <a:t> </a:t>
+            </a:r>
+            <a:r>
+              <a:rPr/>
+              <a:t>which</a:t>
+            </a:r>
+            <a:r>
+              <a:rPr/>
+              <a:t> </a:t>
+            </a:r>
+            <a:r>
+              <a:rPr/>
+              <a:t>data</a:t>
+            </a:r>
+            <a:r>
+              <a:rPr/>
+              <a:t> </a:t>
+            </a:r>
+            <a:r>
+              <a:rPr/>
+              <a:t>in</a:t>
+            </a:r>
+            <a:r>
+              <a:rPr/>
+              <a:t> </a:t>
+            </a:r>
+            <a:r>
+              <a:rPr/>
+              <a:t>the</a:t>
+            </a:r>
+            <a:r>
+              <a:rPr/>
+              <a:t> </a:t>
+            </a:r>
+            <a:r>
+              <a:rPr/>
+              <a:t>tall</a:t>
+            </a:r>
+            <a:r>
+              <a:rPr/>
+              <a:t> </a:t>
+            </a:r>
+            <a:r>
+              <a:rPr/>
+              <a:t>and</a:t>
+            </a:r>
+            <a:r>
+              <a:rPr/>
+              <a:t> </a:t>
+            </a:r>
+            <a:r>
+              <a:rPr/>
+              <a:t>thin</a:t>
+            </a:r>
+            <a:r>
+              <a:rPr/>
+              <a:t> </a:t>
+            </a:r>
+            <a:r>
+              <a:rPr/>
+              <a:t>format</a:t>
+            </a:r>
+            <a:r>
+              <a:rPr/>
+              <a:t> </a:t>
+            </a:r>
+            <a:r>
+              <a:rPr/>
+              <a:t>comes</a:t>
+            </a:r>
+            <a:r>
+              <a:rPr/>
+              <a:t> </a:t>
+            </a:r>
+            <a:r>
+              <a:rPr/>
+              <a:t>from</a:t>
+            </a:r>
+            <a:r>
+              <a:rPr/>
+              <a:t> </a:t>
+            </a:r>
+            <a:r>
+              <a:rPr/>
+              <a:t>the</a:t>
+            </a:r>
+            <a:r>
+              <a:rPr/>
+              <a:t> </a:t>
+            </a:r>
+            <a:r>
+              <a:rPr/>
+              <a:t>first</a:t>
+            </a:r>
+            <a:r>
+              <a:rPr/>
+              <a:t> </a:t>
+            </a:r>
+            <a:r>
+              <a:rPr/>
+              <a:t>row</a:t>
+            </a:r>
+            <a:r>
+              <a:rPr/>
+              <a:t> </a:t>
+            </a:r>
+            <a:r>
+              <a:rPr/>
+              <a:t>of</a:t>
+            </a:r>
+            <a:r>
+              <a:rPr/>
+              <a:t> </a:t>
+            </a:r>
+            <a:r>
+              <a:rPr/>
+              <a:t>the</a:t>
+            </a:r>
+            <a:r>
+              <a:rPr/>
+              <a:t> </a:t>
+            </a:r>
+            <a:r>
+              <a:rPr/>
+              <a:t>original</a:t>
+            </a:r>
+            <a:r>
+              <a:rPr/>
+              <a:t> </a:t>
+            </a:r>
+            <a:r>
+              <a:rPr/>
+              <a:t>data</a:t>
+            </a:r>
+            <a:r>
+              <a:rPr/>
+              <a:t> </a:t>
+            </a:r>
+            <a:r>
+              <a:rPr/>
+              <a:t>set,</a:t>
+            </a:r>
+            <a:r>
+              <a:rPr/>
+              <a:t> </a:t>
+            </a:r>
+            <a:r>
+              <a:rPr/>
+              <a:t>from</a:t>
+            </a:r>
+            <a:r>
+              <a:rPr/>
+              <a:t> </a:t>
+            </a:r>
+            <a:r>
+              <a:rPr/>
+              <a:t>the</a:t>
+            </a:r>
+            <a:r>
+              <a:rPr/>
+              <a:t> </a:t>
+            </a:r>
+            <a:r>
+              <a:rPr/>
+              <a:t>second</a:t>
+            </a:r>
+            <a:r>
+              <a:rPr/>
+              <a:t> </a:t>
+            </a:r>
+            <a:r>
+              <a:rPr/>
+              <a:t>row,</a:t>
+            </a:r>
+            <a:r>
+              <a:rPr/>
+              <a:t> </a:t>
+            </a:r>
+            <a:r>
+              <a:rPr/>
+              <a:t>etc.</a:t>
+            </a:r>
+          </a:p>
+          <a:p>
+            <a:pPr lvl="0" marL="0" indent="0">
+              <a:buNone/>
+            </a:pPr>
+          </a:p>
+          <a:p>
+            <a:pPr lvl="0" marL="0" indent="0">
+              <a:buNone/>
+            </a:pPr>
+            <a:r>
+              <a:rPr/>
+              <a:t>The</a:t>
+            </a:r>
+            <a:r>
+              <a:rPr/>
+              <a:t> </a:t>
+            </a:r>
+            <a:r>
+              <a:rPr/>
+              <a:t>names</a:t>
+            </a:r>
+            <a:r>
+              <a:rPr/>
+              <a:t> </a:t>
+            </a:r>
+            <a:r>
+              <a:rPr/>
+              <a:t>of</a:t>
+            </a:r>
+            <a:r>
+              <a:rPr/>
+              <a:t> </a:t>
+            </a:r>
+            <a:r>
+              <a:rPr/>
+              <a:t>the</a:t>
+            </a:r>
+            <a:r>
+              <a:rPr/>
+              <a:t> </a:t>
+            </a:r>
+            <a:r>
+              <a:rPr/>
+              <a:t>columns</a:t>
+            </a:r>
+            <a:r>
+              <a:rPr/>
+              <a:t> </a:t>
+            </a:r>
+            <a:r>
+              <a:rPr/>
+              <a:t>Week0,</a:t>
+            </a:r>
+            <a:r>
+              <a:rPr/>
+              <a:t> </a:t>
+            </a:r>
+            <a:r>
+              <a:rPr/>
+              <a:t>Week3,</a:t>
+            </a:r>
+            <a:r>
+              <a:rPr/>
+              <a:t> </a:t>
+            </a:r>
+            <a:r>
+              <a:rPr/>
+              <a:t>etc.</a:t>
+            </a:r>
+            <a:r>
+              <a:rPr/>
+              <a:t> </a:t>
+            </a:r>
+            <a:r>
+              <a:rPr/>
+              <a:t>will</a:t>
+            </a:r>
+            <a:r>
+              <a:rPr/>
+              <a:t> </a:t>
+            </a:r>
+            <a:r>
+              <a:rPr/>
+              <a:t>be</a:t>
+            </a:r>
+            <a:r>
+              <a:rPr/>
+              <a:t> </a:t>
+            </a:r>
+            <a:r>
+              <a:rPr/>
+              <a:t>stored</a:t>
+            </a:r>
+            <a:r>
+              <a:rPr/>
+              <a:t> </a:t>
+            </a:r>
+            <a:r>
+              <a:rPr/>
+              <a:t>in</a:t>
             </a:r>
             <a:r>
               <a:rPr/>
@@ -4818,55 +5726,23 @@
             </a:r>
             <a:r>
               <a:rPr/>
-              <a:t>strict</a:t>
-            </a:r>
-            <a:r>
-              <a:rPr/>
-              <a:t> </a:t>
-            </a:r>
-            <a:r>
-              <a:rPr/>
-              <a:t>alphabetical</a:t>
-            </a:r>
-            <a:r>
-              <a:rPr/>
-              <a:t> </a:t>
-            </a:r>
-            <a:r>
-              <a:rPr/>
-              <a:t>perspective,</a:t>
-            </a:r>
-            <a:r>
-              <a:rPr/>
-              <a:t> </a:t>
-            </a:r>
-            <a:r>
-              <a:rPr/>
-              <a:t>week12</a:t>
-            </a:r>
-            <a:r>
-              <a:rPr/>
-              <a:t> </a:t>
-            </a:r>
-            <a:r>
-              <a:rPr/>
-              <a:t>is</a:t>
-            </a:r>
-            <a:r>
-              <a:rPr/>
-              <a:t> </a:t>
-            </a:r>
-            <a:r>
-              <a:rPr/>
-              <a:t>between</a:t>
-            </a:r>
-            <a:r>
-              <a:rPr/>
-              <a:t> </a:t>
-            </a:r>
-            <a:r>
-              <a:rPr/>
-              <a:t>week0</a:t>
+              <a:t>new</a:t>
+            </a:r>
+            <a:r>
+              <a:rPr/>
+              <a:t> </a:t>
+            </a:r>
+            <a:r>
+              <a:rPr/>
+              <a:t>column,</a:t>
+            </a:r>
+            <a:r>
+              <a:rPr/>
+              <a:t> </a:t>
+            </a:r>
+            <a:r>
+              <a:rPr/>
+              <a:t>Week,</a:t>
             </a:r>
             <a:r>
               <a:rPr/>
@@ -4882,15 +5758,23 @@
             </a:r>
             <a:r>
               <a:rPr/>
-              <a:t>week3.</a:t>
-            </a:r>
-            <a:r>
-              <a:rPr/>
-              <a:t> </a:t>
-            </a:r>
-            <a:r>
-              <a:rPr/>
-              <a:t>Here’s</a:t>
+              <a:t>the</a:t>
+            </a:r>
+            <a:r>
+              <a:rPr/>
+              <a:t> </a:t>
+            </a:r>
+            <a:r>
+              <a:rPr/>
+              <a:t>values</a:t>
+            </a:r>
+            <a:r>
+              <a:rPr/>
+              <a:t> </a:t>
+            </a:r>
+            <a:r>
+              <a:rPr/>
+              <a:t>in</a:t>
             </a:r>
             <a:r>
               <a:rPr/>
@@ -4906,7 +5790,23 @@
             </a:r>
             <a:r>
               <a:rPr/>
-              <a:t>fix.</a:t>
+              <a:t>new</a:t>
+            </a:r>
+            <a:r>
+              <a:rPr/>
+              <a:t> </a:t>
+            </a:r>
+            <a:r>
+              <a:rPr/>
+              <a:t>column,</a:t>
+            </a:r>
+            <a:r>
+              <a:rPr/>
+              <a:t> </a:t>
+            </a:r>
+            <a:r>
+              <a:rPr/>
+              <a:t>depression.</a:t>
             </a:r>
           </a:p>
         </p:txBody>
@@ -4928,7 +5828,7 @@
           <a:p>
             <a:fld id="{18BDFEC3-8487-43E8-A154-7C12CBC1FFF2}" type="slidenum">
               <a:rPr lang="en-US"/>
-              <a:t>27</a:t>
+              <a:t>25</a:t>
             </a:fld>
             <a:endParaRPr lang="en-US"/>
           </a:p>
@@ -5012,23 +5912,7 @@
             </a:r>
             <a:r>
               <a:rPr/>
-              <a:t>plot.</a:t>
-            </a:r>
-            <a:r>
-              <a:rPr/>
-              <a:t> </a:t>
-            </a:r>
-            <a:r>
-              <a:rPr/>
-              <a:t>The</a:t>
-            </a:r>
-            <a:r>
-              <a:rPr/>
-              <a:t> </a:t>
-            </a:r>
-            <a:r>
-              <a:rPr/>
-              <a:t>order</a:t>
+              <a:t>structore</a:t>
             </a:r>
             <a:r>
               <a:rPr/>
@@ -5052,71 +5936,7 @@
             </a:r>
             <a:r>
               <a:rPr/>
-              <a:t>weeks</a:t>
-            </a:r>
-            <a:r>
-              <a:rPr/>
-              <a:t> </a:t>
-            </a:r>
-            <a:r>
-              <a:rPr/>
-              <a:t>is</a:t>
-            </a:r>
-            <a:r>
-              <a:rPr/>
-              <a:t> </a:t>
-            </a:r>
-            <a:r>
-              <a:rPr/>
-              <a:t>not</a:t>
-            </a:r>
-            <a:r>
-              <a:rPr/>
-              <a:t> </a:t>
-            </a:r>
-            <a:r>
-              <a:rPr/>
-              <a:t>correct,</a:t>
-            </a:r>
-            <a:r>
-              <a:rPr/>
-              <a:t> </a:t>
-            </a:r>
-            <a:r>
-              <a:rPr/>
-              <a:t>because</a:t>
-            </a:r>
-            <a:r>
-              <a:rPr/>
-              <a:t> </a:t>
-            </a:r>
-            <a:r>
-              <a:rPr/>
-              <a:t>week12</a:t>
-            </a:r>
-            <a:r>
-              <a:rPr/>
-              <a:t> </a:t>
-            </a:r>
-            <a:r>
-              <a:rPr/>
-              <a:t>appears</a:t>
-            </a:r>
-            <a:r>
-              <a:rPr/>
-              <a:t> </a:t>
-            </a:r>
-            <a:r>
-              <a:rPr/>
-              <a:t>between</a:t>
-            </a:r>
-            <a:r>
-              <a:rPr/>
-              <a:t> </a:t>
-            </a:r>
-            <a:r>
-              <a:rPr/>
-              <a:t>week0</a:t>
+              <a:t>tall</a:t>
             </a:r>
             <a:r>
               <a:rPr/>
@@ -5132,69 +5952,15 @@
             </a:r>
             <a:r>
               <a:rPr/>
-              <a:t>week3.</a:t>
-            </a:r>
-          </a:p>
-          <a:p>
-            <a:pPr lvl="0" marL="0" indent="0">
-              <a:buNone/>
-            </a:pPr>
-          </a:p>
-          <a:p>
-            <a:pPr lvl="0" marL="0" indent="0">
-              <a:buNone/>
-            </a:pPr>
-            <a:r>
-              <a:rPr/>
-              <a:t>There</a:t>
-            </a:r>
-            <a:r>
-              <a:rPr/>
-              <a:t> </a:t>
-            </a:r>
-            <a:r>
-              <a:rPr/>
-              <a:t>are</a:t>
-            </a:r>
-            <a:r>
-              <a:rPr/>
-              <a:t> </a:t>
-            </a:r>
-            <a:r>
-              <a:rPr/>
-              <a:t>several</a:t>
-            </a:r>
-            <a:r>
-              <a:rPr/>
-              <a:t> </a:t>
-            </a:r>
-            <a:r>
-              <a:rPr/>
-              <a:t>ways</a:t>
-            </a:r>
-            <a:r>
-              <a:rPr/>
-              <a:t> </a:t>
-            </a:r>
-            <a:r>
-              <a:rPr/>
-              <a:t>to</a:t>
-            </a:r>
-            <a:r>
-              <a:rPr/>
-              <a:t> </a:t>
-            </a:r>
-            <a:r>
-              <a:rPr/>
-              <a:t>fix</a:t>
-            </a:r>
-            <a:r>
-              <a:rPr/>
-              <a:t> </a:t>
-            </a:r>
-            <a:r>
-              <a:rPr/>
-              <a:t>this.</a:t>
+              <a:t>thin</a:t>
+            </a:r>
+            <a:r>
+              <a:rPr/>
+              <a:t> </a:t>
+            </a:r>
+            <a:r>
+              <a:rPr/>
+              <a:t>format.</a:t>
             </a:r>
           </a:p>
         </p:txBody>
@@ -5216,7 +5982,7 @@
           <a:p>
             <a:fld id="{18BDFEC3-8487-43E8-A154-7C12CBC1FFF2}" type="slidenum">
               <a:rPr lang="en-US"/>
-              <a:t>28</a:t>
+              <a:t>26</a:t>
             </a:fld>
             <a:endParaRPr lang="en-US"/>
           </a:p>
@@ -5276,47 +6042,95 @@
             </a:pPr>
             <a:r>
               <a:rPr/>
-              <a:t>An</a:t>
-            </a:r>
-            <a:r>
-              <a:rPr/>
-              <a:t> </a:t>
-            </a:r>
-            <a:r>
-              <a:rPr/>
-              <a:t>easy</a:t>
-            </a:r>
-            <a:r>
-              <a:rPr/>
-              <a:t> </a:t>
-            </a:r>
-            <a:r>
-              <a:rPr/>
-              <a:t>way</a:t>
-            </a:r>
-            <a:r>
-              <a:rPr/>
-              <a:t> </a:t>
-            </a:r>
-            <a:r>
-              <a:rPr/>
-              <a:t>to</a:t>
-            </a:r>
-            <a:r>
-              <a:rPr/>
-              <a:t> </a:t>
-            </a:r>
-            <a:r>
-              <a:rPr/>
-              <a:t>fix</a:t>
-            </a:r>
-            <a:r>
-              <a:rPr/>
-              <a:t> </a:t>
-            </a:r>
-            <a:r>
-              <a:rPr/>
-              <a:t>this</a:t>
+              <a:t>Notice</a:t>
+            </a:r>
+            <a:r>
+              <a:rPr/>
+              <a:t> </a:t>
+            </a:r>
+            <a:r>
+              <a:rPr/>
+              <a:t>how</a:t>
+            </a:r>
+            <a:r>
+              <a:rPr/>
+              <a:t> </a:t>
+            </a:r>
+            <a:r>
+              <a:rPr/>
+              <a:t>R</a:t>
+            </a:r>
+            <a:r>
+              <a:rPr/>
+              <a:t> </a:t>
+            </a:r>
+            <a:r>
+              <a:rPr/>
+              <a:t>orders</a:t>
+            </a:r>
+            <a:r>
+              <a:rPr/>
+              <a:t> </a:t>
+            </a:r>
+            <a:r>
+              <a:rPr/>
+              <a:t>the</a:t>
+            </a:r>
+            <a:r>
+              <a:rPr/>
+              <a:t> </a:t>
+            </a:r>
+            <a:r>
+              <a:rPr/>
+              <a:t>weeks.</a:t>
+            </a:r>
+            <a:r>
+              <a:rPr/>
+              <a:t> </a:t>
+            </a:r>
+            <a:r>
+              <a:rPr/>
+              <a:t>From</a:t>
+            </a:r>
+            <a:r>
+              <a:rPr/>
+              <a:t> </a:t>
+            </a:r>
+            <a:r>
+              <a:rPr/>
+              <a:t>a</a:t>
+            </a:r>
+            <a:r>
+              <a:rPr/>
+              <a:t> </a:t>
+            </a:r>
+            <a:r>
+              <a:rPr/>
+              <a:t>strict</a:t>
+            </a:r>
+            <a:r>
+              <a:rPr/>
+              <a:t> </a:t>
+            </a:r>
+            <a:r>
+              <a:rPr/>
+              <a:t>alphabetical</a:t>
+            </a:r>
+            <a:r>
+              <a:rPr/>
+              <a:t> </a:t>
+            </a:r>
+            <a:r>
+              <a:rPr/>
+              <a:t>perspective,</a:t>
+            </a:r>
+            <a:r>
+              <a:rPr/>
+              <a:t> </a:t>
+            </a:r>
+            <a:r>
+              <a:rPr/>
+              <a:t>week12</a:t>
             </a:r>
             <a:r>
               <a:rPr/>
@@ -5332,87 +6146,39 @@
             </a:r>
             <a:r>
               <a:rPr/>
-              <a:t>to</a:t>
-            </a:r>
-            <a:r>
-              <a:rPr/>
-              <a:t> </a:t>
-            </a:r>
-            <a:r>
-              <a:rPr/>
-              <a:t>use</a:t>
-            </a:r>
-            <a:r>
-              <a:rPr/>
-              <a:t> </a:t>
-            </a:r>
-            <a:r>
-              <a:rPr/>
-              <a:t>two</a:t>
-            </a:r>
-            <a:r>
-              <a:rPr/>
-              <a:t> </a:t>
-            </a:r>
-            <a:r>
-              <a:rPr/>
-              <a:t>numeric</a:t>
-            </a:r>
-            <a:r>
-              <a:rPr/>
-              <a:t> </a:t>
-            </a:r>
-            <a:r>
-              <a:rPr/>
-              <a:t>digits,</a:t>
-            </a:r>
-            <a:r>
-              <a:rPr/>
-              <a:t> </a:t>
-            </a:r>
-            <a:r>
-              <a:rPr/>
-              <a:t>even</a:t>
-            </a:r>
-            <a:r>
-              <a:rPr/>
-              <a:t> </a:t>
-            </a:r>
-            <a:r>
-              <a:rPr/>
-              <a:t>for</a:t>
-            </a:r>
-            <a:r>
-              <a:rPr/>
-              <a:t> </a:t>
-            </a:r>
-            <a:r>
-              <a:rPr/>
-              <a:t>weeks</a:t>
-            </a:r>
-            <a:r>
-              <a:rPr/>
-              <a:t> </a:t>
-            </a:r>
-            <a:r>
-              <a:rPr/>
-              <a:t>that</a:t>
-            </a:r>
-            <a:r>
-              <a:rPr/>
-              <a:t> </a:t>
-            </a:r>
-            <a:r>
-              <a:rPr/>
-              <a:t>have</a:t>
-            </a:r>
-            <a:r>
-              <a:rPr/>
-              <a:t> </a:t>
-            </a:r>
-            <a:r>
-              <a:rPr/>
-              <a:t>only</a:t>
+              <a:t>between</a:t>
+            </a:r>
+            <a:r>
+              <a:rPr/>
+              <a:t> </a:t>
+            </a:r>
+            <a:r>
+              <a:rPr/>
+              <a:t>week0</a:t>
+            </a:r>
+            <a:r>
+              <a:rPr/>
+              <a:t> </a:t>
+            </a:r>
+            <a:r>
+              <a:rPr/>
+              <a:t>and</a:t>
+            </a:r>
+            <a:r>
+              <a:rPr/>
+              <a:t> </a:t>
+            </a:r>
+            <a:r>
+              <a:rPr/>
+              <a:t>week3.</a:t>
+            </a:r>
+            <a:r>
+              <a:rPr/>
+              <a:t> </a:t>
+            </a:r>
+            <a:r>
+              <a:rPr/>
+              <a:t>Here’s</a:t>
             </a:r>
             <a:r>
               <a:rPr/>
@@ -5428,15 +6194,7 @@
             </a:r>
             <a:r>
               <a:rPr/>
-              <a:t>single</a:t>
-            </a:r>
-            <a:r>
-              <a:rPr/>
-              <a:t> </a:t>
-            </a:r>
-            <a:r>
-              <a:rPr/>
-              <a:t>digit.</a:t>
+              <a:t>fix.</a:t>
             </a:r>
           </a:p>
         </p:txBody>
@@ -5458,7 +6216,7 @@
           <a:p>
             <a:fld id="{18BDFEC3-8487-43E8-A154-7C12CBC1FFF2}" type="slidenum">
               <a:rPr lang="en-US"/>
-              <a:t>30</a:t>
+              <a:t>27</a:t>
             </a:fld>
             <a:endParaRPr lang="en-US"/>
           </a:p>
@@ -5526,6 +6284,164 @@
             </a:r>
             <a:r>
               <a:rPr/>
+              <a:t>is</a:t>
+            </a:r>
+            <a:r>
+              <a:rPr/>
+              <a:t> </a:t>
+            </a:r>
+            <a:r>
+              <a:rPr/>
+              <a:t>the</a:t>
+            </a:r>
+            <a:r>
+              <a:rPr/>
+              <a:t> </a:t>
+            </a:r>
+            <a:r>
+              <a:rPr/>
+              <a:t>plot.</a:t>
+            </a:r>
+            <a:r>
+              <a:rPr/>
+              <a:t> </a:t>
+            </a:r>
+            <a:r>
+              <a:rPr/>
+              <a:t>The</a:t>
+            </a:r>
+            <a:r>
+              <a:rPr/>
+              <a:t> </a:t>
+            </a:r>
+            <a:r>
+              <a:rPr/>
+              <a:t>order</a:t>
+            </a:r>
+            <a:r>
+              <a:rPr/>
+              <a:t> </a:t>
+            </a:r>
+            <a:r>
+              <a:rPr/>
+              <a:t>of</a:t>
+            </a:r>
+            <a:r>
+              <a:rPr/>
+              <a:t> </a:t>
+            </a:r>
+            <a:r>
+              <a:rPr/>
+              <a:t>the</a:t>
+            </a:r>
+            <a:r>
+              <a:rPr/>
+              <a:t> </a:t>
+            </a:r>
+            <a:r>
+              <a:rPr/>
+              <a:t>weeks</a:t>
+            </a:r>
+            <a:r>
+              <a:rPr/>
+              <a:t> </a:t>
+            </a:r>
+            <a:r>
+              <a:rPr/>
+              <a:t>is</a:t>
+            </a:r>
+            <a:r>
+              <a:rPr/>
+              <a:t> </a:t>
+            </a:r>
+            <a:r>
+              <a:rPr/>
+              <a:t>not</a:t>
+            </a:r>
+            <a:r>
+              <a:rPr/>
+              <a:t> </a:t>
+            </a:r>
+            <a:r>
+              <a:rPr/>
+              <a:t>correct,</a:t>
+            </a:r>
+            <a:r>
+              <a:rPr/>
+              <a:t> </a:t>
+            </a:r>
+            <a:r>
+              <a:rPr/>
+              <a:t>because</a:t>
+            </a:r>
+            <a:r>
+              <a:rPr/>
+              <a:t> </a:t>
+            </a:r>
+            <a:r>
+              <a:rPr/>
+              <a:t>week12</a:t>
+            </a:r>
+            <a:r>
+              <a:rPr/>
+              <a:t> </a:t>
+            </a:r>
+            <a:r>
+              <a:rPr/>
+              <a:t>appears</a:t>
+            </a:r>
+            <a:r>
+              <a:rPr/>
+              <a:t> </a:t>
+            </a:r>
+            <a:r>
+              <a:rPr/>
+              <a:t>between</a:t>
+            </a:r>
+            <a:r>
+              <a:rPr/>
+              <a:t> </a:t>
+            </a:r>
+            <a:r>
+              <a:rPr/>
+              <a:t>week0</a:t>
+            </a:r>
+            <a:r>
+              <a:rPr/>
+              <a:t> </a:t>
+            </a:r>
+            <a:r>
+              <a:rPr/>
+              <a:t>and</a:t>
+            </a:r>
+            <a:r>
+              <a:rPr/>
+              <a:t> </a:t>
+            </a:r>
+            <a:r>
+              <a:rPr/>
+              <a:t>week3.</a:t>
+            </a:r>
+          </a:p>
+          <a:p>
+            <a:pPr lvl="0" marL="0" indent="0">
+              <a:buNone/>
+            </a:pPr>
+          </a:p>
+          <a:p>
+            <a:pPr lvl="0" marL="0" indent="0">
+              <a:buNone/>
+            </a:pPr>
+            <a:r>
+              <a:rPr/>
+              <a:t>There</a:t>
+            </a:r>
+            <a:r>
+              <a:rPr/>
+              <a:t> </a:t>
+            </a:r>
+            <a:r>
+              <a:rPr/>
               <a:t>are</a:t>
             </a:r>
             <a:r>
@@ -5534,151 +6450,39 @@
             </a:r>
             <a:r>
               <a:rPr/>
-              <a:t>the</a:t>
-            </a:r>
-            <a:r>
-              <a:rPr/>
-              <a:t> </a:t>
-            </a:r>
-            <a:r>
-              <a:rPr/>
-              <a:t>boxplots</a:t>
-            </a:r>
-            <a:r>
-              <a:rPr/>
-              <a:t> </a:t>
-            </a:r>
-            <a:r>
-              <a:rPr/>
-              <a:t>in</a:t>
-            </a:r>
-            <a:r>
-              <a:rPr/>
-              <a:t> </a:t>
-            </a:r>
-            <a:r>
-              <a:rPr/>
-              <a:t>the</a:t>
-            </a:r>
-            <a:r>
-              <a:rPr/>
-              <a:t> </a:t>
-            </a:r>
-            <a:r>
-              <a:rPr/>
-              <a:t>proper</a:t>
-            </a:r>
-            <a:r>
-              <a:rPr/>
-              <a:t> </a:t>
-            </a:r>
-            <a:r>
-              <a:rPr/>
-              <a:t>order.</a:t>
-            </a:r>
-            <a:r>
-              <a:rPr/>
-              <a:t> </a:t>
-            </a:r>
-            <a:r>
-              <a:rPr/>
-              <a:t>There</a:t>
-            </a:r>
-            <a:r>
-              <a:rPr/>
-              <a:t> </a:t>
-            </a:r>
-            <a:r>
-              <a:rPr/>
-              <a:t>are</a:t>
-            </a:r>
-            <a:r>
-              <a:rPr/>
-              <a:t> </a:t>
-            </a:r>
-            <a:r>
-              <a:rPr/>
-              <a:t>changes</a:t>
-            </a:r>
-            <a:r>
-              <a:rPr/>
-              <a:t> </a:t>
-            </a:r>
-            <a:r>
-              <a:rPr/>
-              <a:t>in</a:t>
-            </a:r>
-            <a:r>
-              <a:rPr/>
-              <a:t> </a:t>
-            </a:r>
-            <a:r>
-              <a:rPr/>
-              <a:t>depression</a:t>
-            </a:r>
-            <a:r>
-              <a:rPr/>
-              <a:t> </a:t>
-            </a:r>
-            <a:r>
-              <a:rPr/>
-              <a:t>levels</a:t>
-            </a:r>
-            <a:r>
-              <a:rPr/>
-              <a:t> </a:t>
-            </a:r>
-            <a:r>
-              <a:rPr/>
-              <a:t>across</a:t>
-            </a:r>
-            <a:r>
-              <a:rPr/>
-              <a:t> </a:t>
-            </a:r>
-            <a:r>
-              <a:rPr/>
-              <a:t>time,</a:t>
-            </a:r>
-            <a:r>
-              <a:rPr/>
-              <a:t> </a:t>
-            </a:r>
-            <a:r>
-              <a:rPr/>
-              <a:t>but</a:t>
-            </a:r>
-            <a:r>
-              <a:rPr/>
-              <a:t> </a:t>
-            </a:r>
-            <a:r>
-              <a:rPr/>
-              <a:t>these</a:t>
-            </a:r>
-            <a:r>
-              <a:rPr/>
-              <a:t> </a:t>
-            </a:r>
-            <a:r>
-              <a:rPr/>
-              <a:t>changes</a:t>
-            </a:r>
-            <a:r>
-              <a:rPr/>
-              <a:t> </a:t>
-            </a:r>
-            <a:r>
-              <a:rPr/>
-              <a:t>are</a:t>
-            </a:r>
-            <a:r>
-              <a:rPr/>
-              <a:t> </a:t>
-            </a:r>
-            <a:r>
-              <a:rPr/>
-              <a:t>small.</a:t>
+              <a:t>several</a:t>
+            </a:r>
+            <a:r>
+              <a:rPr/>
+              <a:t> </a:t>
+            </a:r>
+            <a:r>
+              <a:rPr/>
+              <a:t>ways</a:t>
+            </a:r>
+            <a:r>
+              <a:rPr/>
+              <a:t> </a:t>
+            </a:r>
+            <a:r>
+              <a:rPr/>
+              <a:t>to</a:t>
+            </a:r>
+            <a:r>
+              <a:rPr/>
+              <a:t> </a:t>
+            </a:r>
+            <a:r>
+              <a:rPr/>
+              <a:t>fix</a:t>
+            </a:r>
+            <a:r>
+              <a:rPr/>
+              <a:t> </a:t>
+            </a:r>
+            <a:r>
+              <a:rPr/>
+              <a:t>this.</a:t>
             </a:r>
           </a:p>
         </p:txBody>
@@ -5700,7 +6504,7 @@
           <a:p>
             <a:fld id="{18BDFEC3-8487-43E8-A154-7C12CBC1FFF2}" type="slidenum">
               <a:rPr lang="en-US"/>
-              <a:t>31</a:t>
+              <a:t>28</a:t>
             </a:fld>
             <a:endParaRPr lang="en-US"/>
           </a:p>
@@ -5760,15 +6564,23 @@
             </a:pPr>
             <a:r>
               <a:rPr/>
-              <a:t>I</a:t>
-            </a:r>
-            <a:r>
-              <a:rPr/>
-              <a:t> </a:t>
-            </a:r>
-            <a:r>
-              <a:rPr/>
-              <a:t>want</a:t>
+              <a:t>An</a:t>
+            </a:r>
+            <a:r>
+              <a:rPr/>
+              <a:t> </a:t>
+            </a:r>
+            <a:r>
+              <a:rPr/>
+              <a:t>easy</a:t>
+            </a:r>
+            <a:r>
+              <a:rPr/>
+              <a:t> </a:t>
+            </a:r>
+            <a:r>
+              <a:rPr/>
+              <a:t>way</a:t>
             </a:r>
             <a:r>
               <a:rPr/>
@@ -5784,63 +6596,135 @@
             </a:r>
             <a:r>
               <a:rPr/>
-              <a:t>keep</a:t>
-            </a:r>
-            <a:r>
-              <a:rPr/>
-              <a:t> </a:t>
-            </a:r>
-            <a:r>
-              <a:rPr/>
-              <a:t>these</a:t>
-            </a:r>
-            <a:r>
-              <a:rPr/>
-              <a:t> </a:t>
-            </a:r>
-            <a:r>
-              <a:rPr/>
-              <a:t>videos</a:t>
-            </a:r>
-            <a:r>
-              <a:rPr/>
-              <a:t> </a:t>
-            </a:r>
-            <a:r>
-              <a:rPr/>
-              <a:t>short,</a:t>
-            </a:r>
-            <a:r>
-              <a:rPr/>
-              <a:t> </a:t>
-            </a:r>
-            <a:r>
-              <a:rPr/>
-              <a:t>so</a:t>
-            </a:r>
-            <a:r>
-              <a:rPr/>
-              <a:t> </a:t>
-            </a:r>
-            <a:r>
-              <a:rPr/>
-              <a:t>let’s</a:t>
-            </a:r>
-            <a:r>
-              <a:rPr/>
-              <a:t> </a:t>
-            </a:r>
-            <a:r>
-              <a:rPr/>
-              <a:t>stop</a:t>
-            </a:r>
-            <a:r>
-              <a:rPr/>
-              <a:t> </a:t>
-            </a:r>
-            <a:r>
-              <a:rPr/>
-              <a:t>here.</a:t>
+              <a:t>fix</a:t>
+            </a:r>
+            <a:r>
+              <a:rPr/>
+              <a:t> </a:t>
+            </a:r>
+            <a:r>
+              <a:rPr/>
+              <a:t>this</a:t>
+            </a:r>
+            <a:r>
+              <a:rPr/>
+              <a:t> </a:t>
+            </a:r>
+            <a:r>
+              <a:rPr/>
+              <a:t>is</a:t>
+            </a:r>
+            <a:r>
+              <a:rPr/>
+              <a:t> </a:t>
+            </a:r>
+            <a:r>
+              <a:rPr/>
+              <a:t>to</a:t>
+            </a:r>
+            <a:r>
+              <a:rPr/>
+              <a:t> </a:t>
+            </a:r>
+            <a:r>
+              <a:rPr/>
+              <a:t>use</a:t>
+            </a:r>
+            <a:r>
+              <a:rPr/>
+              <a:t> </a:t>
+            </a:r>
+            <a:r>
+              <a:rPr/>
+              <a:t>two</a:t>
+            </a:r>
+            <a:r>
+              <a:rPr/>
+              <a:t> </a:t>
+            </a:r>
+            <a:r>
+              <a:rPr/>
+              <a:t>numeric</a:t>
+            </a:r>
+            <a:r>
+              <a:rPr/>
+              <a:t> </a:t>
+            </a:r>
+            <a:r>
+              <a:rPr/>
+              <a:t>digits,</a:t>
+            </a:r>
+            <a:r>
+              <a:rPr/>
+              <a:t> </a:t>
+            </a:r>
+            <a:r>
+              <a:rPr/>
+              <a:t>even</a:t>
+            </a:r>
+            <a:r>
+              <a:rPr/>
+              <a:t> </a:t>
+            </a:r>
+            <a:r>
+              <a:rPr/>
+              <a:t>for</a:t>
+            </a:r>
+            <a:r>
+              <a:rPr/>
+              <a:t> </a:t>
+            </a:r>
+            <a:r>
+              <a:rPr/>
+              <a:t>weeks</a:t>
+            </a:r>
+            <a:r>
+              <a:rPr/>
+              <a:t> </a:t>
+            </a:r>
+            <a:r>
+              <a:rPr/>
+              <a:t>that</a:t>
+            </a:r>
+            <a:r>
+              <a:rPr/>
+              <a:t> </a:t>
+            </a:r>
+            <a:r>
+              <a:rPr/>
+              <a:t>have</a:t>
+            </a:r>
+            <a:r>
+              <a:rPr/>
+              <a:t> </a:t>
+            </a:r>
+            <a:r>
+              <a:rPr/>
+              <a:t>only</a:t>
+            </a:r>
+            <a:r>
+              <a:rPr/>
+              <a:t> </a:t>
+            </a:r>
+            <a:r>
+              <a:rPr/>
+              <a:t>a</a:t>
+            </a:r>
+            <a:r>
+              <a:rPr/>
+              <a:t> </a:t>
+            </a:r>
+            <a:r>
+              <a:rPr/>
+              <a:t>single</a:t>
+            </a:r>
+            <a:r>
+              <a:rPr/>
+              <a:t> </a:t>
+            </a:r>
+            <a:r>
+              <a:rPr/>
+              <a:t>digit.</a:t>
             </a:r>
           </a:p>
         </p:txBody>
@@ -5862,7 +6746,7 @@
           <a:p>
             <a:fld id="{18BDFEC3-8487-43E8-A154-7C12CBC1FFF2}" type="slidenum">
               <a:rPr lang="en-US"/>
-              <a:t>32</a:t>
+              <a:t>30</a:t>
             </a:fld>
             <a:endParaRPr lang="en-US"/>
           </a:p>
@@ -5922,23 +6806,31 @@
             </a:pPr>
             <a:r>
               <a:rPr/>
-              <a:t>Now</a:t>
-            </a:r>
-            <a:r>
-              <a:rPr/>
-              <a:t> </a:t>
-            </a:r>
-            <a:r>
-              <a:rPr/>
-              <a:t>let’s</a:t>
-            </a:r>
-            <a:r>
-              <a:rPr/>
-              <a:t> </a:t>
-            </a:r>
-            <a:r>
-              <a:rPr/>
-              <a:t>read</a:t>
+              <a:t>Here</a:t>
+            </a:r>
+            <a:r>
+              <a:rPr/>
+              <a:t> </a:t>
+            </a:r>
+            <a:r>
+              <a:rPr/>
+              <a:t>are</a:t>
+            </a:r>
+            <a:r>
+              <a:rPr/>
+              <a:t> </a:t>
+            </a:r>
+            <a:r>
+              <a:rPr/>
+              <a:t>the</a:t>
+            </a:r>
+            <a:r>
+              <a:rPr/>
+              <a:t> </a:t>
+            </a:r>
+            <a:r>
+              <a:rPr/>
+              <a:t>boxplots</a:t>
             </a:r>
             <a:r>
               <a:rPr/>
@@ -5954,111 +6846,127 @@
             </a:r>
             <a:r>
               <a:rPr/>
-              <a:t>a</a:t>
-            </a:r>
-            <a:r>
-              <a:rPr/>
-              <a:t> </a:t>
-            </a:r>
-            <a:r>
-              <a:rPr/>
-              <a:t>tall</a:t>
-            </a:r>
-            <a:r>
-              <a:rPr/>
-              <a:t> </a:t>
-            </a:r>
-            <a:r>
-              <a:rPr/>
-              <a:t>and</a:t>
-            </a:r>
-            <a:r>
-              <a:rPr/>
-              <a:t> </a:t>
-            </a:r>
-            <a:r>
-              <a:rPr/>
-              <a:t>thin</a:t>
-            </a:r>
-            <a:r>
-              <a:rPr/>
-              <a:t> </a:t>
-            </a:r>
-            <a:r>
-              <a:rPr/>
-              <a:t>format</a:t>
-            </a:r>
-            <a:r>
-              <a:rPr/>
-              <a:t> </a:t>
-            </a:r>
-            <a:r>
-              <a:rPr/>
-              <a:t>and</a:t>
-            </a:r>
-            <a:r>
-              <a:rPr/>
-              <a:t> </a:t>
-            </a:r>
-            <a:r>
-              <a:rPr/>
-              <a:t>convert</a:t>
-            </a:r>
-            <a:r>
-              <a:rPr/>
-              <a:t> </a:t>
-            </a:r>
-            <a:r>
-              <a:rPr/>
-              <a:t>it</a:t>
-            </a:r>
-            <a:r>
-              <a:rPr/>
-              <a:t> </a:t>
-            </a:r>
-            <a:r>
-              <a:rPr/>
-              <a:t>to</a:t>
-            </a:r>
-            <a:r>
-              <a:rPr/>
-              <a:t> </a:t>
-            </a:r>
-            <a:r>
-              <a:rPr/>
-              <a:t>a</a:t>
-            </a:r>
-            <a:r>
-              <a:rPr/>
-              <a:t> </a:t>
-            </a:r>
-            <a:r>
-              <a:rPr/>
-              <a:t>short</a:t>
-            </a:r>
-            <a:r>
-              <a:rPr/>
-              <a:t> </a:t>
-            </a:r>
-            <a:r>
-              <a:rPr/>
-              <a:t>and</a:t>
-            </a:r>
-            <a:r>
-              <a:rPr/>
-              <a:t> </a:t>
-            </a:r>
-            <a:r>
-              <a:rPr/>
-              <a:t>wide</a:t>
-            </a:r>
-            <a:r>
-              <a:rPr/>
-              <a:t> </a:t>
-            </a:r>
-            <a:r>
-              <a:rPr/>
-              <a:t>format.</a:t>
+              <a:t>the</a:t>
+            </a:r>
+            <a:r>
+              <a:rPr/>
+              <a:t> </a:t>
+            </a:r>
+            <a:r>
+              <a:rPr/>
+              <a:t>proper</a:t>
+            </a:r>
+            <a:r>
+              <a:rPr/>
+              <a:t> </a:t>
+            </a:r>
+            <a:r>
+              <a:rPr/>
+              <a:t>order.</a:t>
+            </a:r>
+            <a:r>
+              <a:rPr/>
+              <a:t> </a:t>
+            </a:r>
+            <a:r>
+              <a:rPr/>
+              <a:t>There</a:t>
+            </a:r>
+            <a:r>
+              <a:rPr/>
+              <a:t> </a:t>
+            </a:r>
+            <a:r>
+              <a:rPr/>
+              <a:t>are</a:t>
+            </a:r>
+            <a:r>
+              <a:rPr/>
+              <a:t> </a:t>
+            </a:r>
+            <a:r>
+              <a:rPr/>
+              <a:t>changes</a:t>
+            </a:r>
+            <a:r>
+              <a:rPr/>
+              <a:t> </a:t>
+            </a:r>
+            <a:r>
+              <a:rPr/>
+              <a:t>in</a:t>
+            </a:r>
+            <a:r>
+              <a:rPr/>
+              <a:t> </a:t>
+            </a:r>
+            <a:r>
+              <a:rPr/>
+              <a:t>depression</a:t>
+            </a:r>
+            <a:r>
+              <a:rPr/>
+              <a:t> </a:t>
+            </a:r>
+            <a:r>
+              <a:rPr/>
+              <a:t>levels</a:t>
+            </a:r>
+            <a:r>
+              <a:rPr/>
+              <a:t> </a:t>
+            </a:r>
+            <a:r>
+              <a:rPr/>
+              <a:t>across</a:t>
+            </a:r>
+            <a:r>
+              <a:rPr/>
+              <a:t> </a:t>
+            </a:r>
+            <a:r>
+              <a:rPr/>
+              <a:t>time,</a:t>
+            </a:r>
+            <a:r>
+              <a:rPr/>
+              <a:t> </a:t>
+            </a:r>
+            <a:r>
+              <a:rPr/>
+              <a:t>but</a:t>
+            </a:r>
+            <a:r>
+              <a:rPr/>
+              <a:t> </a:t>
+            </a:r>
+            <a:r>
+              <a:rPr/>
+              <a:t>these</a:t>
+            </a:r>
+            <a:r>
+              <a:rPr/>
+              <a:t> </a:t>
+            </a:r>
+            <a:r>
+              <a:rPr/>
+              <a:t>changes</a:t>
+            </a:r>
+            <a:r>
+              <a:rPr/>
+              <a:t> </a:t>
+            </a:r>
+            <a:r>
+              <a:rPr/>
+              <a:t>are</a:t>
+            </a:r>
+            <a:r>
+              <a:rPr/>
+              <a:t> </a:t>
+            </a:r>
+            <a:r>
+              <a:rPr/>
+              <a:t>small.</a:t>
             </a:r>
           </a:p>
         </p:txBody>
@@ -6080,7 +6988,7 @@
           <a:p>
             <a:fld id="{18BDFEC3-8487-43E8-A154-7C12CBC1FFF2}" type="slidenum">
               <a:rPr lang="en-US"/>
-              <a:t>33</a:t>
+              <a:t>31</a:t>
             </a:fld>
             <a:endParaRPr lang="en-US"/>
           </a:p>
@@ -6140,71 +7048,87 @@
             </a:pPr>
             <a:r>
               <a:rPr/>
-              <a:t>Here</a:t>
-            </a:r>
-            <a:r>
-              <a:rPr/>
-              <a:t> </a:t>
-            </a:r>
-            <a:r>
-              <a:rPr/>
-              <a:t>is</a:t>
-            </a:r>
-            <a:r>
-              <a:rPr/>
-              <a:t> </a:t>
-            </a:r>
-            <a:r>
-              <a:rPr/>
-              <a:t>the</a:t>
-            </a:r>
-            <a:r>
-              <a:rPr/>
-              <a:t> </a:t>
-            </a:r>
-            <a:r>
-              <a:rPr/>
-              <a:t>data</a:t>
-            </a:r>
-            <a:r>
-              <a:rPr/>
-              <a:t> </a:t>
-            </a:r>
-            <a:r>
-              <a:rPr/>
-              <a:t>dictionary</a:t>
-            </a:r>
-            <a:r>
-              <a:rPr/>
-              <a:t> </a:t>
-            </a:r>
-            <a:r>
-              <a:rPr/>
-              <a:t>for</a:t>
-            </a:r>
-            <a:r>
-              <a:rPr/>
-              <a:t> </a:t>
-            </a:r>
-            <a:r>
-              <a:rPr/>
-              <a:t>the</a:t>
-            </a:r>
-            <a:r>
-              <a:rPr/>
-              <a:t> </a:t>
-            </a:r>
-            <a:r>
-              <a:rPr/>
-              <a:t>backpain</a:t>
-            </a:r>
-            <a:r>
-              <a:rPr/>
-              <a:t> </a:t>
-            </a:r>
-            <a:r>
-              <a:rPr/>
-              <a:t>dataset.</a:t>
+              <a:t>I</a:t>
+            </a:r>
+            <a:r>
+              <a:rPr/>
+              <a:t> </a:t>
+            </a:r>
+            <a:r>
+              <a:rPr/>
+              <a:t>want</a:t>
+            </a:r>
+            <a:r>
+              <a:rPr/>
+              <a:t> </a:t>
+            </a:r>
+            <a:r>
+              <a:rPr/>
+              <a:t>to</a:t>
+            </a:r>
+            <a:r>
+              <a:rPr/>
+              <a:t> </a:t>
+            </a:r>
+            <a:r>
+              <a:rPr/>
+              <a:t>keep</a:t>
+            </a:r>
+            <a:r>
+              <a:rPr/>
+              <a:t> </a:t>
+            </a:r>
+            <a:r>
+              <a:rPr/>
+              <a:t>these</a:t>
+            </a:r>
+            <a:r>
+              <a:rPr/>
+              <a:t> </a:t>
+            </a:r>
+            <a:r>
+              <a:rPr/>
+              <a:t>videos</a:t>
+            </a:r>
+            <a:r>
+              <a:rPr/>
+              <a:t> </a:t>
+            </a:r>
+            <a:r>
+              <a:rPr/>
+              <a:t>short,</a:t>
+            </a:r>
+            <a:r>
+              <a:rPr/>
+              <a:t> </a:t>
+            </a:r>
+            <a:r>
+              <a:rPr/>
+              <a:t>so</a:t>
+            </a:r>
+            <a:r>
+              <a:rPr/>
+              <a:t> </a:t>
+            </a:r>
+            <a:r>
+              <a:rPr/>
+              <a:t>let’s</a:t>
+            </a:r>
+            <a:r>
+              <a:rPr/>
+              <a:t> </a:t>
+            </a:r>
+            <a:r>
+              <a:rPr/>
+              <a:t>stop</a:t>
+            </a:r>
+            <a:r>
+              <a:rPr/>
+              <a:t> </a:t>
+            </a:r>
+            <a:r>
+              <a:rPr/>
+              <a:t>here.</a:t>
             </a:r>
           </a:p>
         </p:txBody>
@@ -6226,7 +7150,7 @@
           <a:p>
             <a:fld id="{18BDFEC3-8487-43E8-A154-7C12CBC1FFF2}" type="slidenum">
               <a:rPr lang="en-US"/>
-              <a:t>34</a:t>
+              <a:t>32</a:t>
             </a:fld>
             <a:endParaRPr lang="en-US"/>
           </a:p>
@@ -6286,39 +7210,31 @@
             </a:pPr>
             <a:r>
               <a:rPr/>
-              <a:t>No</a:t>
-            </a:r>
-            <a:r>
-              <a:rPr/>
-              <a:t> </a:t>
-            </a:r>
-            <a:r>
-              <a:rPr/>
-              <a:t>question</a:t>
-            </a:r>
-            <a:r>
-              <a:rPr/>
-              <a:t> </a:t>
-            </a:r>
-            <a:r>
-              <a:rPr/>
-              <a:t>here.</a:t>
-            </a:r>
-            <a:r>
-              <a:rPr/>
-              <a:t> </a:t>
-            </a:r>
-            <a:r>
-              <a:rPr/>
-              <a:t>This</a:t>
-            </a:r>
-            <a:r>
-              <a:rPr/>
-              <a:t> </a:t>
-            </a:r>
-            <a:r>
-              <a:rPr/>
-              <a:t>is</a:t>
+              <a:t>Now</a:t>
+            </a:r>
+            <a:r>
+              <a:rPr/>
+              <a:t> </a:t>
+            </a:r>
+            <a:r>
+              <a:rPr/>
+              <a:t>let’s</a:t>
+            </a:r>
+            <a:r>
+              <a:rPr/>
+              <a:t> </a:t>
+            </a:r>
+            <a:r>
+              <a:rPr/>
+              <a:t>read</a:t>
+            </a:r>
+            <a:r>
+              <a:rPr/>
+              <a:t> </a:t>
+            </a:r>
+            <a:r>
+              <a:rPr/>
+              <a:t>in</a:t>
             </a:r>
             <a:r>
               <a:rPr/>
@@ -6334,31 +7250,103 @@
             </a:r>
             <a:r>
               <a:rPr/>
-              <a:t>comma</a:t>
-            </a:r>
-            <a:r>
-              <a:rPr/>
-              <a:t> </a:t>
-            </a:r>
-            <a:r>
-              <a:rPr/>
-              <a:t>separated</a:t>
-            </a:r>
-            <a:r>
-              <a:rPr/>
-              <a:t> </a:t>
-            </a:r>
-            <a:r>
-              <a:rPr/>
-              <a:t>value</a:t>
-            </a:r>
-            <a:r>
-              <a:rPr/>
-              <a:t> </a:t>
-            </a:r>
-            <a:r>
-              <a:rPr/>
-              <a:t>dataset.</a:t>
+              <a:t>tall</a:t>
+            </a:r>
+            <a:r>
+              <a:rPr/>
+              <a:t> </a:t>
+            </a:r>
+            <a:r>
+              <a:rPr/>
+              <a:t>and</a:t>
+            </a:r>
+            <a:r>
+              <a:rPr/>
+              <a:t> </a:t>
+            </a:r>
+            <a:r>
+              <a:rPr/>
+              <a:t>thin</a:t>
+            </a:r>
+            <a:r>
+              <a:rPr/>
+              <a:t> </a:t>
+            </a:r>
+            <a:r>
+              <a:rPr/>
+              <a:t>format</a:t>
+            </a:r>
+            <a:r>
+              <a:rPr/>
+              <a:t> </a:t>
+            </a:r>
+            <a:r>
+              <a:rPr/>
+              <a:t>and</a:t>
+            </a:r>
+            <a:r>
+              <a:rPr/>
+              <a:t> </a:t>
+            </a:r>
+            <a:r>
+              <a:rPr/>
+              <a:t>convert</a:t>
+            </a:r>
+            <a:r>
+              <a:rPr/>
+              <a:t> </a:t>
+            </a:r>
+            <a:r>
+              <a:rPr/>
+              <a:t>it</a:t>
+            </a:r>
+            <a:r>
+              <a:rPr/>
+              <a:t> </a:t>
+            </a:r>
+            <a:r>
+              <a:rPr/>
+              <a:t>to</a:t>
+            </a:r>
+            <a:r>
+              <a:rPr/>
+              <a:t> </a:t>
+            </a:r>
+            <a:r>
+              <a:rPr/>
+              <a:t>a</a:t>
+            </a:r>
+            <a:r>
+              <a:rPr/>
+              <a:t> </a:t>
+            </a:r>
+            <a:r>
+              <a:rPr/>
+              <a:t>short</a:t>
+            </a:r>
+            <a:r>
+              <a:rPr/>
+              <a:t> </a:t>
+            </a:r>
+            <a:r>
+              <a:rPr/>
+              <a:t>and</a:t>
+            </a:r>
+            <a:r>
+              <a:rPr/>
+              <a:t> </a:t>
+            </a:r>
+            <a:r>
+              <a:rPr/>
+              <a:t>wide</a:t>
+            </a:r>
+            <a:r>
+              <a:rPr/>
+              <a:t> </a:t>
+            </a:r>
+            <a:r>
+              <a:rPr/>
+              <a:t>format.</a:t>
             </a:r>
           </a:p>
         </p:txBody>
@@ -6380,7 +7368,7 @@
           <a:p>
             <a:fld id="{18BDFEC3-8487-43E8-A154-7C12CBC1FFF2}" type="slidenum">
               <a:rPr lang="en-US"/>
-              <a:t>35</a:t>
+              <a:t>33</a:t>
             </a:fld>
             <a:endParaRPr lang="en-US"/>
           </a:p>
@@ -6440,63 +7428,23 @@
             </a:pPr>
             <a:r>
               <a:rPr/>
-              <a:t>The</a:t>
-            </a:r>
-            <a:r>
-              <a:rPr/>
-              <a:t> </a:t>
-            </a:r>
-            <a:r>
-              <a:rPr/>
-              <a:t>spread</a:t>
-            </a:r>
-            <a:r>
-              <a:rPr/>
-              <a:t> </a:t>
-            </a:r>
-            <a:r>
-              <a:rPr/>
-              <a:t>function</a:t>
-            </a:r>
-            <a:r>
-              <a:rPr/>
-              <a:t> </a:t>
-            </a:r>
-            <a:r>
-              <a:rPr/>
-              <a:t>takes</a:t>
-            </a:r>
-            <a:r>
-              <a:rPr/>
-              <a:t> </a:t>
-            </a:r>
-            <a:r>
-              <a:rPr/>
-              <a:t>a</a:t>
-            </a:r>
-            <a:r>
-              <a:rPr/>
-              <a:t> </a:t>
-            </a:r>
-            <a:r>
-              <a:rPr/>
-              <a:t>single</a:t>
-            </a:r>
-            <a:r>
-              <a:rPr/>
-              <a:t> </a:t>
-            </a:r>
-            <a:r>
-              <a:rPr/>
-              <a:t>column</a:t>
-            </a:r>
-            <a:r>
-              <a:rPr/>
-              <a:t> </a:t>
-            </a:r>
-            <a:r>
-              <a:rPr/>
-              <a:t>of</a:t>
+              <a:t>Here</a:t>
+            </a:r>
+            <a:r>
+              <a:rPr/>
+              <a:t> </a:t>
+            </a:r>
+            <a:r>
+              <a:rPr/>
+              <a:t>is</a:t>
+            </a:r>
+            <a:r>
+              <a:rPr/>
+              <a:t> </a:t>
+            </a:r>
+            <a:r>
+              <a:rPr/>
+              <a:t>the</a:t>
             </a:r>
             <a:r>
               <a:rPr/>
@@ -6512,79 +7460,15 @@
             </a:r>
             <a:r>
               <a:rPr/>
-              <a:t>and</a:t>
-            </a:r>
-            <a:r>
-              <a:rPr/>
-              <a:t> </a:t>
-            </a:r>
-            <a:r>
-              <a:rPr/>
-              <a:t>spreads</a:t>
-            </a:r>
-            <a:r>
-              <a:rPr/>
-              <a:t> </a:t>
-            </a:r>
-            <a:r>
-              <a:rPr/>
-              <a:t>it</a:t>
-            </a:r>
-            <a:r>
-              <a:rPr/>
-              <a:t> </a:t>
-            </a:r>
-            <a:r>
-              <a:rPr/>
-              <a:t>across</a:t>
-            </a:r>
-            <a:r>
-              <a:rPr/>
-              <a:t> </a:t>
-            </a:r>
-            <a:r>
-              <a:rPr/>
-              <a:t>multiple</a:t>
-            </a:r>
-            <a:r>
-              <a:rPr/>
-              <a:t> </a:t>
-            </a:r>
-            <a:r>
-              <a:rPr/>
-              <a:t>columns.</a:t>
-            </a:r>
-            <a:r>
-              <a:rPr/>
-              <a:t> </a:t>
-            </a:r>
-            <a:r>
-              <a:rPr/>
-              <a:t>The</a:t>
-            </a:r>
-            <a:r>
-              <a:rPr/>
-              <a:t> </a:t>
-            </a:r>
-            <a:r>
-              <a:rPr/>
-              <a:t>first</a:t>
-            </a:r>
-            <a:r>
-              <a:rPr/>
-              <a:t> </a:t>
-            </a:r>
-            <a:r>
-              <a:rPr/>
-              <a:t>argument</a:t>
-            </a:r>
-            <a:r>
-              <a:rPr/>
-              <a:t> </a:t>
-            </a:r>
-            <a:r>
-              <a:rPr/>
-              <a:t>is</a:t>
+              <a:t>dictionary</a:t>
+            </a:r>
+            <a:r>
+              <a:rPr/>
+              <a:t> </a:t>
+            </a:r>
+            <a:r>
+              <a:rPr/>
+              <a:t>for</a:t>
             </a:r>
             <a:r>
               <a:rPr/>
@@ -6600,399 +7484,15 @@
             </a:r>
             <a:r>
               <a:rPr/>
-              <a:t>dataframe</a:t>
-            </a:r>
-            <a:r>
-              <a:rPr/>
-              <a:t> </a:t>
-            </a:r>
-            <a:r>
-              <a:rPr/>
-              <a:t>that</a:t>
-            </a:r>
-            <a:r>
-              <a:rPr/>
-              <a:t> </a:t>
-            </a:r>
-            <a:r>
-              <a:rPr/>
-              <a:t>you</a:t>
-            </a:r>
-            <a:r>
-              <a:rPr/>
-              <a:t> </a:t>
-            </a:r>
-            <a:r>
-              <a:rPr/>
-              <a:t>want</a:t>
-            </a:r>
-            <a:r>
-              <a:rPr/>
-              <a:t> </a:t>
-            </a:r>
-            <a:r>
-              <a:rPr/>
-              <a:t>to</a:t>
-            </a:r>
-            <a:r>
-              <a:rPr/>
-              <a:t> </a:t>
-            </a:r>
-            <a:r>
-              <a:rPr/>
-              <a:t>transform.</a:t>
-            </a:r>
-            <a:r>
-              <a:rPr/>
-              <a:t> </a:t>
-            </a:r>
-            <a:r>
-              <a:rPr/>
-              <a:t>The</a:t>
-            </a:r>
-            <a:r>
-              <a:rPr/>
-              <a:t> </a:t>
-            </a:r>
-            <a:r>
-              <a:rPr/>
-              <a:t>second</a:t>
-            </a:r>
-            <a:r>
-              <a:rPr/>
-              <a:t> </a:t>
-            </a:r>
-            <a:r>
-              <a:rPr/>
-              <a:t>argument</a:t>
-            </a:r>
-            <a:r>
-              <a:rPr/>
-              <a:t> </a:t>
-            </a:r>
-            <a:r>
-              <a:rPr/>
-              <a:t>gives</a:t>
-            </a:r>
-            <a:r>
-              <a:rPr/>
-              <a:t> </a:t>
-            </a:r>
-            <a:r>
-              <a:rPr/>
-              <a:t>the</a:t>
-            </a:r>
-            <a:r>
-              <a:rPr/>
-              <a:t> </a:t>
-            </a:r>
-            <a:r>
-              <a:rPr/>
-              <a:t>categorical</a:t>
-            </a:r>
-            <a:r>
-              <a:rPr/>
-              <a:t> </a:t>
-            </a:r>
-            <a:r>
-              <a:rPr/>
-              <a:t>variable</a:t>
-            </a:r>
-            <a:r>
-              <a:rPr/>
-              <a:t> </a:t>
-            </a:r>
-            <a:r>
-              <a:rPr/>
-              <a:t>that</a:t>
-            </a:r>
-            <a:r>
-              <a:rPr/>
-              <a:t> </a:t>
-            </a:r>
-            <a:r>
-              <a:rPr/>
-              <a:t>identifies</a:t>
-            </a:r>
-            <a:r>
-              <a:rPr/>
-              <a:t> </a:t>
-            </a:r>
-            <a:r>
-              <a:rPr/>
-              <a:t>which</a:t>
-            </a:r>
-            <a:r>
-              <a:rPr/>
-              <a:t> </a:t>
-            </a:r>
-            <a:r>
-              <a:rPr/>
-              <a:t>new</a:t>
-            </a:r>
-            <a:r>
-              <a:rPr/>
-              <a:t> </a:t>
-            </a:r>
-            <a:r>
-              <a:rPr/>
-              <a:t>column</a:t>
-            </a:r>
-            <a:r>
-              <a:rPr/>
-              <a:t> </a:t>
-            </a:r>
-            <a:r>
-              <a:rPr/>
-              <a:t>a</a:t>
-            </a:r>
-            <a:r>
-              <a:rPr/>
-              <a:t> </a:t>
-            </a:r>
-            <a:r>
-              <a:rPr/>
-              <a:t>particular</a:t>
-            </a:r>
-            <a:r>
-              <a:rPr/>
-              <a:t> </a:t>
-            </a:r>
-            <a:r>
-              <a:rPr/>
-              <a:t>value</a:t>
-            </a:r>
-            <a:r>
-              <a:rPr/>
-              <a:t> </a:t>
-            </a:r>
-            <a:r>
-              <a:rPr/>
-              <a:t>goes</a:t>
-            </a:r>
-            <a:r>
-              <a:rPr/>
-              <a:t> </a:t>
-            </a:r>
-            <a:r>
-              <a:rPr/>
-              <a:t>into.</a:t>
-            </a:r>
-            <a:r>
-              <a:rPr/>
-              <a:t> </a:t>
-            </a:r>
-            <a:r>
-              <a:rPr/>
-              <a:t>The</a:t>
-            </a:r>
-            <a:r>
-              <a:rPr/>
-              <a:t> </a:t>
-            </a:r>
-            <a:r>
-              <a:rPr/>
-              <a:t>third</a:t>
-            </a:r>
-            <a:r>
-              <a:rPr/>
-              <a:t> </a:t>
-            </a:r>
-            <a:r>
-              <a:rPr/>
-              <a:t>argument</a:t>
-            </a:r>
-            <a:r>
-              <a:rPr/>
-              <a:t> </a:t>
-            </a:r>
-            <a:r>
-              <a:rPr/>
-              <a:t>provides</a:t>
-            </a:r>
-            <a:r>
-              <a:rPr/>
-              <a:t> </a:t>
-            </a:r>
-            <a:r>
-              <a:rPr/>
-              <a:t>the</a:t>
-            </a:r>
-            <a:r>
-              <a:rPr/>
-              <a:t> </a:t>
-            </a:r>
-            <a:r>
-              <a:rPr/>
-              <a:t>values</a:t>
-            </a:r>
-            <a:r>
-              <a:rPr/>
-              <a:t> </a:t>
-            </a:r>
-            <a:r>
-              <a:rPr/>
-              <a:t>that</a:t>
-            </a:r>
-            <a:r>
-              <a:rPr/>
-              <a:t> </a:t>
-            </a:r>
-            <a:r>
-              <a:rPr/>
-              <a:t>in</a:t>
-            </a:r>
-            <a:r>
-              <a:rPr/>
-              <a:t> </a:t>
-            </a:r>
-            <a:r>
-              <a:rPr/>
-              <a:t>the</a:t>
-            </a:r>
-            <a:r>
-              <a:rPr/>
-              <a:t> </a:t>
-            </a:r>
-            <a:r>
-              <a:rPr/>
-              <a:t>original</a:t>
-            </a:r>
-            <a:r>
-              <a:rPr/>
-              <a:t> </a:t>
-            </a:r>
-            <a:r>
-              <a:rPr/>
-              <a:t>data</a:t>
-            </a:r>
-            <a:r>
-              <a:rPr/>
-              <a:t> </a:t>
-            </a:r>
-            <a:r>
-              <a:rPr/>
-              <a:t>set</a:t>
-            </a:r>
-            <a:r>
-              <a:rPr/>
-              <a:t> </a:t>
-            </a:r>
-            <a:r>
-              <a:rPr/>
-              <a:t>sit</a:t>
-            </a:r>
-            <a:r>
-              <a:rPr/>
-              <a:t> </a:t>
-            </a:r>
-            <a:r>
-              <a:rPr/>
-              <a:t>in</a:t>
-            </a:r>
-            <a:r>
-              <a:rPr/>
-              <a:t> </a:t>
-            </a:r>
-            <a:r>
-              <a:rPr/>
-              <a:t>a</a:t>
-            </a:r>
-            <a:r>
-              <a:rPr/>
-              <a:t> </a:t>
-            </a:r>
-            <a:r>
-              <a:rPr/>
-              <a:t>single</a:t>
-            </a:r>
-            <a:r>
-              <a:rPr/>
-              <a:t> </a:t>
-            </a:r>
-            <a:r>
-              <a:rPr/>
-              <a:t>column</a:t>
-            </a:r>
-            <a:r>
-              <a:rPr/>
-              <a:t> </a:t>
-            </a:r>
-            <a:r>
-              <a:rPr/>
-              <a:t>and</a:t>
-            </a:r>
-            <a:r>
-              <a:rPr/>
-              <a:t> </a:t>
-            </a:r>
-            <a:r>
-              <a:rPr/>
-              <a:t>that</a:t>
-            </a:r>
-            <a:r>
-              <a:rPr/>
-              <a:t> </a:t>
-            </a:r>
-            <a:r>
-              <a:rPr/>
-              <a:t>we</a:t>
-            </a:r>
-            <a:r>
-              <a:rPr/>
-              <a:t> </a:t>
-            </a:r>
-            <a:r>
-              <a:rPr/>
-              <a:t>now</a:t>
-            </a:r>
-            <a:r>
-              <a:rPr/>
-              <a:t> </a:t>
-            </a:r>
-            <a:r>
-              <a:rPr/>
-              <a:t>want</a:t>
-            </a:r>
-            <a:r>
-              <a:rPr/>
-              <a:t> </a:t>
-            </a:r>
-            <a:r>
-              <a:rPr/>
-              <a:t>to</a:t>
-            </a:r>
-            <a:r>
-              <a:rPr/>
-              <a:t> </a:t>
-            </a:r>
-            <a:r>
-              <a:rPr/>
-              <a:t>spread</a:t>
-            </a:r>
-            <a:r>
-              <a:rPr/>
-              <a:t> </a:t>
-            </a:r>
-            <a:r>
-              <a:rPr/>
-              <a:t>across</a:t>
-            </a:r>
-            <a:r>
-              <a:rPr/>
-              <a:t> </a:t>
-            </a:r>
-            <a:r>
-              <a:rPr/>
-              <a:t>multiple</a:t>
-            </a:r>
-            <a:r>
-              <a:rPr/>
-              <a:t> </a:t>
-            </a:r>
-            <a:r>
-              <a:rPr/>
-              <a:t>columns.</a:t>
+              <a:t>backpain</a:t>
+            </a:r>
+            <a:r>
+              <a:rPr/>
+              <a:t> </a:t>
+            </a:r>
+            <a:r>
+              <a:rPr/>
+              <a:t>dataset.</a:t>
             </a:r>
           </a:p>
         </p:txBody>
@@ -7014,7 +7514,7 @@
           <a:p>
             <a:fld id="{18BDFEC3-8487-43E8-A154-7C12CBC1FFF2}" type="slidenum">
               <a:rPr lang="en-US"/>
-              <a:t>39</a:t>
+              <a:t>34</a:t>
             </a:fld>
             <a:endParaRPr lang="en-US"/>
           </a:p>
@@ -7074,6 +7574,30 @@
             </a:pPr>
             <a:r>
               <a:rPr/>
+              <a:t>No</a:t>
+            </a:r>
+            <a:r>
+              <a:rPr/>
+              <a:t> </a:t>
+            </a:r>
+            <a:r>
+              <a:rPr/>
+              <a:t>question</a:t>
+            </a:r>
+            <a:r>
+              <a:rPr/>
+              <a:t> </a:t>
+            </a:r>
+            <a:r>
+              <a:rPr/>
+              <a:t>here.</a:t>
+            </a:r>
+            <a:r>
+              <a:rPr/>
+              <a:t> </a:t>
+            </a:r>
+            <a:r>
+              <a:rPr/>
               <a:t>This</a:t>
             </a:r>
             <a:r>
@@ -7082,167 +7606,47 @@
             </a:r>
             <a:r>
               <a:rPr/>
-              <a:t>code</a:t>
-            </a:r>
-            <a:r>
-              <a:rPr/>
-              <a:t> </a:t>
-            </a:r>
-            <a:r>
-              <a:rPr/>
-              <a:t>shows</a:t>
-            </a:r>
-            <a:r>
-              <a:rPr/>
-              <a:t> </a:t>
-            </a:r>
-            <a:r>
-              <a:rPr/>
-              <a:t>the</a:t>
-            </a:r>
-            <a:r>
-              <a:rPr/>
-              <a:t> </a:t>
-            </a:r>
-            <a:r>
-              <a:rPr/>
-              <a:t>agreement</a:t>
-            </a:r>
-            <a:r>
-              <a:rPr/>
-              <a:t> </a:t>
-            </a:r>
-            <a:r>
-              <a:rPr/>
-              <a:t>between</a:t>
-            </a:r>
-            <a:r>
-              <a:rPr/>
-              <a:t> </a:t>
-            </a:r>
-            <a:r>
-              <a:rPr/>
-              <a:t>the</a:t>
-            </a:r>
-            <a:r>
-              <a:rPr/>
-              <a:t> </a:t>
-            </a:r>
-            <a:r>
-              <a:rPr/>
-              <a:t>ages</a:t>
-            </a:r>
-            <a:r>
-              <a:rPr/>
-              <a:t> </a:t>
-            </a:r>
-            <a:r>
-              <a:rPr/>
-              <a:t>of</a:t>
-            </a:r>
-            <a:r>
-              <a:rPr/>
-              <a:t> </a:t>
-            </a:r>
-            <a:r>
-              <a:rPr/>
-              <a:t>the</a:t>
-            </a:r>
-            <a:r>
-              <a:rPr/>
-              <a:t> </a:t>
-            </a:r>
-            <a:r>
-              <a:rPr/>
-              <a:t>patients</a:t>
-            </a:r>
-            <a:r>
-              <a:rPr/>
-              <a:t> </a:t>
-            </a:r>
-            <a:r>
-              <a:rPr/>
-              <a:t>in</a:t>
-            </a:r>
-            <a:r>
-              <a:rPr/>
-              <a:t> </a:t>
-            </a:r>
-            <a:r>
-              <a:rPr/>
-              <a:t>the</a:t>
-            </a:r>
-            <a:r>
-              <a:rPr/>
-              <a:t> </a:t>
-            </a:r>
-            <a:r>
-              <a:rPr/>
-              <a:t>NoPain</a:t>
-            </a:r>
-            <a:r>
-              <a:rPr/>
-              <a:t> </a:t>
-            </a:r>
-            <a:r>
-              <a:rPr/>
-              <a:t>group</a:t>
-            </a:r>
-            <a:r>
-              <a:rPr/>
-              <a:t> </a:t>
-            </a:r>
-            <a:r>
-              <a:rPr/>
-              <a:t>and</a:t>
-            </a:r>
-            <a:r>
-              <a:rPr/>
-              <a:t> </a:t>
-            </a:r>
-            <a:r>
-              <a:rPr/>
-              <a:t>the</a:t>
-            </a:r>
-            <a:r>
-              <a:rPr/>
-              <a:t> </a:t>
-            </a:r>
-            <a:r>
-              <a:rPr/>
-              <a:t>patients</a:t>
-            </a:r>
-            <a:r>
-              <a:rPr/>
-              <a:t> </a:t>
-            </a:r>
-            <a:r>
-              <a:rPr/>
-              <a:t>in</a:t>
-            </a:r>
-            <a:r>
-              <a:rPr/>
-              <a:t> </a:t>
-            </a:r>
-            <a:r>
-              <a:rPr/>
-              <a:t>the</a:t>
-            </a:r>
-            <a:r>
-              <a:rPr/>
-              <a:t> </a:t>
-            </a:r>
-            <a:r>
-              <a:rPr/>
-              <a:t>Pain</a:t>
-            </a:r>
-            <a:r>
-              <a:rPr/>
-              <a:t> </a:t>
-            </a:r>
-            <a:r>
-              <a:rPr/>
-              <a:t>group.</a:t>
+              <a:t>is</a:t>
+            </a:r>
+            <a:r>
+              <a:rPr/>
+              <a:t> </a:t>
+            </a:r>
+            <a:r>
+              <a:rPr/>
+              <a:t>a</a:t>
+            </a:r>
+            <a:r>
+              <a:rPr/>
+              <a:t> </a:t>
+            </a:r>
+            <a:r>
+              <a:rPr/>
+              <a:t>comma</a:t>
+            </a:r>
+            <a:r>
+              <a:rPr/>
+              <a:t> </a:t>
+            </a:r>
+            <a:r>
+              <a:rPr/>
+              <a:t>separated</a:t>
+            </a:r>
+            <a:r>
+              <a:rPr/>
+              <a:t> </a:t>
+            </a:r>
+            <a:r>
+              <a:rPr/>
+              <a:t>value</a:t>
+            </a:r>
+            <a:r>
+              <a:rPr/>
+              <a:t> </a:t>
+            </a:r>
+            <a:r>
+              <a:rPr/>
+              <a:t>dataset.</a:t>
             </a:r>
           </a:p>
         </p:txBody>
@@ -7264,7 +7668,7 @@
           <a:p>
             <a:fld id="{18BDFEC3-8487-43E8-A154-7C12CBC1FFF2}" type="slidenum">
               <a:rPr lang="en-US"/>
-              <a:t>43</a:t>
+              <a:t>35</a:t>
             </a:fld>
             <a:endParaRPr lang="en-US"/>
           </a:p>
@@ -7622,7 +8026,135 @@
             </a:r>
             <a:r>
               <a:rPr/>
-              <a:t>agreement</a:t>
+              <a:t>spread</a:t>
+            </a:r>
+            <a:r>
+              <a:rPr/>
+              <a:t> </a:t>
+            </a:r>
+            <a:r>
+              <a:rPr/>
+              <a:t>function</a:t>
+            </a:r>
+            <a:r>
+              <a:rPr/>
+              <a:t> </a:t>
+            </a:r>
+            <a:r>
+              <a:rPr/>
+              <a:t>takes</a:t>
+            </a:r>
+            <a:r>
+              <a:rPr/>
+              <a:t> </a:t>
+            </a:r>
+            <a:r>
+              <a:rPr/>
+              <a:t>a</a:t>
+            </a:r>
+            <a:r>
+              <a:rPr/>
+              <a:t> </a:t>
+            </a:r>
+            <a:r>
+              <a:rPr/>
+              <a:t>single</a:t>
+            </a:r>
+            <a:r>
+              <a:rPr/>
+              <a:t> </a:t>
+            </a:r>
+            <a:r>
+              <a:rPr/>
+              <a:t>column</a:t>
+            </a:r>
+            <a:r>
+              <a:rPr/>
+              <a:t> </a:t>
+            </a:r>
+            <a:r>
+              <a:rPr/>
+              <a:t>of</a:t>
+            </a:r>
+            <a:r>
+              <a:rPr/>
+              <a:t> </a:t>
+            </a:r>
+            <a:r>
+              <a:rPr/>
+              <a:t>data</a:t>
+            </a:r>
+            <a:r>
+              <a:rPr/>
+              <a:t> </a:t>
+            </a:r>
+            <a:r>
+              <a:rPr/>
+              <a:t>and</a:t>
+            </a:r>
+            <a:r>
+              <a:rPr/>
+              <a:t> </a:t>
+            </a:r>
+            <a:r>
+              <a:rPr/>
+              <a:t>spreads</a:t>
+            </a:r>
+            <a:r>
+              <a:rPr/>
+              <a:t> </a:t>
+            </a:r>
+            <a:r>
+              <a:rPr/>
+              <a:t>it</a:t>
+            </a:r>
+            <a:r>
+              <a:rPr/>
+              <a:t> </a:t>
+            </a:r>
+            <a:r>
+              <a:rPr/>
+              <a:t>across</a:t>
+            </a:r>
+            <a:r>
+              <a:rPr/>
+              <a:t> </a:t>
+            </a:r>
+            <a:r>
+              <a:rPr/>
+              <a:t>multiple</a:t>
+            </a:r>
+            <a:r>
+              <a:rPr/>
+              <a:t> </a:t>
+            </a:r>
+            <a:r>
+              <a:rPr/>
+              <a:t>columns.</a:t>
+            </a:r>
+            <a:r>
+              <a:rPr/>
+              <a:t> </a:t>
+            </a:r>
+            <a:r>
+              <a:rPr/>
+              <a:t>The</a:t>
+            </a:r>
+            <a:r>
+              <a:rPr/>
+              <a:t> </a:t>
+            </a:r>
+            <a:r>
+              <a:rPr/>
+              <a:t>first</a:t>
+            </a:r>
+            <a:r>
+              <a:rPr/>
+              <a:t> </a:t>
+            </a:r>
+            <a:r>
+              <a:rPr/>
+              <a:t>argument</a:t>
             </a:r>
             <a:r>
               <a:rPr/>
@@ -7638,31 +8170,151 @@
             </a:r>
             <a:r>
               <a:rPr/>
-              <a:t>quite</a:t>
-            </a:r>
-            <a:r>
-              <a:rPr/>
-              <a:t> </a:t>
-            </a:r>
-            <a:r>
-              <a:rPr/>
-              <a:t>good.</a:t>
-            </a:r>
-            <a:r>
-              <a:rPr/>
-              <a:t> </a:t>
-            </a:r>
-            <a:r>
-              <a:rPr/>
-              <a:t>There</a:t>
-            </a:r>
-            <a:r>
-              <a:rPr/>
-              <a:t> </a:t>
-            </a:r>
-            <a:r>
-              <a:rPr/>
-              <a:t>is</a:t>
+              <a:t>the</a:t>
+            </a:r>
+            <a:r>
+              <a:rPr/>
+              <a:t> </a:t>
+            </a:r>
+            <a:r>
+              <a:rPr/>
+              <a:t>dataframe</a:t>
+            </a:r>
+            <a:r>
+              <a:rPr/>
+              <a:t> </a:t>
+            </a:r>
+            <a:r>
+              <a:rPr/>
+              <a:t>that</a:t>
+            </a:r>
+            <a:r>
+              <a:rPr/>
+              <a:t> </a:t>
+            </a:r>
+            <a:r>
+              <a:rPr/>
+              <a:t>you</a:t>
+            </a:r>
+            <a:r>
+              <a:rPr/>
+              <a:t> </a:t>
+            </a:r>
+            <a:r>
+              <a:rPr/>
+              <a:t>want</a:t>
+            </a:r>
+            <a:r>
+              <a:rPr/>
+              <a:t> </a:t>
+            </a:r>
+            <a:r>
+              <a:rPr/>
+              <a:t>to</a:t>
+            </a:r>
+            <a:r>
+              <a:rPr/>
+              <a:t> </a:t>
+            </a:r>
+            <a:r>
+              <a:rPr/>
+              <a:t>transform.</a:t>
+            </a:r>
+            <a:r>
+              <a:rPr/>
+              <a:t> </a:t>
+            </a:r>
+            <a:r>
+              <a:rPr/>
+              <a:t>The</a:t>
+            </a:r>
+            <a:r>
+              <a:rPr/>
+              <a:t> </a:t>
+            </a:r>
+            <a:r>
+              <a:rPr/>
+              <a:t>second</a:t>
+            </a:r>
+            <a:r>
+              <a:rPr/>
+              <a:t> </a:t>
+            </a:r>
+            <a:r>
+              <a:rPr/>
+              <a:t>argument</a:t>
+            </a:r>
+            <a:r>
+              <a:rPr/>
+              <a:t> </a:t>
+            </a:r>
+            <a:r>
+              <a:rPr/>
+              <a:t>gives</a:t>
+            </a:r>
+            <a:r>
+              <a:rPr/>
+              <a:t> </a:t>
+            </a:r>
+            <a:r>
+              <a:rPr/>
+              <a:t>the</a:t>
+            </a:r>
+            <a:r>
+              <a:rPr/>
+              <a:t> </a:t>
+            </a:r>
+            <a:r>
+              <a:rPr/>
+              <a:t>categorical</a:t>
+            </a:r>
+            <a:r>
+              <a:rPr/>
+              <a:t> </a:t>
+            </a:r>
+            <a:r>
+              <a:rPr/>
+              <a:t>variable</a:t>
+            </a:r>
+            <a:r>
+              <a:rPr/>
+              <a:t> </a:t>
+            </a:r>
+            <a:r>
+              <a:rPr/>
+              <a:t>that</a:t>
+            </a:r>
+            <a:r>
+              <a:rPr/>
+              <a:t> </a:t>
+            </a:r>
+            <a:r>
+              <a:rPr/>
+              <a:t>identifies</a:t>
+            </a:r>
+            <a:r>
+              <a:rPr/>
+              <a:t> </a:t>
+            </a:r>
+            <a:r>
+              <a:rPr/>
+              <a:t>which</a:t>
+            </a:r>
+            <a:r>
+              <a:rPr/>
+              <a:t> </a:t>
+            </a:r>
+            <a:r>
+              <a:rPr/>
+              <a:t>new</a:t>
+            </a:r>
+            <a:r>
+              <a:rPr/>
+              <a:t> </a:t>
+            </a:r>
+            <a:r>
+              <a:rPr/>
+              <a:t>column</a:t>
             </a:r>
             <a:r>
               <a:rPr/>
@@ -7678,47 +8330,247 @@
             </a:r>
             <a:r>
               <a:rPr/>
-              <a:t>bit</a:t>
-            </a:r>
-            <a:r>
-              <a:rPr/>
-              <a:t> </a:t>
-            </a:r>
-            <a:r>
-              <a:rPr/>
-              <a:t>less</a:t>
-            </a:r>
-            <a:r>
-              <a:rPr/>
-              <a:t> </a:t>
-            </a:r>
-            <a:r>
-              <a:rPr/>
-              <a:t>agreement</a:t>
-            </a:r>
-            <a:r>
-              <a:rPr/>
-              <a:t> </a:t>
-            </a:r>
-            <a:r>
-              <a:rPr/>
-              <a:t>for</a:t>
-            </a:r>
-            <a:r>
-              <a:rPr/>
-              <a:t> </a:t>
-            </a:r>
-            <a:r>
-              <a:rPr/>
-              <a:t>older</a:t>
-            </a:r>
-            <a:r>
-              <a:rPr/>
-              <a:t> </a:t>
-            </a:r>
-            <a:r>
-              <a:rPr/>
-              <a:t>subjects.</a:t>
+              <a:t>particular</a:t>
+            </a:r>
+            <a:r>
+              <a:rPr/>
+              <a:t> </a:t>
+            </a:r>
+            <a:r>
+              <a:rPr/>
+              <a:t>value</a:t>
+            </a:r>
+            <a:r>
+              <a:rPr/>
+              <a:t> </a:t>
+            </a:r>
+            <a:r>
+              <a:rPr/>
+              <a:t>goes</a:t>
+            </a:r>
+            <a:r>
+              <a:rPr/>
+              <a:t> </a:t>
+            </a:r>
+            <a:r>
+              <a:rPr/>
+              <a:t>into.</a:t>
+            </a:r>
+            <a:r>
+              <a:rPr/>
+              <a:t> </a:t>
+            </a:r>
+            <a:r>
+              <a:rPr/>
+              <a:t>The</a:t>
+            </a:r>
+            <a:r>
+              <a:rPr/>
+              <a:t> </a:t>
+            </a:r>
+            <a:r>
+              <a:rPr/>
+              <a:t>third</a:t>
+            </a:r>
+            <a:r>
+              <a:rPr/>
+              <a:t> </a:t>
+            </a:r>
+            <a:r>
+              <a:rPr/>
+              <a:t>argument</a:t>
+            </a:r>
+            <a:r>
+              <a:rPr/>
+              <a:t> </a:t>
+            </a:r>
+            <a:r>
+              <a:rPr/>
+              <a:t>provides</a:t>
+            </a:r>
+            <a:r>
+              <a:rPr/>
+              <a:t> </a:t>
+            </a:r>
+            <a:r>
+              <a:rPr/>
+              <a:t>the</a:t>
+            </a:r>
+            <a:r>
+              <a:rPr/>
+              <a:t> </a:t>
+            </a:r>
+            <a:r>
+              <a:rPr/>
+              <a:t>values</a:t>
+            </a:r>
+            <a:r>
+              <a:rPr/>
+              <a:t> </a:t>
+            </a:r>
+            <a:r>
+              <a:rPr/>
+              <a:t>that</a:t>
+            </a:r>
+            <a:r>
+              <a:rPr/>
+              <a:t> </a:t>
+            </a:r>
+            <a:r>
+              <a:rPr/>
+              <a:t>in</a:t>
+            </a:r>
+            <a:r>
+              <a:rPr/>
+              <a:t> </a:t>
+            </a:r>
+            <a:r>
+              <a:rPr/>
+              <a:t>the</a:t>
+            </a:r>
+            <a:r>
+              <a:rPr/>
+              <a:t> </a:t>
+            </a:r>
+            <a:r>
+              <a:rPr/>
+              <a:t>original</a:t>
+            </a:r>
+            <a:r>
+              <a:rPr/>
+              <a:t> </a:t>
+            </a:r>
+            <a:r>
+              <a:rPr/>
+              <a:t>data</a:t>
+            </a:r>
+            <a:r>
+              <a:rPr/>
+              <a:t> </a:t>
+            </a:r>
+            <a:r>
+              <a:rPr/>
+              <a:t>set</a:t>
+            </a:r>
+            <a:r>
+              <a:rPr/>
+              <a:t> </a:t>
+            </a:r>
+            <a:r>
+              <a:rPr/>
+              <a:t>sit</a:t>
+            </a:r>
+            <a:r>
+              <a:rPr/>
+              <a:t> </a:t>
+            </a:r>
+            <a:r>
+              <a:rPr/>
+              <a:t>in</a:t>
+            </a:r>
+            <a:r>
+              <a:rPr/>
+              <a:t> </a:t>
+            </a:r>
+            <a:r>
+              <a:rPr/>
+              <a:t>a</a:t>
+            </a:r>
+            <a:r>
+              <a:rPr/>
+              <a:t> </a:t>
+            </a:r>
+            <a:r>
+              <a:rPr/>
+              <a:t>single</a:t>
+            </a:r>
+            <a:r>
+              <a:rPr/>
+              <a:t> </a:t>
+            </a:r>
+            <a:r>
+              <a:rPr/>
+              <a:t>column</a:t>
+            </a:r>
+            <a:r>
+              <a:rPr/>
+              <a:t> </a:t>
+            </a:r>
+            <a:r>
+              <a:rPr/>
+              <a:t>and</a:t>
+            </a:r>
+            <a:r>
+              <a:rPr/>
+              <a:t> </a:t>
+            </a:r>
+            <a:r>
+              <a:rPr/>
+              <a:t>that</a:t>
+            </a:r>
+            <a:r>
+              <a:rPr/>
+              <a:t> </a:t>
+            </a:r>
+            <a:r>
+              <a:rPr/>
+              <a:t>we</a:t>
+            </a:r>
+            <a:r>
+              <a:rPr/>
+              <a:t> </a:t>
+            </a:r>
+            <a:r>
+              <a:rPr/>
+              <a:t>now</a:t>
+            </a:r>
+            <a:r>
+              <a:rPr/>
+              <a:t> </a:t>
+            </a:r>
+            <a:r>
+              <a:rPr/>
+              <a:t>want</a:t>
+            </a:r>
+            <a:r>
+              <a:rPr/>
+              <a:t> </a:t>
+            </a:r>
+            <a:r>
+              <a:rPr/>
+              <a:t>to</a:t>
+            </a:r>
+            <a:r>
+              <a:rPr/>
+              <a:t> </a:t>
+            </a:r>
+            <a:r>
+              <a:rPr/>
+              <a:t>spread</a:t>
+            </a:r>
+            <a:r>
+              <a:rPr/>
+              <a:t> </a:t>
+            </a:r>
+            <a:r>
+              <a:rPr/>
+              <a:t>across</a:t>
+            </a:r>
+            <a:r>
+              <a:rPr/>
+              <a:t> </a:t>
+            </a:r>
+            <a:r>
+              <a:rPr/>
+              <a:t>multiple</a:t>
+            </a:r>
+            <a:r>
+              <a:rPr/>
+              <a:t> </a:t>
+            </a:r>
+            <a:r>
+              <a:rPr/>
+              <a:t>columns.</a:t>
             </a:r>
           </a:p>
         </p:txBody>
@@ -7740,7 +8592,7 @@
           <a:p>
             <a:fld id="{18BDFEC3-8487-43E8-A154-7C12CBC1FFF2}" type="slidenum">
               <a:rPr lang="en-US"/>
-              <a:t>44</a:t>
+              <a:t>39</a:t>
             </a:fld>
             <a:endParaRPr lang="en-US"/>
           </a:p>
@@ -7800,87 +8652,175 @@
             </a:pPr>
             <a:r>
               <a:rPr/>
-              <a:t>I</a:t>
-            </a:r>
-            <a:r>
-              <a:rPr/>
-              <a:t> </a:t>
-            </a:r>
-            <a:r>
-              <a:rPr/>
-              <a:t>want</a:t>
-            </a:r>
-            <a:r>
-              <a:rPr/>
-              <a:t> </a:t>
-            </a:r>
-            <a:r>
-              <a:rPr/>
-              <a:t>to</a:t>
-            </a:r>
-            <a:r>
-              <a:rPr/>
-              <a:t> </a:t>
-            </a:r>
-            <a:r>
-              <a:rPr/>
-              <a:t>keep</a:t>
-            </a:r>
-            <a:r>
-              <a:rPr/>
-              <a:t> </a:t>
-            </a:r>
-            <a:r>
-              <a:rPr/>
-              <a:t>these</a:t>
-            </a:r>
-            <a:r>
-              <a:rPr/>
-              <a:t> </a:t>
-            </a:r>
-            <a:r>
-              <a:rPr/>
-              <a:t>videos</a:t>
-            </a:r>
-            <a:r>
-              <a:rPr/>
-              <a:t> </a:t>
-            </a:r>
-            <a:r>
-              <a:rPr/>
-              <a:t>short,</a:t>
-            </a:r>
-            <a:r>
-              <a:rPr/>
-              <a:t> </a:t>
-            </a:r>
-            <a:r>
-              <a:rPr/>
-              <a:t>so</a:t>
-            </a:r>
-            <a:r>
-              <a:rPr/>
-              <a:t> </a:t>
-            </a:r>
-            <a:r>
-              <a:rPr/>
-              <a:t>let’s</a:t>
-            </a:r>
-            <a:r>
-              <a:rPr/>
-              <a:t> </a:t>
-            </a:r>
-            <a:r>
-              <a:rPr/>
-              <a:t>stop</a:t>
-            </a:r>
-            <a:r>
-              <a:rPr/>
-              <a:t> </a:t>
-            </a:r>
-            <a:r>
-              <a:rPr/>
-              <a:t>here.</a:t>
+              <a:t>This</a:t>
+            </a:r>
+            <a:r>
+              <a:rPr/>
+              <a:t> </a:t>
+            </a:r>
+            <a:r>
+              <a:rPr/>
+              <a:t>code</a:t>
+            </a:r>
+            <a:r>
+              <a:rPr/>
+              <a:t> </a:t>
+            </a:r>
+            <a:r>
+              <a:rPr/>
+              <a:t>shows</a:t>
+            </a:r>
+            <a:r>
+              <a:rPr/>
+              <a:t> </a:t>
+            </a:r>
+            <a:r>
+              <a:rPr/>
+              <a:t>the</a:t>
+            </a:r>
+            <a:r>
+              <a:rPr/>
+              <a:t> </a:t>
+            </a:r>
+            <a:r>
+              <a:rPr/>
+              <a:t>agreement</a:t>
+            </a:r>
+            <a:r>
+              <a:rPr/>
+              <a:t> </a:t>
+            </a:r>
+            <a:r>
+              <a:rPr/>
+              <a:t>between</a:t>
+            </a:r>
+            <a:r>
+              <a:rPr/>
+              <a:t> </a:t>
+            </a:r>
+            <a:r>
+              <a:rPr/>
+              <a:t>the</a:t>
+            </a:r>
+            <a:r>
+              <a:rPr/>
+              <a:t> </a:t>
+            </a:r>
+            <a:r>
+              <a:rPr/>
+              <a:t>ages</a:t>
+            </a:r>
+            <a:r>
+              <a:rPr/>
+              <a:t> </a:t>
+            </a:r>
+            <a:r>
+              <a:rPr/>
+              <a:t>of</a:t>
+            </a:r>
+            <a:r>
+              <a:rPr/>
+              <a:t> </a:t>
+            </a:r>
+            <a:r>
+              <a:rPr/>
+              <a:t>the</a:t>
+            </a:r>
+            <a:r>
+              <a:rPr/>
+              <a:t> </a:t>
+            </a:r>
+            <a:r>
+              <a:rPr/>
+              <a:t>patients</a:t>
+            </a:r>
+            <a:r>
+              <a:rPr/>
+              <a:t> </a:t>
+            </a:r>
+            <a:r>
+              <a:rPr/>
+              <a:t>in</a:t>
+            </a:r>
+            <a:r>
+              <a:rPr/>
+              <a:t> </a:t>
+            </a:r>
+            <a:r>
+              <a:rPr/>
+              <a:t>the</a:t>
+            </a:r>
+            <a:r>
+              <a:rPr/>
+              <a:t> </a:t>
+            </a:r>
+            <a:r>
+              <a:rPr/>
+              <a:t>NoPain</a:t>
+            </a:r>
+            <a:r>
+              <a:rPr/>
+              <a:t> </a:t>
+            </a:r>
+            <a:r>
+              <a:rPr/>
+              <a:t>group</a:t>
+            </a:r>
+            <a:r>
+              <a:rPr/>
+              <a:t> </a:t>
+            </a:r>
+            <a:r>
+              <a:rPr/>
+              <a:t>and</a:t>
+            </a:r>
+            <a:r>
+              <a:rPr/>
+              <a:t> </a:t>
+            </a:r>
+            <a:r>
+              <a:rPr/>
+              <a:t>the</a:t>
+            </a:r>
+            <a:r>
+              <a:rPr/>
+              <a:t> </a:t>
+            </a:r>
+            <a:r>
+              <a:rPr/>
+              <a:t>patients</a:t>
+            </a:r>
+            <a:r>
+              <a:rPr/>
+              <a:t> </a:t>
+            </a:r>
+            <a:r>
+              <a:rPr/>
+              <a:t>in</a:t>
+            </a:r>
+            <a:r>
+              <a:rPr/>
+              <a:t> </a:t>
+            </a:r>
+            <a:r>
+              <a:rPr/>
+              <a:t>the</a:t>
+            </a:r>
+            <a:r>
+              <a:rPr/>
+              <a:t> </a:t>
+            </a:r>
+            <a:r>
+              <a:rPr/>
+              <a:t>Pain</a:t>
+            </a:r>
+            <a:r>
+              <a:rPr/>
+              <a:t> </a:t>
+            </a:r>
+            <a:r>
+              <a:rPr/>
+              <a:t>group.</a:t>
             </a:r>
           </a:p>
         </p:txBody>
@@ -7902,7 +8842,7 @@
           <a:p>
             <a:fld id="{18BDFEC3-8487-43E8-A154-7C12CBC1FFF2}" type="slidenum">
               <a:rPr lang="en-US"/>
-              <a:t>45</a:t>
+              <a:t>43</a:t>
             </a:fld>
             <a:endParaRPr lang="en-US"/>
           </a:p>
@@ -7962,7 +8902,15 @@
             </a:pPr>
             <a:r>
               <a:rPr/>
-              <a:t>Here</a:t>
+              <a:t>The</a:t>
+            </a:r>
+            <a:r>
+              <a:rPr/>
+              <a:t> </a:t>
+            </a:r>
+            <a:r>
+              <a:rPr/>
+              <a:t>agreement</a:t>
             </a:r>
             <a:r>
               <a:rPr/>
@@ -7978,135 +8926,23 @@
             </a:r>
             <a:r>
               <a:rPr/>
-              <a:t>the</a:t>
-            </a:r>
-            <a:r>
-              <a:rPr/>
-              <a:t> </a:t>
-            </a:r>
-            <a:r>
-              <a:rPr/>
-              <a:t>short</a:t>
-            </a:r>
-            <a:r>
-              <a:rPr/>
-              <a:t> </a:t>
-            </a:r>
-            <a:r>
-              <a:rPr/>
-              <a:t>and</a:t>
-            </a:r>
-            <a:r>
-              <a:rPr/>
-              <a:t> </a:t>
-            </a:r>
-            <a:r>
-              <a:rPr/>
-              <a:t>fat</a:t>
-            </a:r>
-            <a:r>
-              <a:rPr/>
-              <a:t> </a:t>
-            </a:r>
-            <a:r>
-              <a:rPr/>
-              <a:t>format</a:t>
-            </a:r>
-            <a:r>
-              <a:rPr/>
-              <a:t> </a:t>
-            </a:r>
-            <a:r>
-              <a:rPr/>
-              <a:t>again.</a:t>
-            </a:r>
-            <a:r>
-              <a:rPr/>
-              <a:t> </a:t>
-            </a:r>
-            <a:r>
-              <a:rPr/>
-              <a:t>It</a:t>
-            </a:r>
-            <a:r>
-              <a:rPr/>
-              <a:t> </a:t>
-            </a:r>
-            <a:r>
-              <a:rPr/>
-              <a:t>has</a:t>
-            </a:r>
-            <a:r>
-              <a:rPr/>
-              <a:t> </a:t>
-            </a:r>
-            <a:r>
-              <a:rPr/>
-              <a:t>one</a:t>
-            </a:r>
-            <a:r>
-              <a:rPr/>
-              <a:t> </a:t>
-            </a:r>
-            <a:r>
-              <a:rPr/>
-              <a:t>row</a:t>
-            </a:r>
-            <a:r>
-              <a:rPr/>
-              <a:t> </a:t>
-            </a:r>
-            <a:r>
-              <a:rPr/>
-              <a:t>per</a:t>
-            </a:r>
-            <a:r>
-              <a:rPr/>
-              <a:t> </a:t>
-            </a:r>
-            <a:r>
-              <a:rPr/>
-              <a:t>patient</a:t>
-            </a:r>
-            <a:r>
-              <a:rPr/>
-              <a:t> </a:t>
-            </a:r>
-            <a:r>
-              <a:rPr/>
-              <a:t>and</a:t>
-            </a:r>
-            <a:r>
-              <a:rPr/>
-              <a:t> </a:t>
-            </a:r>
-            <a:r>
-              <a:rPr/>
-              <a:t>each</a:t>
-            </a:r>
-            <a:r>
-              <a:rPr/>
-              <a:t> </a:t>
-            </a:r>
-            <a:r>
-              <a:rPr/>
-              <a:t>successive</a:t>
-            </a:r>
-            <a:r>
-              <a:rPr/>
-              <a:t> </a:t>
-            </a:r>
-            <a:r>
-              <a:rPr/>
-              <a:t>patient</a:t>
-            </a:r>
-            <a:r>
-              <a:rPr/>
-              <a:t> </a:t>
-            </a:r>
-            <a:r>
-              <a:rPr/>
-              <a:t>encounter</a:t>
+              <a:t>quite</a:t>
+            </a:r>
+            <a:r>
+              <a:rPr/>
+              <a:t> </a:t>
+            </a:r>
+            <a:r>
+              <a:rPr/>
+              <a:t>good.</a:t>
+            </a:r>
+            <a:r>
+              <a:rPr/>
+              <a:t> </a:t>
+            </a:r>
+            <a:r>
+              <a:rPr/>
+              <a:t>There</a:t>
             </a:r>
             <a:r>
               <a:rPr/>
@@ -8122,23 +8958,55 @@
             </a:r>
             <a:r>
               <a:rPr/>
-              <a:t>strung</a:t>
-            </a:r>
-            <a:r>
-              <a:rPr/>
-              <a:t> </a:t>
-            </a:r>
-            <a:r>
-              <a:rPr/>
-              <a:t>out</a:t>
-            </a:r>
-            <a:r>
-              <a:rPr/>
-              <a:t> </a:t>
-            </a:r>
-            <a:r>
-              <a:rPr/>
-              <a:t>horizontally.</a:t>
+              <a:t>a</a:t>
+            </a:r>
+            <a:r>
+              <a:rPr/>
+              <a:t> </a:t>
+            </a:r>
+            <a:r>
+              <a:rPr/>
+              <a:t>bit</a:t>
+            </a:r>
+            <a:r>
+              <a:rPr/>
+              <a:t> </a:t>
+            </a:r>
+            <a:r>
+              <a:rPr/>
+              <a:t>less</a:t>
+            </a:r>
+            <a:r>
+              <a:rPr/>
+              <a:t> </a:t>
+            </a:r>
+            <a:r>
+              <a:rPr/>
+              <a:t>agreement</a:t>
+            </a:r>
+            <a:r>
+              <a:rPr/>
+              <a:t> </a:t>
+            </a:r>
+            <a:r>
+              <a:rPr/>
+              <a:t>for</a:t>
+            </a:r>
+            <a:r>
+              <a:rPr/>
+              <a:t> </a:t>
+            </a:r>
+            <a:r>
+              <a:rPr/>
+              <a:t>older</a:t>
+            </a:r>
+            <a:r>
+              <a:rPr/>
+              <a:t> </a:t>
+            </a:r>
+            <a:r>
+              <a:rPr/>
+              <a:t>subjects.</a:t>
             </a:r>
           </a:p>
         </p:txBody>
@@ -8160,7 +9028,7 @@
           <a:p>
             <a:fld id="{18BDFEC3-8487-43E8-A154-7C12CBC1FFF2}" type="slidenum">
               <a:rPr lang="en-US"/>
-              <a:t>47</a:t>
+              <a:t>44</a:t>
             </a:fld>
             <a:endParaRPr lang="en-US"/>
           </a:p>
@@ -8220,167 +9088,87 @@
             </a:pPr>
             <a:r>
               <a:rPr/>
-              <a:t>Here</a:t>
-            </a:r>
-            <a:r>
-              <a:rPr/>
-              <a:t> </a:t>
-            </a:r>
-            <a:r>
-              <a:rPr/>
-              <a:t>is</a:t>
-            </a:r>
-            <a:r>
-              <a:rPr/>
-              <a:t> </a:t>
-            </a:r>
-            <a:r>
-              <a:rPr/>
-              <a:t>the</a:t>
-            </a:r>
-            <a:r>
-              <a:rPr/>
-              <a:t> </a:t>
-            </a:r>
-            <a:r>
-              <a:rPr/>
-              <a:t>tall</a:t>
-            </a:r>
-            <a:r>
-              <a:rPr/>
-              <a:t> </a:t>
-            </a:r>
-            <a:r>
-              <a:rPr/>
-              <a:t>and</a:t>
-            </a:r>
-            <a:r>
-              <a:rPr/>
-              <a:t> </a:t>
-            </a:r>
-            <a:r>
-              <a:rPr/>
-              <a:t>thin</a:t>
-            </a:r>
-            <a:r>
-              <a:rPr/>
-              <a:t> </a:t>
-            </a:r>
-            <a:r>
-              <a:rPr/>
-              <a:t>format</a:t>
-            </a:r>
-            <a:r>
-              <a:rPr/>
-              <a:t> </a:t>
-            </a:r>
-            <a:r>
-              <a:rPr/>
-              <a:t>again.</a:t>
-            </a:r>
-            <a:r>
-              <a:rPr/>
-              <a:t> </a:t>
-            </a:r>
-            <a:r>
-              <a:rPr/>
-              <a:t>It</a:t>
-            </a:r>
-            <a:r>
-              <a:rPr/>
-              <a:t> </a:t>
-            </a:r>
-            <a:r>
-              <a:rPr/>
-              <a:t>has</a:t>
-            </a:r>
-            <a:r>
-              <a:rPr/>
-              <a:t> </a:t>
-            </a:r>
-            <a:r>
-              <a:rPr/>
-              <a:t>one</a:t>
-            </a:r>
-            <a:r>
-              <a:rPr/>
-              <a:t> </a:t>
-            </a:r>
-            <a:r>
-              <a:rPr/>
-              <a:t>row</a:t>
-            </a:r>
-            <a:r>
-              <a:rPr/>
-              <a:t> </a:t>
-            </a:r>
-            <a:r>
-              <a:rPr/>
-              <a:t>per</a:t>
-            </a:r>
-            <a:r>
-              <a:rPr/>
-              <a:t> </a:t>
-            </a:r>
-            <a:r>
-              <a:rPr/>
-              <a:t>patient</a:t>
-            </a:r>
-            <a:r>
-              <a:rPr/>
-              <a:t> </a:t>
-            </a:r>
-            <a:r>
-              <a:rPr/>
-              <a:t>encounter</a:t>
-            </a:r>
-            <a:r>
-              <a:rPr/>
-              <a:t> </a:t>
-            </a:r>
-            <a:r>
-              <a:rPr/>
-              <a:t>and</a:t>
-            </a:r>
-            <a:r>
-              <a:rPr/>
-              <a:t> </a:t>
-            </a:r>
-            <a:r>
-              <a:rPr/>
-              <a:t>therefore</a:t>
-            </a:r>
-            <a:r>
-              <a:rPr/>
-              <a:t> </a:t>
-            </a:r>
-            <a:r>
-              <a:rPr/>
-              <a:t>multiple</a:t>
-            </a:r>
-            <a:r>
-              <a:rPr/>
-              <a:t> </a:t>
-            </a:r>
-            <a:r>
-              <a:rPr/>
-              <a:t>rows</a:t>
-            </a:r>
-            <a:r>
-              <a:rPr/>
-              <a:t> </a:t>
-            </a:r>
-            <a:r>
-              <a:rPr/>
-              <a:t>per</a:t>
-            </a:r>
-            <a:r>
-              <a:rPr/>
-              <a:t> </a:t>
-            </a:r>
-            <a:r>
-              <a:rPr/>
-              <a:t>patient.</a:t>
+              <a:t>I</a:t>
+            </a:r>
+            <a:r>
+              <a:rPr/>
+              <a:t> </a:t>
+            </a:r>
+            <a:r>
+              <a:rPr/>
+              <a:t>want</a:t>
+            </a:r>
+            <a:r>
+              <a:rPr/>
+              <a:t> </a:t>
+            </a:r>
+            <a:r>
+              <a:rPr/>
+              <a:t>to</a:t>
+            </a:r>
+            <a:r>
+              <a:rPr/>
+              <a:t> </a:t>
+            </a:r>
+            <a:r>
+              <a:rPr/>
+              <a:t>keep</a:t>
+            </a:r>
+            <a:r>
+              <a:rPr/>
+              <a:t> </a:t>
+            </a:r>
+            <a:r>
+              <a:rPr/>
+              <a:t>these</a:t>
+            </a:r>
+            <a:r>
+              <a:rPr/>
+              <a:t> </a:t>
+            </a:r>
+            <a:r>
+              <a:rPr/>
+              <a:t>videos</a:t>
+            </a:r>
+            <a:r>
+              <a:rPr/>
+              <a:t> </a:t>
+            </a:r>
+            <a:r>
+              <a:rPr/>
+              <a:t>short,</a:t>
+            </a:r>
+            <a:r>
+              <a:rPr/>
+              <a:t> </a:t>
+            </a:r>
+            <a:r>
+              <a:rPr/>
+              <a:t>so</a:t>
+            </a:r>
+            <a:r>
+              <a:rPr/>
+              <a:t> </a:t>
+            </a:r>
+            <a:r>
+              <a:rPr/>
+              <a:t>let’s</a:t>
+            </a:r>
+            <a:r>
+              <a:rPr/>
+              <a:t> </a:t>
+            </a:r>
+            <a:r>
+              <a:rPr/>
+              <a:t>stop</a:t>
+            </a:r>
+            <a:r>
+              <a:rPr/>
+              <a:t> </a:t>
+            </a:r>
+            <a:r>
+              <a:rPr/>
+              <a:t>here.</a:t>
             </a:r>
           </a:p>
         </p:txBody>
@@ -8402,7 +9190,7 @@
           <a:p>
             <a:fld id="{18BDFEC3-8487-43E8-A154-7C12CBC1FFF2}" type="slidenum">
               <a:rPr lang="en-US"/>
-              <a:t>48</a:t>
+              <a:t>45</a:t>
             </a:fld>
             <a:endParaRPr lang="en-US"/>
           </a:p>
@@ -8462,63 +9250,31 @@
             </a:pPr>
             <a:r>
               <a:rPr/>
-              <a:t>The</a:t>
-            </a:r>
-            <a:r>
-              <a:rPr/>
-              <a:t> </a:t>
-            </a:r>
-            <a:r>
-              <a:rPr/>
-              <a:t>time</a:t>
-            </a:r>
-            <a:r>
-              <a:rPr/>
-              <a:t> </a:t>
-            </a:r>
-            <a:r>
-              <a:rPr/>
-              <a:t>constant</a:t>
-            </a:r>
-            <a:r>
-              <a:rPr/>
-              <a:t> </a:t>
-            </a:r>
-            <a:r>
-              <a:rPr/>
-              <a:t>variables</a:t>
-            </a:r>
-            <a:r>
-              <a:rPr/>
-              <a:t> </a:t>
-            </a:r>
-            <a:r>
-              <a:rPr/>
-              <a:t>are</a:t>
-            </a:r>
-            <a:r>
-              <a:rPr/>
-              <a:t> </a:t>
-            </a:r>
-            <a:r>
-              <a:rPr/>
-              <a:t>sex,</a:t>
-            </a:r>
-            <a:r>
-              <a:rPr/>
-              <a:t> </a:t>
-            </a:r>
-            <a:r>
-              <a:rPr/>
-              <a:t>age,</a:t>
-            </a:r>
-            <a:r>
-              <a:rPr/>
-              <a:t> </a:t>
-            </a:r>
-            <a:r>
-              <a:rPr/>
-              <a:t>height,</a:t>
+              <a:t>Here</a:t>
+            </a:r>
+            <a:r>
+              <a:rPr/>
+              <a:t> </a:t>
+            </a:r>
+            <a:r>
+              <a:rPr/>
+              <a:t>is</a:t>
+            </a:r>
+            <a:r>
+              <a:rPr/>
+              <a:t> </a:t>
+            </a:r>
+            <a:r>
+              <a:rPr/>
+              <a:t>the</a:t>
+            </a:r>
+            <a:r>
+              <a:rPr/>
+              <a:t> </a:t>
+            </a:r>
+            <a:r>
+              <a:rPr/>
+              <a:t>short</a:t>
             </a:r>
             <a:r>
               <a:rPr/>
@@ -8534,191 +9290,143 @@
             </a:r>
             <a:r>
               <a:rPr/>
-              <a:t>weight.</a:t>
-            </a:r>
-            <a:r>
-              <a:rPr/>
-              <a:t> </a:t>
-            </a:r>
-            <a:r>
-              <a:rPr/>
-              <a:t>You</a:t>
-            </a:r>
-            <a:r>
-              <a:rPr/>
-              <a:t> </a:t>
-            </a:r>
-            <a:r>
-              <a:rPr/>
-              <a:t>must</a:t>
-            </a:r>
-            <a:r>
-              <a:rPr/>
-              <a:t> </a:t>
-            </a:r>
-            <a:r>
-              <a:rPr/>
-              <a:t>keep</a:t>
-            </a:r>
-            <a:r>
-              <a:rPr/>
-              <a:t> </a:t>
-            </a:r>
-            <a:r>
-              <a:rPr/>
-              <a:t>the</a:t>
-            </a:r>
-            <a:r>
-              <a:rPr/>
-              <a:t> </a:t>
-            </a:r>
-            <a:r>
-              <a:rPr/>
-              <a:t>subject</a:t>
-            </a:r>
-            <a:r>
-              <a:rPr/>
-              <a:t> </a:t>
-            </a:r>
-            <a:r>
-              <a:rPr/>
-              <a:t>id</a:t>
-            </a:r>
-            <a:r>
-              <a:rPr/>
-              <a:t> </a:t>
-            </a:r>
-            <a:r>
-              <a:rPr/>
-              <a:t>in</a:t>
-            </a:r>
-            <a:r>
-              <a:rPr/>
-              <a:t> </a:t>
-            </a:r>
-            <a:r>
-              <a:rPr/>
-              <a:t>this</a:t>
-            </a:r>
-            <a:r>
-              <a:rPr/>
-              <a:t> </a:t>
-            </a:r>
-            <a:r>
-              <a:rPr/>
-              <a:t>dataset</a:t>
-            </a:r>
-            <a:r>
-              <a:rPr/>
-              <a:t> </a:t>
-            </a:r>
-            <a:r>
-              <a:rPr/>
-              <a:t>as</a:t>
-            </a:r>
-            <a:r>
-              <a:rPr/>
-              <a:t> </a:t>
-            </a:r>
-            <a:r>
-              <a:rPr/>
-              <a:t>well</a:t>
-            </a:r>
-            <a:r>
-              <a:rPr/>
-              <a:t> </a:t>
-            </a:r>
-            <a:r>
-              <a:rPr/>
-              <a:t>because</a:t>
-            </a:r>
-            <a:r>
-              <a:rPr/>
-              <a:t> </a:t>
-            </a:r>
-            <a:r>
-              <a:rPr/>
-              <a:t>you</a:t>
-            </a:r>
-            <a:r>
-              <a:rPr/>
-              <a:t> </a:t>
-            </a:r>
-            <a:r>
-              <a:rPr/>
-              <a:t>will</a:t>
-            </a:r>
-            <a:r>
-              <a:rPr/>
-              <a:t> </a:t>
-            </a:r>
-            <a:r>
-              <a:rPr/>
-              <a:t>need</a:t>
-            </a:r>
-            <a:r>
-              <a:rPr/>
-              <a:t> </a:t>
-            </a:r>
-            <a:r>
-              <a:rPr/>
-              <a:t>it</a:t>
-            </a:r>
-            <a:r>
-              <a:rPr/>
-              <a:t> </a:t>
-            </a:r>
-            <a:r>
-              <a:rPr/>
-              <a:t>to</a:t>
-            </a:r>
-            <a:r>
-              <a:rPr/>
-              <a:t> </a:t>
-            </a:r>
-            <a:r>
-              <a:rPr/>
-              <a:t>link</a:t>
-            </a:r>
-            <a:r>
-              <a:rPr/>
-              <a:t> </a:t>
-            </a:r>
-            <a:r>
-              <a:rPr/>
-              <a:t>with</a:t>
-            </a:r>
-            <a:r>
-              <a:rPr/>
-              <a:t> </a:t>
-            </a:r>
-            <a:r>
-              <a:rPr/>
-              <a:t>the</a:t>
-            </a:r>
-            <a:r>
-              <a:rPr/>
-              <a:t> </a:t>
-            </a:r>
-            <a:r>
-              <a:rPr/>
-              <a:t>time</a:t>
-            </a:r>
-            <a:r>
-              <a:rPr/>
-              <a:t> </a:t>
-            </a:r>
-            <a:r>
-              <a:rPr/>
-              <a:t>variable</a:t>
-            </a:r>
-            <a:r>
-              <a:rPr/>
-              <a:t> </a:t>
-            </a:r>
-            <a:r>
-              <a:rPr/>
-              <a:t>data.</a:t>
+              <a:t>fat</a:t>
+            </a:r>
+            <a:r>
+              <a:rPr/>
+              <a:t> </a:t>
+            </a:r>
+            <a:r>
+              <a:rPr/>
+              <a:t>format</a:t>
+            </a:r>
+            <a:r>
+              <a:rPr/>
+              <a:t> </a:t>
+            </a:r>
+            <a:r>
+              <a:rPr/>
+              <a:t>again.</a:t>
+            </a:r>
+            <a:r>
+              <a:rPr/>
+              <a:t> </a:t>
+            </a:r>
+            <a:r>
+              <a:rPr/>
+              <a:t>It</a:t>
+            </a:r>
+            <a:r>
+              <a:rPr/>
+              <a:t> </a:t>
+            </a:r>
+            <a:r>
+              <a:rPr/>
+              <a:t>has</a:t>
+            </a:r>
+            <a:r>
+              <a:rPr/>
+              <a:t> </a:t>
+            </a:r>
+            <a:r>
+              <a:rPr/>
+              <a:t>one</a:t>
+            </a:r>
+            <a:r>
+              <a:rPr/>
+              <a:t> </a:t>
+            </a:r>
+            <a:r>
+              <a:rPr/>
+              <a:t>row</a:t>
+            </a:r>
+            <a:r>
+              <a:rPr/>
+              <a:t> </a:t>
+            </a:r>
+            <a:r>
+              <a:rPr/>
+              <a:t>per</a:t>
+            </a:r>
+            <a:r>
+              <a:rPr/>
+              <a:t> </a:t>
+            </a:r>
+            <a:r>
+              <a:rPr/>
+              <a:t>patient</a:t>
+            </a:r>
+            <a:r>
+              <a:rPr/>
+              <a:t> </a:t>
+            </a:r>
+            <a:r>
+              <a:rPr/>
+              <a:t>and</a:t>
+            </a:r>
+            <a:r>
+              <a:rPr/>
+              <a:t> </a:t>
+            </a:r>
+            <a:r>
+              <a:rPr/>
+              <a:t>each</a:t>
+            </a:r>
+            <a:r>
+              <a:rPr/>
+              <a:t> </a:t>
+            </a:r>
+            <a:r>
+              <a:rPr/>
+              <a:t>successive</a:t>
+            </a:r>
+            <a:r>
+              <a:rPr/>
+              <a:t> </a:t>
+            </a:r>
+            <a:r>
+              <a:rPr/>
+              <a:t>patient</a:t>
+            </a:r>
+            <a:r>
+              <a:rPr/>
+              <a:t> </a:t>
+            </a:r>
+            <a:r>
+              <a:rPr/>
+              <a:t>encounter</a:t>
+            </a:r>
+            <a:r>
+              <a:rPr/>
+              <a:t> </a:t>
+            </a:r>
+            <a:r>
+              <a:rPr/>
+              <a:t>is</a:t>
+            </a:r>
+            <a:r>
+              <a:rPr/>
+              <a:t> </a:t>
+            </a:r>
+            <a:r>
+              <a:rPr/>
+              <a:t>strung</a:t>
+            </a:r>
+            <a:r>
+              <a:rPr/>
+              <a:t> </a:t>
+            </a:r>
+            <a:r>
+              <a:rPr/>
+              <a:t>out</a:t>
+            </a:r>
+            <a:r>
+              <a:rPr/>
+              <a:t> </a:t>
+            </a:r>
+            <a:r>
+              <a:rPr/>
+              <a:t>horizontally.</a:t>
             </a:r>
           </a:p>
         </p:txBody>
@@ -8740,7 +9448,7 @@
           <a:p>
             <a:fld id="{18BDFEC3-8487-43E8-A154-7C12CBC1FFF2}" type="slidenum">
               <a:rPr lang="en-US"/>
-              <a:t>53</a:t>
+              <a:t>47</a:t>
             </a:fld>
             <a:endParaRPr lang="en-US"/>
           </a:p>
@@ -8800,7 +9508,15 @@
             </a:pPr>
             <a:r>
               <a:rPr/>
-              <a:t>Pull</a:t>
+              <a:t>Here</a:t>
+            </a:r>
+            <a:r>
+              <a:rPr/>
+              <a:t> </a:t>
+            </a:r>
+            <a:r>
+              <a:rPr/>
+              <a:t>is</a:t>
             </a:r>
             <a:r>
               <a:rPr/>
@@ -8816,46 +9532,6 @@
             </a:r>
             <a:r>
               <a:rPr/>
-              <a:t>time</a:t>
-            </a:r>
-            <a:r>
-              <a:rPr/>
-              <a:t> </a:t>
-            </a:r>
-            <a:r>
-              <a:rPr/>
-              <a:t>variable</a:t>
-            </a:r>
-            <a:r>
-              <a:rPr/>
-              <a:t> </a:t>
-            </a:r>
-            <a:r>
-              <a:rPr/>
-              <a:t>data</a:t>
-            </a:r>
-            <a:r>
-              <a:rPr/>
-              <a:t> </a:t>
-            </a:r>
-            <a:r>
-              <a:rPr/>
-              <a:t>from</a:t>
-            </a:r>
-            <a:r>
-              <a:rPr/>
-              <a:t> </a:t>
-            </a:r>
-            <a:r>
-              <a:rPr/>
-              <a:t>the</a:t>
-            </a:r>
-            <a:r>
-              <a:rPr/>
-              <a:t> </a:t>
-            </a:r>
-            <a:r>
-              <a:rPr/>
               <a:t>tall</a:t>
             </a:r>
             <a:r>
@@ -8880,173 +9556,55 @@
             </a:r>
             <a:r>
               <a:rPr/>
-              <a:t>format.</a:t>
-            </a:r>
-          </a:p>
-          <a:p>
-            <a:pPr lvl="0" marL="0" indent="0">
-              <a:buNone/>
-            </a:pPr>
-          </a:p>
-          <a:p>
-            <a:pPr lvl="0" marL="0" indent="0">
-              <a:buNone/>
-            </a:pPr>
-            <a:r>
-              <a:rPr/>
-              <a:t>Update</a:t>
-            </a:r>
-            <a:r>
-              <a:rPr/>
-              <a:t> </a:t>
-            </a:r>
-            <a:r>
-              <a:rPr/>
-              <a:t>the</a:t>
-            </a:r>
-            <a:r>
-              <a:rPr/>
-              <a:t> </a:t>
-            </a:r>
-            <a:r>
-              <a:rPr/>
-              <a:t>time</a:t>
-            </a:r>
-            <a:r>
-              <a:rPr/>
-              <a:t> </a:t>
-            </a:r>
-            <a:r>
-              <a:rPr/>
-              <a:t>constant</a:t>
-            </a:r>
-            <a:r>
-              <a:rPr/>
-              <a:t> </a:t>
-            </a:r>
-            <a:r>
-              <a:rPr/>
-              <a:t>table</a:t>
-            </a:r>
-            <a:r>
-              <a:rPr/>
-              <a:t> </a:t>
-            </a:r>
-            <a:r>
-              <a:rPr/>
-              <a:t>only</a:t>
-            </a:r>
-            <a:r>
-              <a:rPr/>
-              <a:t> </a:t>
-            </a:r>
-            <a:r>
-              <a:rPr/>
-              <a:t>once.</a:t>
-            </a:r>
-            <a:r>
-              <a:rPr/>
-              <a:t> </a:t>
-            </a:r>
-            <a:r>
-              <a:rPr/>
-              <a:t>Update</a:t>
-            </a:r>
-            <a:r>
-              <a:rPr/>
-              <a:t> </a:t>
-            </a:r>
-            <a:r>
-              <a:rPr/>
-              <a:t>the</a:t>
-            </a:r>
-            <a:r>
-              <a:rPr/>
-              <a:t> </a:t>
-            </a:r>
-            <a:r>
-              <a:rPr/>
-              <a:t>time</a:t>
-            </a:r>
-            <a:r>
-              <a:rPr/>
-              <a:t> </a:t>
-            </a:r>
-            <a:r>
-              <a:rPr/>
-              <a:t>varying</a:t>
-            </a:r>
-            <a:r>
-              <a:rPr/>
-              <a:t> </a:t>
-            </a:r>
-            <a:r>
-              <a:rPr/>
-              <a:t>table</a:t>
-            </a:r>
-            <a:r>
-              <a:rPr/>
-              <a:t> </a:t>
-            </a:r>
-            <a:r>
-              <a:rPr/>
-              <a:t>each</a:t>
-            </a:r>
-            <a:r>
-              <a:rPr/>
-              <a:t> </a:t>
-            </a:r>
-            <a:r>
-              <a:rPr/>
-              <a:t>time</a:t>
-            </a:r>
-            <a:r>
-              <a:rPr/>
-              <a:t> </a:t>
-            </a:r>
-            <a:r>
-              <a:rPr/>
-              <a:t>you</a:t>
-            </a:r>
-            <a:r>
-              <a:rPr/>
-              <a:t> </a:t>
-            </a:r>
-            <a:r>
-              <a:rPr/>
-              <a:t>get</a:t>
-            </a:r>
-            <a:r>
-              <a:rPr/>
-              <a:t> </a:t>
-            </a:r>
-            <a:r>
-              <a:rPr/>
-              <a:t>information</a:t>
-            </a:r>
-            <a:r>
-              <a:rPr/>
-              <a:t> </a:t>
-            </a:r>
-            <a:r>
-              <a:rPr/>
-              <a:t>at</a:t>
-            </a:r>
-            <a:r>
-              <a:rPr/>
-              <a:t> </a:t>
-            </a:r>
-            <a:r>
-              <a:rPr/>
-              <a:t>a</a:t>
-            </a:r>
-            <a:r>
-              <a:rPr/>
-              <a:t> </a:t>
-            </a:r>
-            <a:r>
-              <a:rPr/>
-              <a:t>new</a:t>
+              <a:t>format</a:t>
+            </a:r>
+            <a:r>
+              <a:rPr/>
+              <a:t> </a:t>
+            </a:r>
+            <a:r>
+              <a:rPr/>
+              <a:t>again.</a:t>
+            </a:r>
+            <a:r>
+              <a:rPr/>
+              <a:t> </a:t>
+            </a:r>
+            <a:r>
+              <a:rPr/>
+              <a:t>It</a:t>
+            </a:r>
+            <a:r>
+              <a:rPr/>
+              <a:t> </a:t>
+            </a:r>
+            <a:r>
+              <a:rPr/>
+              <a:t>has</a:t>
+            </a:r>
+            <a:r>
+              <a:rPr/>
+              <a:t> </a:t>
+            </a:r>
+            <a:r>
+              <a:rPr/>
+              <a:t>one</a:t>
+            </a:r>
+            <a:r>
+              <a:rPr/>
+              <a:t> </a:t>
+            </a:r>
+            <a:r>
+              <a:rPr/>
+              <a:t>row</a:t>
+            </a:r>
+            <a:r>
+              <a:rPr/>
+              <a:t> </a:t>
+            </a:r>
+            <a:r>
+              <a:rPr/>
+              <a:t>per</a:t>
             </a:r>
             <a:r>
               <a:rPr/>
@@ -9062,293 +9620,55 @@
             </a:r>
             <a:r>
               <a:rPr/>
-              <a:t>visit.</a:t>
-            </a:r>
-          </a:p>
-          <a:p>
-            <a:pPr lvl="0" marL="0" indent="0">
-              <a:buNone/>
-            </a:pPr>
-          </a:p>
-          <a:p>
-            <a:pPr lvl="0" marL="0" indent="0">
-              <a:buNone/>
-            </a:pPr>
-            <a:r>
-              <a:rPr/>
-              <a:t>Note</a:t>
-            </a:r>
-            <a:r>
-              <a:rPr/>
-              <a:t> </a:t>
-            </a:r>
-            <a:r>
-              <a:rPr/>
-              <a:t>that</a:t>
-            </a:r>
-            <a:r>
-              <a:rPr/>
-              <a:t> </a:t>
-            </a:r>
-            <a:r>
-              <a:rPr/>
-              <a:t>this</a:t>
-            </a:r>
-            <a:r>
-              <a:rPr/>
-              <a:t> </a:t>
-            </a:r>
-            <a:r>
-              <a:rPr/>
-              <a:t>is</a:t>
-            </a:r>
-            <a:r>
-              <a:rPr/>
-              <a:t> </a:t>
-            </a:r>
-            <a:r>
-              <a:rPr/>
-              <a:t>what</a:t>
-            </a:r>
-            <a:r>
-              <a:rPr/>
-              <a:t> </a:t>
-            </a:r>
-            <a:r>
-              <a:rPr/>
-              <a:t>you</a:t>
-            </a:r>
-            <a:r>
-              <a:rPr/>
-              <a:t> </a:t>
-            </a:r>
-            <a:r>
-              <a:rPr/>
-              <a:t>should</a:t>
-            </a:r>
-            <a:r>
-              <a:rPr/>
-              <a:t> </a:t>
-            </a:r>
-            <a:r>
-              <a:rPr/>
-              <a:t>do</a:t>
-            </a:r>
-            <a:r>
-              <a:rPr/>
-              <a:t> </a:t>
-            </a:r>
-            <a:r>
-              <a:rPr/>
-              <a:t>before</a:t>
-            </a:r>
-            <a:r>
-              <a:rPr/>
-              <a:t> </a:t>
-            </a:r>
-            <a:r>
-              <a:rPr/>
-              <a:t>the</a:t>
-            </a:r>
-            <a:r>
-              <a:rPr/>
-              <a:t> </a:t>
-            </a:r>
-            <a:r>
-              <a:rPr/>
-              <a:t>data</a:t>
-            </a:r>
-            <a:r>
-              <a:rPr/>
-              <a:t> </a:t>
-            </a:r>
-            <a:r>
-              <a:rPr/>
-              <a:t>is</a:t>
-            </a:r>
-            <a:r>
-              <a:rPr/>
-              <a:t> </a:t>
-            </a:r>
-            <a:r>
-              <a:rPr/>
-              <a:t>collected.</a:t>
-            </a:r>
-            <a:r>
-              <a:rPr/>
-              <a:t> </a:t>
-            </a:r>
-            <a:r>
-              <a:rPr/>
-              <a:t>If</a:t>
-            </a:r>
-            <a:r>
-              <a:rPr/>
-              <a:t> </a:t>
-            </a:r>
-            <a:r>
-              <a:rPr/>
-              <a:t>the</a:t>
-            </a:r>
-            <a:r>
-              <a:rPr/>
-              <a:t> </a:t>
-            </a:r>
-            <a:r>
-              <a:rPr/>
-              <a:t>data</a:t>
-            </a:r>
-            <a:r>
-              <a:rPr/>
-              <a:t> </a:t>
-            </a:r>
-            <a:r>
-              <a:rPr/>
-              <a:t>is</a:t>
-            </a:r>
-            <a:r>
-              <a:rPr/>
-              <a:t> </a:t>
-            </a:r>
-            <a:r>
-              <a:rPr/>
-              <a:t>already</a:t>
-            </a:r>
-            <a:r>
-              <a:rPr/>
-              <a:t> </a:t>
-            </a:r>
-            <a:r>
-              <a:rPr/>
-              <a:t>collected</a:t>
-            </a:r>
-            <a:r>
-              <a:rPr/>
-              <a:t> </a:t>
-            </a:r>
-            <a:r>
-              <a:rPr/>
-              <a:t>by</a:t>
-            </a:r>
-            <a:r>
-              <a:rPr/>
-              <a:t> </a:t>
-            </a:r>
-            <a:r>
-              <a:rPr/>
-              <a:t>someone</a:t>
-            </a:r>
-            <a:r>
-              <a:rPr/>
-              <a:t> </a:t>
-            </a:r>
-            <a:r>
-              <a:rPr/>
-              <a:t>else,</a:t>
-            </a:r>
-            <a:r>
-              <a:rPr/>
-              <a:t> </a:t>
-            </a:r>
-            <a:r>
-              <a:rPr/>
-              <a:t>then</a:t>
-            </a:r>
-            <a:r>
-              <a:rPr/>
-              <a:t> </a:t>
-            </a:r>
-            <a:r>
-              <a:rPr/>
-              <a:t>you</a:t>
-            </a:r>
-            <a:r>
-              <a:rPr/>
-              <a:t> </a:t>
-            </a:r>
-            <a:r>
-              <a:rPr/>
-              <a:t>have</a:t>
-            </a:r>
-            <a:r>
-              <a:rPr/>
-              <a:t> </a:t>
-            </a:r>
-            <a:r>
-              <a:rPr/>
-              <a:t>to</a:t>
-            </a:r>
-            <a:r>
-              <a:rPr/>
-              <a:t> </a:t>
-            </a:r>
-            <a:r>
-              <a:rPr/>
-              <a:t>live</a:t>
-            </a:r>
-            <a:r>
-              <a:rPr/>
-              <a:t> </a:t>
-            </a:r>
-            <a:r>
-              <a:rPr/>
-              <a:t>with</a:t>
-            </a:r>
-            <a:r>
-              <a:rPr/>
-              <a:t> </a:t>
-            </a:r>
-            <a:r>
-              <a:rPr/>
-              <a:t>the</a:t>
-            </a:r>
-            <a:r>
-              <a:rPr/>
-              <a:t> </a:t>
-            </a:r>
-            <a:r>
-              <a:rPr/>
-              <a:t>limitations</a:t>
-            </a:r>
-            <a:r>
-              <a:rPr/>
-              <a:t> </a:t>
-            </a:r>
-            <a:r>
-              <a:rPr/>
-              <a:t>of</a:t>
-            </a:r>
-            <a:r>
-              <a:rPr/>
-              <a:t> </a:t>
-            </a:r>
-            <a:r>
-              <a:rPr/>
-              <a:t>whatever</a:t>
-            </a:r>
-            <a:r>
-              <a:rPr/>
-              <a:t> </a:t>
-            </a:r>
-            <a:r>
-              <a:rPr/>
-              <a:t>format</a:t>
-            </a:r>
-            <a:r>
-              <a:rPr/>
-              <a:t> </a:t>
-            </a:r>
-            <a:r>
-              <a:rPr/>
-              <a:t>they</a:t>
-            </a:r>
-            <a:r>
-              <a:rPr/>
-              <a:t> </a:t>
-            </a:r>
-            <a:r>
-              <a:rPr/>
-              <a:t>chose.</a:t>
+              <a:t>encounter</a:t>
+            </a:r>
+            <a:r>
+              <a:rPr/>
+              <a:t> </a:t>
+            </a:r>
+            <a:r>
+              <a:rPr/>
+              <a:t>and</a:t>
+            </a:r>
+            <a:r>
+              <a:rPr/>
+              <a:t> </a:t>
+            </a:r>
+            <a:r>
+              <a:rPr/>
+              <a:t>therefore</a:t>
+            </a:r>
+            <a:r>
+              <a:rPr/>
+              <a:t> </a:t>
+            </a:r>
+            <a:r>
+              <a:rPr/>
+              <a:t>multiple</a:t>
+            </a:r>
+            <a:r>
+              <a:rPr/>
+              <a:t> </a:t>
+            </a:r>
+            <a:r>
+              <a:rPr/>
+              <a:t>rows</a:t>
+            </a:r>
+            <a:r>
+              <a:rPr/>
+              <a:t> </a:t>
+            </a:r>
+            <a:r>
+              <a:rPr/>
+              <a:t>per</a:t>
+            </a:r>
+            <a:r>
+              <a:rPr/>
+              <a:t> </a:t>
+            </a:r>
+            <a:r>
+              <a:rPr/>
+              <a:t>patient.</a:t>
             </a:r>
           </a:p>
         </p:txBody>
@@ -9370,7 +9690,7 @@
           <a:p>
             <a:fld id="{18BDFEC3-8487-43E8-A154-7C12CBC1FFF2}" type="slidenum">
               <a:rPr lang="en-US"/>
-              <a:t>58</a:t>
+              <a:t>48</a:t>
             </a:fld>
             <a:endParaRPr lang="en-US"/>
           </a:p>
@@ -9382,6 +9702,974 @@
 </file>
 
 <file path=ppt/notesSlides/notesSlide36.xml><?xml version="1.0" encoding="utf-8"?>
+<p:notes xmlns:a="http://schemas.openxmlformats.org/drawingml/2006/main" xmlns:r="http://schemas.openxmlformats.org/officeDocument/2006/relationships" xmlns:p="http://schemas.openxmlformats.org/presentationml/2006/main">
+  <p:cSld>
+    <p:spTree>
+      <p:nvGrpSpPr>
+        <p:cNvPr id="1" name=""/>
+        <p:cNvGrpSpPr/>
+        <p:nvPr/>
+      </p:nvGrpSpPr>
+      <p:grpSpPr>
+        <a:xfrm>
+          <a:off x="0" y="0"/>
+          <a:ext cx="0" cy="0"/>
+          <a:chOff x="0" y="0"/>
+          <a:chExt cx="0" cy="0"/>
+        </a:xfrm>
+      </p:grpSpPr>
+      <p:sp>
+        <p:nvSpPr>
+          <p:cNvPr id="2" name="Slide Image Placeholder 1"/>
+          <p:cNvSpPr>
+            <a:spLocks noGrp="1" noRot="1" noChangeAspect="1"/>
+          </p:cNvSpPr>
+          <p:nvPr>
+            <p:ph type="sldImg"/>
+          </p:nvPr>
+        </p:nvSpPr>
+        <p:spPr/>
+      </p:sp>
+      <p:sp>
+        <p:nvSpPr>
+          <p:cNvPr id="3" name="Notes Placeholder 2"/>
+          <p:cNvSpPr>
+            <a:spLocks noGrp="1"/>
+          </p:cNvSpPr>
+          <p:nvPr>
+            <p:ph type="body" idx="1"/>
+          </p:nvPr>
+        </p:nvSpPr>
+        <p:spPr/>
+        <p:txBody>
+          <a:bodyPr/>
+          <a:lstStyle/>
+          <a:p>
+            <a:pPr lvl="0" marL="0" indent="0">
+              <a:buNone/>
+            </a:pPr>
+            <a:r>
+              <a:rPr/>
+              <a:t>The</a:t>
+            </a:r>
+            <a:r>
+              <a:rPr/>
+              <a:t> </a:t>
+            </a:r>
+            <a:r>
+              <a:rPr/>
+              <a:t>time</a:t>
+            </a:r>
+            <a:r>
+              <a:rPr/>
+              <a:t> </a:t>
+            </a:r>
+            <a:r>
+              <a:rPr/>
+              <a:t>constant</a:t>
+            </a:r>
+            <a:r>
+              <a:rPr/>
+              <a:t> </a:t>
+            </a:r>
+            <a:r>
+              <a:rPr/>
+              <a:t>variables</a:t>
+            </a:r>
+            <a:r>
+              <a:rPr/>
+              <a:t> </a:t>
+            </a:r>
+            <a:r>
+              <a:rPr/>
+              <a:t>are</a:t>
+            </a:r>
+            <a:r>
+              <a:rPr/>
+              <a:t> </a:t>
+            </a:r>
+            <a:r>
+              <a:rPr/>
+              <a:t>sex,</a:t>
+            </a:r>
+            <a:r>
+              <a:rPr/>
+              <a:t> </a:t>
+            </a:r>
+            <a:r>
+              <a:rPr/>
+              <a:t>age,</a:t>
+            </a:r>
+            <a:r>
+              <a:rPr/>
+              <a:t> </a:t>
+            </a:r>
+            <a:r>
+              <a:rPr/>
+              <a:t>height,</a:t>
+            </a:r>
+            <a:r>
+              <a:rPr/>
+              <a:t> </a:t>
+            </a:r>
+            <a:r>
+              <a:rPr/>
+              <a:t>and</a:t>
+            </a:r>
+            <a:r>
+              <a:rPr/>
+              <a:t> </a:t>
+            </a:r>
+            <a:r>
+              <a:rPr/>
+              <a:t>weight.</a:t>
+            </a:r>
+            <a:r>
+              <a:rPr/>
+              <a:t> </a:t>
+            </a:r>
+            <a:r>
+              <a:rPr/>
+              <a:t>You</a:t>
+            </a:r>
+            <a:r>
+              <a:rPr/>
+              <a:t> </a:t>
+            </a:r>
+            <a:r>
+              <a:rPr/>
+              <a:t>must</a:t>
+            </a:r>
+            <a:r>
+              <a:rPr/>
+              <a:t> </a:t>
+            </a:r>
+            <a:r>
+              <a:rPr/>
+              <a:t>keep</a:t>
+            </a:r>
+            <a:r>
+              <a:rPr/>
+              <a:t> </a:t>
+            </a:r>
+            <a:r>
+              <a:rPr/>
+              <a:t>the</a:t>
+            </a:r>
+            <a:r>
+              <a:rPr/>
+              <a:t> </a:t>
+            </a:r>
+            <a:r>
+              <a:rPr/>
+              <a:t>subject</a:t>
+            </a:r>
+            <a:r>
+              <a:rPr/>
+              <a:t> </a:t>
+            </a:r>
+            <a:r>
+              <a:rPr/>
+              <a:t>id</a:t>
+            </a:r>
+            <a:r>
+              <a:rPr/>
+              <a:t> </a:t>
+            </a:r>
+            <a:r>
+              <a:rPr/>
+              <a:t>in</a:t>
+            </a:r>
+            <a:r>
+              <a:rPr/>
+              <a:t> </a:t>
+            </a:r>
+            <a:r>
+              <a:rPr/>
+              <a:t>this</a:t>
+            </a:r>
+            <a:r>
+              <a:rPr/>
+              <a:t> </a:t>
+            </a:r>
+            <a:r>
+              <a:rPr/>
+              <a:t>dataset</a:t>
+            </a:r>
+            <a:r>
+              <a:rPr/>
+              <a:t> </a:t>
+            </a:r>
+            <a:r>
+              <a:rPr/>
+              <a:t>as</a:t>
+            </a:r>
+            <a:r>
+              <a:rPr/>
+              <a:t> </a:t>
+            </a:r>
+            <a:r>
+              <a:rPr/>
+              <a:t>well</a:t>
+            </a:r>
+            <a:r>
+              <a:rPr/>
+              <a:t> </a:t>
+            </a:r>
+            <a:r>
+              <a:rPr/>
+              <a:t>because</a:t>
+            </a:r>
+            <a:r>
+              <a:rPr/>
+              <a:t> </a:t>
+            </a:r>
+            <a:r>
+              <a:rPr/>
+              <a:t>you</a:t>
+            </a:r>
+            <a:r>
+              <a:rPr/>
+              <a:t> </a:t>
+            </a:r>
+            <a:r>
+              <a:rPr/>
+              <a:t>will</a:t>
+            </a:r>
+            <a:r>
+              <a:rPr/>
+              <a:t> </a:t>
+            </a:r>
+            <a:r>
+              <a:rPr/>
+              <a:t>need</a:t>
+            </a:r>
+            <a:r>
+              <a:rPr/>
+              <a:t> </a:t>
+            </a:r>
+            <a:r>
+              <a:rPr/>
+              <a:t>it</a:t>
+            </a:r>
+            <a:r>
+              <a:rPr/>
+              <a:t> </a:t>
+            </a:r>
+            <a:r>
+              <a:rPr/>
+              <a:t>to</a:t>
+            </a:r>
+            <a:r>
+              <a:rPr/>
+              <a:t> </a:t>
+            </a:r>
+            <a:r>
+              <a:rPr/>
+              <a:t>link</a:t>
+            </a:r>
+            <a:r>
+              <a:rPr/>
+              <a:t> </a:t>
+            </a:r>
+            <a:r>
+              <a:rPr/>
+              <a:t>with</a:t>
+            </a:r>
+            <a:r>
+              <a:rPr/>
+              <a:t> </a:t>
+            </a:r>
+            <a:r>
+              <a:rPr/>
+              <a:t>the</a:t>
+            </a:r>
+            <a:r>
+              <a:rPr/>
+              <a:t> </a:t>
+            </a:r>
+            <a:r>
+              <a:rPr/>
+              <a:t>time</a:t>
+            </a:r>
+            <a:r>
+              <a:rPr/>
+              <a:t> </a:t>
+            </a:r>
+            <a:r>
+              <a:rPr/>
+              <a:t>variable</a:t>
+            </a:r>
+            <a:r>
+              <a:rPr/>
+              <a:t> </a:t>
+            </a:r>
+            <a:r>
+              <a:rPr/>
+              <a:t>data.</a:t>
+            </a:r>
+          </a:p>
+        </p:txBody>
+      </p:sp>
+      <p:sp>
+        <p:nvSpPr>
+          <p:cNvPr id="4" name="Slide Number Placeholder 3"/>
+          <p:cNvSpPr>
+            <a:spLocks noGrp="1"/>
+          </p:cNvSpPr>
+          <p:nvPr>
+            <p:ph type="sldNum" sz="quarter" idx="10"/>
+          </p:nvPr>
+        </p:nvSpPr>
+        <p:spPr/>
+        <p:txBody>
+          <a:bodyPr/>
+          <a:lstStyle/>
+          <a:p>
+            <a:fld id="{18BDFEC3-8487-43E8-A154-7C12CBC1FFF2}" type="slidenum">
+              <a:rPr lang="en-US"/>
+              <a:t>53</a:t>
+            </a:fld>
+            <a:endParaRPr lang="en-US"/>
+          </a:p>
+        </p:txBody>
+      </p:sp>
+    </p:spTree>
+  </p:cSld>
+</p:notes>
+</file>
+
+<file path=ppt/notesSlides/notesSlide37.xml><?xml version="1.0" encoding="utf-8"?>
+<p:notes xmlns:a="http://schemas.openxmlformats.org/drawingml/2006/main" xmlns:r="http://schemas.openxmlformats.org/officeDocument/2006/relationships" xmlns:p="http://schemas.openxmlformats.org/presentationml/2006/main">
+  <p:cSld>
+    <p:spTree>
+      <p:nvGrpSpPr>
+        <p:cNvPr id="1" name=""/>
+        <p:cNvGrpSpPr/>
+        <p:nvPr/>
+      </p:nvGrpSpPr>
+      <p:grpSpPr>
+        <a:xfrm>
+          <a:off x="0" y="0"/>
+          <a:ext cx="0" cy="0"/>
+          <a:chOff x="0" y="0"/>
+          <a:chExt cx="0" cy="0"/>
+        </a:xfrm>
+      </p:grpSpPr>
+      <p:sp>
+        <p:nvSpPr>
+          <p:cNvPr id="2" name="Slide Image Placeholder 1"/>
+          <p:cNvSpPr>
+            <a:spLocks noGrp="1" noRot="1" noChangeAspect="1"/>
+          </p:cNvSpPr>
+          <p:nvPr>
+            <p:ph type="sldImg"/>
+          </p:nvPr>
+        </p:nvSpPr>
+        <p:spPr/>
+      </p:sp>
+      <p:sp>
+        <p:nvSpPr>
+          <p:cNvPr id="3" name="Notes Placeholder 2"/>
+          <p:cNvSpPr>
+            <a:spLocks noGrp="1"/>
+          </p:cNvSpPr>
+          <p:nvPr>
+            <p:ph type="body" idx="1"/>
+          </p:nvPr>
+        </p:nvSpPr>
+        <p:spPr/>
+        <p:txBody>
+          <a:bodyPr/>
+          <a:lstStyle/>
+          <a:p>
+            <a:pPr lvl="0" marL="0" indent="0">
+              <a:buNone/>
+            </a:pPr>
+            <a:r>
+              <a:rPr/>
+              <a:t>Pull</a:t>
+            </a:r>
+            <a:r>
+              <a:rPr/>
+              <a:t> </a:t>
+            </a:r>
+            <a:r>
+              <a:rPr/>
+              <a:t>the</a:t>
+            </a:r>
+            <a:r>
+              <a:rPr/>
+              <a:t> </a:t>
+            </a:r>
+            <a:r>
+              <a:rPr/>
+              <a:t>time</a:t>
+            </a:r>
+            <a:r>
+              <a:rPr/>
+              <a:t> </a:t>
+            </a:r>
+            <a:r>
+              <a:rPr/>
+              <a:t>variable</a:t>
+            </a:r>
+            <a:r>
+              <a:rPr/>
+              <a:t> </a:t>
+            </a:r>
+            <a:r>
+              <a:rPr/>
+              <a:t>data</a:t>
+            </a:r>
+            <a:r>
+              <a:rPr/>
+              <a:t> </a:t>
+            </a:r>
+            <a:r>
+              <a:rPr/>
+              <a:t>from</a:t>
+            </a:r>
+            <a:r>
+              <a:rPr/>
+              <a:t> </a:t>
+            </a:r>
+            <a:r>
+              <a:rPr/>
+              <a:t>the</a:t>
+            </a:r>
+            <a:r>
+              <a:rPr/>
+              <a:t> </a:t>
+            </a:r>
+            <a:r>
+              <a:rPr/>
+              <a:t>tall</a:t>
+            </a:r>
+            <a:r>
+              <a:rPr/>
+              <a:t> </a:t>
+            </a:r>
+            <a:r>
+              <a:rPr/>
+              <a:t>and</a:t>
+            </a:r>
+            <a:r>
+              <a:rPr/>
+              <a:t> </a:t>
+            </a:r>
+            <a:r>
+              <a:rPr/>
+              <a:t>thin</a:t>
+            </a:r>
+            <a:r>
+              <a:rPr/>
+              <a:t> </a:t>
+            </a:r>
+            <a:r>
+              <a:rPr/>
+              <a:t>format.</a:t>
+            </a:r>
+          </a:p>
+          <a:p>
+            <a:pPr lvl="0" marL="0" indent="0">
+              <a:buNone/>
+            </a:pPr>
+          </a:p>
+          <a:p>
+            <a:pPr lvl="0" marL="0" indent="0">
+              <a:buNone/>
+            </a:pPr>
+            <a:r>
+              <a:rPr/>
+              <a:t>Update</a:t>
+            </a:r>
+            <a:r>
+              <a:rPr/>
+              <a:t> </a:t>
+            </a:r>
+            <a:r>
+              <a:rPr/>
+              <a:t>the</a:t>
+            </a:r>
+            <a:r>
+              <a:rPr/>
+              <a:t> </a:t>
+            </a:r>
+            <a:r>
+              <a:rPr/>
+              <a:t>time</a:t>
+            </a:r>
+            <a:r>
+              <a:rPr/>
+              <a:t> </a:t>
+            </a:r>
+            <a:r>
+              <a:rPr/>
+              <a:t>constant</a:t>
+            </a:r>
+            <a:r>
+              <a:rPr/>
+              <a:t> </a:t>
+            </a:r>
+            <a:r>
+              <a:rPr/>
+              <a:t>table</a:t>
+            </a:r>
+            <a:r>
+              <a:rPr/>
+              <a:t> </a:t>
+            </a:r>
+            <a:r>
+              <a:rPr/>
+              <a:t>only</a:t>
+            </a:r>
+            <a:r>
+              <a:rPr/>
+              <a:t> </a:t>
+            </a:r>
+            <a:r>
+              <a:rPr/>
+              <a:t>once.</a:t>
+            </a:r>
+            <a:r>
+              <a:rPr/>
+              <a:t> </a:t>
+            </a:r>
+            <a:r>
+              <a:rPr/>
+              <a:t>Update</a:t>
+            </a:r>
+            <a:r>
+              <a:rPr/>
+              <a:t> </a:t>
+            </a:r>
+            <a:r>
+              <a:rPr/>
+              <a:t>the</a:t>
+            </a:r>
+            <a:r>
+              <a:rPr/>
+              <a:t> </a:t>
+            </a:r>
+            <a:r>
+              <a:rPr/>
+              <a:t>time</a:t>
+            </a:r>
+            <a:r>
+              <a:rPr/>
+              <a:t> </a:t>
+            </a:r>
+            <a:r>
+              <a:rPr/>
+              <a:t>varying</a:t>
+            </a:r>
+            <a:r>
+              <a:rPr/>
+              <a:t> </a:t>
+            </a:r>
+            <a:r>
+              <a:rPr/>
+              <a:t>table</a:t>
+            </a:r>
+            <a:r>
+              <a:rPr/>
+              <a:t> </a:t>
+            </a:r>
+            <a:r>
+              <a:rPr/>
+              <a:t>each</a:t>
+            </a:r>
+            <a:r>
+              <a:rPr/>
+              <a:t> </a:t>
+            </a:r>
+            <a:r>
+              <a:rPr/>
+              <a:t>time</a:t>
+            </a:r>
+            <a:r>
+              <a:rPr/>
+              <a:t> </a:t>
+            </a:r>
+            <a:r>
+              <a:rPr/>
+              <a:t>you</a:t>
+            </a:r>
+            <a:r>
+              <a:rPr/>
+              <a:t> </a:t>
+            </a:r>
+            <a:r>
+              <a:rPr/>
+              <a:t>get</a:t>
+            </a:r>
+            <a:r>
+              <a:rPr/>
+              <a:t> </a:t>
+            </a:r>
+            <a:r>
+              <a:rPr/>
+              <a:t>information</a:t>
+            </a:r>
+            <a:r>
+              <a:rPr/>
+              <a:t> </a:t>
+            </a:r>
+            <a:r>
+              <a:rPr/>
+              <a:t>at</a:t>
+            </a:r>
+            <a:r>
+              <a:rPr/>
+              <a:t> </a:t>
+            </a:r>
+            <a:r>
+              <a:rPr/>
+              <a:t>a</a:t>
+            </a:r>
+            <a:r>
+              <a:rPr/>
+              <a:t> </a:t>
+            </a:r>
+            <a:r>
+              <a:rPr/>
+              <a:t>new</a:t>
+            </a:r>
+            <a:r>
+              <a:rPr/>
+              <a:t> </a:t>
+            </a:r>
+            <a:r>
+              <a:rPr/>
+              <a:t>patient</a:t>
+            </a:r>
+            <a:r>
+              <a:rPr/>
+              <a:t> </a:t>
+            </a:r>
+            <a:r>
+              <a:rPr/>
+              <a:t>visit.</a:t>
+            </a:r>
+          </a:p>
+          <a:p>
+            <a:pPr lvl="0" marL="0" indent="0">
+              <a:buNone/>
+            </a:pPr>
+          </a:p>
+          <a:p>
+            <a:pPr lvl="0" marL="0" indent="0">
+              <a:buNone/>
+            </a:pPr>
+            <a:r>
+              <a:rPr/>
+              <a:t>Note</a:t>
+            </a:r>
+            <a:r>
+              <a:rPr/>
+              <a:t> </a:t>
+            </a:r>
+            <a:r>
+              <a:rPr/>
+              <a:t>that</a:t>
+            </a:r>
+            <a:r>
+              <a:rPr/>
+              <a:t> </a:t>
+            </a:r>
+            <a:r>
+              <a:rPr/>
+              <a:t>this</a:t>
+            </a:r>
+            <a:r>
+              <a:rPr/>
+              <a:t> </a:t>
+            </a:r>
+            <a:r>
+              <a:rPr/>
+              <a:t>is</a:t>
+            </a:r>
+            <a:r>
+              <a:rPr/>
+              <a:t> </a:t>
+            </a:r>
+            <a:r>
+              <a:rPr/>
+              <a:t>what</a:t>
+            </a:r>
+            <a:r>
+              <a:rPr/>
+              <a:t> </a:t>
+            </a:r>
+            <a:r>
+              <a:rPr/>
+              <a:t>you</a:t>
+            </a:r>
+            <a:r>
+              <a:rPr/>
+              <a:t> </a:t>
+            </a:r>
+            <a:r>
+              <a:rPr/>
+              <a:t>should</a:t>
+            </a:r>
+            <a:r>
+              <a:rPr/>
+              <a:t> </a:t>
+            </a:r>
+            <a:r>
+              <a:rPr/>
+              <a:t>do</a:t>
+            </a:r>
+            <a:r>
+              <a:rPr/>
+              <a:t> </a:t>
+            </a:r>
+            <a:r>
+              <a:rPr/>
+              <a:t>before</a:t>
+            </a:r>
+            <a:r>
+              <a:rPr/>
+              <a:t> </a:t>
+            </a:r>
+            <a:r>
+              <a:rPr/>
+              <a:t>the</a:t>
+            </a:r>
+            <a:r>
+              <a:rPr/>
+              <a:t> </a:t>
+            </a:r>
+            <a:r>
+              <a:rPr/>
+              <a:t>data</a:t>
+            </a:r>
+            <a:r>
+              <a:rPr/>
+              <a:t> </a:t>
+            </a:r>
+            <a:r>
+              <a:rPr/>
+              <a:t>is</a:t>
+            </a:r>
+            <a:r>
+              <a:rPr/>
+              <a:t> </a:t>
+            </a:r>
+            <a:r>
+              <a:rPr/>
+              <a:t>collected.</a:t>
+            </a:r>
+            <a:r>
+              <a:rPr/>
+              <a:t> </a:t>
+            </a:r>
+            <a:r>
+              <a:rPr/>
+              <a:t>If</a:t>
+            </a:r>
+            <a:r>
+              <a:rPr/>
+              <a:t> </a:t>
+            </a:r>
+            <a:r>
+              <a:rPr/>
+              <a:t>the</a:t>
+            </a:r>
+            <a:r>
+              <a:rPr/>
+              <a:t> </a:t>
+            </a:r>
+            <a:r>
+              <a:rPr/>
+              <a:t>data</a:t>
+            </a:r>
+            <a:r>
+              <a:rPr/>
+              <a:t> </a:t>
+            </a:r>
+            <a:r>
+              <a:rPr/>
+              <a:t>is</a:t>
+            </a:r>
+            <a:r>
+              <a:rPr/>
+              <a:t> </a:t>
+            </a:r>
+            <a:r>
+              <a:rPr/>
+              <a:t>already</a:t>
+            </a:r>
+            <a:r>
+              <a:rPr/>
+              <a:t> </a:t>
+            </a:r>
+            <a:r>
+              <a:rPr/>
+              <a:t>collected</a:t>
+            </a:r>
+            <a:r>
+              <a:rPr/>
+              <a:t> </a:t>
+            </a:r>
+            <a:r>
+              <a:rPr/>
+              <a:t>by</a:t>
+            </a:r>
+            <a:r>
+              <a:rPr/>
+              <a:t> </a:t>
+            </a:r>
+            <a:r>
+              <a:rPr/>
+              <a:t>someone</a:t>
+            </a:r>
+            <a:r>
+              <a:rPr/>
+              <a:t> </a:t>
+            </a:r>
+            <a:r>
+              <a:rPr/>
+              <a:t>else,</a:t>
+            </a:r>
+            <a:r>
+              <a:rPr/>
+              <a:t> </a:t>
+            </a:r>
+            <a:r>
+              <a:rPr/>
+              <a:t>then</a:t>
+            </a:r>
+            <a:r>
+              <a:rPr/>
+              <a:t> </a:t>
+            </a:r>
+            <a:r>
+              <a:rPr/>
+              <a:t>you</a:t>
+            </a:r>
+            <a:r>
+              <a:rPr/>
+              <a:t> </a:t>
+            </a:r>
+            <a:r>
+              <a:rPr/>
+              <a:t>have</a:t>
+            </a:r>
+            <a:r>
+              <a:rPr/>
+              <a:t> </a:t>
+            </a:r>
+            <a:r>
+              <a:rPr/>
+              <a:t>to</a:t>
+            </a:r>
+            <a:r>
+              <a:rPr/>
+              <a:t> </a:t>
+            </a:r>
+            <a:r>
+              <a:rPr/>
+              <a:t>live</a:t>
+            </a:r>
+            <a:r>
+              <a:rPr/>
+              <a:t> </a:t>
+            </a:r>
+            <a:r>
+              <a:rPr/>
+              <a:t>with</a:t>
+            </a:r>
+            <a:r>
+              <a:rPr/>
+              <a:t> </a:t>
+            </a:r>
+            <a:r>
+              <a:rPr/>
+              <a:t>the</a:t>
+            </a:r>
+            <a:r>
+              <a:rPr/>
+              <a:t> </a:t>
+            </a:r>
+            <a:r>
+              <a:rPr/>
+              <a:t>limitations</a:t>
+            </a:r>
+            <a:r>
+              <a:rPr/>
+              <a:t> </a:t>
+            </a:r>
+            <a:r>
+              <a:rPr/>
+              <a:t>of</a:t>
+            </a:r>
+            <a:r>
+              <a:rPr/>
+              <a:t> </a:t>
+            </a:r>
+            <a:r>
+              <a:rPr/>
+              <a:t>whatever</a:t>
+            </a:r>
+            <a:r>
+              <a:rPr/>
+              <a:t> </a:t>
+            </a:r>
+            <a:r>
+              <a:rPr/>
+              <a:t>format</a:t>
+            </a:r>
+            <a:r>
+              <a:rPr/>
+              <a:t> </a:t>
+            </a:r>
+            <a:r>
+              <a:rPr/>
+              <a:t>they</a:t>
+            </a:r>
+            <a:r>
+              <a:rPr/>
+              <a:t> </a:t>
+            </a:r>
+            <a:r>
+              <a:rPr/>
+              <a:t>chose.</a:t>
+            </a:r>
+          </a:p>
+        </p:txBody>
+      </p:sp>
+      <p:sp>
+        <p:nvSpPr>
+          <p:cNvPr id="4" name="Slide Number Placeholder 3"/>
+          <p:cNvSpPr>
+            <a:spLocks noGrp="1"/>
+          </p:cNvSpPr>
+          <p:nvPr>
+            <p:ph type="sldNum" sz="quarter" idx="10"/>
+          </p:nvPr>
+        </p:nvSpPr>
+        <p:spPr/>
+        <p:txBody>
+          <a:bodyPr/>
+          <a:lstStyle/>
+          <a:p>
+            <a:fld id="{18BDFEC3-8487-43E8-A154-7C12CBC1FFF2}" type="slidenum">
+              <a:rPr lang="en-US"/>
+              <a:t>58</a:t>
+            </a:fld>
+            <a:endParaRPr lang="en-US"/>
+          </a:p>
+        </p:txBody>
+      </p:sp>
+    </p:spTree>
+  </p:cSld>
+</p:notes>
+</file>
+
+<file path=ppt/notesSlides/notesSlide38.xml><?xml version="1.0" encoding="utf-8"?>
 <p:notes xmlns:a="http://schemas.openxmlformats.org/drawingml/2006/main" xmlns:r="http://schemas.openxmlformats.org/officeDocument/2006/relationships" xmlns:p="http://schemas.openxmlformats.org/presentationml/2006/main">
   <p:cSld>
     <p:spTree>
@@ -18283,7 +19571,7 @@
               <a:rPr>
                 <a:latin typeface="Courier"/>
               </a:rPr>
-              <a:t>## [1] "R version 4.1.2 (2021-11-01)"</a:t>
+              <a:t>## [1] "R version 4.1.1 (2021-08-10)"</a:t>
             </a:r>
           </a:p>
           <a:p>
@@ -18314,7 +19602,7 @@
               <a:rPr>
                 <a:latin typeface="Courier"/>
               </a:rPr>
-              <a:t>## [1] "2022-05-01"</a:t>
+              <a:t>## [1] "2022-05-09"</a:t>
             </a:r>
           </a:p>
         </p:txBody>

--- a/introduction-to-r/results/v06-slides-and-speaker-notes.pptx
+++ b/introduction-to-r/results/v06-slides-and-speaker-notes.pptx
@@ -1003,6 +1003,60 @@
               <a:t>format.</a:t>
             </a:r>
           </a:p>
+          <a:p>
+            <a:pPr lvl="0" marL="0" indent="0">
+              <a:buNone/>
+            </a:pPr>
+          </a:p>
+          <a:p>
+            <a:pPr lvl="0" marL="0" indent="0">
+              <a:buNone/>
+            </a:pPr>
+            <a:r>
+              <a:rPr/>
+              <a:t>Look</a:t>
+            </a:r>
+            <a:r>
+              <a:rPr/>
+              <a:t> </a:t>
+            </a:r>
+            <a:r>
+              <a:rPr/>
+              <a:t>here</a:t>
+            </a:r>
+            <a:r>
+              <a:rPr/>
+              <a:t> </a:t>
+            </a:r>
+            <a:r>
+              <a:rPr/>
+              <a:t>for</a:t>
+            </a:r>
+            <a:r>
+              <a:rPr/>
+              <a:t> </a:t>
+            </a:r>
+            <a:r>
+              <a:rPr/>
+              <a:t>more</a:t>
+            </a:r>
+            <a:r>
+              <a:rPr/>
+              <a:t> </a:t>
+            </a:r>
+            <a:r>
+              <a:rPr/>
+              <a:t>details:</a:t>
+            </a:r>
+            <a:r>
+              <a:rPr/>
+              <a:t> </a:t>
+            </a:r>
+            <a:r>
+              <a:rPr/>
+              <a:t>www.statsci.org/data/general/energy.html</a:t>
+            </a:r>
+          </a:p>
         </p:txBody>
       </p:sp>
       <p:sp>
@@ -3867,6 +3921,52 @@
               <a:t>format.</a:t>
             </a:r>
           </a:p>
+          <a:p>
+            <a:pPr lvl="0" marL="0" indent="0">
+              <a:buNone/>
+            </a:pPr>
+          </a:p>
+          <a:p>
+            <a:pPr lvl="0" marL="0" indent="0">
+              <a:buNone/>
+            </a:pPr>
+            <a:r>
+              <a:rPr/>
+              <a:t>For</a:t>
+            </a:r>
+            <a:r>
+              <a:rPr/>
+              <a:t> </a:t>
+            </a:r>
+            <a:r>
+              <a:rPr/>
+              <a:t>more</a:t>
+            </a:r>
+            <a:r>
+              <a:rPr/>
+              <a:t> </a:t>
+            </a:r>
+            <a:r>
+              <a:rPr/>
+              <a:t>information,</a:t>
+            </a:r>
+            <a:r>
+              <a:rPr/>
+              <a:t> </a:t>
+            </a:r>
+            <a:r>
+              <a:rPr/>
+              <a:t>see</a:t>
+            </a:r>
+            <a:r>
+              <a:rPr/>
+              <a:t> </a:t>
+            </a:r>
+            <a:r>
+              <a:rPr/>
+              <a:t>www.statsci.org/data/general/lomaprie.txt</a:t>
+            </a:r>
+          </a:p>
         </p:txBody>
       </p:sp>
       <p:sp>
@@ -7349,6 +7449,76 @@
               <a:t>format.</a:t>
             </a:r>
           </a:p>
+          <a:p>
+            <a:pPr lvl="0" marL="0" indent="0">
+              <a:buNone/>
+            </a:pPr>
+          </a:p>
+          <a:p>
+            <a:pPr lvl="0" marL="0" indent="0">
+              <a:buNone/>
+            </a:pPr>
+            <a:r>
+              <a:rPr/>
+              <a:t>For</a:t>
+            </a:r>
+            <a:r>
+              <a:rPr/>
+              <a:t> </a:t>
+            </a:r>
+            <a:r>
+              <a:rPr/>
+              <a:t>more</a:t>
+            </a:r>
+            <a:r>
+              <a:rPr/>
+              <a:t> </a:t>
+            </a:r>
+            <a:r>
+              <a:rPr/>
+              <a:t>information</a:t>
+            </a:r>
+            <a:r>
+              <a:rPr/>
+              <a:t> </a:t>
+            </a:r>
+            <a:r>
+              <a:rPr/>
+              <a:t>about</a:t>
+            </a:r>
+            <a:r>
+              <a:rPr/>
+              <a:t> </a:t>
+            </a:r>
+            <a:r>
+              <a:rPr/>
+              <a:t>this</a:t>
+            </a:r>
+            <a:r>
+              <a:rPr/>
+              <a:t> </a:t>
+            </a:r>
+            <a:r>
+              <a:rPr/>
+              <a:t>dataset,</a:t>
+            </a:r>
+            <a:r>
+              <a:rPr/>
+              <a:t> </a:t>
+            </a:r>
+            <a:r>
+              <a:rPr/>
+              <a:t>see</a:t>
+            </a:r>
+            <a:r>
+              <a:rPr/>
+              <a:t> </a:t>
+            </a:r>
+            <a:r>
+              <a:rPr/>
+              <a:t>http://www.statsci.org/data/oz/backpain.html</a:t>
+            </a:r>
+          </a:p>
         </p:txBody>
       </p:sp>
       <p:sp>
@@ -8018,31 +8188,71 @@
             </a:pPr>
             <a:r>
               <a:rPr/>
-              <a:t>The</a:t>
-            </a:r>
-            <a:r>
-              <a:rPr/>
-              <a:t> </a:t>
-            </a:r>
-            <a:r>
-              <a:rPr/>
-              <a:t>spread</a:t>
-            </a:r>
-            <a:r>
-              <a:rPr/>
-              <a:t> </a:t>
-            </a:r>
-            <a:r>
-              <a:rPr/>
-              <a:t>function</a:t>
-            </a:r>
-            <a:r>
-              <a:rPr/>
-              <a:t> </a:t>
-            </a:r>
-            <a:r>
-              <a:rPr/>
-              <a:t>takes</a:t>
+              <a:t>There</a:t>
+            </a:r>
+            <a:r>
+              <a:rPr/>
+              <a:t> </a:t>
+            </a:r>
+            <a:r>
+              <a:rPr/>
+              <a:t>are</a:t>
+            </a:r>
+            <a:r>
+              <a:rPr/>
+              <a:t> </a:t>
+            </a:r>
+            <a:r>
+              <a:rPr/>
+              <a:t>33</a:t>
+            </a:r>
+            <a:r>
+              <a:rPr/>
+              <a:t> </a:t>
+            </a:r>
+            <a:r>
+              <a:rPr/>
+              <a:t>rows</a:t>
+            </a:r>
+            <a:r>
+              <a:rPr/>
+              <a:t> </a:t>
+            </a:r>
+            <a:r>
+              <a:rPr/>
+              <a:t>in</a:t>
+            </a:r>
+            <a:r>
+              <a:rPr/>
+              <a:t> </a:t>
+            </a:r>
+            <a:r>
+              <a:rPr/>
+              <a:t>this</a:t>
+            </a:r>
+            <a:r>
+              <a:rPr/>
+              <a:t> </a:t>
+            </a:r>
+            <a:r>
+              <a:rPr/>
+              <a:t>dataset.</a:t>
+            </a:r>
+            <a:r>
+              <a:rPr/>
+              <a:t> </a:t>
+            </a:r>
+            <a:r>
+              <a:rPr/>
+              <a:t>Each</a:t>
+            </a:r>
+            <a:r>
+              <a:rPr/>
+              <a:t> </a:t>
+            </a:r>
+            <a:r>
+              <a:rPr/>
+              <a:t>is</a:t>
             </a:r>
             <a:r>
               <a:rPr/>
@@ -8058,15 +8268,167 @@
             </a:r>
             <a:r>
               <a:rPr/>
-              <a:t>single</a:t>
-            </a:r>
-            <a:r>
-              <a:rPr/>
-              <a:t> </a:t>
-            </a:r>
-            <a:r>
-              <a:rPr/>
-              <a:t>column</a:t>
+              <a:t>different</a:t>
+            </a:r>
+            <a:r>
+              <a:rPr/>
+              <a:t> </a:t>
+            </a:r>
+            <a:r>
+              <a:rPr/>
+              <a:t>subject,</a:t>
+            </a:r>
+            <a:r>
+              <a:rPr/>
+              <a:t> </a:t>
+            </a:r>
+            <a:r>
+              <a:rPr/>
+              <a:t>but</a:t>
+            </a:r>
+            <a:r>
+              <a:rPr/>
+              <a:t> </a:t>
+            </a:r>
+            <a:r>
+              <a:rPr/>
+              <a:t>we</a:t>
+            </a:r>
+            <a:r>
+              <a:rPr/>
+              <a:t> </a:t>
+            </a:r>
+            <a:r>
+              <a:rPr/>
+              <a:t>are</a:t>
+            </a:r>
+            <a:r>
+              <a:rPr/>
+              <a:t> </a:t>
+            </a:r>
+            <a:r>
+              <a:rPr/>
+              <a:t>interested</a:t>
+            </a:r>
+            <a:r>
+              <a:rPr/>
+              <a:t> </a:t>
+            </a:r>
+            <a:r>
+              <a:rPr/>
+              <a:t>in</a:t>
+            </a:r>
+            <a:r>
+              <a:rPr/>
+              <a:t> </a:t>
+            </a:r>
+            <a:r>
+              <a:rPr/>
+              <a:t>examing</a:t>
+            </a:r>
+            <a:r>
+              <a:rPr/>
+              <a:t> </a:t>
+            </a:r>
+            <a:r>
+              <a:rPr/>
+              <a:t>the</a:t>
+            </a:r>
+            <a:r>
+              <a:rPr/>
+              <a:t> </a:t>
+            </a:r>
+            <a:r>
+              <a:rPr/>
+              <a:t>matched</a:t>
+            </a:r>
+            <a:r>
+              <a:rPr/>
+              <a:t> </a:t>
+            </a:r>
+            <a:r>
+              <a:rPr/>
+              <a:t>triples.</a:t>
+            </a:r>
+            <a:r>
+              <a:rPr/>
+              <a:t> </a:t>
+            </a:r>
+            <a:r>
+              <a:rPr/>
+              <a:t>Notice</a:t>
+            </a:r>
+            <a:r>
+              <a:rPr/>
+              <a:t> </a:t>
+            </a:r>
+            <a:r>
+              <a:rPr/>
+              <a:t>for</a:t>
+            </a:r>
+            <a:r>
+              <a:rPr/>
+              <a:t> </a:t>
+            </a:r>
+            <a:r>
+              <a:rPr/>
+              <a:t>example</a:t>
+            </a:r>
+            <a:r>
+              <a:rPr/>
+              <a:t> </a:t>
+            </a:r>
+            <a:r>
+              <a:rPr/>
+              <a:t>that</a:t>
+            </a:r>
+            <a:r>
+              <a:rPr/>
+              <a:t> </a:t>
+            </a:r>
+            <a:r>
+              <a:rPr/>
+              <a:t>the</a:t>
+            </a:r>
+            <a:r>
+              <a:rPr/>
+              <a:t> </a:t>
+            </a:r>
+            <a:r>
+              <a:rPr/>
+              <a:t>ages</a:t>
+            </a:r>
+            <a:r>
+              <a:rPr/>
+              <a:t> </a:t>
+            </a:r>
+            <a:r>
+              <a:rPr/>
+              <a:t>for</a:t>
+            </a:r>
+            <a:r>
+              <a:rPr/>
+              <a:t> </a:t>
+            </a:r>
+            <a:r>
+              <a:rPr/>
+              <a:t>the</a:t>
+            </a:r>
+            <a:r>
+              <a:rPr/>
+              <a:t> </a:t>
+            </a:r>
+            <a:r>
+              <a:rPr/>
+              <a:t>first</a:t>
+            </a:r>
+            <a:r>
+              <a:rPr/>
+              <a:t> </a:t>
+            </a:r>
+            <a:r>
+              <a:rPr/>
+              <a:t>group</a:t>
             </a:r>
             <a:r>
               <a:rPr/>
@@ -8082,6 +8444,286 @@
             </a:r>
             <a:r>
               <a:rPr/>
+              <a:t>three</a:t>
+            </a:r>
+            <a:r>
+              <a:rPr/>
+              <a:t> </a:t>
+            </a:r>
+            <a:r>
+              <a:rPr/>
+              <a:t>matched</a:t>
+            </a:r>
+            <a:r>
+              <a:rPr/>
+              <a:t> </a:t>
+            </a:r>
+            <a:r>
+              <a:rPr/>
+              <a:t>patients</a:t>
+            </a:r>
+            <a:r>
+              <a:rPr/>
+              <a:t> </a:t>
+            </a:r>
+            <a:r>
+              <a:rPr/>
+              <a:t>are</a:t>
+            </a:r>
+            <a:r>
+              <a:rPr/>
+              <a:t> </a:t>
+            </a:r>
+            <a:r>
+              <a:rPr/>
+              <a:t>19,</a:t>
+            </a:r>
+            <a:r>
+              <a:rPr/>
+              <a:t> </a:t>
+            </a:r>
+            <a:r>
+              <a:rPr/>
+              <a:t>22,</a:t>
+            </a:r>
+            <a:r>
+              <a:rPr/>
+              <a:t> </a:t>
+            </a:r>
+            <a:r>
+              <a:rPr/>
+              <a:t>and</a:t>
+            </a:r>
+            <a:r>
+              <a:rPr/>
+              <a:t> </a:t>
+            </a:r>
+            <a:r>
+              <a:rPr/>
+              <a:t>21.</a:t>
+            </a:r>
+            <a:r>
+              <a:rPr/>
+              <a:t> </a:t>
+            </a:r>
+            <a:r>
+              <a:rPr/>
+              <a:t>For</a:t>
+            </a:r>
+            <a:r>
+              <a:rPr/>
+              <a:t> </a:t>
+            </a:r>
+            <a:r>
+              <a:rPr/>
+              <a:t>the</a:t>
+            </a:r>
+            <a:r>
+              <a:rPr/>
+              <a:t> </a:t>
+            </a:r>
+            <a:r>
+              <a:rPr/>
+              <a:t>second</a:t>
+            </a:r>
+            <a:r>
+              <a:rPr/>
+              <a:t> </a:t>
+            </a:r>
+            <a:r>
+              <a:rPr/>
+              <a:t>goup</a:t>
+            </a:r>
+            <a:r>
+              <a:rPr/>
+              <a:t> </a:t>
+            </a:r>
+            <a:r>
+              <a:rPr/>
+              <a:t>of</a:t>
+            </a:r>
+            <a:r>
+              <a:rPr/>
+              <a:t> </a:t>
+            </a:r>
+            <a:r>
+              <a:rPr/>
+              <a:t>matched</a:t>
+            </a:r>
+            <a:r>
+              <a:rPr/>
+              <a:t> </a:t>
+            </a:r>
+            <a:r>
+              <a:rPr/>
+              <a:t>patients,</a:t>
+            </a:r>
+            <a:r>
+              <a:rPr/>
+              <a:t> </a:t>
+            </a:r>
+            <a:r>
+              <a:rPr/>
+              <a:t>that</a:t>
+            </a:r>
+            <a:r>
+              <a:rPr/>
+              <a:t> </a:t>
+            </a:r>
+            <a:r>
+              <a:rPr/>
+              <a:t>are</a:t>
+            </a:r>
+            <a:r>
+              <a:rPr/>
+              <a:t> </a:t>
+            </a:r>
+            <a:r>
+              <a:rPr/>
+              <a:t>18,</a:t>
+            </a:r>
+            <a:r>
+              <a:rPr/>
+              <a:t> </a:t>
+            </a:r>
+            <a:r>
+              <a:rPr/>
+              <a:t>17,</a:t>
+            </a:r>
+            <a:r>
+              <a:rPr/>
+              <a:t> </a:t>
+            </a:r>
+            <a:r>
+              <a:rPr/>
+              <a:t>and</a:t>
+            </a:r>
+            <a:r>
+              <a:rPr/>
+              <a:t> </a:t>
+            </a:r>
+            <a:r>
+              <a:rPr/>
+              <a:t>19.</a:t>
+            </a:r>
+            <a:r>
+              <a:rPr/>
+              <a:t> </a:t>
+            </a:r>
+            <a:r>
+              <a:rPr/>
+              <a:t>That</a:t>
+            </a:r>
+            <a:r>
+              <a:rPr/>
+              <a:t> </a:t>
+            </a:r>
+            <a:r>
+              <a:rPr/>
+              <a:t>looks</a:t>
+            </a:r>
+            <a:r>
+              <a:rPr/>
+              <a:t> </a:t>
+            </a:r>
+            <a:r>
+              <a:rPr/>
+              <a:t>pretty</a:t>
+            </a:r>
+            <a:r>
+              <a:rPr/>
+              <a:t> </a:t>
+            </a:r>
+            <a:r>
+              <a:rPr/>
+              <a:t>good</a:t>
+            </a:r>
+            <a:r>
+              <a:rPr/>
+              <a:t> </a:t>
+            </a:r>
+            <a:r>
+              <a:rPr/>
+              <a:t>to</a:t>
+            </a:r>
+            <a:r>
+              <a:rPr/>
+              <a:t> </a:t>
+            </a:r>
+            <a:r>
+              <a:rPr/>
+              <a:t>me,</a:t>
+            </a:r>
+            <a:r>
+              <a:rPr/>
+              <a:t> </a:t>
+            </a:r>
+            <a:r>
+              <a:rPr/>
+              <a:t>but</a:t>
+            </a:r>
+            <a:r>
+              <a:rPr/>
+              <a:t> </a:t>
+            </a:r>
+            <a:r>
+              <a:rPr/>
+              <a:t>to</a:t>
+            </a:r>
+            <a:r>
+              <a:rPr/>
+              <a:t> </a:t>
+            </a:r>
+            <a:r>
+              <a:rPr/>
+              <a:t>look</a:t>
+            </a:r>
+            <a:r>
+              <a:rPr/>
+              <a:t> </a:t>
+            </a:r>
+            <a:r>
+              <a:rPr/>
+              <a:t>at</a:t>
+            </a:r>
+            <a:r>
+              <a:rPr/>
+              <a:t> </a:t>
+            </a:r>
+            <a:r>
+              <a:rPr/>
+              <a:t>this</a:t>
+            </a:r>
+            <a:r>
+              <a:rPr/>
+              <a:t> </a:t>
+            </a:r>
+            <a:r>
+              <a:rPr/>
+              <a:t>across</a:t>
+            </a:r>
+            <a:r>
+              <a:rPr/>
+              <a:t> </a:t>
+            </a:r>
+            <a:r>
+              <a:rPr/>
+              <a:t>the</a:t>
+            </a:r>
+            <a:r>
+              <a:rPr/>
+              <a:t> </a:t>
+            </a:r>
+            <a:r>
+              <a:rPr/>
+              <a:t>entire</a:t>
+            </a:r>
+            <a:r>
+              <a:rPr/>
+              <a:t> </a:t>
+            </a:r>
+            <a:r>
+              <a:rPr/>
               <a:t>data</a:t>
             </a:r>
             <a:r>
@@ -8090,6 +8732,70 @@
             </a:r>
             <a:r>
               <a:rPr/>
+              <a:t>set,</a:t>
+            </a:r>
+            <a:r>
+              <a:rPr/>
+              <a:t> </a:t>
+            </a:r>
+            <a:r>
+              <a:rPr/>
+              <a:t>we</a:t>
+            </a:r>
+            <a:r>
+              <a:rPr/>
+              <a:t> </a:t>
+            </a:r>
+            <a:r>
+              <a:rPr/>
+              <a:t>need</a:t>
+            </a:r>
+            <a:r>
+              <a:rPr/>
+              <a:t> </a:t>
+            </a:r>
+            <a:r>
+              <a:rPr/>
+              <a:t>to</a:t>
+            </a:r>
+            <a:r>
+              <a:rPr/>
+              <a:t> </a:t>
+            </a:r>
+            <a:r>
+              <a:rPr/>
+              <a:t>put</a:t>
+            </a:r>
+            <a:r>
+              <a:rPr/>
+              <a:t> </a:t>
+            </a:r>
+            <a:r>
+              <a:rPr/>
+              <a:t>the</a:t>
+            </a:r>
+            <a:r>
+              <a:rPr/>
+              <a:t> </a:t>
+            </a:r>
+            <a:r>
+              <a:rPr/>
+              <a:t>ages,</a:t>
+            </a:r>
+            <a:r>
+              <a:rPr/>
+              <a:t> </a:t>
+            </a:r>
+            <a:r>
+              <a:rPr/>
+              <a:t>heights,</a:t>
+            </a:r>
+            <a:r>
+              <a:rPr/>
+              <a:t> </a:t>
+            </a:r>
+            <a:r>
+              <a:rPr/>
               <a:t>and</a:t>
             </a:r>
             <a:r>
@@ -8098,71 +8804,141 @@
             </a:r>
             <a:r>
               <a:rPr/>
-              <a:t>spreads</a:t>
-            </a:r>
-            <a:r>
-              <a:rPr/>
-              <a:t> </a:t>
-            </a:r>
-            <a:r>
-              <a:rPr/>
-              <a:t>it</a:t>
-            </a:r>
-            <a:r>
-              <a:rPr/>
-              <a:t> </a:t>
-            </a:r>
-            <a:r>
-              <a:rPr/>
-              <a:t>across</a:t>
-            </a:r>
-            <a:r>
-              <a:rPr/>
-              <a:t> </a:t>
-            </a:r>
-            <a:r>
-              <a:rPr/>
-              <a:t>multiple</a:t>
-            </a:r>
-            <a:r>
-              <a:rPr/>
-              <a:t> </a:t>
-            </a:r>
-            <a:r>
-              <a:rPr/>
-              <a:t>columns.</a:t>
-            </a:r>
-            <a:r>
-              <a:rPr/>
-              <a:t> </a:t>
-            </a:r>
-            <a:r>
-              <a:rPr/>
-              <a:t>The</a:t>
-            </a:r>
-            <a:r>
-              <a:rPr/>
-              <a:t> </a:t>
-            </a:r>
-            <a:r>
-              <a:rPr/>
-              <a:t>first</a:t>
-            </a:r>
-            <a:r>
-              <a:rPr/>
-              <a:t> </a:t>
-            </a:r>
-            <a:r>
-              <a:rPr/>
-              <a:t>argument</a:t>
-            </a:r>
-            <a:r>
-              <a:rPr/>
-              <a:t> </a:t>
-            </a:r>
-            <a:r>
-              <a:rPr/>
-              <a:t>is</a:t>
+              <a:t>weights</a:t>
+            </a:r>
+            <a:r>
+              <a:rPr/>
+              <a:t> </a:t>
+            </a:r>
+            <a:r>
+              <a:rPr/>
+              <a:t>side</a:t>
+            </a:r>
+            <a:r>
+              <a:rPr/>
+              <a:t> </a:t>
+            </a:r>
+            <a:r>
+              <a:rPr/>
+              <a:t>by</a:t>
+            </a:r>
+            <a:r>
+              <a:rPr/>
+              <a:t> </a:t>
+            </a:r>
+            <a:r>
+              <a:rPr/>
+              <a:t>side</a:t>
+            </a:r>
+            <a:r>
+              <a:rPr/>
+              <a:t> </a:t>
+            </a:r>
+            <a:r>
+              <a:rPr/>
+              <a:t>in</a:t>
+            </a:r>
+            <a:r>
+              <a:rPr/>
+              <a:t> </a:t>
+            </a:r>
+            <a:r>
+              <a:rPr/>
+              <a:t>a</a:t>
+            </a:r>
+            <a:r>
+              <a:rPr/>
+              <a:t> </a:t>
+            </a:r>
+            <a:r>
+              <a:rPr/>
+              <a:t>short</a:t>
+            </a:r>
+            <a:r>
+              <a:rPr/>
+              <a:t> </a:t>
+            </a:r>
+            <a:r>
+              <a:rPr/>
+              <a:t>and</a:t>
+            </a:r>
+            <a:r>
+              <a:rPr/>
+              <a:t> </a:t>
+            </a:r>
+            <a:r>
+              <a:rPr/>
+              <a:t>fat</a:t>
+            </a:r>
+            <a:r>
+              <a:rPr/>
+              <a:t> </a:t>
+            </a:r>
+            <a:r>
+              <a:rPr/>
+              <a:t>format.</a:t>
+            </a:r>
+          </a:p>
+          <a:p>
+            <a:pPr lvl="0" marL="0" indent="0">
+              <a:buNone/>
+            </a:pPr>
+          </a:p>
+          <a:p>
+            <a:pPr lvl="0" marL="0" indent="0">
+              <a:buNone/>
+            </a:pPr>
+            <a:r>
+              <a:rPr/>
+              <a:t>This</a:t>
+            </a:r>
+            <a:r>
+              <a:rPr/>
+              <a:t> </a:t>
+            </a:r>
+            <a:r>
+              <a:rPr/>
+              <a:t>means</a:t>
+            </a:r>
+            <a:r>
+              <a:rPr/>
+              <a:t> </a:t>
+            </a:r>
+            <a:r>
+              <a:rPr/>
+              <a:t>that</a:t>
+            </a:r>
+            <a:r>
+              <a:rPr/>
+              <a:t> </a:t>
+            </a:r>
+            <a:r>
+              <a:rPr/>
+              <a:t>we</a:t>
+            </a:r>
+            <a:r>
+              <a:rPr/>
+              <a:t> </a:t>
+            </a:r>
+            <a:r>
+              <a:rPr/>
+              <a:t>need</a:t>
+            </a:r>
+            <a:r>
+              <a:rPr/>
+              <a:t> </a:t>
+            </a:r>
+            <a:r>
+              <a:rPr/>
+              <a:t>to</a:t>
+            </a:r>
+            <a:r>
+              <a:rPr/>
+              <a:t> </a:t>
+            </a:r>
+            <a:r>
+              <a:rPr/>
+              <a:t>reduce</a:t>
             </a:r>
             <a:r>
               <a:rPr/>
@@ -8178,31 +8954,31 @@
             </a:r>
             <a:r>
               <a:rPr/>
-              <a:t>dataframe</a:t>
-            </a:r>
-            <a:r>
-              <a:rPr/>
-              <a:t> </a:t>
-            </a:r>
-            <a:r>
-              <a:rPr/>
-              <a:t>that</a:t>
-            </a:r>
-            <a:r>
-              <a:rPr/>
-              <a:t> </a:t>
-            </a:r>
-            <a:r>
-              <a:rPr/>
-              <a:t>you</a:t>
-            </a:r>
-            <a:r>
-              <a:rPr/>
-              <a:t> </a:t>
-            </a:r>
-            <a:r>
-              <a:rPr/>
-              <a:t>want</a:t>
+              <a:t>dataset</a:t>
+            </a:r>
+            <a:r>
+              <a:rPr/>
+              <a:t> </a:t>
+            </a:r>
+            <a:r>
+              <a:rPr/>
+              <a:t>from</a:t>
+            </a:r>
+            <a:r>
+              <a:rPr/>
+              <a:t> </a:t>
+            </a:r>
+            <a:r>
+              <a:rPr/>
+              <a:t>33</a:t>
+            </a:r>
+            <a:r>
+              <a:rPr/>
+              <a:t> </a:t>
+            </a:r>
+            <a:r>
+              <a:rPr/>
+              <a:t>rows</a:t>
             </a:r>
             <a:r>
               <a:rPr/>
@@ -8218,39 +8994,55 @@
             </a:r>
             <a:r>
               <a:rPr/>
-              <a:t>transform.</a:t>
-            </a:r>
-            <a:r>
-              <a:rPr/>
-              <a:t> </a:t>
-            </a:r>
-            <a:r>
-              <a:rPr/>
-              <a:t>The</a:t>
-            </a:r>
-            <a:r>
-              <a:rPr/>
-              <a:t> </a:t>
-            </a:r>
-            <a:r>
-              <a:rPr/>
-              <a:t>second</a:t>
-            </a:r>
-            <a:r>
-              <a:rPr/>
-              <a:t> </a:t>
-            </a:r>
-            <a:r>
-              <a:rPr/>
-              <a:t>argument</a:t>
-            </a:r>
-            <a:r>
-              <a:rPr/>
-              <a:t> </a:t>
-            </a:r>
-            <a:r>
-              <a:rPr/>
-              <a:t>gives</a:t>
+              <a:t>11</a:t>
+            </a:r>
+            <a:r>
+              <a:rPr/>
+              <a:t> </a:t>
+            </a:r>
+            <a:r>
+              <a:rPr/>
+              <a:t>rows,</a:t>
+            </a:r>
+            <a:r>
+              <a:rPr/>
+              <a:t> </a:t>
+            </a:r>
+            <a:r>
+              <a:rPr/>
+              <a:t>and</a:t>
+            </a:r>
+            <a:r>
+              <a:rPr/>
+              <a:t> </a:t>
+            </a:r>
+            <a:r>
+              <a:rPr/>
+              <a:t>we</a:t>
+            </a:r>
+            <a:r>
+              <a:rPr/>
+              <a:t> </a:t>
+            </a:r>
+            <a:r>
+              <a:rPr/>
+              <a:t>need</a:t>
+            </a:r>
+            <a:r>
+              <a:rPr/>
+              <a:t> </a:t>
+            </a:r>
+            <a:r>
+              <a:rPr/>
+              <a:t>to</a:t>
+            </a:r>
+            <a:r>
+              <a:rPr/>
+              <a:t> </a:t>
+            </a:r>
+            <a:r>
+              <a:rPr/>
+              <a:t>note</a:t>
             </a:r>
             <a:r>
               <a:rPr/>
@@ -8266,127 +9058,15 @@
             </a:r>
             <a:r>
               <a:rPr/>
-              <a:t>categorical</a:t>
-            </a:r>
-            <a:r>
-              <a:rPr/>
-              <a:t> </a:t>
-            </a:r>
-            <a:r>
-              <a:rPr/>
-              <a:t>variable</a:t>
-            </a:r>
-            <a:r>
-              <a:rPr/>
-              <a:t> </a:t>
-            </a:r>
-            <a:r>
-              <a:rPr/>
-              <a:t>that</a:t>
-            </a:r>
-            <a:r>
-              <a:rPr/>
-              <a:t> </a:t>
-            </a:r>
-            <a:r>
-              <a:rPr/>
-              <a:t>identifies</a:t>
-            </a:r>
-            <a:r>
-              <a:rPr/>
-              <a:t> </a:t>
-            </a:r>
-            <a:r>
-              <a:rPr/>
-              <a:t>which</a:t>
-            </a:r>
-            <a:r>
-              <a:rPr/>
-              <a:t> </a:t>
-            </a:r>
-            <a:r>
-              <a:rPr/>
-              <a:t>new</a:t>
-            </a:r>
-            <a:r>
-              <a:rPr/>
-              <a:t> </a:t>
-            </a:r>
-            <a:r>
-              <a:rPr/>
-              <a:t>column</a:t>
-            </a:r>
-            <a:r>
-              <a:rPr/>
-              <a:t> </a:t>
-            </a:r>
-            <a:r>
-              <a:rPr/>
-              <a:t>a</a:t>
-            </a:r>
-            <a:r>
-              <a:rPr/>
-              <a:t> </a:t>
-            </a:r>
-            <a:r>
-              <a:rPr/>
-              <a:t>particular</a:t>
-            </a:r>
-            <a:r>
-              <a:rPr/>
-              <a:t> </a:t>
-            </a:r>
-            <a:r>
-              <a:rPr/>
-              <a:t>value</a:t>
-            </a:r>
-            <a:r>
-              <a:rPr/>
-              <a:t> </a:t>
-            </a:r>
-            <a:r>
-              <a:rPr/>
-              <a:t>goes</a:t>
-            </a:r>
-            <a:r>
-              <a:rPr/>
-              <a:t> </a:t>
-            </a:r>
-            <a:r>
-              <a:rPr/>
-              <a:t>into.</a:t>
-            </a:r>
-            <a:r>
-              <a:rPr/>
-              <a:t> </a:t>
-            </a:r>
-            <a:r>
-              <a:rPr/>
-              <a:t>The</a:t>
-            </a:r>
-            <a:r>
-              <a:rPr/>
-              <a:t> </a:t>
-            </a:r>
-            <a:r>
-              <a:rPr/>
-              <a:t>third</a:t>
-            </a:r>
-            <a:r>
-              <a:rPr/>
-              <a:t> </a:t>
-            </a:r>
-            <a:r>
-              <a:rPr/>
-              <a:t>argument</a:t>
-            </a:r>
-            <a:r>
-              <a:rPr/>
-              <a:t> </a:t>
-            </a:r>
-            <a:r>
-              <a:rPr/>
-              <a:t>provides</a:t>
+              <a:t>age</a:t>
+            </a:r>
+            <a:r>
+              <a:rPr/>
+              <a:t> </a:t>
+            </a:r>
+            <a:r>
+              <a:rPr/>
+              <a:t>for</a:t>
             </a:r>
             <a:r>
               <a:rPr/>
@@ -8402,23 +9082,47 @@
             </a:r>
             <a:r>
               <a:rPr/>
-              <a:t>values</a:t>
-            </a:r>
-            <a:r>
-              <a:rPr/>
-              <a:t> </a:t>
-            </a:r>
-            <a:r>
-              <a:rPr/>
-              <a:t>that</a:t>
-            </a:r>
-            <a:r>
-              <a:rPr/>
-              <a:t> </a:t>
-            </a:r>
-            <a:r>
-              <a:rPr/>
-              <a:t>in</a:t>
+              <a:t>No</a:t>
+            </a:r>
+            <a:r>
+              <a:rPr/>
+              <a:t> </a:t>
+            </a:r>
+            <a:r>
+              <a:rPr/>
+              <a:t>Pain,</a:t>
+            </a:r>
+            <a:r>
+              <a:rPr/>
+              <a:t> </a:t>
+            </a:r>
+            <a:r>
+              <a:rPr/>
+              <a:t>Pain,</a:t>
+            </a:r>
+            <a:r>
+              <a:rPr/>
+              <a:t> </a:t>
+            </a:r>
+            <a:r>
+              <a:rPr/>
+              <a:t>and</a:t>
+            </a:r>
+            <a:r>
+              <a:rPr/>
+              <a:t> </a:t>
+            </a:r>
+            <a:r>
+              <a:rPr/>
+              <a:t>Sedentary</a:t>
+            </a:r>
+            <a:r>
+              <a:rPr/>
+              <a:t> </a:t>
+            </a:r>
+            <a:r>
+              <a:rPr/>
+              <a:t>patients,</a:t>
             </a:r>
             <a:r>
               <a:rPr/>
@@ -8434,63 +9138,47 @@
             </a:r>
             <a:r>
               <a:rPr/>
-              <a:t>original</a:t>
-            </a:r>
-            <a:r>
-              <a:rPr/>
-              <a:t> </a:t>
-            </a:r>
-            <a:r>
-              <a:rPr/>
-              <a:t>data</a:t>
-            </a:r>
-            <a:r>
-              <a:rPr/>
-              <a:t> </a:t>
-            </a:r>
-            <a:r>
-              <a:rPr/>
-              <a:t>set</a:t>
-            </a:r>
-            <a:r>
-              <a:rPr/>
-              <a:t> </a:t>
-            </a:r>
-            <a:r>
-              <a:rPr/>
-              <a:t>sit</a:t>
-            </a:r>
-            <a:r>
-              <a:rPr/>
-              <a:t> </a:t>
-            </a:r>
-            <a:r>
-              <a:rPr/>
-              <a:t>in</a:t>
-            </a:r>
-            <a:r>
-              <a:rPr/>
-              <a:t> </a:t>
-            </a:r>
-            <a:r>
-              <a:rPr/>
-              <a:t>a</a:t>
-            </a:r>
-            <a:r>
-              <a:rPr/>
-              <a:t> </a:t>
-            </a:r>
-            <a:r>
-              <a:rPr/>
-              <a:t>single</a:t>
-            </a:r>
-            <a:r>
-              <a:rPr/>
-              <a:t> </a:t>
-            </a:r>
-            <a:r>
-              <a:rPr/>
-              <a:t>column</a:t>
+              <a:t>Height</a:t>
+            </a:r>
+            <a:r>
+              <a:rPr/>
+              <a:t> </a:t>
+            </a:r>
+            <a:r>
+              <a:rPr/>
+              <a:t>for</a:t>
+            </a:r>
+            <a:r>
+              <a:rPr/>
+              <a:t> </a:t>
+            </a:r>
+            <a:r>
+              <a:rPr/>
+              <a:t>the</a:t>
+            </a:r>
+            <a:r>
+              <a:rPr/>
+              <a:t> </a:t>
+            </a:r>
+            <a:r>
+              <a:rPr/>
+              <a:t>No</a:t>
+            </a:r>
+            <a:r>
+              <a:rPr/>
+              <a:t> </a:t>
+            </a:r>
+            <a:r>
+              <a:rPr/>
+              <a:t>Pain,</a:t>
+            </a:r>
+            <a:r>
+              <a:rPr/>
+              <a:t> </a:t>
+            </a:r>
+            <a:r>
+              <a:rPr/>
+              <a:t>Pain,</a:t>
             </a:r>
             <a:r>
               <a:rPr/>
@@ -8506,31 +9194,199 @@
             </a:r>
             <a:r>
               <a:rPr/>
-              <a:t>that</a:t>
-            </a:r>
-            <a:r>
-              <a:rPr/>
-              <a:t> </a:t>
-            </a:r>
-            <a:r>
-              <a:rPr/>
-              <a:t>we</a:t>
-            </a:r>
-            <a:r>
-              <a:rPr/>
-              <a:t> </a:t>
-            </a:r>
-            <a:r>
-              <a:rPr/>
-              <a:t>now</a:t>
-            </a:r>
-            <a:r>
-              <a:rPr/>
-              <a:t> </a:t>
-            </a:r>
-            <a:r>
-              <a:rPr/>
-              <a:t>want</a:t>
+              <a:t>Sedentary</a:t>
+            </a:r>
+            <a:r>
+              <a:rPr/>
+              <a:t> </a:t>
+            </a:r>
+            <a:r>
+              <a:rPr/>
+              <a:t>patients,</a:t>
+            </a:r>
+            <a:r>
+              <a:rPr/>
+              <a:t> </a:t>
+            </a:r>
+            <a:r>
+              <a:rPr/>
+              <a:t>and</a:t>
+            </a:r>
+            <a:r>
+              <a:rPr/>
+              <a:t> </a:t>
+            </a:r>
+            <a:r>
+              <a:rPr/>
+              <a:t>the</a:t>
+            </a:r>
+            <a:r>
+              <a:rPr/>
+              <a:t> </a:t>
+            </a:r>
+            <a:r>
+              <a:rPr/>
+              <a:t>Weight</a:t>
+            </a:r>
+            <a:r>
+              <a:rPr/>
+              <a:t> </a:t>
+            </a:r>
+            <a:r>
+              <a:rPr/>
+              <a:t>for</a:t>
+            </a:r>
+            <a:r>
+              <a:rPr/>
+              <a:t> </a:t>
+            </a:r>
+            <a:r>
+              <a:rPr/>
+              <a:t>the</a:t>
+            </a:r>
+            <a:r>
+              <a:rPr/>
+              <a:t> </a:t>
+            </a:r>
+            <a:r>
+              <a:rPr/>
+              <a:t>No</a:t>
+            </a:r>
+            <a:r>
+              <a:rPr/>
+              <a:t> </a:t>
+            </a:r>
+            <a:r>
+              <a:rPr/>
+              <a:t>Pain,</a:t>
+            </a:r>
+            <a:r>
+              <a:rPr/>
+              <a:t> </a:t>
+            </a:r>
+            <a:r>
+              <a:rPr/>
+              <a:t>Pain,</a:t>
+            </a:r>
+            <a:r>
+              <a:rPr/>
+              <a:t> </a:t>
+            </a:r>
+            <a:r>
+              <a:rPr/>
+              <a:t>and</a:t>
+            </a:r>
+            <a:r>
+              <a:rPr/>
+              <a:t> </a:t>
+            </a:r>
+            <a:r>
+              <a:rPr/>
+              <a:t>Sedentary</a:t>
+            </a:r>
+            <a:r>
+              <a:rPr/>
+              <a:t> </a:t>
+            </a:r>
+            <a:r>
+              <a:rPr/>
+              <a:t>patients.</a:t>
+            </a:r>
+            <a:r>
+              <a:rPr/>
+              <a:t> </a:t>
+            </a:r>
+            <a:r>
+              <a:rPr/>
+              <a:t>So</a:t>
+            </a:r>
+            <a:r>
+              <a:rPr/>
+              <a:t> </a:t>
+            </a:r>
+            <a:r>
+              <a:rPr/>
+              <a:t>the</a:t>
+            </a:r>
+            <a:r>
+              <a:rPr/>
+              <a:t> </a:t>
+            </a:r>
+            <a:r>
+              <a:rPr/>
+              <a:t>Age,</a:t>
+            </a:r>
+            <a:r>
+              <a:rPr/>
+              <a:t> </a:t>
+            </a:r>
+            <a:r>
+              <a:rPr/>
+              <a:t>Height,</a:t>
+            </a:r>
+            <a:r>
+              <a:rPr/>
+              <a:t> </a:t>
+            </a:r>
+            <a:r>
+              <a:rPr/>
+              <a:t>and</a:t>
+            </a:r>
+            <a:r>
+              <a:rPr/>
+              <a:t> </a:t>
+            </a:r>
+            <a:r>
+              <a:rPr/>
+              <a:t>Weight</a:t>
+            </a:r>
+            <a:r>
+              <a:rPr/>
+              <a:t> </a:t>
+            </a:r>
+            <a:r>
+              <a:rPr/>
+              <a:t>columns</a:t>
+            </a:r>
+            <a:r>
+              <a:rPr/>
+              <a:t> </a:t>
+            </a:r>
+            <a:r>
+              <a:rPr/>
+              <a:t>will</a:t>
+            </a:r>
+            <a:r>
+              <a:rPr/>
+              <a:t> </a:t>
+            </a:r>
+            <a:r>
+              <a:rPr/>
+              <a:t>be</a:t>
+            </a:r>
+            <a:r>
+              <a:rPr/>
+              <a:t> </a:t>
+            </a:r>
+            <a:r>
+              <a:rPr/>
+              <a:t>expanded</a:t>
+            </a:r>
+            <a:r>
+              <a:rPr/>
+              <a:t> </a:t>
+            </a:r>
+            <a:r>
+              <a:rPr/>
+              <a:t>from</a:t>
+            </a:r>
+            <a:r>
+              <a:rPr/>
+              <a:t> </a:t>
+            </a:r>
+            <a:r>
+              <a:rPr/>
+              <a:t>3</a:t>
             </a:r>
             <a:r>
               <a:rPr/>
@@ -8546,31 +9402,7 @@
             </a:r>
             <a:r>
               <a:rPr/>
-              <a:t>spread</a:t>
-            </a:r>
-            <a:r>
-              <a:rPr/>
-              <a:t> </a:t>
-            </a:r>
-            <a:r>
-              <a:rPr/>
-              <a:t>across</a:t>
-            </a:r>
-            <a:r>
-              <a:rPr/>
-              <a:t> </a:t>
-            </a:r>
-            <a:r>
-              <a:rPr/>
-              <a:t>multiple</a:t>
-            </a:r>
-            <a:r>
-              <a:rPr/>
-              <a:t> </a:t>
-            </a:r>
-            <a:r>
-              <a:rPr/>
-              <a:t>columns.</a:t>
+              <a:t>9.</a:t>
             </a:r>
           </a:p>
         </p:txBody>
@@ -8592,7 +9424,7 @@
           <a:p>
             <a:fld id="{18BDFEC3-8487-43E8-A154-7C12CBC1FFF2}" type="slidenum">
               <a:rPr lang="en-US"/>
-              <a:t>39</a:t>
+              <a:t>37</a:t>
             </a:fld>
             <a:endParaRPr lang="en-US"/>
           </a:p>
@@ -8652,6 +9484,142 @@
             </a:pPr>
             <a:r>
               <a:rPr/>
+              <a:t>To</a:t>
+            </a:r>
+            <a:r>
+              <a:rPr/>
+              <a:t> </a:t>
+            </a:r>
+            <a:r>
+              <a:rPr/>
+              <a:t>expand</a:t>
+            </a:r>
+            <a:r>
+              <a:rPr/>
+              <a:t> </a:t>
+            </a:r>
+            <a:r>
+              <a:rPr/>
+              <a:t>the</a:t>
+            </a:r>
+            <a:r>
+              <a:rPr/>
+              <a:t> </a:t>
+            </a:r>
+            <a:r>
+              <a:rPr/>
+              <a:t>columns</a:t>
+            </a:r>
+            <a:r>
+              <a:rPr/>
+              <a:t> </a:t>
+            </a:r>
+            <a:r>
+              <a:rPr/>
+              <a:t>from</a:t>
+            </a:r>
+            <a:r>
+              <a:rPr/>
+              <a:t> </a:t>
+            </a:r>
+            <a:r>
+              <a:rPr/>
+              <a:t>3</a:t>
+            </a:r>
+            <a:r>
+              <a:rPr/>
+              <a:t> </a:t>
+            </a:r>
+            <a:r>
+              <a:rPr/>
+              <a:t>to</a:t>
+            </a:r>
+            <a:r>
+              <a:rPr/>
+              <a:t> </a:t>
+            </a:r>
+            <a:r>
+              <a:rPr/>
+              <a:t>9,</a:t>
+            </a:r>
+            <a:r>
+              <a:rPr/>
+              <a:t> </a:t>
+            </a:r>
+            <a:r>
+              <a:rPr/>
+              <a:t>we</a:t>
+            </a:r>
+            <a:r>
+              <a:rPr/>
+              <a:t> </a:t>
+            </a:r>
+            <a:r>
+              <a:rPr/>
+              <a:t>need</a:t>
+            </a:r>
+            <a:r>
+              <a:rPr/>
+              <a:t> </a:t>
+            </a:r>
+            <a:r>
+              <a:rPr/>
+              <a:t>to</a:t>
+            </a:r>
+            <a:r>
+              <a:rPr/>
+              <a:t> </a:t>
+            </a:r>
+            <a:r>
+              <a:rPr/>
+              <a:t>pull</a:t>
+            </a:r>
+            <a:r>
+              <a:rPr/>
+              <a:t> </a:t>
+            </a:r>
+            <a:r>
+              <a:rPr/>
+              <a:t>names</a:t>
+            </a:r>
+            <a:r>
+              <a:rPr/>
+              <a:t> </a:t>
+            </a:r>
+            <a:r>
+              <a:rPr/>
+              <a:t>from</a:t>
+            </a:r>
+            <a:r>
+              <a:rPr/>
+              <a:t> </a:t>
+            </a:r>
+            <a:r>
+              <a:rPr/>
+              <a:t>the</a:t>
+            </a:r>
+            <a:r>
+              <a:rPr/>
+              <a:t> </a:t>
+            </a:r>
+            <a:r>
+              <a:rPr/>
+              <a:t>Group</a:t>
+            </a:r>
+            <a:r>
+              <a:rPr/>
+              <a:t> </a:t>
+            </a:r>
+            <a:r>
+              <a:rPr/>
+              <a:t>column.</a:t>
+            </a:r>
+            <a:r>
+              <a:rPr/>
+              <a:t> </a:t>
+            </a:r>
+            <a:r>
+              <a:rPr/>
               <a:t>This</a:t>
             </a:r>
             <a:r>
@@ -8660,15 +9628,31 @@
             </a:r>
             <a:r>
               <a:rPr/>
-              <a:t>code</a:t>
-            </a:r>
-            <a:r>
-              <a:rPr/>
-              <a:t> </a:t>
-            </a:r>
-            <a:r>
-              <a:rPr/>
-              <a:t>shows</a:t>
+              <a:t>will</a:t>
+            </a:r>
+            <a:r>
+              <a:rPr/>
+              <a:t> </a:t>
+            </a:r>
+            <a:r>
+              <a:rPr/>
+              <a:t>be</a:t>
+            </a:r>
+            <a:r>
+              <a:rPr/>
+              <a:t> </a:t>
+            </a:r>
+            <a:r>
+              <a:rPr/>
+              <a:t>appended</a:t>
+            </a:r>
+            <a:r>
+              <a:rPr/>
+              <a:t> </a:t>
+            </a:r>
+            <a:r>
+              <a:rPr/>
+              <a:t>to</a:t>
             </a:r>
             <a:r>
               <a:rPr/>
@@ -8684,87 +9668,15 @@
             </a:r>
             <a:r>
               <a:rPr/>
-              <a:t>agreement</a:t>
-            </a:r>
-            <a:r>
-              <a:rPr/>
-              <a:t> </a:t>
-            </a:r>
-            <a:r>
-              <a:rPr/>
-              <a:t>between</a:t>
-            </a:r>
-            <a:r>
-              <a:rPr/>
-              <a:t> </a:t>
-            </a:r>
-            <a:r>
-              <a:rPr/>
-              <a:t>the</a:t>
-            </a:r>
-            <a:r>
-              <a:rPr/>
-              <a:t> </a:t>
-            </a:r>
-            <a:r>
-              <a:rPr/>
-              <a:t>ages</a:t>
-            </a:r>
-            <a:r>
-              <a:rPr/>
-              <a:t> </a:t>
-            </a:r>
-            <a:r>
-              <a:rPr/>
-              <a:t>of</a:t>
-            </a:r>
-            <a:r>
-              <a:rPr/>
-              <a:t> </a:t>
-            </a:r>
-            <a:r>
-              <a:rPr/>
-              <a:t>the</a:t>
-            </a:r>
-            <a:r>
-              <a:rPr/>
-              <a:t> </a:t>
-            </a:r>
-            <a:r>
-              <a:rPr/>
-              <a:t>patients</a:t>
-            </a:r>
-            <a:r>
-              <a:rPr/>
-              <a:t> </a:t>
-            </a:r>
-            <a:r>
-              <a:rPr/>
-              <a:t>in</a:t>
-            </a:r>
-            <a:r>
-              <a:rPr/>
-              <a:t> </a:t>
-            </a:r>
-            <a:r>
-              <a:rPr/>
-              <a:t>the</a:t>
-            </a:r>
-            <a:r>
-              <a:rPr/>
-              <a:t> </a:t>
-            </a:r>
-            <a:r>
-              <a:rPr/>
-              <a:t>NoPain</a:t>
-            </a:r>
-            <a:r>
-              <a:rPr/>
-              <a:t> </a:t>
-            </a:r>
-            <a:r>
-              <a:rPr/>
-              <a:t>group</a:t>
+              <a:t>Age,</a:t>
+            </a:r>
+            <a:r>
+              <a:rPr/>
+              <a:t> </a:t>
+            </a:r>
+            <a:r>
+              <a:rPr/>
+              <a:t>Height,</a:t>
             </a:r>
             <a:r>
               <a:rPr/>
@@ -8780,47 +9692,15 @@
             </a:r>
             <a:r>
               <a:rPr/>
-              <a:t>the</a:t>
-            </a:r>
-            <a:r>
-              <a:rPr/>
-              <a:t> </a:t>
-            </a:r>
-            <a:r>
-              <a:rPr/>
-              <a:t>patients</a:t>
-            </a:r>
-            <a:r>
-              <a:rPr/>
-              <a:t> </a:t>
-            </a:r>
-            <a:r>
-              <a:rPr/>
-              <a:t>in</a:t>
-            </a:r>
-            <a:r>
-              <a:rPr/>
-              <a:t> </a:t>
-            </a:r>
-            <a:r>
-              <a:rPr/>
-              <a:t>the</a:t>
-            </a:r>
-            <a:r>
-              <a:rPr/>
-              <a:t> </a:t>
-            </a:r>
-            <a:r>
-              <a:rPr/>
-              <a:t>Pain</a:t>
-            </a:r>
-            <a:r>
-              <a:rPr/>
-              <a:t> </a:t>
-            </a:r>
-            <a:r>
-              <a:rPr/>
-              <a:t>group.</a:t>
+              <a:t>Weight</a:t>
+            </a:r>
+            <a:r>
+              <a:rPr/>
+              <a:t> </a:t>
+            </a:r>
+            <a:r>
+              <a:rPr/>
+              <a:t>columns.</a:t>
             </a:r>
           </a:p>
         </p:txBody>
@@ -8842,7 +9722,7 @@
           <a:p>
             <a:fld id="{18BDFEC3-8487-43E8-A154-7C12CBC1FFF2}" type="slidenum">
               <a:rPr lang="en-US"/>
-              <a:t>43</a:t>
+              <a:t>38</a:t>
             </a:fld>
             <a:endParaRPr lang="en-US"/>
           </a:p>
@@ -8902,15 +9782,7 @@
             </a:pPr>
             <a:r>
               <a:rPr/>
-              <a:t>The</a:t>
-            </a:r>
-            <a:r>
-              <a:rPr/>
-              <a:t> </a:t>
-            </a:r>
-            <a:r>
-              <a:rPr/>
-              <a:t>agreement</a:t>
+              <a:t>Here</a:t>
             </a:r>
             <a:r>
               <a:rPr/>
@@ -8926,15 +9798,63 @@
             </a:r>
             <a:r>
               <a:rPr/>
-              <a:t>quite</a:t>
-            </a:r>
-            <a:r>
-              <a:rPr/>
-              <a:t> </a:t>
-            </a:r>
-            <a:r>
-              <a:rPr/>
-              <a:t>good.</a:t>
+              <a:t>the</a:t>
+            </a:r>
+            <a:r>
+              <a:rPr/>
+              <a:t> </a:t>
+            </a:r>
+            <a:r>
+              <a:rPr/>
+              <a:t>structure</a:t>
+            </a:r>
+            <a:r>
+              <a:rPr/>
+              <a:t> </a:t>
+            </a:r>
+            <a:r>
+              <a:rPr/>
+              <a:t>of</a:t>
+            </a:r>
+            <a:r>
+              <a:rPr/>
+              <a:t> </a:t>
+            </a:r>
+            <a:r>
+              <a:rPr/>
+              <a:t>the</a:t>
+            </a:r>
+            <a:r>
+              <a:rPr/>
+              <a:t> </a:t>
+            </a:r>
+            <a:r>
+              <a:rPr/>
+              <a:t>short</a:t>
+            </a:r>
+            <a:r>
+              <a:rPr/>
+              <a:t> </a:t>
+            </a:r>
+            <a:r>
+              <a:rPr/>
+              <a:t>and</a:t>
+            </a:r>
+            <a:r>
+              <a:rPr/>
+              <a:t> </a:t>
+            </a:r>
+            <a:r>
+              <a:rPr/>
+              <a:t>fat</a:t>
+            </a:r>
+            <a:r>
+              <a:rPr/>
+              <a:t> </a:t>
+            </a:r>
+            <a:r>
+              <a:rPr/>
+              <a:t>format.</a:t>
             </a:r>
             <a:r>
               <a:rPr/>
@@ -8950,7 +9870,55 @@
             </a:r>
             <a:r>
               <a:rPr/>
-              <a:t>is</a:t>
+              <a:t>are</a:t>
+            </a:r>
+            <a:r>
+              <a:rPr/>
+              <a:t> </a:t>
+            </a:r>
+            <a:r>
+              <a:rPr/>
+              <a:t>too</a:t>
+            </a:r>
+            <a:r>
+              <a:rPr/>
+              <a:t> </a:t>
+            </a:r>
+            <a:r>
+              <a:rPr/>
+              <a:t>many</a:t>
+            </a:r>
+            <a:r>
+              <a:rPr/>
+              <a:t> </a:t>
+            </a:r>
+            <a:r>
+              <a:rPr/>
+              <a:t>columns</a:t>
+            </a:r>
+            <a:r>
+              <a:rPr/>
+              <a:t> </a:t>
+            </a:r>
+            <a:r>
+              <a:rPr/>
+              <a:t>to</a:t>
+            </a:r>
+            <a:r>
+              <a:rPr/>
+              <a:t> </a:t>
+            </a:r>
+            <a:r>
+              <a:rPr/>
+              <a:t>display</a:t>
+            </a:r>
+            <a:r>
+              <a:rPr/>
+              <a:t> </a:t>
+            </a:r>
+            <a:r>
+              <a:rPr/>
+              <a:t>on</a:t>
             </a:r>
             <a:r>
               <a:rPr/>
@@ -8966,47 +9934,135 @@
             </a:r>
             <a:r>
               <a:rPr/>
-              <a:t>bit</a:t>
-            </a:r>
-            <a:r>
-              <a:rPr/>
-              <a:t> </a:t>
-            </a:r>
-            <a:r>
-              <a:rPr/>
-              <a:t>less</a:t>
-            </a:r>
-            <a:r>
-              <a:rPr/>
-              <a:t> </a:t>
-            </a:r>
-            <a:r>
-              <a:rPr/>
-              <a:t>agreement</a:t>
-            </a:r>
-            <a:r>
-              <a:rPr/>
-              <a:t> </a:t>
-            </a:r>
-            <a:r>
-              <a:rPr/>
-              <a:t>for</a:t>
-            </a:r>
-            <a:r>
-              <a:rPr/>
-              <a:t> </a:t>
-            </a:r>
-            <a:r>
-              <a:rPr/>
-              <a:t>older</a:t>
-            </a:r>
-            <a:r>
-              <a:rPr/>
-              <a:t> </a:t>
-            </a:r>
-            <a:r>
-              <a:rPr/>
-              <a:t>subjects.</a:t>
+              <a:t>single</a:t>
+            </a:r>
+            <a:r>
+              <a:rPr/>
+              <a:t> </a:t>
+            </a:r>
+            <a:r>
+              <a:rPr/>
+              <a:t>PowerPoint</a:t>
+            </a:r>
+            <a:r>
+              <a:rPr/>
+              <a:t> </a:t>
+            </a:r>
+            <a:r>
+              <a:rPr/>
+              <a:t>slide,</a:t>
+            </a:r>
+            <a:r>
+              <a:rPr/>
+              <a:t> </a:t>
+            </a:r>
+            <a:r>
+              <a:rPr/>
+              <a:t>so</a:t>
+            </a:r>
+            <a:r>
+              <a:rPr/>
+              <a:t> </a:t>
+            </a:r>
+            <a:r>
+              <a:rPr/>
+              <a:t>I</a:t>
+            </a:r>
+            <a:r>
+              <a:rPr/>
+              <a:t> </a:t>
+            </a:r>
+            <a:r>
+              <a:rPr/>
+              <a:t>am</a:t>
+            </a:r>
+            <a:r>
+              <a:rPr/>
+              <a:t> </a:t>
+            </a:r>
+            <a:r>
+              <a:rPr/>
+              <a:t>listing</a:t>
+            </a:r>
+            <a:r>
+              <a:rPr/>
+              <a:t> </a:t>
+            </a:r>
+            <a:r>
+              <a:rPr/>
+              <a:t>the</a:t>
+            </a:r>
+            <a:r>
+              <a:rPr/>
+              <a:t> </a:t>
+            </a:r>
+            <a:r>
+              <a:rPr/>
+              <a:t>names</a:t>
+            </a:r>
+            <a:r>
+              <a:rPr/>
+              <a:t> </a:t>
+            </a:r>
+            <a:r>
+              <a:rPr/>
+              <a:t>of</a:t>
+            </a:r>
+            <a:r>
+              <a:rPr/>
+              <a:t> </a:t>
+            </a:r>
+            <a:r>
+              <a:rPr/>
+              <a:t>the</a:t>
+            </a:r>
+            <a:r>
+              <a:rPr/>
+              <a:t> </a:t>
+            </a:r>
+            <a:r>
+              <a:rPr/>
+              <a:t>remaining</a:t>
+            </a:r>
+            <a:r>
+              <a:rPr/>
+              <a:t> </a:t>
+            </a:r>
+            <a:r>
+              <a:rPr/>
+              <a:t>columns</a:t>
+            </a:r>
+            <a:r>
+              <a:rPr/>
+              <a:t> </a:t>
+            </a:r>
+            <a:r>
+              <a:rPr/>
+              <a:t>on</a:t>
+            </a:r>
+            <a:r>
+              <a:rPr/>
+              <a:t> </a:t>
+            </a:r>
+            <a:r>
+              <a:rPr/>
+              <a:t>a</a:t>
+            </a:r>
+            <a:r>
+              <a:rPr/>
+              <a:t> </a:t>
+            </a:r>
+            <a:r>
+              <a:rPr/>
+              <a:t>separate</a:t>
+            </a:r>
+            <a:r>
+              <a:rPr/>
+              <a:t> </a:t>
+            </a:r>
+            <a:r>
+              <a:rPr/>
+              <a:t>slide.</a:t>
             </a:r>
           </a:p>
         </p:txBody>
@@ -9028,7 +10084,7 @@
           <a:p>
             <a:fld id="{18BDFEC3-8487-43E8-A154-7C12CBC1FFF2}" type="slidenum">
               <a:rPr lang="en-US"/>
-              <a:t>44</a:t>
+              <a:t>39</a:t>
             </a:fld>
             <a:endParaRPr lang="en-US"/>
           </a:p>
@@ -9088,15 +10144,263 @@
             </a:pPr>
             <a:r>
               <a:rPr/>
-              <a:t>I</a:t>
-            </a:r>
-            <a:r>
-              <a:rPr/>
-              <a:t> </a:t>
-            </a:r>
-            <a:r>
-              <a:rPr/>
-              <a:t>want</a:t>
+              <a:t>One</a:t>
+            </a:r>
+            <a:r>
+              <a:rPr/>
+              <a:t> </a:t>
+            </a:r>
+            <a:r>
+              <a:rPr/>
+              <a:t>thing</a:t>
+            </a:r>
+            <a:r>
+              <a:rPr/>
+              <a:t> </a:t>
+            </a:r>
+            <a:r>
+              <a:rPr/>
+              <a:t>that</a:t>
+            </a:r>
+            <a:r>
+              <a:rPr/>
+              <a:t> </a:t>
+            </a:r>
+            <a:r>
+              <a:rPr/>
+              <a:t>you</a:t>
+            </a:r>
+            <a:r>
+              <a:rPr/>
+              <a:t> </a:t>
+            </a:r>
+            <a:r>
+              <a:rPr/>
+              <a:t>can</a:t>
+            </a:r>
+            <a:r>
+              <a:rPr/>
+              <a:t> </a:t>
+            </a:r>
+            <a:r>
+              <a:rPr/>
+              <a:t>do</a:t>
+            </a:r>
+            <a:r>
+              <a:rPr/>
+              <a:t> </a:t>
+            </a:r>
+            <a:r>
+              <a:rPr/>
+              <a:t>in</a:t>
+            </a:r>
+            <a:r>
+              <a:rPr/>
+              <a:t> </a:t>
+            </a:r>
+            <a:r>
+              <a:rPr/>
+              <a:t>the</a:t>
+            </a:r>
+            <a:r>
+              <a:rPr/>
+              <a:t> </a:t>
+            </a:r>
+            <a:r>
+              <a:rPr/>
+              <a:t>new</a:t>
+            </a:r>
+            <a:r>
+              <a:rPr/>
+              <a:t> </a:t>
+            </a:r>
+            <a:r>
+              <a:rPr/>
+              <a:t>format</a:t>
+            </a:r>
+            <a:r>
+              <a:rPr/>
+              <a:t> </a:t>
+            </a:r>
+            <a:r>
+              <a:rPr/>
+              <a:t>that</a:t>
+            </a:r>
+            <a:r>
+              <a:rPr/>
+              <a:t> </a:t>
+            </a:r>
+            <a:r>
+              <a:rPr/>
+              <a:t>couldn’t</a:t>
+            </a:r>
+            <a:r>
+              <a:rPr/>
+              <a:t> </a:t>
+            </a:r>
+            <a:r>
+              <a:rPr/>
+              <a:t>be</a:t>
+            </a:r>
+            <a:r>
+              <a:rPr/>
+              <a:t> </a:t>
+            </a:r>
+            <a:r>
+              <a:rPr/>
+              <a:t>done</a:t>
+            </a:r>
+            <a:r>
+              <a:rPr/>
+              <a:t> </a:t>
+            </a:r>
+            <a:r>
+              <a:rPr/>
+              <a:t>in</a:t>
+            </a:r>
+            <a:r>
+              <a:rPr/>
+              <a:t> </a:t>
+            </a:r>
+            <a:r>
+              <a:rPr/>
+              <a:t>the</a:t>
+            </a:r>
+            <a:r>
+              <a:rPr/>
+              <a:t> </a:t>
+            </a:r>
+            <a:r>
+              <a:rPr/>
+              <a:t>old</a:t>
+            </a:r>
+            <a:r>
+              <a:rPr/>
+              <a:t> </a:t>
+            </a:r>
+            <a:r>
+              <a:rPr/>
+              <a:t>format</a:t>
+            </a:r>
+            <a:r>
+              <a:rPr/>
+              <a:t> </a:t>
+            </a:r>
+            <a:r>
+              <a:rPr/>
+              <a:t>is</a:t>
+            </a:r>
+            <a:r>
+              <a:rPr/>
+              <a:t> </a:t>
+            </a:r>
+            <a:r>
+              <a:rPr/>
+              <a:t>graphically</a:t>
+            </a:r>
+            <a:r>
+              <a:rPr/>
+              <a:t> </a:t>
+            </a:r>
+            <a:r>
+              <a:rPr/>
+              <a:t>displaying</a:t>
+            </a:r>
+            <a:r>
+              <a:rPr/>
+              <a:t> </a:t>
+            </a:r>
+            <a:r>
+              <a:rPr/>
+              <a:t>the</a:t>
+            </a:r>
+            <a:r>
+              <a:rPr/>
+              <a:t> </a:t>
+            </a:r>
+            <a:r>
+              <a:rPr/>
+              <a:t>closeness</a:t>
+            </a:r>
+            <a:r>
+              <a:rPr/>
+              <a:t> </a:t>
+            </a:r>
+            <a:r>
+              <a:rPr/>
+              <a:t>of</a:t>
+            </a:r>
+            <a:r>
+              <a:rPr/>
+              <a:t> </a:t>
+            </a:r>
+            <a:r>
+              <a:rPr/>
+              <a:t>matching.</a:t>
+            </a:r>
+            <a:r>
+              <a:rPr/>
+              <a:t> </a:t>
+            </a:r>
+            <a:r>
+              <a:rPr/>
+              <a:t>In</a:t>
+            </a:r>
+            <a:r>
+              <a:rPr/>
+              <a:t> </a:t>
+            </a:r>
+            <a:r>
+              <a:rPr/>
+              <a:t>a</a:t>
+            </a:r>
+            <a:r>
+              <a:rPr/>
+              <a:t> </a:t>
+            </a:r>
+            <a:r>
+              <a:rPr/>
+              <a:t>visualization</a:t>
+            </a:r>
+            <a:r>
+              <a:rPr/>
+              <a:t> </a:t>
+            </a:r>
+            <a:r>
+              <a:rPr/>
+              <a:t>of</a:t>
+            </a:r>
+            <a:r>
+              <a:rPr/>
+              <a:t> </a:t>
+            </a:r>
+            <a:r>
+              <a:rPr/>
+              <a:t>matching,</a:t>
+            </a:r>
+            <a:r>
+              <a:rPr/>
+              <a:t> </a:t>
+            </a:r>
+            <a:r>
+              <a:rPr/>
+              <a:t>it</a:t>
+            </a:r>
+            <a:r>
+              <a:rPr/>
+              <a:t> </a:t>
+            </a:r>
+            <a:r>
+              <a:rPr/>
+              <a:t>is</a:t>
+            </a:r>
+            <a:r>
+              <a:rPr/>
+              <a:t> </a:t>
+            </a:r>
+            <a:r>
+              <a:rPr/>
+              <a:t>important</a:t>
             </a:r>
             <a:r>
               <a:rPr/>
@@ -9112,31 +10416,79 @@
             </a:r>
             <a:r>
               <a:rPr/>
-              <a:t>keep</a:t>
-            </a:r>
-            <a:r>
-              <a:rPr/>
-              <a:t> </a:t>
-            </a:r>
-            <a:r>
-              <a:rPr/>
-              <a:t>these</a:t>
-            </a:r>
-            <a:r>
-              <a:rPr/>
-              <a:t> </a:t>
-            </a:r>
-            <a:r>
-              <a:rPr/>
-              <a:t>videos</a:t>
-            </a:r>
-            <a:r>
-              <a:rPr/>
-              <a:t> </a:t>
-            </a:r>
-            <a:r>
-              <a:rPr/>
-              <a:t>short,</a:t>
+              <a:t>use</a:t>
+            </a:r>
+            <a:r>
+              <a:rPr/>
+              <a:t> </a:t>
+            </a:r>
+            <a:r>
+              <a:rPr/>
+              <a:t>the</a:t>
+            </a:r>
+            <a:r>
+              <a:rPr/>
+              <a:t> </a:t>
+            </a:r>
+            <a:r>
+              <a:rPr/>
+              <a:t>same</a:t>
+            </a:r>
+            <a:r>
+              <a:rPr/>
+              <a:t> </a:t>
+            </a:r>
+            <a:r>
+              <a:rPr/>
+              <a:t>scale</a:t>
+            </a:r>
+            <a:r>
+              <a:rPr/>
+              <a:t> </a:t>
+            </a:r>
+            <a:r>
+              <a:rPr/>
+              <a:t>for</a:t>
+            </a:r>
+            <a:r>
+              <a:rPr/>
+              <a:t> </a:t>
+            </a:r>
+            <a:r>
+              <a:rPr/>
+              <a:t>the</a:t>
+            </a:r>
+            <a:r>
+              <a:rPr/>
+              <a:t> </a:t>
+            </a:r>
+            <a:r>
+              <a:rPr/>
+              <a:t>X</a:t>
+            </a:r>
+            <a:r>
+              <a:rPr/>
+              <a:t> </a:t>
+            </a:r>
+            <a:r>
+              <a:rPr/>
+              <a:t>and</a:t>
+            </a:r>
+            <a:r>
+              <a:rPr/>
+              <a:t> </a:t>
+            </a:r>
+            <a:r>
+              <a:rPr/>
+              <a:t>Y</a:t>
+            </a:r>
+            <a:r>
+              <a:rPr/>
+              <a:t> </a:t>
+            </a:r>
+            <a:r>
+              <a:rPr/>
+              <a:t>axis,</a:t>
             </a:r>
             <a:r>
               <a:rPr/>
@@ -9152,23 +10504,167 @@
             </a:r>
             <a:r>
               <a:rPr/>
-              <a:t>let’s</a:t>
-            </a:r>
-            <a:r>
-              <a:rPr/>
-              <a:t> </a:t>
-            </a:r>
-            <a:r>
-              <a:rPr/>
-              <a:t>stop</a:t>
-            </a:r>
-            <a:r>
-              <a:rPr/>
-              <a:t> </a:t>
-            </a:r>
-            <a:r>
-              <a:rPr/>
-              <a:t>here.</a:t>
+              <a:t>your</a:t>
+            </a:r>
+            <a:r>
+              <a:rPr/>
+              <a:t> </a:t>
+            </a:r>
+            <a:r>
+              <a:rPr/>
+              <a:t>first</a:t>
+            </a:r>
+            <a:r>
+              <a:rPr/>
+              <a:t> </a:t>
+            </a:r>
+            <a:r>
+              <a:rPr/>
+              <a:t>step</a:t>
+            </a:r>
+            <a:r>
+              <a:rPr/>
+              <a:t> </a:t>
+            </a:r>
+            <a:r>
+              <a:rPr/>
+              <a:t>is</a:t>
+            </a:r>
+            <a:r>
+              <a:rPr/>
+              <a:t> </a:t>
+            </a:r>
+            <a:r>
+              <a:rPr/>
+              <a:t>to</a:t>
+            </a:r>
+            <a:r>
+              <a:rPr/>
+              <a:t> </a:t>
+            </a:r>
+            <a:r>
+              <a:rPr/>
+              <a:t>find</a:t>
+            </a:r>
+            <a:r>
+              <a:rPr/>
+              <a:t> </a:t>
+            </a:r>
+            <a:r>
+              <a:rPr/>
+              <a:t>a</a:t>
+            </a:r>
+            <a:r>
+              <a:rPr/>
+              <a:t> </a:t>
+            </a:r>
+            <a:r>
+              <a:rPr/>
+              <a:t>range</a:t>
+            </a:r>
+            <a:r>
+              <a:rPr/>
+              <a:t> </a:t>
+            </a:r>
+            <a:r>
+              <a:rPr/>
+              <a:t>that</a:t>
+            </a:r>
+            <a:r>
+              <a:rPr/>
+              <a:t> </a:t>
+            </a:r>
+            <a:r>
+              <a:rPr/>
+              <a:t>would</a:t>
+            </a:r>
+            <a:r>
+              <a:rPr/>
+              <a:t> </a:t>
+            </a:r>
+            <a:r>
+              <a:rPr/>
+              <a:t>include</a:t>
+            </a:r>
+            <a:r>
+              <a:rPr/>
+              <a:t> </a:t>
+            </a:r>
+            <a:r>
+              <a:rPr/>
+              <a:t>Ages</a:t>
+            </a:r>
+            <a:r>
+              <a:rPr/>
+              <a:t> </a:t>
+            </a:r>
+            <a:r>
+              <a:rPr/>
+              <a:t>for</a:t>
+            </a:r>
+            <a:r>
+              <a:rPr/>
+              <a:t> </a:t>
+            </a:r>
+            <a:r>
+              <a:rPr/>
+              <a:t>the</a:t>
+            </a:r>
+            <a:r>
+              <a:rPr/>
+              <a:t> </a:t>
+            </a:r>
+            <a:r>
+              <a:rPr/>
+              <a:t>Pain,</a:t>
+            </a:r>
+            <a:r>
+              <a:rPr/>
+              <a:t> </a:t>
+            </a:r>
+            <a:r>
+              <a:rPr/>
+              <a:t>No</a:t>
+            </a:r>
+            <a:r>
+              <a:rPr/>
+              <a:t> </a:t>
+            </a:r>
+            <a:r>
+              <a:rPr/>
+              <a:t>Pain,</a:t>
+            </a:r>
+            <a:r>
+              <a:rPr/>
+              <a:t> </a:t>
+            </a:r>
+            <a:r>
+              <a:rPr/>
+              <a:t>and</a:t>
+            </a:r>
+            <a:r>
+              <a:rPr/>
+              <a:t> </a:t>
+            </a:r>
+            <a:r>
+              <a:rPr/>
+              <a:t>Sedentary</a:t>
+            </a:r>
+            <a:r>
+              <a:rPr/>
+              <a:t> </a:t>
+            </a:r>
+            <a:r>
+              <a:rPr/>
+              <a:t>groups</a:t>
+            </a:r>
+            <a:r>
+              <a:rPr/>
+              <a:t> </a:t>
+            </a:r>
+            <a:r>
+              <a:rPr/>
+              <a:t>combined.</a:t>
             </a:r>
           </a:p>
         </p:txBody>
@@ -9190,7 +10686,7 @@
           <a:p>
             <a:fld id="{18BDFEC3-8487-43E8-A154-7C12CBC1FFF2}" type="slidenum">
               <a:rPr lang="en-US"/>
-              <a:t>45</a:t>
+              <a:t>41</a:t>
             </a:fld>
             <a:endParaRPr lang="en-US"/>
           </a:p>
@@ -9250,7 +10746,71 @@
             </a:pPr>
             <a:r>
               <a:rPr/>
-              <a:t>Here</a:t>
+              <a:t>Getting</a:t>
+            </a:r>
+            <a:r>
+              <a:rPr/>
+              <a:t> </a:t>
+            </a:r>
+            <a:r>
+              <a:rPr/>
+              <a:t>the</a:t>
+            </a:r>
+            <a:r>
+              <a:rPr/>
+              <a:t> </a:t>
+            </a:r>
+            <a:r>
+              <a:rPr/>
+              <a:t>Age_Pain</a:t>
+            </a:r>
+            <a:r>
+              <a:rPr/>
+              <a:t> </a:t>
+            </a:r>
+            <a:r>
+              <a:rPr/>
+              <a:t>and</a:t>
+            </a:r>
+            <a:r>
+              <a:rPr/>
+              <a:t> </a:t>
+            </a:r>
+            <a:r>
+              <a:rPr/>
+              <a:t>Age_NoPain</a:t>
+            </a:r>
+            <a:r>
+              <a:rPr/>
+              <a:t> </a:t>
+            </a:r>
+            <a:r>
+              <a:rPr/>
+              <a:t>values</a:t>
+            </a:r>
+            <a:r>
+              <a:rPr/>
+              <a:t> </a:t>
+            </a:r>
+            <a:r>
+              <a:rPr/>
+              <a:t>in</a:t>
+            </a:r>
+            <a:r>
+              <a:rPr/>
+              <a:t> </a:t>
+            </a:r>
+            <a:r>
+              <a:rPr/>
+              <a:t>a</a:t>
+            </a:r>
+            <a:r>
+              <a:rPr/>
+              <a:t> </a:t>
+            </a:r>
+            <a:r>
+              <a:rPr/>
+              <a:t>scatterplot</a:t>
             </a:r>
             <a:r>
               <a:rPr/>
@@ -9266,6 +10826,150 @@
             </a:r>
             <a:r>
               <a:rPr/>
+              <a:t>pretty</a:t>
+            </a:r>
+            <a:r>
+              <a:rPr/>
+              <a:t> </a:t>
+            </a:r>
+            <a:r>
+              <a:rPr/>
+              <a:t>easy.</a:t>
+            </a:r>
+            <a:r>
+              <a:rPr/>
+              <a:t> </a:t>
+            </a:r>
+            <a:r>
+              <a:rPr/>
+              <a:t>They</a:t>
+            </a:r>
+            <a:r>
+              <a:rPr/>
+              <a:t> </a:t>
+            </a:r>
+            <a:r>
+              <a:rPr/>
+              <a:t>are</a:t>
+            </a:r>
+            <a:r>
+              <a:rPr/>
+              <a:t> </a:t>
+            </a:r>
+            <a:r>
+              <a:rPr/>
+              <a:t>plotted</a:t>
+            </a:r>
+            <a:r>
+              <a:rPr/>
+              <a:t> </a:t>
+            </a:r>
+            <a:r>
+              <a:rPr/>
+              <a:t>in</a:t>
+            </a:r>
+            <a:r>
+              <a:rPr/>
+              <a:t> </a:t>
+            </a:r>
+            <a:r>
+              <a:rPr/>
+              <a:t>dark</a:t>
+            </a:r>
+            <a:r>
+              <a:rPr/>
+              <a:t> </a:t>
+            </a:r>
+            <a:r>
+              <a:rPr/>
+              <a:t>green.</a:t>
+            </a:r>
+            <a:r>
+              <a:rPr/>
+              <a:t> </a:t>
+            </a:r>
+            <a:r>
+              <a:rPr/>
+              <a:t>Plotting</a:t>
+            </a:r>
+            <a:r>
+              <a:rPr/>
+              <a:t> </a:t>
+            </a:r>
+            <a:r>
+              <a:rPr/>
+              <a:t>Age_Pain</a:t>
+            </a:r>
+            <a:r>
+              <a:rPr/>
+              <a:t> </a:t>
+            </a:r>
+            <a:r>
+              <a:rPr/>
+              <a:t>versus</a:t>
+            </a:r>
+            <a:r>
+              <a:rPr/>
+              <a:t> </a:t>
+            </a:r>
+            <a:r>
+              <a:rPr/>
+              <a:t>Age</a:t>
+            </a:r>
+            <a:r>
+              <a:rPr/>
+              <a:t> </a:t>
+            </a:r>
+            <a:r>
+              <a:rPr/>
+              <a:t>_sedentary</a:t>
+            </a:r>
+            <a:r>
+              <a:rPr/>
+              <a:t> </a:t>
+            </a:r>
+            <a:r>
+              <a:rPr/>
+              <a:t>requires</a:t>
+            </a:r>
+            <a:r>
+              <a:rPr/>
+              <a:t> </a:t>
+            </a:r>
+            <a:r>
+              <a:rPr/>
+              <a:t>a</a:t>
+            </a:r>
+            <a:r>
+              <a:rPr/>
+              <a:t> </a:t>
+            </a:r>
+            <a:r>
+              <a:rPr/>
+              <a:t>second</a:t>
+            </a:r>
+            <a:r>
+              <a:rPr/>
+              <a:t> </a:t>
+            </a:r>
+            <a:r>
+              <a:rPr/>
+              <a:t>call</a:t>
+            </a:r>
+            <a:r>
+              <a:rPr/>
+              <a:t> </a:t>
+            </a:r>
+            <a:r>
+              <a:rPr/>
+              <a:t>to</a:t>
+            </a:r>
+            <a:r>
+              <a:rPr/>
+              <a:t> </a:t>
+            </a:r>
+            <a:r>
+              <a:rPr/>
               <a:t>the</a:t>
             </a:r>
             <a:r>
@@ -9274,159 +10978,15 @@
             </a:r>
             <a:r>
               <a:rPr/>
-              <a:t>short</a:t>
-            </a:r>
-            <a:r>
-              <a:rPr/>
-              <a:t> </a:t>
-            </a:r>
-            <a:r>
-              <a:rPr/>
-              <a:t>and</a:t>
-            </a:r>
-            <a:r>
-              <a:rPr/>
-              <a:t> </a:t>
-            </a:r>
-            <a:r>
-              <a:rPr/>
-              <a:t>fat</a:t>
-            </a:r>
-            <a:r>
-              <a:rPr/>
-              <a:t> </a:t>
-            </a:r>
-            <a:r>
-              <a:rPr/>
-              <a:t>format</a:t>
-            </a:r>
-            <a:r>
-              <a:rPr/>
-              <a:t> </a:t>
-            </a:r>
-            <a:r>
-              <a:rPr/>
-              <a:t>again.</a:t>
-            </a:r>
-            <a:r>
-              <a:rPr/>
-              <a:t> </a:t>
-            </a:r>
-            <a:r>
-              <a:rPr/>
-              <a:t>It</a:t>
-            </a:r>
-            <a:r>
-              <a:rPr/>
-              <a:t> </a:t>
-            </a:r>
-            <a:r>
-              <a:rPr/>
-              <a:t>has</a:t>
-            </a:r>
-            <a:r>
-              <a:rPr/>
-              <a:t> </a:t>
-            </a:r>
-            <a:r>
-              <a:rPr/>
-              <a:t>one</a:t>
-            </a:r>
-            <a:r>
-              <a:rPr/>
-              <a:t> </a:t>
-            </a:r>
-            <a:r>
-              <a:rPr/>
-              <a:t>row</a:t>
-            </a:r>
-            <a:r>
-              <a:rPr/>
-              <a:t> </a:t>
-            </a:r>
-            <a:r>
-              <a:rPr/>
-              <a:t>per</a:t>
-            </a:r>
-            <a:r>
-              <a:rPr/>
-              <a:t> </a:t>
-            </a:r>
-            <a:r>
-              <a:rPr/>
-              <a:t>patient</a:t>
-            </a:r>
-            <a:r>
-              <a:rPr/>
-              <a:t> </a:t>
-            </a:r>
-            <a:r>
-              <a:rPr/>
-              <a:t>and</a:t>
-            </a:r>
-            <a:r>
-              <a:rPr/>
-              <a:t> </a:t>
-            </a:r>
-            <a:r>
-              <a:rPr/>
-              <a:t>each</a:t>
-            </a:r>
-            <a:r>
-              <a:rPr/>
-              <a:t> </a:t>
-            </a:r>
-            <a:r>
-              <a:rPr/>
-              <a:t>successive</a:t>
-            </a:r>
-            <a:r>
-              <a:rPr/>
-              <a:t> </a:t>
-            </a:r>
-            <a:r>
-              <a:rPr/>
-              <a:t>patient</a:t>
-            </a:r>
-            <a:r>
-              <a:rPr/>
-              <a:t> </a:t>
-            </a:r>
-            <a:r>
-              <a:rPr/>
-              <a:t>encounter</a:t>
-            </a:r>
-            <a:r>
-              <a:rPr/>
-              <a:t> </a:t>
-            </a:r>
-            <a:r>
-              <a:rPr/>
-              <a:t>is</a:t>
-            </a:r>
-            <a:r>
-              <a:rPr/>
-              <a:t> </a:t>
-            </a:r>
-            <a:r>
-              <a:rPr/>
-              <a:t>strung</a:t>
-            </a:r>
-            <a:r>
-              <a:rPr/>
-              <a:t> </a:t>
-            </a:r>
-            <a:r>
-              <a:rPr/>
-              <a:t>out</a:t>
-            </a:r>
-            <a:r>
-              <a:rPr/>
-              <a:t> </a:t>
-            </a:r>
-            <a:r>
-              <a:rPr/>
-              <a:t>horizontally.</a:t>
+              <a:t>geom_text</a:t>
+            </a:r>
+            <a:r>
+              <a:rPr/>
+              <a:t> </a:t>
+            </a:r>
+            <a:r>
+              <a:rPr/>
+              <a:t>function.</a:t>
             </a:r>
           </a:p>
         </p:txBody>
@@ -9448,7 +11008,7 @@
           <a:p>
             <a:fld id="{18BDFEC3-8487-43E8-A154-7C12CBC1FFF2}" type="slidenum">
               <a:rPr lang="en-US"/>
-              <a:t>47</a:t>
+              <a:t>42</a:t>
             </a:fld>
             <a:endParaRPr lang="en-US"/>
           </a:p>
@@ -9508,7 +11068,143 @@
             </a:pPr>
             <a:r>
               <a:rPr/>
-              <a:t>Here</a:t>
+              <a:t>We</a:t>
+            </a:r>
+            <a:r>
+              <a:rPr/>
+              <a:t> </a:t>
+            </a:r>
+            <a:r>
+              <a:rPr/>
+              <a:t>have</a:t>
+            </a:r>
+            <a:r>
+              <a:rPr/>
+              <a:t> </a:t>
+            </a:r>
+            <a:r>
+              <a:rPr/>
+              <a:t>to</a:t>
+            </a:r>
+            <a:r>
+              <a:rPr/>
+              <a:t> </a:t>
+            </a:r>
+            <a:r>
+              <a:rPr/>
+              <a:t>expand</a:t>
+            </a:r>
+            <a:r>
+              <a:rPr/>
+              <a:t> </a:t>
+            </a:r>
+            <a:r>
+              <a:rPr/>
+              <a:t>the</a:t>
+            </a:r>
+            <a:r>
+              <a:rPr/>
+              <a:t> </a:t>
+            </a:r>
+            <a:r>
+              <a:rPr/>
+              <a:t>limits</a:t>
+            </a:r>
+            <a:r>
+              <a:rPr/>
+              <a:t> </a:t>
+            </a:r>
+            <a:r>
+              <a:rPr/>
+              <a:t>on</a:t>
+            </a:r>
+            <a:r>
+              <a:rPr/>
+              <a:t> </a:t>
+            </a:r>
+            <a:r>
+              <a:rPr/>
+              <a:t>both</a:t>
+            </a:r>
+            <a:r>
+              <a:rPr/>
+              <a:t> </a:t>
+            </a:r>
+            <a:r>
+              <a:rPr/>
+              <a:t>the</a:t>
+            </a:r>
+            <a:r>
+              <a:rPr/>
+              <a:t> </a:t>
+            </a:r>
+            <a:r>
+              <a:rPr/>
+              <a:t>X</a:t>
+            </a:r>
+            <a:r>
+              <a:rPr/>
+              <a:t> </a:t>
+            </a:r>
+            <a:r>
+              <a:rPr/>
+              <a:t>and</a:t>
+            </a:r>
+            <a:r>
+              <a:rPr/>
+              <a:t> </a:t>
+            </a:r>
+            <a:r>
+              <a:rPr/>
+              <a:t>Y</a:t>
+            </a:r>
+            <a:r>
+              <a:rPr/>
+              <a:t> </a:t>
+            </a:r>
+            <a:r>
+              <a:rPr/>
+              <a:t>axis</a:t>
+            </a:r>
+            <a:r>
+              <a:rPr/>
+              <a:t> </a:t>
+            </a:r>
+            <a:r>
+              <a:rPr/>
+              <a:t>to</a:t>
+            </a:r>
+            <a:r>
+              <a:rPr/>
+              <a:t> </a:t>
+            </a:r>
+            <a:r>
+              <a:rPr/>
+              <a:t>insure</a:t>
+            </a:r>
+            <a:r>
+              <a:rPr/>
+              <a:t> </a:t>
+            </a:r>
+            <a:r>
+              <a:rPr/>
+              <a:t>that</a:t>
+            </a:r>
+            <a:r>
+              <a:rPr/>
+              <a:t> </a:t>
+            </a:r>
+            <a:r>
+              <a:rPr/>
+              <a:t>the</a:t>
+            </a:r>
+            <a:r>
+              <a:rPr/>
+              <a:t> </a:t>
+            </a:r>
+            <a:r>
+              <a:rPr/>
+              <a:t>graph</a:t>
             </a:r>
             <a:r>
               <a:rPr/>
@@ -9524,6 +11220,46 @@
             </a:r>
             <a:r>
               <a:rPr/>
+              <a:t>“</a:t>
+            </a:r>
+            <a:r>
+              <a:rPr/>
+              <a:t>square</a:t>
+            </a:r>
+            <a:r>
+              <a:rPr/>
+              <a:t>”</a:t>
+            </a:r>
+            <a:r>
+              <a:rPr/>
+              <a:t> </a:t>
+            </a:r>
+            <a:r>
+              <a:rPr/>
+              <a:t>meaning</a:t>
+            </a:r>
+            <a:r>
+              <a:rPr/>
+              <a:t> </a:t>
+            </a:r>
+            <a:r>
+              <a:rPr/>
+              <a:t>it</a:t>
+            </a:r>
+            <a:r>
+              <a:rPr/>
+              <a:t> </a:t>
+            </a:r>
+            <a:r>
+              <a:rPr/>
+              <a:t>has</a:t>
+            </a:r>
+            <a:r>
+              <a:rPr/>
+              <a:t> </a:t>
+            </a:r>
+            <a:r>
+              <a:rPr/>
               <a:t>the</a:t>
             </a:r>
             <a:r>
@@ -9532,7 +11268,253 @@
             </a:r>
             <a:r>
               <a:rPr/>
-              <a:t>tall</a:t>
+              <a:t>same</a:t>
+            </a:r>
+            <a:r>
+              <a:rPr/>
+              <a:t> </a:t>
+            </a:r>
+            <a:r>
+              <a:rPr/>
+              <a:t>range</a:t>
+            </a:r>
+            <a:r>
+              <a:rPr/>
+              <a:t> </a:t>
+            </a:r>
+            <a:r>
+              <a:rPr/>
+              <a:t>in</a:t>
+            </a:r>
+            <a:r>
+              <a:rPr/>
+              <a:t> </a:t>
+            </a:r>
+            <a:r>
+              <a:rPr/>
+              <a:t>either</a:t>
+            </a:r>
+            <a:r>
+              <a:rPr/>
+              <a:t> </a:t>
+            </a:r>
+            <a:r>
+              <a:rPr/>
+              <a:t>direction.</a:t>
+            </a:r>
+            <a:r>
+              <a:rPr/>
+              <a:t> </a:t>
+            </a:r>
+            <a:r>
+              <a:rPr/>
+              <a:t>I</a:t>
+            </a:r>
+            <a:r>
+              <a:rPr/>
+              <a:t> </a:t>
+            </a:r>
+            <a:r>
+              <a:rPr/>
+              <a:t>am</a:t>
+            </a:r>
+            <a:r>
+              <a:rPr/>
+              <a:t> </a:t>
+            </a:r>
+            <a:r>
+              <a:rPr/>
+              <a:t>also</a:t>
+            </a:r>
+            <a:r>
+              <a:rPr/>
+              <a:t> </a:t>
+            </a:r>
+            <a:r>
+              <a:rPr/>
+              <a:t>drawing</a:t>
+            </a:r>
+            <a:r>
+              <a:rPr/>
+              <a:t> </a:t>
+            </a:r>
+            <a:r>
+              <a:rPr/>
+              <a:t>a</a:t>
+            </a:r>
+            <a:r>
+              <a:rPr/>
+              <a:t> </a:t>
+            </a:r>
+            <a:r>
+              <a:rPr/>
+              <a:t>reference</a:t>
+            </a:r>
+            <a:r>
+              <a:rPr/>
+              <a:t> </a:t>
+            </a:r>
+            <a:r>
+              <a:rPr/>
+              <a:t>line</a:t>
+            </a:r>
+            <a:r>
+              <a:rPr/>
+              <a:t> </a:t>
+            </a:r>
+            <a:r>
+              <a:rPr/>
+              <a:t>using</a:t>
+            </a:r>
+            <a:r>
+              <a:rPr/>
+              <a:t> </a:t>
+            </a:r>
+            <a:r>
+              <a:rPr/>
+              <a:t>the</a:t>
+            </a:r>
+            <a:r>
+              <a:rPr/>
+              <a:t> </a:t>
+            </a:r>
+            <a:r>
+              <a:rPr/>
+              <a:t>geom_segment</a:t>
+            </a:r>
+            <a:r>
+              <a:rPr/>
+              <a:t> </a:t>
+            </a:r>
+            <a:r>
+              <a:rPr/>
+              <a:t>function.</a:t>
+            </a:r>
+          </a:p>
+          <a:p>
+            <a:pPr lvl="0" marL="0" indent="0">
+              <a:buNone/>
+            </a:pPr>
+          </a:p>
+          <a:p>
+            <a:pPr lvl="0" marL="0" indent="0">
+              <a:buNone/>
+            </a:pPr>
+            <a:r>
+              <a:rPr/>
+              <a:t>This</a:t>
+            </a:r>
+            <a:r>
+              <a:rPr/>
+              <a:t> </a:t>
+            </a:r>
+            <a:r>
+              <a:rPr/>
+              <a:t>code</a:t>
+            </a:r>
+            <a:r>
+              <a:rPr/>
+              <a:t> </a:t>
+            </a:r>
+            <a:r>
+              <a:rPr/>
+              <a:t>shows</a:t>
+            </a:r>
+            <a:r>
+              <a:rPr/>
+              <a:t> </a:t>
+            </a:r>
+            <a:r>
+              <a:rPr/>
+              <a:t>the</a:t>
+            </a:r>
+            <a:r>
+              <a:rPr/>
+              <a:t> </a:t>
+            </a:r>
+            <a:r>
+              <a:rPr/>
+              <a:t>agreement</a:t>
+            </a:r>
+            <a:r>
+              <a:rPr/>
+              <a:t> </a:t>
+            </a:r>
+            <a:r>
+              <a:rPr/>
+              <a:t>between</a:t>
+            </a:r>
+            <a:r>
+              <a:rPr/>
+              <a:t> </a:t>
+            </a:r>
+            <a:r>
+              <a:rPr/>
+              <a:t>the</a:t>
+            </a:r>
+            <a:r>
+              <a:rPr/>
+              <a:t> </a:t>
+            </a:r>
+            <a:r>
+              <a:rPr/>
+              <a:t>ages</a:t>
+            </a:r>
+            <a:r>
+              <a:rPr/>
+              <a:t> </a:t>
+            </a:r>
+            <a:r>
+              <a:rPr/>
+              <a:t>of</a:t>
+            </a:r>
+            <a:r>
+              <a:rPr/>
+              <a:t> </a:t>
+            </a:r>
+            <a:r>
+              <a:rPr/>
+              <a:t>the</a:t>
+            </a:r>
+            <a:r>
+              <a:rPr/>
+              <a:t> </a:t>
+            </a:r>
+            <a:r>
+              <a:rPr/>
+              <a:t>patients</a:t>
+            </a:r>
+            <a:r>
+              <a:rPr/>
+              <a:t> </a:t>
+            </a:r>
+            <a:r>
+              <a:rPr/>
+              <a:t>in</a:t>
+            </a:r>
+            <a:r>
+              <a:rPr/>
+              <a:t> </a:t>
+            </a:r>
+            <a:r>
+              <a:rPr/>
+              <a:t>the</a:t>
+            </a:r>
+            <a:r>
+              <a:rPr/>
+              <a:t> </a:t>
+            </a:r>
+            <a:r>
+              <a:rPr/>
+              <a:t>NoPain</a:t>
+            </a:r>
+            <a:r>
+              <a:rPr/>
+              <a:t> </a:t>
+            </a:r>
+            <a:r>
+              <a:rPr/>
+              <a:t>group</a:t>
             </a:r>
             <a:r>
               <a:rPr/>
@@ -9548,127 +11530,47 @@
             </a:r>
             <a:r>
               <a:rPr/>
-              <a:t>thin</a:t>
-            </a:r>
-            <a:r>
-              <a:rPr/>
-              <a:t> </a:t>
-            </a:r>
-            <a:r>
-              <a:rPr/>
-              <a:t>format</a:t>
-            </a:r>
-            <a:r>
-              <a:rPr/>
-              <a:t> </a:t>
-            </a:r>
-            <a:r>
-              <a:rPr/>
-              <a:t>again.</a:t>
-            </a:r>
-            <a:r>
-              <a:rPr/>
-              <a:t> </a:t>
-            </a:r>
-            <a:r>
-              <a:rPr/>
-              <a:t>It</a:t>
-            </a:r>
-            <a:r>
-              <a:rPr/>
-              <a:t> </a:t>
-            </a:r>
-            <a:r>
-              <a:rPr/>
-              <a:t>has</a:t>
-            </a:r>
-            <a:r>
-              <a:rPr/>
-              <a:t> </a:t>
-            </a:r>
-            <a:r>
-              <a:rPr/>
-              <a:t>one</a:t>
-            </a:r>
-            <a:r>
-              <a:rPr/>
-              <a:t> </a:t>
-            </a:r>
-            <a:r>
-              <a:rPr/>
-              <a:t>row</a:t>
-            </a:r>
-            <a:r>
-              <a:rPr/>
-              <a:t> </a:t>
-            </a:r>
-            <a:r>
-              <a:rPr/>
-              <a:t>per</a:t>
-            </a:r>
-            <a:r>
-              <a:rPr/>
-              <a:t> </a:t>
-            </a:r>
-            <a:r>
-              <a:rPr/>
-              <a:t>patient</a:t>
-            </a:r>
-            <a:r>
-              <a:rPr/>
-              <a:t> </a:t>
-            </a:r>
-            <a:r>
-              <a:rPr/>
-              <a:t>encounter</a:t>
-            </a:r>
-            <a:r>
-              <a:rPr/>
-              <a:t> </a:t>
-            </a:r>
-            <a:r>
-              <a:rPr/>
-              <a:t>and</a:t>
-            </a:r>
-            <a:r>
-              <a:rPr/>
-              <a:t> </a:t>
-            </a:r>
-            <a:r>
-              <a:rPr/>
-              <a:t>therefore</a:t>
-            </a:r>
-            <a:r>
-              <a:rPr/>
-              <a:t> </a:t>
-            </a:r>
-            <a:r>
-              <a:rPr/>
-              <a:t>multiple</a:t>
-            </a:r>
-            <a:r>
-              <a:rPr/>
-              <a:t> </a:t>
-            </a:r>
-            <a:r>
-              <a:rPr/>
-              <a:t>rows</a:t>
-            </a:r>
-            <a:r>
-              <a:rPr/>
-              <a:t> </a:t>
-            </a:r>
-            <a:r>
-              <a:rPr/>
-              <a:t>per</a:t>
-            </a:r>
-            <a:r>
-              <a:rPr/>
-              <a:t> </a:t>
-            </a:r>
-            <a:r>
-              <a:rPr/>
-              <a:t>patient.</a:t>
+              <a:t>the</a:t>
+            </a:r>
+            <a:r>
+              <a:rPr/>
+              <a:t> </a:t>
+            </a:r>
+            <a:r>
+              <a:rPr/>
+              <a:t>patients</a:t>
+            </a:r>
+            <a:r>
+              <a:rPr/>
+              <a:t> </a:t>
+            </a:r>
+            <a:r>
+              <a:rPr/>
+              <a:t>in</a:t>
+            </a:r>
+            <a:r>
+              <a:rPr/>
+              <a:t> </a:t>
+            </a:r>
+            <a:r>
+              <a:rPr/>
+              <a:t>the</a:t>
+            </a:r>
+            <a:r>
+              <a:rPr/>
+              <a:t> </a:t>
+            </a:r>
+            <a:r>
+              <a:rPr/>
+              <a:t>Pain</a:t>
+            </a:r>
+            <a:r>
+              <a:rPr/>
+              <a:t> </a:t>
+            </a:r>
+            <a:r>
+              <a:rPr/>
+              <a:t>group.</a:t>
             </a:r>
           </a:p>
         </p:txBody>
@@ -9690,7 +11592,7 @@
           <a:p>
             <a:fld id="{18BDFEC3-8487-43E8-A154-7C12CBC1FFF2}" type="slidenum">
               <a:rPr lang="en-US"/>
-              <a:t>48</a:t>
+              <a:t>43</a:t>
             </a:fld>
             <a:endParaRPr lang="en-US"/>
           </a:p>
@@ -9758,255 +11660,103 @@
             </a:r>
             <a:r>
               <a:rPr/>
-              <a:t>time</a:t>
-            </a:r>
-            <a:r>
-              <a:rPr/>
-              <a:t> </a:t>
-            </a:r>
-            <a:r>
-              <a:rPr/>
-              <a:t>constant</a:t>
-            </a:r>
-            <a:r>
-              <a:rPr/>
-              <a:t> </a:t>
-            </a:r>
-            <a:r>
-              <a:rPr/>
-              <a:t>variables</a:t>
-            </a:r>
-            <a:r>
-              <a:rPr/>
-              <a:t> </a:t>
-            </a:r>
-            <a:r>
-              <a:rPr/>
-              <a:t>are</a:t>
-            </a:r>
-            <a:r>
-              <a:rPr/>
-              <a:t> </a:t>
-            </a:r>
-            <a:r>
-              <a:rPr/>
-              <a:t>sex,</a:t>
-            </a:r>
-            <a:r>
-              <a:rPr/>
-              <a:t> </a:t>
-            </a:r>
-            <a:r>
-              <a:rPr/>
-              <a:t>age,</a:t>
-            </a:r>
-            <a:r>
-              <a:rPr/>
-              <a:t> </a:t>
-            </a:r>
-            <a:r>
-              <a:rPr/>
-              <a:t>height,</a:t>
-            </a:r>
-            <a:r>
-              <a:rPr/>
-              <a:t> </a:t>
-            </a:r>
-            <a:r>
-              <a:rPr/>
-              <a:t>and</a:t>
-            </a:r>
-            <a:r>
-              <a:rPr/>
-              <a:t> </a:t>
-            </a:r>
-            <a:r>
-              <a:rPr/>
-              <a:t>weight.</a:t>
-            </a:r>
-            <a:r>
-              <a:rPr/>
-              <a:t> </a:t>
-            </a:r>
-            <a:r>
-              <a:rPr/>
-              <a:t>You</a:t>
-            </a:r>
-            <a:r>
-              <a:rPr/>
-              <a:t> </a:t>
-            </a:r>
-            <a:r>
-              <a:rPr/>
-              <a:t>must</a:t>
-            </a:r>
-            <a:r>
-              <a:rPr/>
-              <a:t> </a:t>
-            </a:r>
-            <a:r>
-              <a:rPr/>
-              <a:t>keep</a:t>
-            </a:r>
-            <a:r>
-              <a:rPr/>
-              <a:t> </a:t>
-            </a:r>
-            <a:r>
-              <a:rPr/>
-              <a:t>the</a:t>
-            </a:r>
-            <a:r>
-              <a:rPr/>
-              <a:t> </a:t>
-            </a:r>
-            <a:r>
-              <a:rPr/>
-              <a:t>subject</a:t>
-            </a:r>
-            <a:r>
-              <a:rPr/>
-              <a:t> </a:t>
-            </a:r>
-            <a:r>
-              <a:rPr/>
-              <a:t>id</a:t>
-            </a:r>
-            <a:r>
-              <a:rPr/>
-              <a:t> </a:t>
-            </a:r>
-            <a:r>
-              <a:rPr/>
-              <a:t>in</a:t>
-            </a:r>
-            <a:r>
-              <a:rPr/>
-              <a:t> </a:t>
-            </a:r>
-            <a:r>
-              <a:rPr/>
-              <a:t>this</a:t>
-            </a:r>
-            <a:r>
-              <a:rPr/>
-              <a:t> </a:t>
-            </a:r>
-            <a:r>
-              <a:rPr/>
-              <a:t>dataset</a:t>
-            </a:r>
-            <a:r>
-              <a:rPr/>
-              <a:t> </a:t>
-            </a:r>
-            <a:r>
-              <a:rPr/>
-              <a:t>as</a:t>
-            </a:r>
-            <a:r>
-              <a:rPr/>
-              <a:t> </a:t>
-            </a:r>
-            <a:r>
-              <a:rPr/>
-              <a:t>well</a:t>
-            </a:r>
-            <a:r>
-              <a:rPr/>
-              <a:t> </a:t>
-            </a:r>
-            <a:r>
-              <a:rPr/>
-              <a:t>because</a:t>
-            </a:r>
-            <a:r>
-              <a:rPr/>
-              <a:t> </a:t>
-            </a:r>
-            <a:r>
-              <a:rPr/>
-              <a:t>you</a:t>
-            </a:r>
-            <a:r>
-              <a:rPr/>
-              <a:t> </a:t>
-            </a:r>
-            <a:r>
-              <a:rPr/>
-              <a:t>will</a:t>
-            </a:r>
-            <a:r>
-              <a:rPr/>
-              <a:t> </a:t>
-            </a:r>
-            <a:r>
-              <a:rPr/>
-              <a:t>need</a:t>
-            </a:r>
-            <a:r>
-              <a:rPr/>
-              <a:t> </a:t>
-            </a:r>
-            <a:r>
-              <a:rPr/>
-              <a:t>it</a:t>
-            </a:r>
-            <a:r>
-              <a:rPr/>
-              <a:t> </a:t>
-            </a:r>
-            <a:r>
-              <a:rPr/>
-              <a:t>to</a:t>
-            </a:r>
-            <a:r>
-              <a:rPr/>
-              <a:t> </a:t>
-            </a:r>
-            <a:r>
-              <a:rPr/>
-              <a:t>link</a:t>
-            </a:r>
-            <a:r>
-              <a:rPr/>
-              <a:t> </a:t>
-            </a:r>
-            <a:r>
-              <a:rPr/>
-              <a:t>with</a:t>
-            </a:r>
-            <a:r>
-              <a:rPr/>
-              <a:t> </a:t>
-            </a:r>
-            <a:r>
-              <a:rPr/>
-              <a:t>the</a:t>
-            </a:r>
-            <a:r>
-              <a:rPr/>
-              <a:t> </a:t>
-            </a:r>
-            <a:r>
-              <a:rPr/>
-              <a:t>time</a:t>
-            </a:r>
-            <a:r>
-              <a:rPr/>
-              <a:t> </a:t>
-            </a:r>
-            <a:r>
-              <a:rPr/>
-              <a:t>variable</a:t>
-            </a:r>
-            <a:r>
-              <a:rPr/>
-              <a:t> </a:t>
-            </a:r>
-            <a:r>
-              <a:rPr/>
-              <a:t>data.</a:t>
+              <a:t>agreement</a:t>
+            </a:r>
+            <a:r>
+              <a:rPr/>
+              <a:t> </a:t>
+            </a:r>
+            <a:r>
+              <a:rPr/>
+              <a:t>is</a:t>
+            </a:r>
+            <a:r>
+              <a:rPr/>
+              <a:t> </a:t>
+            </a:r>
+            <a:r>
+              <a:rPr/>
+              <a:t>quite</a:t>
+            </a:r>
+            <a:r>
+              <a:rPr/>
+              <a:t> </a:t>
+            </a:r>
+            <a:r>
+              <a:rPr/>
+              <a:t>good.</a:t>
+            </a:r>
+            <a:r>
+              <a:rPr/>
+              <a:t> </a:t>
+            </a:r>
+            <a:r>
+              <a:rPr/>
+              <a:t>There</a:t>
+            </a:r>
+            <a:r>
+              <a:rPr/>
+              <a:t> </a:t>
+            </a:r>
+            <a:r>
+              <a:rPr/>
+              <a:t>is</a:t>
+            </a:r>
+            <a:r>
+              <a:rPr/>
+              <a:t> </a:t>
+            </a:r>
+            <a:r>
+              <a:rPr/>
+              <a:t>a</a:t>
+            </a:r>
+            <a:r>
+              <a:rPr/>
+              <a:t> </a:t>
+            </a:r>
+            <a:r>
+              <a:rPr/>
+              <a:t>bit</a:t>
+            </a:r>
+            <a:r>
+              <a:rPr/>
+              <a:t> </a:t>
+            </a:r>
+            <a:r>
+              <a:rPr/>
+              <a:t>less</a:t>
+            </a:r>
+            <a:r>
+              <a:rPr/>
+              <a:t> </a:t>
+            </a:r>
+            <a:r>
+              <a:rPr/>
+              <a:t>agreement</a:t>
+            </a:r>
+            <a:r>
+              <a:rPr/>
+              <a:t> </a:t>
+            </a:r>
+            <a:r>
+              <a:rPr/>
+              <a:t>for</a:t>
+            </a:r>
+            <a:r>
+              <a:rPr/>
+              <a:t> </a:t>
+            </a:r>
+            <a:r>
+              <a:rPr/>
+              <a:t>older</a:t>
+            </a:r>
+            <a:r>
+              <a:rPr/>
+              <a:t> </a:t>
+            </a:r>
+            <a:r>
+              <a:rPr/>
+              <a:t>subjects.</a:t>
             </a:r>
           </a:p>
         </p:txBody>
@@ -10028,7 +11778,7 @@
           <a:p>
             <a:fld id="{18BDFEC3-8487-43E8-A154-7C12CBC1FFF2}" type="slidenum">
               <a:rPr lang="en-US"/>
-              <a:t>53</a:t>
+              <a:t>44</a:t>
             </a:fld>
             <a:endParaRPr lang="en-US"/>
           </a:p>
@@ -10088,475 +11838,15 @@
             </a:pPr>
             <a:r>
               <a:rPr/>
-              <a:t>Pull</a:t>
-            </a:r>
-            <a:r>
-              <a:rPr/>
-              <a:t> </a:t>
-            </a:r>
-            <a:r>
-              <a:rPr/>
-              <a:t>the</a:t>
-            </a:r>
-            <a:r>
-              <a:rPr/>
-              <a:t> </a:t>
-            </a:r>
-            <a:r>
-              <a:rPr/>
-              <a:t>time</a:t>
-            </a:r>
-            <a:r>
-              <a:rPr/>
-              <a:t> </a:t>
-            </a:r>
-            <a:r>
-              <a:rPr/>
-              <a:t>variable</a:t>
-            </a:r>
-            <a:r>
-              <a:rPr/>
-              <a:t> </a:t>
-            </a:r>
-            <a:r>
-              <a:rPr/>
-              <a:t>data</a:t>
-            </a:r>
-            <a:r>
-              <a:rPr/>
-              <a:t> </a:t>
-            </a:r>
-            <a:r>
-              <a:rPr/>
-              <a:t>from</a:t>
-            </a:r>
-            <a:r>
-              <a:rPr/>
-              <a:t> </a:t>
-            </a:r>
-            <a:r>
-              <a:rPr/>
-              <a:t>the</a:t>
-            </a:r>
-            <a:r>
-              <a:rPr/>
-              <a:t> </a:t>
-            </a:r>
-            <a:r>
-              <a:rPr/>
-              <a:t>tall</a:t>
-            </a:r>
-            <a:r>
-              <a:rPr/>
-              <a:t> </a:t>
-            </a:r>
-            <a:r>
-              <a:rPr/>
-              <a:t>and</a:t>
-            </a:r>
-            <a:r>
-              <a:rPr/>
-              <a:t> </a:t>
-            </a:r>
-            <a:r>
-              <a:rPr/>
-              <a:t>thin</a:t>
-            </a:r>
-            <a:r>
-              <a:rPr/>
-              <a:t> </a:t>
-            </a:r>
-            <a:r>
-              <a:rPr/>
-              <a:t>format.</a:t>
-            </a:r>
-          </a:p>
-          <a:p>
-            <a:pPr lvl="0" marL="0" indent="0">
-              <a:buNone/>
-            </a:pPr>
-          </a:p>
-          <a:p>
-            <a:pPr lvl="0" marL="0" indent="0">
-              <a:buNone/>
-            </a:pPr>
-            <a:r>
-              <a:rPr/>
-              <a:t>Update</a:t>
-            </a:r>
-            <a:r>
-              <a:rPr/>
-              <a:t> </a:t>
-            </a:r>
-            <a:r>
-              <a:rPr/>
-              <a:t>the</a:t>
-            </a:r>
-            <a:r>
-              <a:rPr/>
-              <a:t> </a:t>
-            </a:r>
-            <a:r>
-              <a:rPr/>
-              <a:t>time</a:t>
-            </a:r>
-            <a:r>
-              <a:rPr/>
-              <a:t> </a:t>
-            </a:r>
-            <a:r>
-              <a:rPr/>
-              <a:t>constant</a:t>
-            </a:r>
-            <a:r>
-              <a:rPr/>
-              <a:t> </a:t>
-            </a:r>
-            <a:r>
-              <a:rPr/>
-              <a:t>table</a:t>
-            </a:r>
-            <a:r>
-              <a:rPr/>
-              <a:t> </a:t>
-            </a:r>
-            <a:r>
-              <a:rPr/>
-              <a:t>only</a:t>
-            </a:r>
-            <a:r>
-              <a:rPr/>
-              <a:t> </a:t>
-            </a:r>
-            <a:r>
-              <a:rPr/>
-              <a:t>once.</a:t>
-            </a:r>
-            <a:r>
-              <a:rPr/>
-              <a:t> </a:t>
-            </a:r>
-            <a:r>
-              <a:rPr/>
-              <a:t>Update</a:t>
-            </a:r>
-            <a:r>
-              <a:rPr/>
-              <a:t> </a:t>
-            </a:r>
-            <a:r>
-              <a:rPr/>
-              <a:t>the</a:t>
-            </a:r>
-            <a:r>
-              <a:rPr/>
-              <a:t> </a:t>
-            </a:r>
-            <a:r>
-              <a:rPr/>
-              <a:t>time</a:t>
-            </a:r>
-            <a:r>
-              <a:rPr/>
-              <a:t> </a:t>
-            </a:r>
-            <a:r>
-              <a:rPr/>
-              <a:t>varying</a:t>
-            </a:r>
-            <a:r>
-              <a:rPr/>
-              <a:t> </a:t>
-            </a:r>
-            <a:r>
-              <a:rPr/>
-              <a:t>table</a:t>
-            </a:r>
-            <a:r>
-              <a:rPr/>
-              <a:t> </a:t>
-            </a:r>
-            <a:r>
-              <a:rPr/>
-              <a:t>each</a:t>
-            </a:r>
-            <a:r>
-              <a:rPr/>
-              <a:t> </a:t>
-            </a:r>
-            <a:r>
-              <a:rPr/>
-              <a:t>time</a:t>
-            </a:r>
-            <a:r>
-              <a:rPr/>
-              <a:t> </a:t>
-            </a:r>
-            <a:r>
-              <a:rPr/>
-              <a:t>you</a:t>
-            </a:r>
-            <a:r>
-              <a:rPr/>
-              <a:t> </a:t>
-            </a:r>
-            <a:r>
-              <a:rPr/>
-              <a:t>get</a:t>
-            </a:r>
-            <a:r>
-              <a:rPr/>
-              <a:t> </a:t>
-            </a:r>
-            <a:r>
-              <a:rPr/>
-              <a:t>information</a:t>
-            </a:r>
-            <a:r>
-              <a:rPr/>
-              <a:t> </a:t>
-            </a:r>
-            <a:r>
-              <a:rPr/>
-              <a:t>at</a:t>
-            </a:r>
-            <a:r>
-              <a:rPr/>
-              <a:t> </a:t>
-            </a:r>
-            <a:r>
-              <a:rPr/>
-              <a:t>a</a:t>
-            </a:r>
-            <a:r>
-              <a:rPr/>
-              <a:t> </a:t>
-            </a:r>
-            <a:r>
-              <a:rPr/>
-              <a:t>new</a:t>
-            </a:r>
-            <a:r>
-              <a:rPr/>
-              <a:t> </a:t>
-            </a:r>
-            <a:r>
-              <a:rPr/>
-              <a:t>patient</a:t>
-            </a:r>
-            <a:r>
-              <a:rPr/>
-              <a:t> </a:t>
-            </a:r>
-            <a:r>
-              <a:rPr/>
-              <a:t>visit.</a:t>
-            </a:r>
-          </a:p>
-          <a:p>
-            <a:pPr lvl="0" marL="0" indent="0">
-              <a:buNone/>
-            </a:pPr>
-          </a:p>
-          <a:p>
-            <a:pPr lvl="0" marL="0" indent="0">
-              <a:buNone/>
-            </a:pPr>
-            <a:r>
-              <a:rPr/>
-              <a:t>Note</a:t>
-            </a:r>
-            <a:r>
-              <a:rPr/>
-              <a:t> </a:t>
-            </a:r>
-            <a:r>
-              <a:rPr/>
-              <a:t>that</a:t>
-            </a:r>
-            <a:r>
-              <a:rPr/>
-              <a:t> </a:t>
-            </a:r>
-            <a:r>
-              <a:rPr/>
-              <a:t>this</a:t>
-            </a:r>
-            <a:r>
-              <a:rPr/>
-              <a:t> </a:t>
-            </a:r>
-            <a:r>
-              <a:rPr/>
-              <a:t>is</a:t>
-            </a:r>
-            <a:r>
-              <a:rPr/>
-              <a:t> </a:t>
-            </a:r>
-            <a:r>
-              <a:rPr/>
-              <a:t>what</a:t>
-            </a:r>
-            <a:r>
-              <a:rPr/>
-              <a:t> </a:t>
-            </a:r>
-            <a:r>
-              <a:rPr/>
-              <a:t>you</a:t>
-            </a:r>
-            <a:r>
-              <a:rPr/>
-              <a:t> </a:t>
-            </a:r>
-            <a:r>
-              <a:rPr/>
-              <a:t>should</a:t>
-            </a:r>
-            <a:r>
-              <a:rPr/>
-              <a:t> </a:t>
-            </a:r>
-            <a:r>
-              <a:rPr/>
-              <a:t>do</a:t>
-            </a:r>
-            <a:r>
-              <a:rPr/>
-              <a:t> </a:t>
-            </a:r>
-            <a:r>
-              <a:rPr/>
-              <a:t>before</a:t>
-            </a:r>
-            <a:r>
-              <a:rPr/>
-              <a:t> </a:t>
-            </a:r>
-            <a:r>
-              <a:rPr/>
-              <a:t>the</a:t>
-            </a:r>
-            <a:r>
-              <a:rPr/>
-              <a:t> </a:t>
-            </a:r>
-            <a:r>
-              <a:rPr/>
-              <a:t>data</a:t>
-            </a:r>
-            <a:r>
-              <a:rPr/>
-              <a:t> </a:t>
-            </a:r>
-            <a:r>
-              <a:rPr/>
-              <a:t>is</a:t>
-            </a:r>
-            <a:r>
-              <a:rPr/>
-              <a:t> </a:t>
-            </a:r>
-            <a:r>
-              <a:rPr/>
-              <a:t>collected.</a:t>
-            </a:r>
-            <a:r>
-              <a:rPr/>
-              <a:t> </a:t>
-            </a:r>
-            <a:r>
-              <a:rPr/>
-              <a:t>If</a:t>
-            </a:r>
-            <a:r>
-              <a:rPr/>
-              <a:t> </a:t>
-            </a:r>
-            <a:r>
-              <a:rPr/>
-              <a:t>the</a:t>
-            </a:r>
-            <a:r>
-              <a:rPr/>
-              <a:t> </a:t>
-            </a:r>
-            <a:r>
-              <a:rPr/>
-              <a:t>data</a:t>
-            </a:r>
-            <a:r>
-              <a:rPr/>
-              <a:t> </a:t>
-            </a:r>
-            <a:r>
-              <a:rPr/>
-              <a:t>is</a:t>
-            </a:r>
-            <a:r>
-              <a:rPr/>
-              <a:t> </a:t>
-            </a:r>
-            <a:r>
-              <a:rPr/>
-              <a:t>already</a:t>
-            </a:r>
-            <a:r>
-              <a:rPr/>
-              <a:t> </a:t>
-            </a:r>
-            <a:r>
-              <a:rPr/>
-              <a:t>collected</a:t>
-            </a:r>
-            <a:r>
-              <a:rPr/>
-              <a:t> </a:t>
-            </a:r>
-            <a:r>
-              <a:rPr/>
-              <a:t>by</a:t>
-            </a:r>
-            <a:r>
-              <a:rPr/>
-              <a:t> </a:t>
-            </a:r>
-            <a:r>
-              <a:rPr/>
-              <a:t>someone</a:t>
-            </a:r>
-            <a:r>
-              <a:rPr/>
-              <a:t> </a:t>
-            </a:r>
-            <a:r>
-              <a:rPr/>
-              <a:t>else,</a:t>
-            </a:r>
-            <a:r>
-              <a:rPr/>
-              <a:t> </a:t>
-            </a:r>
-            <a:r>
-              <a:rPr/>
-              <a:t>then</a:t>
-            </a:r>
-            <a:r>
-              <a:rPr/>
-              <a:t> </a:t>
-            </a:r>
-            <a:r>
-              <a:rPr/>
-              <a:t>you</a:t>
-            </a:r>
-            <a:r>
-              <a:rPr/>
-              <a:t> </a:t>
-            </a:r>
-            <a:r>
-              <a:rPr/>
-              <a:t>have</a:t>
+              <a:t>I</a:t>
+            </a:r>
+            <a:r>
+              <a:rPr/>
+              <a:t> </a:t>
+            </a:r>
+            <a:r>
+              <a:rPr/>
+              <a:t>want</a:t>
             </a:r>
             <a:r>
               <a:rPr/>
@@ -10572,71 +11862,63 @@
             </a:r>
             <a:r>
               <a:rPr/>
-              <a:t>live</a:t>
-            </a:r>
-            <a:r>
-              <a:rPr/>
-              <a:t> </a:t>
-            </a:r>
-            <a:r>
-              <a:rPr/>
-              <a:t>with</a:t>
-            </a:r>
-            <a:r>
-              <a:rPr/>
-              <a:t> </a:t>
-            </a:r>
-            <a:r>
-              <a:rPr/>
-              <a:t>the</a:t>
-            </a:r>
-            <a:r>
-              <a:rPr/>
-              <a:t> </a:t>
-            </a:r>
-            <a:r>
-              <a:rPr/>
-              <a:t>limitations</a:t>
-            </a:r>
-            <a:r>
-              <a:rPr/>
-              <a:t> </a:t>
-            </a:r>
-            <a:r>
-              <a:rPr/>
-              <a:t>of</a:t>
-            </a:r>
-            <a:r>
-              <a:rPr/>
-              <a:t> </a:t>
-            </a:r>
-            <a:r>
-              <a:rPr/>
-              <a:t>whatever</a:t>
-            </a:r>
-            <a:r>
-              <a:rPr/>
-              <a:t> </a:t>
-            </a:r>
-            <a:r>
-              <a:rPr/>
-              <a:t>format</a:t>
-            </a:r>
-            <a:r>
-              <a:rPr/>
-              <a:t> </a:t>
-            </a:r>
-            <a:r>
-              <a:rPr/>
-              <a:t>they</a:t>
-            </a:r>
-            <a:r>
-              <a:rPr/>
-              <a:t> </a:t>
-            </a:r>
-            <a:r>
-              <a:rPr/>
-              <a:t>chose.</a:t>
+              <a:t>keep</a:t>
+            </a:r>
+            <a:r>
+              <a:rPr/>
+              <a:t> </a:t>
+            </a:r>
+            <a:r>
+              <a:rPr/>
+              <a:t>these</a:t>
+            </a:r>
+            <a:r>
+              <a:rPr/>
+              <a:t> </a:t>
+            </a:r>
+            <a:r>
+              <a:rPr/>
+              <a:t>videos</a:t>
+            </a:r>
+            <a:r>
+              <a:rPr/>
+              <a:t> </a:t>
+            </a:r>
+            <a:r>
+              <a:rPr/>
+              <a:t>short,</a:t>
+            </a:r>
+            <a:r>
+              <a:rPr/>
+              <a:t> </a:t>
+            </a:r>
+            <a:r>
+              <a:rPr/>
+              <a:t>so</a:t>
+            </a:r>
+            <a:r>
+              <a:rPr/>
+              <a:t> </a:t>
+            </a:r>
+            <a:r>
+              <a:rPr/>
+              <a:t>let’s</a:t>
+            </a:r>
+            <a:r>
+              <a:rPr/>
+              <a:t> </a:t>
+            </a:r>
+            <a:r>
+              <a:rPr/>
+              <a:t>stop</a:t>
+            </a:r>
+            <a:r>
+              <a:rPr/>
+              <a:t> </a:t>
+            </a:r>
+            <a:r>
+              <a:rPr/>
+              <a:t>here.</a:t>
             </a:r>
           </a:p>
         </p:txBody>
@@ -10658,7 +11940,7 @@
           <a:p>
             <a:fld id="{18BDFEC3-8487-43E8-A154-7C12CBC1FFF2}" type="slidenum">
               <a:rPr lang="en-US"/>
-              <a:t>58</a:t>
+              <a:t>45</a:t>
             </a:fld>
             <a:endParaRPr lang="en-US"/>
           </a:p>
@@ -10718,119 +12000,23 @@
             </a:pPr>
             <a:r>
               <a:rPr/>
-              <a:t>We’ve</a:t>
-            </a:r>
-            <a:r>
-              <a:rPr/>
-              <a:t> </a:t>
-            </a:r>
-            <a:r>
-              <a:rPr/>
-              <a:t>covered</a:t>
-            </a:r>
-            <a:r>
-              <a:rPr/>
-              <a:t> </a:t>
-            </a:r>
-            <a:r>
-              <a:rPr/>
-              <a:t>a</a:t>
-            </a:r>
-            <a:r>
-              <a:rPr/>
-              <a:t> </a:t>
-            </a:r>
-            <a:r>
-              <a:rPr/>
-              <a:t>lot</a:t>
-            </a:r>
-            <a:r>
-              <a:rPr/>
-              <a:t> </a:t>
-            </a:r>
-            <a:r>
-              <a:rPr/>
-              <a:t>in</a:t>
-            </a:r>
-            <a:r>
-              <a:rPr/>
-              <a:t> </a:t>
-            </a:r>
-            <a:r>
-              <a:rPr/>
-              <a:t>these</a:t>
-            </a:r>
-            <a:r>
-              <a:rPr/>
-              <a:t> </a:t>
-            </a:r>
-            <a:r>
-              <a:rPr/>
-              <a:t>videos.</a:t>
-            </a:r>
-            <a:r>
-              <a:rPr/>
-              <a:t> </a:t>
-            </a:r>
-            <a:r>
-              <a:rPr/>
-              <a:t>There</a:t>
-            </a:r>
-            <a:r>
-              <a:rPr/>
-              <a:t> </a:t>
-            </a:r>
-            <a:r>
-              <a:rPr/>
-              <a:t>are</a:t>
-            </a:r>
-            <a:r>
-              <a:rPr/>
-              <a:t> </a:t>
-            </a:r>
-            <a:r>
-              <a:rPr/>
-              <a:t>two</a:t>
-            </a:r>
-            <a:r>
-              <a:rPr/>
-              <a:t> </a:t>
-            </a:r>
-            <a:r>
-              <a:rPr/>
-              <a:t>formats</a:t>
-            </a:r>
-            <a:r>
-              <a:rPr/>
-              <a:t> </a:t>
-            </a:r>
-            <a:r>
-              <a:rPr/>
-              <a:t>for</a:t>
-            </a:r>
-            <a:r>
-              <a:rPr/>
-              <a:t> </a:t>
-            </a:r>
-            <a:r>
-              <a:rPr/>
-              <a:t>longitudinal</a:t>
-            </a:r>
-            <a:r>
-              <a:rPr/>
-              <a:t> </a:t>
-            </a:r>
-            <a:r>
-              <a:rPr/>
-              <a:t>data.</a:t>
-            </a:r>
-            <a:r>
-              <a:rPr/>
-              <a:t> </a:t>
-            </a:r>
-            <a:r>
-              <a:rPr/>
-              <a:t>The</a:t>
+              <a:t>Here</a:t>
+            </a:r>
+            <a:r>
+              <a:rPr/>
+              <a:t> </a:t>
+            </a:r>
+            <a:r>
+              <a:rPr/>
+              <a:t>is</a:t>
+            </a:r>
+            <a:r>
+              <a:rPr/>
+              <a:t> </a:t>
+            </a:r>
+            <a:r>
+              <a:rPr/>
+              <a:t>the</a:t>
             </a:r>
             <a:r>
               <a:rPr/>
@@ -10870,6 +12056,22 @@
             </a:r>
             <a:r>
               <a:rPr/>
+              <a:t>again.</a:t>
+            </a:r>
+            <a:r>
+              <a:rPr/>
+              <a:t> </a:t>
+            </a:r>
+            <a:r>
+              <a:rPr/>
+              <a:t>It</a:t>
+            </a:r>
+            <a:r>
+              <a:rPr/>
+              <a:t> </a:t>
+            </a:r>
+            <a:r>
+              <a:rPr/>
               <a:t>has</a:t>
             </a:r>
             <a:r>
@@ -10918,7 +12120,47 @@
             </a:r>
             <a:r>
               <a:rPr/>
-              <a:t>strings</a:t>
+              <a:t>each</a:t>
+            </a:r>
+            <a:r>
+              <a:rPr/>
+              <a:t> </a:t>
+            </a:r>
+            <a:r>
+              <a:rPr/>
+              <a:t>successive</a:t>
+            </a:r>
+            <a:r>
+              <a:rPr/>
+              <a:t> </a:t>
+            </a:r>
+            <a:r>
+              <a:rPr/>
+              <a:t>patient</a:t>
+            </a:r>
+            <a:r>
+              <a:rPr/>
+              <a:t> </a:t>
+            </a:r>
+            <a:r>
+              <a:rPr/>
+              <a:t>encounter</a:t>
+            </a:r>
+            <a:r>
+              <a:rPr/>
+              <a:t> </a:t>
+            </a:r>
+            <a:r>
+              <a:rPr/>
+              <a:t>is</a:t>
+            </a:r>
+            <a:r>
+              <a:rPr/>
+              <a:t> </a:t>
+            </a:r>
+            <a:r>
+              <a:rPr/>
+              <a:t>strung</a:t>
             </a:r>
             <a:r>
               <a:rPr/>
@@ -10934,1027 +12176,7 @@
             </a:r>
             <a:r>
               <a:rPr/>
-              <a:t>the</a:t>
-            </a:r>
-            <a:r>
-              <a:rPr/>
-              <a:t> </a:t>
-            </a:r>
-            <a:r>
-              <a:rPr/>
-              <a:t>data</a:t>
-            </a:r>
-            <a:r>
-              <a:rPr/>
-              <a:t> </a:t>
-            </a:r>
-            <a:r>
-              <a:rPr/>
-              <a:t>far</a:t>
-            </a:r>
-            <a:r>
-              <a:rPr/>
-              <a:t> </a:t>
-            </a:r>
-            <a:r>
-              <a:rPr/>
-              <a:t>to</a:t>
-            </a:r>
-            <a:r>
-              <a:rPr/>
-              <a:t> </a:t>
-            </a:r>
-            <a:r>
-              <a:rPr/>
-              <a:t>the</a:t>
-            </a:r>
-            <a:r>
-              <a:rPr/>
-              <a:t> </a:t>
-            </a:r>
-            <a:r>
-              <a:rPr/>
-              <a:t>right.</a:t>
-            </a:r>
-            <a:r>
-              <a:rPr/>
-              <a:t> </a:t>
-            </a:r>
-            <a:r>
-              <a:rPr/>
-              <a:t>The</a:t>
-            </a:r>
-            <a:r>
-              <a:rPr/>
-              <a:t> </a:t>
-            </a:r>
-            <a:r>
-              <a:rPr/>
-              <a:t>tall</a:t>
-            </a:r>
-            <a:r>
-              <a:rPr/>
-              <a:t> </a:t>
-            </a:r>
-            <a:r>
-              <a:rPr/>
-              <a:t>and</a:t>
-            </a:r>
-            <a:r>
-              <a:rPr/>
-              <a:t> </a:t>
-            </a:r>
-            <a:r>
-              <a:rPr/>
-              <a:t>thin</a:t>
-            </a:r>
-            <a:r>
-              <a:rPr/>
-              <a:t> </a:t>
-            </a:r>
-            <a:r>
-              <a:rPr/>
-              <a:t>format</a:t>
-            </a:r>
-            <a:r>
-              <a:rPr/>
-              <a:t> </a:t>
-            </a:r>
-            <a:r>
-              <a:rPr/>
-              <a:t>has</a:t>
-            </a:r>
-            <a:r>
-              <a:rPr/>
-              <a:t> </a:t>
-            </a:r>
-            <a:r>
-              <a:rPr/>
-              <a:t>one</a:t>
-            </a:r>
-            <a:r>
-              <a:rPr/>
-              <a:t> </a:t>
-            </a:r>
-            <a:r>
-              <a:rPr/>
-              <a:t>row</a:t>
-            </a:r>
-            <a:r>
-              <a:rPr/>
-              <a:t> </a:t>
-            </a:r>
-            <a:r>
-              <a:rPr/>
-              <a:t>per</a:t>
-            </a:r>
-            <a:r>
-              <a:rPr/>
-              <a:t> </a:t>
-            </a:r>
-            <a:r>
-              <a:rPr/>
-              <a:t>time</a:t>
-            </a:r>
-            <a:r>
-              <a:rPr/>
-              <a:t> </a:t>
-            </a:r>
-            <a:r>
-              <a:rPr/>
-              <a:t>point</a:t>
-            </a:r>
-            <a:r>
-              <a:rPr/>
-              <a:t> </a:t>
-            </a:r>
-            <a:r>
-              <a:rPr/>
-              <a:t>and</a:t>
-            </a:r>
-            <a:r>
-              <a:rPr/>
-              <a:t> </a:t>
-            </a:r>
-            <a:r>
-              <a:rPr/>
-              <a:t>strings</a:t>
-            </a:r>
-            <a:r>
-              <a:rPr/>
-              <a:t> </a:t>
-            </a:r>
-            <a:r>
-              <a:rPr/>
-              <a:t>out</a:t>
-            </a:r>
-            <a:r>
-              <a:rPr/>
-              <a:t> </a:t>
-            </a:r>
-            <a:r>
-              <a:rPr/>
-              <a:t>the</a:t>
-            </a:r>
-            <a:r>
-              <a:rPr/>
-              <a:t> </a:t>
-            </a:r>
-            <a:r>
-              <a:rPr/>
-              <a:t>data</a:t>
-            </a:r>
-            <a:r>
-              <a:rPr/>
-              <a:t> </a:t>
-            </a:r>
-            <a:r>
-              <a:rPr/>
-              <a:t>far</a:t>
-            </a:r>
-            <a:r>
-              <a:rPr/>
-              <a:t> </a:t>
-            </a:r>
-            <a:r>
-              <a:rPr/>
-              <a:t>down.</a:t>
-            </a:r>
-          </a:p>
-          <a:p>
-            <a:pPr lvl="0" marL="0" indent="0">
-              <a:buNone/>
-            </a:pPr>
-          </a:p>
-          <a:p>
-            <a:pPr lvl="0" marL="0" indent="0">
-              <a:buNone/>
-            </a:pPr>
-            <a:r>
-              <a:rPr/>
-              <a:t>Use</a:t>
-            </a:r>
-            <a:r>
-              <a:rPr/>
-              <a:t> </a:t>
-            </a:r>
-            <a:r>
-              <a:rPr/>
-              <a:t>the</a:t>
-            </a:r>
-            <a:r>
-              <a:rPr/>
-              <a:t> </a:t>
-            </a:r>
-            <a:r>
-              <a:rPr/>
-              <a:t>gather</a:t>
-            </a:r>
-            <a:r>
-              <a:rPr/>
-              <a:t> </a:t>
-            </a:r>
-            <a:r>
-              <a:rPr/>
-              <a:t>function</a:t>
-            </a:r>
-            <a:r>
-              <a:rPr/>
-              <a:t> </a:t>
-            </a:r>
-            <a:r>
-              <a:rPr/>
-              <a:t>in</a:t>
-            </a:r>
-            <a:r>
-              <a:rPr/>
-              <a:t> </a:t>
-            </a:r>
-            <a:r>
-              <a:rPr/>
-              <a:t>the</a:t>
-            </a:r>
-            <a:r>
-              <a:rPr/>
-              <a:t> </a:t>
-            </a:r>
-            <a:r>
-              <a:rPr/>
-              <a:t>tidyr</a:t>
-            </a:r>
-            <a:r>
-              <a:rPr/>
-              <a:t> </a:t>
-            </a:r>
-            <a:r>
-              <a:rPr/>
-              <a:t>library</a:t>
-            </a:r>
-            <a:r>
-              <a:rPr/>
-              <a:t> </a:t>
-            </a:r>
-            <a:r>
-              <a:rPr/>
-              <a:t>to</a:t>
-            </a:r>
-            <a:r>
-              <a:rPr/>
-              <a:t> </a:t>
-            </a:r>
-            <a:r>
-              <a:rPr/>
-              <a:t>convert</a:t>
-            </a:r>
-            <a:r>
-              <a:rPr/>
-              <a:t> </a:t>
-            </a:r>
-            <a:r>
-              <a:rPr/>
-              <a:t>from</a:t>
-            </a:r>
-            <a:r>
-              <a:rPr/>
-              <a:t> </a:t>
-            </a:r>
-            <a:r>
-              <a:rPr/>
-              <a:t>a</a:t>
-            </a:r>
-            <a:r>
-              <a:rPr/>
-              <a:t> </a:t>
-            </a:r>
-            <a:r>
-              <a:rPr/>
-              <a:t>short</a:t>
-            </a:r>
-            <a:r>
-              <a:rPr/>
-              <a:t> </a:t>
-            </a:r>
-            <a:r>
-              <a:rPr/>
-              <a:t>and</a:t>
-            </a:r>
-            <a:r>
-              <a:rPr/>
-              <a:t> </a:t>
-            </a:r>
-            <a:r>
-              <a:rPr/>
-              <a:t>fat</a:t>
-            </a:r>
-            <a:r>
-              <a:rPr/>
-              <a:t> </a:t>
-            </a:r>
-            <a:r>
-              <a:rPr/>
-              <a:t>format</a:t>
-            </a:r>
-            <a:r>
-              <a:rPr/>
-              <a:t> </a:t>
-            </a:r>
-            <a:r>
-              <a:rPr/>
-              <a:t>into</a:t>
-            </a:r>
-            <a:r>
-              <a:rPr/>
-              <a:t> </a:t>
-            </a:r>
-            <a:r>
-              <a:rPr/>
-              <a:t>a</a:t>
-            </a:r>
-            <a:r>
-              <a:rPr/>
-              <a:t> </a:t>
-            </a:r>
-            <a:r>
-              <a:rPr/>
-              <a:t>tall</a:t>
-            </a:r>
-            <a:r>
-              <a:rPr/>
-              <a:t> </a:t>
-            </a:r>
-            <a:r>
-              <a:rPr/>
-              <a:t>and</a:t>
-            </a:r>
-            <a:r>
-              <a:rPr/>
-              <a:t> </a:t>
-            </a:r>
-            <a:r>
-              <a:rPr/>
-              <a:t>thin</a:t>
-            </a:r>
-            <a:r>
-              <a:rPr/>
-              <a:t> </a:t>
-            </a:r>
-            <a:r>
-              <a:rPr/>
-              <a:t>format.</a:t>
-            </a:r>
-            <a:r>
-              <a:rPr/>
-              <a:t> </a:t>
-            </a:r>
-            <a:r>
-              <a:rPr/>
-              <a:t>Use</a:t>
-            </a:r>
-            <a:r>
-              <a:rPr/>
-              <a:t> </a:t>
-            </a:r>
-            <a:r>
-              <a:rPr/>
-              <a:t>the</a:t>
-            </a:r>
-            <a:r>
-              <a:rPr/>
-              <a:t> </a:t>
-            </a:r>
-            <a:r>
-              <a:rPr/>
-              <a:t>spread</a:t>
-            </a:r>
-            <a:r>
-              <a:rPr/>
-              <a:t> </a:t>
-            </a:r>
-            <a:r>
-              <a:rPr/>
-              <a:t>function</a:t>
-            </a:r>
-            <a:r>
-              <a:rPr/>
-              <a:t> </a:t>
-            </a:r>
-            <a:r>
-              <a:rPr/>
-              <a:t>to</a:t>
-            </a:r>
-            <a:r>
-              <a:rPr/>
-              <a:t> </a:t>
-            </a:r>
-            <a:r>
-              <a:rPr/>
-              <a:t>convert</a:t>
-            </a:r>
-            <a:r>
-              <a:rPr/>
-              <a:t> </a:t>
-            </a:r>
-            <a:r>
-              <a:rPr/>
-              <a:t>from</a:t>
-            </a:r>
-            <a:r>
-              <a:rPr/>
-              <a:t> </a:t>
-            </a:r>
-            <a:r>
-              <a:rPr/>
-              <a:t>a</a:t>
-            </a:r>
-            <a:r>
-              <a:rPr/>
-              <a:t> </a:t>
-            </a:r>
-            <a:r>
-              <a:rPr/>
-              <a:t>tall</a:t>
-            </a:r>
-            <a:r>
-              <a:rPr/>
-              <a:t> </a:t>
-            </a:r>
-            <a:r>
-              <a:rPr/>
-              <a:t>and</a:t>
-            </a:r>
-            <a:r>
-              <a:rPr/>
-              <a:t> </a:t>
-            </a:r>
-            <a:r>
-              <a:rPr/>
-              <a:t>thin</a:t>
-            </a:r>
-            <a:r>
-              <a:rPr/>
-              <a:t> </a:t>
-            </a:r>
-            <a:r>
-              <a:rPr/>
-              <a:t>format</a:t>
-            </a:r>
-            <a:r>
-              <a:rPr/>
-              <a:t> </a:t>
-            </a:r>
-            <a:r>
-              <a:rPr/>
-              <a:t>to</a:t>
-            </a:r>
-            <a:r>
-              <a:rPr/>
-              <a:t> </a:t>
-            </a:r>
-            <a:r>
-              <a:rPr/>
-              <a:t>a</a:t>
-            </a:r>
-            <a:r>
-              <a:rPr/>
-              <a:t> </a:t>
-            </a:r>
-            <a:r>
-              <a:rPr/>
-              <a:t>short</a:t>
-            </a:r>
-            <a:r>
-              <a:rPr/>
-              <a:t> </a:t>
-            </a:r>
-            <a:r>
-              <a:rPr/>
-              <a:t>and</a:t>
-            </a:r>
-            <a:r>
-              <a:rPr/>
-              <a:t> </a:t>
-            </a:r>
-            <a:r>
-              <a:rPr/>
-              <a:t>fat</a:t>
-            </a:r>
-            <a:r>
-              <a:rPr/>
-              <a:t> </a:t>
-            </a:r>
-            <a:r>
-              <a:rPr/>
-              <a:t>format.</a:t>
-            </a:r>
-          </a:p>
-          <a:p>
-            <a:pPr lvl="0" marL="0" indent="0">
-              <a:buNone/>
-            </a:pPr>
-          </a:p>
-          <a:p>
-            <a:pPr lvl="0" marL="0" indent="0">
-              <a:buNone/>
-            </a:pPr>
-            <a:r>
-              <a:rPr/>
-              <a:t>From</a:t>
-            </a:r>
-            <a:r>
-              <a:rPr/>
-              <a:t> </a:t>
-            </a:r>
-            <a:r>
-              <a:rPr/>
-              <a:t>a</a:t>
-            </a:r>
-            <a:r>
-              <a:rPr/>
-              <a:t> </a:t>
-            </a:r>
-            <a:r>
-              <a:rPr/>
-              <a:t>data</a:t>
-            </a:r>
-            <a:r>
-              <a:rPr/>
-              <a:t> </a:t>
-            </a:r>
-            <a:r>
-              <a:rPr/>
-              <a:t>management</a:t>
-            </a:r>
-            <a:r>
-              <a:rPr/>
-              <a:t> </a:t>
-            </a:r>
-            <a:r>
-              <a:rPr/>
-              <a:t>approach,</a:t>
-            </a:r>
-            <a:r>
-              <a:rPr/>
-              <a:t> </a:t>
-            </a:r>
-            <a:r>
-              <a:rPr/>
-              <a:t>you</a:t>
-            </a:r>
-            <a:r>
-              <a:rPr/>
-              <a:t> </a:t>
-            </a:r>
-            <a:r>
-              <a:rPr/>
-              <a:t>should</a:t>
-            </a:r>
-            <a:r>
-              <a:rPr/>
-              <a:t> </a:t>
-            </a:r>
-            <a:r>
-              <a:rPr/>
-              <a:t>consider</a:t>
-            </a:r>
-            <a:r>
-              <a:rPr/>
-              <a:t> </a:t>
-            </a:r>
-            <a:r>
-              <a:rPr/>
-              <a:t>a</a:t>
-            </a:r>
-            <a:r>
-              <a:rPr/>
-              <a:t> </a:t>
-            </a:r>
-            <a:r>
-              <a:rPr/>
-              <a:t>database</a:t>
-            </a:r>
-            <a:r>
-              <a:rPr/>
-              <a:t> </a:t>
-            </a:r>
-            <a:r>
-              <a:rPr/>
-              <a:t>term</a:t>
-            </a:r>
-            <a:r>
-              <a:rPr/>
-              <a:t> </a:t>
-            </a:r>
-            <a:r>
-              <a:rPr/>
-              <a:t>called</a:t>
-            </a:r>
-            <a:r>
-              <a:rPr/>
-              <a:t> </a:t>
-            </a:r>
-            <a:r>
-              <a:rPr/>
-              <a:t>normalization.</a:t>
-            </a:r>
-            <a:r>
-              <a:rPr/>
-              <a:t> </a:t>
-            </a:r>
-            <a:r>
-              <a:rPr/>
-              <a:t>In</a:t>
-            </a:r>
-            <a:r>
-              <a:rPr/>
-              <a:t> </a:t>
-            </a:r>
-            <a:r>
-              <a:rPr/>
-              <a:t>a</a:t>
-            </a:r>
-            <a:r>
-              <a:rPr/>
-              <a:t> </a:t>
-            </a:r>
-            <a:r>
-              <a:rPr/>
-              <a:t>longitudinal</a:t>
-            </a:r>
-            <a:r>
-              <a:rPr/>
-              <a:t> </a:t>
-            </a:r>
-            <a:r>
-              <a:rPr/>
-              <a:t>setting,</a:t>
-            </a:r>
-            <a:r>
-              <a:rPr/>
-              <a:t> </a:t>
-            </a:r>
-            <a:r>
-              <a:rPr/>
-              <a:t>this</a:t>
-            </a:r>
-            <a:r>
-              <a:rPr/>
-              <a:t> </a:t>
-            </a:r>
-            <a:r>
-              <a:rPr/>
-              <a:t>simply</a:t>
-            </a:r>
-            <a:r>
-              <a:rPr/>
-              <a:t> </a:t>
-            </a:r>
-            <a:r>
-              <a:rPr/>
-              <a:t>means</a:t>
-            </a:r>
-            <a:r>
-              <a:rPr/>
-              <a:t> </a:t>
-            </a:r>
-            <a:r>
-              <a:rPr/>
-              <a:t>putting</a:t>
-            </a:r>
-            <a:r>
-              <a:rPr/>
-              <a:t> </a:t>
-            </a:r>
-            <a:r>
-              <a:rPr/>
-              <a:t>your</a:t>
-            </a:r>
-            <a:r>
-              <a:rPr/>
-              <a:t> </a:t>
-            </a:r>
-            <a:r>
-              <a:rPr/>
-              <a:t>time</a:t>
-            </a:r>
-            <a:r>
-              <a:rPr/>
-              <a:t> </a:t>
-            </a:r>
-            <a:r>
-              <a:rPr/>
-              <a:t>constant</a:t>
-            </a:r>
-            <a:r>
-              <a:rPr/>
-              <a:t> </a:t>
-            </a:r>
-            <a:r>
-              <a:rPr/>
-              <a:t>data</a:t>
-            </a:r>
-            <a:r>
-              <a:rPr/>
-              <a:t> </a:t>
-            </a:r>
-            <a:r>
-              <a:rPr/>
-              <a:t>(usually</a:t>
-            </a:r>
-            <a:r>
-              <a:rPr/>
-              <a:t> </a:t>
-            </a:r>
-            <a:r>
-              <a:rPr/>
-              <a:t>the</a:t>
-            </a:r>
-            <a:r>
-              <a:rPr/>
-              <a:t> </a:t>
-            </a:r>
-            <a:r>
-              <a:rPr/>
-              <a:t>demographic</a:t>
-            </a:r>
-            <a:r>
-              <a:rPr/>
-              <a:t> </a:t>
-            </a:r>
-            <a:r>
-              <a:rPr/>
-              <a:t>variables)</a:t>
-            </a:r>
-            <a:r>
-              <a:rPr/>
-              <a:t> </a:t>
-            </a:r>
-            <a:r>
-              <a:rPr/>
-              <a:t>in</a:t>
-            </a:r>
-            <a:r>
-              <a:rPr/>
-              <a:t> </a:t>
-            </a:r>
-            <a:r>
-              <a:rPr/>
-              <a:t>a</a:t>
-            </a:r>
-            <a:r>
-              <a:rPr/>
-              <a:t> </a:t>
-            </a:r>
-            <a:r>
-              <a:rPr/>
-              <a:t>table</a:t>
-            </a:r>
-            <a:r>
-              <a:rPr/>
-              <a:t> </a:t>
-            </a:r>
-            <a:r>
-              <a:rPr/>
-              <a:t>using</a:t>
-            </a:r>
-            <a:r>
-              <a:rPr/>
-              <a:t> </a:t>
-            </a:r>
-            <a:r>
-              <a:rPr/>
-              <a:t>the</a:t>
-            </a:r>
-            <a:r>
-              <a:rPr/>
-              <a:t> </a:t>
-            </a:r>
-            <a:r>
-              <a:rPr/>
-              <a:t>short</a:t>
-            </a:r>
-            <a:r>
-              <a:rPr/>
-              <a:t> </a:t>
-            </a:r>
-            <a:r>
-              <a:rPr/>
-              <a:t>and</a:t>
-            </a:r>
-            <a:r>
-              <a:rPr/>
-              <a:t> </a:t>
-            </a:r>
-            <a:r>
-              <a:rPr/>
-              <a:t>fat</a:t>
-            </a:r>
-            <a:r>
-              <a:rPr/>
-              <a:t> </a:t>
-            </a:r>
-            <a:r>
-              <a:rPr/>
-              <a:t>format</a:t>
-            </a:r>
-            <a:r>
-              <a:rPr/>
-              <a:t> </a:t>
-            </a:r>
-            <a:r>
-              <a:rPr/>
-              <a:t>(one</a:t>
-            </a:r>
-            <a:r>
-              <a:rPr/>
-              <a:t> </a:t>
-            </a:r>
-            <a:r>
-              <a:rPr/>
-              <a:t>row</a:t>
-            </a:r>
-            <a:r>
-              <a:rPr/>
-              <a:t> </a:t>
-            </a:r>
-            <a:r>
-              <a:rPr/>
-              <a:t>per</a:t>
-            </a:r>
-            <a:r>
-              <a:rPr/>
-              <a:t> </a:t>
-            </a:r>
-            <a:r>
-              <a:rPr/>
-              <a:t>patient).</a:t>
-            </a:r>
-            <a:r>
-              <a:rPr/>
-              <a:t> </a:t>
-            </a:r>
-            <a:r>
-              <a:rPr/>
-              <a:t>Then</a:t>
-            </a:r>
-            <a:r>
-              <a:rPr/>
-              <a:t> </a:t>
-            </a:r>
-            <a:r>
-              <a:rPr/>
-              <a:t>put</a:t>
-            </a:r>
-            <a:r>
-              <a:rPr/>
-              <a:t> </a:t>
-            </a:r>
-            <a:r>
-              <a:rPr/>
-              <a:t>your</a:t>
-            </a:r>
-            <a:r>
-              <a:rPr/>
-              <a:t> </a:t>
-            </a:r>
-            <a:r>
-              <a:rPr/>
-              <a:t>time</a:t>
-            </a:r>
-            <a:r>
-              <a:rPr/>
-              <a:t> </a:t>
-            </a:r>
-            <a:r>
-              <a:rPr/>
-              <a:t>varying</a:t>
-            </a:r>
-            <a:r>
-              <a:rPr/>
-              <a:t> </a:t>
-            </a:r>
-            <a:r>
-              <a:rPr/>
-              <a:t>data</a:t>
-            </a:r>
-            <a:r>
-              <a:rPr/>
-              <a:t> </a:t>
-            </a:r>
-            <a:r>
-              <a:rPr/>
-              <a:t>in</a:t>
-            </a:r>
-            <a:r>
-              <a:rPr/>
-              <a:t> </a:t>
-            </a:r>
-            <a:r>
-              <a:rPr/>
-              <a:t>a</a:t>
-            </a:r>
-            <a:r>
-              <a:rPr/>
-              <a:t> </a:t>
-            </a:r>
-            <a:r>
-              <a:rPr/>
-              <a:t>different</a:t>
-            </a:r>
-            <a:r>
-              <a:rPr/>
-              <a:t> </a:t>
-            </a:r>
-            <a:r>
-              <a:rPr/>
-              <a:t>table</a:t>
-            </a:r>
-            <a:r>
-              <a:rPr/>
-              <a:t> </a:t>
-            </a:r>
-            <a:r>
-              <a:rPr/>
-              <a:t>using</a:t>
-            </a:r>
-            <a:r>
-              <a:rPr/>
-              <a:t> </a:t>
-            </a:r>
-            <a:r>
-              <a:rPr/>
-              <a:t>the</a:t>
-            </a:r>
-            <a:r>
-              <a:rPr/>
-              <a:t> </a:t>
-            </a:r>
-            <a:r>
-              <a:rPr/>
-              <a:t>tall</a:t>
-            </a:r>
-            <a:r>
-              <a:rPr/>
-              <a:t> </a:t>
-            </a:r>
-            <a:r>
-              <a:rPr/>
-              <a:t>and</a:t>
-            </a:r>
-            <a:r>
-              <a:rPr/>
-              <a:t> </a:t>
-            </a:r>
-            <a:r>
-              <a:rPr/>
-              <a:t>thin</a:t>
-            </a:r>
-            <a:r>
-              <a:rPr/>
-              <a:t> </a:t>
-            </a:r>
-            <a:r>
-              <a:rPr/>
-              <a:t>format</a:t>
-            </a:r>
-            <a:r>
-              <a:rPr/>
-              <a:t> </a:t>
-            </a:r>
-            <a:r>
-              <a:rPr/>
-              <a:t>(one</a:t>
-            </a:r>
-            <a:r>
-              <a:rPr/>
-              <a:t> </a:t>
-            </a:r>
-            <a:r>
-              <a:rPr/>
-              <a:t>row</a:t>
-            </a:r>
-            <a:r>
-              <a:rPr/>
-              <a:t> </a:t>
-            </a:r>
-            <a:r>
-              <a:rPr/>
-              <a:t>per</a:t>
-            </a:r>
-            <a:r>
-              <a:rPr/>
-              <a:t> </a:t>
-            </a:r>
-            <a:r>
-              <a:rPr/>
-              <a:t>time</a:t>
-            </a:r>
-            <a:r>
-              <a:rPr/>
-              <a:t> </a:t>
-            </a:r>
-            <a:r>
-              <a:rPr/>
-              <a:t>point).</a:t>
+              <a:t>horizontally.</a:t>
             </a:r>
           </a:p>
         </p:txBody>
@@ -11976,7 +12198,249 @@
           <a:p>
             <a:fld id="{18BDFEC3-8487-43E8-A154-7C12CBC1FFF2}" type="slidenum">
               <a:rPr lang="en-US"/>
-              <a:t>59</a:t>
+              <a:t>47</a:t>
+            </a:fld>
+            <a:endParaRPr lang="en-US"/>
+          </a:p>
+        </p:txBody>
+      </p:sp>
+    </p:spTree>
+  </p:cSld>
+</p:notes>
+</file>
+
+<file path=ppt/notesSlides/notesSlide39.xml><?xml version="1.0" encoding="utf-8"?>
+<p:notes xmlns:a="http://schemas.openxmlformats.org/drawingml/2006/main" xmlns:r="http://schemas.openxmlformats.org/officeDocument/2006/relationships" xmlns:p="http://schemas.openxmlformats.org/presentationml/2006/main">
+  <p:cSld>
+    <p:spTree>
+      <p:nvGrpSpPr>
+        <p:cNvPr id="1" name=""/>
+        <p:cNvGrpSpPr/>
+        <p:nvPr/>
+      </p:nvGrpSpPr>
+      <p:grpSpPr>
+        <a:xfrm>
+          <a:off x="0" y="0"/>
+          <a:ext cx="0" cy="0"/>
+          <a:chOff x="0" y="0"/>
+          <a:chExt cx="0" cy="0"/>
+        </a:xfrm>
+      </p:grpSpPr>
+      <p:sp>
+        <p:nvSpPr>
+          <p:cNvPr id="2" name="Slide Image Placeholder 1"/>
+          <p:cNvSpPr>
+            <a:spLocks noGrp="1" noRot="1" noChangeAspect="1"/>
+          </p:cNvSpPr>
+          <p:nvPr>
+            <p:ph type="sldImg"/>
+          </p:nvPr>
+        </p:nvSpPr>
+        <p:spPr/>
+      </p:sp>
+      <p:sp>
+        <p:nvSpPr>
+          <p:cNvPr id="3" name="Notes Placeholder 2"/>
+          <p:cNvSpPr>
+            <a:spLocks noGrp="1"/>
+          </p:cNvSpPr>
+          <p:nvPr>
+            <p:ph type="body" idx="1"/>
+          </p:nvPr>
+        </p:nvSpPr>
+        <p:spPr/>
+        <p:txBody>
+          <a:bodyPr/>
+          <a:lstStyle/>
+          <a:p>
+            <a:pPr lvl="0" marL="0" indent="0">
+              <a:buNone/>
+            </a:pPr>
+            <a:r>
+              <a:rPr/>
+              <a:t>Here</a:t>
+            </a:r>
+            <a:r>
+              <a:rPr/>
+              <a:t> </a:t>
+            </a:r>
+            <a:r>
+              <a:rPr/>
+              <a:t>is</a:t>
+            </a:r>
+            <a:r>
+              <a:rPr/>
+              <a:t> </a:t>
+            </a:r>
+            <a:r>
+              <a:rPr/>
+              <a:t>the</a:t>
+            </a:r>
+            <a:r>
+              <a:rPr/>
+              <a:t> </a:t>
+            </a:r>
+            <a:r>
+              <a:rPr/>
+              <a:t>tall</a:t>
+            </a:r>
+            <a:r>
+              <a:rPr/>
+              <a:t> </a:t>
+            </a:r>
+            <a:r>
+              <a:rPr/>
+              <a:t>and</a:t>
+            </a:r>
+            <a:r>
+              <a:rPr/>
+              <a:t> </a:t>
+            </a:r>
+            <a:r>
+              <a:rPr/>
+              <a:t>thin</a:t>
+            </a:r>
+            <a:r>
+              <a:rPr/>
+              <a:t> </a:t>
+            </a:r>
+            <a:r>
+              <a:rPr/>
+              <a:t>format</a:t>
+            </a:r>
+            <a:r>
+              <a:rPr/>
+              <a:t> </a:t>
+            </a:r>
+            <a:r>
+              <a:rPr/>
+              <a:t>again.</a:t>
+            </a:r>
+            <a:r>
+              <a:rPr/>
+              <a:t> </a:t>
+            </a:r>
+            <a:r>
+              <a:rPr/>
+              <a:t>It</a:t>
+            </a:r>
+            <a:r>
+              <a:rPr/>
+              <a:t> </a:t>
+            </a:r>
+            <a:r>
+              <a:rPr/>
+              <a:t>has</a:t>
+            </a:r>
+            <a:r>
+              <a:rPr/>
+              <a:t> </a:t>
+            </a:r>
+            <a:r>
+              <a:rPr/>
+              <a:t>one</a:t>
+            </a:r>
+            <a:r>
+              <a:rPr/>
+              <a:t> </a:t>
+            </a:r>
+            <a:r>
+              <a:rPr/>
+              <a:t>row</a:t>
+            </a:r>
+            <a:r>
+              <a:rPr/>
+              <a:t> </a:t>
+            </a:r>
+            <a:r>
+              <a:rPr/>
+              <a:t>per</a:t>
+            </a:r>
+            <a:r>
+              <a:rPr/>
+              <a:t> </a:t>
+            </a:r>
+            <a:r>
+              <a:rPr/>
+              <a:t>patient</a:t>
+            </a:r>
+            <a:r>
+              <a:rPr/>
+              <a:t> </a:t>
+            </a:r>
+            <a:r>
+              <a:rPr/>
+              <a:t>encounter</a:t>
+            </a:r>
+            <a:r>
+              <a:rPr/>
+              <a:t> </a:t>
+            </a:r>
+            <a:r>
+              <a:rPr/>
+              <a:t>and</a:t>
+            </a:r>
+            <a:r>
+              <a:rPr/>
+              <a:t> </a:t>
+            </a:r>
+            <a:r>
+              <a:rPr/>
+              <a:t>therefore</a:t>
+            </a:r>
+            <a:r>
+              <a:rPr/>
+              <a:t> </a:t>
+            </a:r>
+            <a:r>
+              <a:rPr/>
+              <a:t>multiple</a:t>
+            </a:r>
+            <a:r>
+              <a:rPr/>
+              <a:t> </a:t>
+            </a:r>
+            <a:r>
+              <a:rPr/>
+              <a:t>rows</a:t>
+            </a:r>
+            <a:r>
+              <a:rPr/>
+              <a:t> </a:t>
+            </a:r>
+            <a:r>
+              <a:rPr/>
+              <a:t>per</a:t>
+            </a:r>
+            <a:r>
+              <a:rPr/>
+              <a:t> </a:t>
+            </a:r>
+            <a:r>
+              <a:rPr/>
+              <a:t>patient.</a:t>
+            </a:r>
+          </a:p>
+        </p:txBody>
+      </p:sp>
+      <p:sp>
+        <p:nvSpPr>
+          <p:cNvPr id="4" name="Slide Number Placeholder 3"/>
+          <p:cNvSpPr>
+            <a:spLocks noGrp="1"/>
+          </p:cNvSpPr>
+          <p:nvPr>
+            <p:ph type="sldNum" sz="quarter" idx="10"/>
+          </p:nvPr>
+        </p:nvSpPr>
+        <p:spPr/>
+        <p:txBody>
+          <a:bodyPr/>
+          <a:lstStyle/>
+          <a:p>
+            <a:fld id="{18BDFEC3-8487-43E8-A154-7C12CBC1FFF2}" type="slidenum">
+              <a:rPr lang="en-US"/>
+              <a:t>48</a:t>
             </a:fld>
             <a:endParaRPr lang="en-US"/>
           </a:p>
@@ -12263,6 +12727,60 @@
               <a:t>formats.</a:t>
             </a:r>
           </a:p>
+          <a:p>
+            <a:pPr lvl="0" marL="0" indent="0">
+              <a:buNone/>
+            </a:pPr>
+          </a:p>
+          <a:p>
+            <a:pPr lvl="0" marL="0" indent="0">
+              <a:buNone/>
+            </a:pPr>
+            <a:r>
+              <a:rPr/>
+              <a:t>Look</a:t>
+            </a:r>
+            <a:r>
+              <a:rPr/>
+              <a:t> </a:t>
+            </a:r>
+            <a:r>
+              <a:rPr/>
+              <a:t>here</a:t>
+            </a:r>
+            <a:r>
+              <a:rPr/>
+              <a:t> </a:t>
+            </a:r>
+            <a:r>
+              <a:rPr/>
+              <a:t>for</a:t>
+            </a:r>
+            <a:r>
+              <a:rPr/>
+              <a:t> </a:t>
+            </a:r>
+            <a:r>
+              <a:rPr/>
+              <a:t>more</a:t>
+            </a:r>
+            <a:r>
+              <a:rPr/>
+              <a:t> </a:t>
+            </a:r>
+            <a:r>
+              <a:rPr/>
+              <a:t>details:</a:t>
+            </a:r>
+            <a:r>
+              <a:rPr/>
+              <a:t> </a:t>
+            </a:r>
+            <a:r>
+              <a:rPr/>
+              <a:t>www.statsci.org/data/oz/ctsib.html</a:t>
+            </a:r>
+          </a:p>
         </p:txBody>
       </p:sp>
       <p:sp>
@@ -12283,6 +12801,2292 @@
             <a:fld id="{18BDFEC3-8487-43E8-A154-7C12CBC1FFF2}" type="slidenum">
               <a:rPr lang="en-US"/>
               <a:t>5</a:t>
+            </a:fld>
+            <a:endParaRPr lang="en-US"/>
+          </a:p>
+        </p:txBody>
+      </p:sp>
+    </p:spTree>
+  </p:cSld>
+</p:notes>
+</file>
+
+<file path=ppt/notesSlides/notesSlide40.xml><?xml version="1.0" encoding="utf-8"?>
+<p:notes xmlns:a="http://schemas.openxmlformats.org/drawingml/2006/main" xmlns:r="http://schemas.openxmlformats.org/officeDocument/2006/relationships" xmlns:p="http://schemas.openxmlformats.org/presentationml/2006/main">
+  <p:cSld>
+    <p:spTree>
+      <p:nvGrpSpPr>
+        <p:cNvPr id="1" name=""/>
+        <p:cNvGrpSpPr/>
+        <p:nvPr/>
+      </p:nvGrpSpPr>
+      <p:grpSpPr>
+        <a:xfrm>
+          <a:off x="0" y="0"/>
+          <a:ext cx="0" cy="0"/>
+          <a:chOff x="0" y="0"/>
+          <a:chExt cx="0" cy="0"/>
+        </a:xfrm>
+      </p:grpSpPr>
+      <p:sp>
+        <p:nvSpPr>
+          <p:cNvPr id="2" name="Slide Image Placeholder 1"/>
+          <p:cNvSpPr>
+            <a:spLocks noGrp="1" noRot="1" noChangeAspect="1"/>
+          </p:cNvSpPr>
+          <p:nvPr>
+            <p:ph type="sldImg"/>
+          </p:nvPr>
+        </p:nvSpPr>
+        <p:spPr/>
+      </p:sp>
+      <p:sp>
+        <p:nvSpPr>
+          <p:cNvPr id="3" name="Notes Placeholder 2"/>
+          <p:cNvSpPr>
+            <a:spLocks noGrp="1"/>
+          </p:cNvSpPr>
+          <p:nvPr>
+            <p:ph type="body" idx="1"/>
+          </p:nvPr>
+        </p:nvSpPr>
+        <p:spPr/>
+        <p:txBody>
+          <a:bodyPr/>
+          <a:lstStyle/>
+          <a:p>
+            <a:pPr lvl="0" marL="0" indent="0">
+              <a:buNone/>
+            </a:pPr>
+            <a:r>
+              <a:rPr/>
+              <a:t>The</a:t>
+            </a:r>
+            <a:r>
+              <a:rPr/>
+              <a:t> </a:t>
+            </a:r>
+            <a:r>
+              <a:rPr/>
+              <a:t>time</a:t>
+            </a:r>
+            <a:r>
+              <a:rPr/>
+              <a:t> </a:t>
+            </a:r>
+            <a:r>
+              <a:rPr/>
+              <a:t>constant</a:t>
+            </a:r>
+            <a:r>
+              <a:rPr/>
+              <a:t> </a:t>
+            </a:r>
+            <a:r>
+              <a:rPr/>
+              <a:t>variables</a:t>
+            </a:r>
+            <a:r>
+              <a:rPr/>
+              <a:t> </a:t>
+            </a:r>
+            <a:r>
+              <a:rPr/>
+              <a:t>are</a:t>
+            </a:r>
+            <a:r>
+              <a:rPr/>
+              <a:t> </a:t>
+            </a:r>
+            <a:r>
+              <a:rPr/>
+              <a:t>sex,</a:t>
+            </a:r>
+            <a:r>
+              <a:rPr/>
+              <a:t> </a:t>
+            </a:r>
+            <a:r>
+              <a:rPr/>
+              <a:t>age,</a:t>
+            </a:r>
+            <a:r>
+              <a:rPr/>
+              <a:t> </a:t>
+            </a:r>
+            <a:r>
+              <a:rPr/>
+              <a:t>height,</a:t>
+            </a:r>
+            <a:r>
+              <a:rPr/>
+              <a:t> </a:t>
+            </a:r>
+            <a:r>
+              <a:rPr/>
+              <a:t>and</a:t>
+            </a:r>
+            <a:r>
+              <a:rPr/>
+              <a:t> </a:t>
+            </a:r>
+            <a:r>
+              <a:rPr/>
+              <a:t>weight.</a:t>
+            </a:r>
+            <a:r>
+              <a:rPr/>
+              <a:t> </a:t>
+            </a:r>
+            <a:r>
+              <a:rPr/>
+              <a:t>You</a:t>
+            </a:r>
+            <a:r>
+              <a:rPr/>
+              <a:t> </a:t>
+            </a:r>
+            <a:r>
+              <a:rPr/>
+              <a:t>must</a:t>
+            </a:r>
+            <a:r>
+              <a:rPr/>
+              <a:t> </a:t>
+            </a:r>
+            <a:r>
+              <a:rPr/>
+              <a:t>keep</a:t>
+            </a:r>
+            <a:r>
+              <a:rPr/>
+              <a:t> </a:t>
+            </a:r>
+            <a:r>
+              <a:rPr/>
+              <a:t>the</a:t>
+            </a:r>
+            <a:r>
+              <a:rPr/>
+              <a:t> </a:t>
+            </a:r>
+            <a:r>
+              <a:rPr/>
+              <a:t>subject</a:t>
+            </a:r>
+            <a:r>
+              <a:rPr/>
+              <a:t> </a:t>
+            </a:r>
+            <a:r>
+              <a:rPr/>
+              <a:t>id</a:t>
+            </a:r>
+            <a:r>
+              <a:rPr/>
+              <a:t> </a:t>
+            </a:r>
+            <a:r>
+              <a:rPr/>
+              <a:t>in</a:t>
+            </a:r>
+            <a:r>
+              <a:rPr/>
+              <a:t> </a:t>
+            </a:r>
+            <a:r>
+              <a:rPr/>
+              <a:t>this</a:t>
+            </a:r>
+            <a:r>
+              <a:rPr/>
+              <a:t> </a:t>
+            </a:r>
+            <a:r>
+              <a:rPr/>
+              <a:t>dataset</a:t>
+            </a:r>
+            <a:r>
+              <a:rPr/>
+              <a:t> </a:t>
+            </a:r>
+            <a:r>
+              <a:rPr/>
+              <a:t>as</a:t>
+            </a:r>
+            <a:r>
+              <a:rPr/>
+              <a:t> </a:t>
+            </a:r>
+            <a:r>
+              <a:rPr/>
+              <a:t>well</a:t>
+            </a:r>
+            <a:r>
+              <a:rPr/>
+              <a:t> </a:t>
+            </a:r>
+            <a:r>
+              <a:rPr/>
+              <a:t>because</a:t>
+            </a:r>
+            <a:r>
+              <a:rPr/>
+              <a:t> </a:t>
+            </a:r>
+            <a:r>
+              <a:rPr/>
+              <a:t>you</a:t>
+            </a:r>
+            <a:r>
+              <a:rPr/>
+              <a:t> </a:t>
+            </a:r>
+            <a:r>
+              <a:rPr/>
+              <a:t>will</a:t>
+            </a:r>
+            <a:r>
+              <a:rPr/>
+              <a:t> </a:t>
+            </a:r>
+            <a:r>
+              <a:rPr/>
+              <a:t>need</a:t>
+            </a:r>
+            <a:r>
+              <a:rPr/>
+              <a:t> </a:t>
+            </a:r>
+            <a:r>
+              <a:rPr/>
+              <a:t>it</a:t>
+            </a:r>
+            <a:r>
+              <a:rPr/>
+              <a:t> </a:t>
+            </a:r>
+            <a:r>
+              <a:rPr/>
+              <a:t>to</a:t>
+            </a:r>
+            <a:r>
+              <a:rPr/>
+              <a:t> </a:t>
+            </a:r>
+            <a:r>
+              <a:rPr/>
+              <a:t>link</a:t>
+            </a:r>
+            <a:r>
+              <a:rPr/>
+              <a:t> </a:t>
+            </a:r>
+            <a:r>
+              <a:rPr/>
+              <a:t>with</a:t>
+            </a:r>
+            <a:r>
+              <a:rPr/>
+              <a:t> </a:t>
+            </a:r>
+            <a:r>
+              <a:rPr/>
+              <a:t>the</a:t>
+            </a:r>
+            <a:r>
+              <a:rPr/>
+              <a:t> </a:t>
+            </a:r>
+            <a:r>
+              <a:rPr/>
+              <a:t>time</a:t>
+            </a:r>
+            <a:r>
+              <a:rPr/>
+              <a:t> </a:t>
+            </a:r>
+            <a:r>
+              <a:rPr/>
+              <a:t>variable</a:t>
+            </a:r>
+            <a:r>
+              <a:rPr/>
+              <a:t> </a:t>
+            </a:r>
+            <a:r>
+              <a:rPr/>
+              <a:t>data.</a:t>
+            </a:r>
+          </a:p>
+        </p:txBody>
+      </p:sp>
+      <p:sp>
+        <p:nvSpPr>
+          <p:cNvPr id="4" name="Slide Number Placeholder 3"/>
+          <p:cNvSpPr>
+            <a:spLocks noGrp="1"/>
+          </p:cNvSpPr>
+          <p:nvPr>
+            <p:ph type="sldNum" sz="quarter" idx="10"/>
+          </p:nvPr>
+        </p:nvSpPr>
+        <p:spPr/>
+        <p:txBody>
+          <a:bodyPr/>
+          <a:lstStyle/>
+          <a:p>
+            <a:fld id="{18BDFEC3-8487-43E8-A154-7C12CBC1FFF2}" type="slidenum">
+              <a:rPr lang="en-US"/>
+              <a:t>53</a:t>
+            </a:fld>
+            <a:endParaRPr lang="en-US"/>
+          </a:p>
+        </p:txBody>
+      </p:sp>
+    </p:spTree>
+  </p:cSld>
+</p:notes>
+</file>
+
+<file path=ppt/notesSlides/notesSlide41.xml><?xml version="1.0" encoding="utf-8"?>
+<p:notes xmlns:a="http://schemas.openxmlformats.org/drawingml/2006/main" xmlns:r="http://schemas.openxmlformats.org/officeDocument/2006/relationships" xmlns:p="http://schemas.openxmlformats.org/presentationml/2006/main">
+  <p:cSld>
+    <p:spTree>
+      <p:nvGrpSpPr>
+        <p:cNvPr id="1" name=""/>
+        <p:cNvGrpSpPr/>
+        <p:nvPr/>
+      </p:nvGrpSpPr>
+      <p:grpSpPr>
+        <a:xfrm>
+          <a:off x="0" y="0"/>
+          <a:ext cx="0" cy="0"/>
+          <a:chOff x="0" y="0"/>
+          <a:chExt cx="0" cy="0"/>
+        </a:xfrm>
+      </p:grpSpPr>
+      <p:sp>
+        <p:nvSpPr>
+          <p:cNvPr id="2" name="Slide Image Placeholder 1"/>
+          <p:cNvSpPr>
+            <a:spLocks noGrp="1" noRot="1" noChangeAspect="1"/>
+          </p:cNvSpPr>
+          <p:nvPr>
+            <p:ph type="sldImg"/>
+          </p:nvPr>
+        </p:nvSpPr>
+        <p:spPr/>
+      </p:sp>
+      <p:sp>
+        <p:nvSpPr>
+          <p:cNvPr id="3" name="Notes Placeholder 2"/>
+          <p:cNvSpPr>
+            <a:spLocks noGrp="1"/>
+          </p:cNvSpPr>
+          <p:nvPr>
+            <p:ph type="body" idx="1"/>
+          </p:nvPr>
+        </p:nvSpPr>
+        <p:spPr/>
+        <p:txBody>
+          <a:bodyPr/>
+          <a:lstStyle/>
+          <a:p>
+            <a:pPr lvl="0" marL="0" indent="0">
+              <a:buNone/>
+            </a:pPr>
+            <a:r>
+              <a:rPr/>
+              <a:t>Pull</a:t>
+            </a:r>
+            <a:r>
+              <a:rPr/>
+              <a:t> </a:t>
+            </a:r>
+            <a:r>
+              <a:rPr/>
+              <a:t>the</a:t>
+            </a:r>
+            <a:r>
+              <a:rPr/>
+              <a:t> </a:t>
+            </a:r>
+            <a:r>
+              <a:rPr/>
+              <a:t>time</a:t>
+            </a:r>
+            <a:r>
+              <a:rPr/>
+              <a:t> </a:t>
+            </a:r>
+            <a:r>
+              <a:rPr/>
+              <a:t>variable</a:t>
+            </a:r>
+            <a:r>
+              <a:rPr/>
+              <a:t> </a:t>
+            </a:r>
+            <a:r>
+              <a:rPr/>
+              <a:t>data</a:t>
+            </a:r>
+            <a:r>
+              <a:rPr/>
+              <a:t> </a:t>
+            </a:r>
+            <a:r>
+              <a:rPr/>
+              <a:t>from</a:t>
+            </a:r>
+            <a:r>
+              <a:rPr/>
+              <a:t> </a:t>
+            </a:r>
+            <a:r>
+              <a:rPr/>
+              <a:t>the</a:t>
+            </a:r>
+            <a:r>
+              <a:rPr/>
+              <a:t> </a:t>
+            </a:r>
+            <a:r>
+              <a:rPr/>
+              <a:t>tall</a:t>
+            </a:r>
+            <a:r>
+              <a:rPr/>
+              <a:t> </a:t>
+            </a:r>
+            <a:r>
+              <a:rPr/>
+              <a:t>and</a:t>
+            </a:r>
+            <a:r>
+              <a:rPr/>
+              <a:t> </a:t>
+            </a:r>
+            <a:r>
+              <a:rPr/>
+              <a:t>thin</a:t>
+            </a:r>
+            <a:r>
+              <a:rPr/>
+              <a:t> </a:t>
+            </a:r>
+            <a:r>
+              <a:rPr/>
+              <a:t>format.</a:t>
+            </a:r>
+          </a:p>
+          <a:p>
+            <a:pPr lvl="0" marL="0" indent="0">
+              <a:buNone/>
+            </a:pPr>
+          </a:p>
+          <a:p>
+            <a:pPr lvl="0" marL="0" indent="0">
+              <a:buNone/>
+            </a:pPr>
+            <a:r>
+              <a:rPr/>
+              <a:t>Update</a:t>
+            </a:r>
+            <a:r>
+              <a:rPr/>
+              <a:t> </a:t>
+            </a:r>
+            <a:r>
+              <a:rPr/>
+              <a:t>the</a:t>
+            </a:r>
+            <a:r>
+              <a:rPr/>
+              <a:t> </a:t>
+            </a:r>
+            <a:r>
+              <a:rPr/>
+              <a:t>time</a:t>
+            </a:r>
+            <a:r>
+              <a:rPr/>
+              <a:t> </a:t>
+            </a:r>
+            <a:r>
+              <a:rPr/>
+              <a:t>constant</a:t>
+            </a:r>
+            <a:r>
+              <a:rPr/>
+              <a:t> </a:t>
+            </a:r>
+            <a:r>
+              <a:rPr/>
+              <a:t>table</a:t>
+            </a:r>
+            <a:r>
+              <a:rPr/>
+              <a:t> </a:t>
+            </a:r>
+            <a:r>
+              <a:rPr/>
+              <a:t>only</a:t>
+            </a:r>
+            <a:r>
+              <a:rPr/>
+              <a:t> </a:t>
+            </a:r>
+            <a:r>
+              <a:rPr/>
+              <a:t>once.</a:t>
+            </a:r>
+            <a:r>
+              <a:rPr/>
+              <a:t> </a:t>
+            </a:r>
+            <a:r>
+              <a:rPr/>
+              <a:t>Update</a:t>
+            </a:r>
+            <a:r>
+              <a:rPr/>
+              <a:t> </a:t>
+            </a:r>
+            <a:r>
+              <a:rPr/>
+              <a:t>the</a:t>
+            </a:r>
+            <a:r>
+              <a:rPr/>
+              <a:t> </a:t>
+            </a:r>
+            <a:r>
+              <a:rPr/>
+              <a:t>time</a:t>
+            </a:r>
+            <a:r>
+              <a:rPr/>
+              <a:t> </a:t>
+            </a:r>
+            <a:r>
+              <a:rPr/>
+              <a:t>varying</a:t>
+            </a:r>
+            <a:r>
+              <a:rPr/>
+              <a:t> </a:t>
+            </a:r>
+            <a:r>
+              <a:rPr/>
+              <a:t>table</a:t>
+            </a:r>
+            <a:r>
+              <a:rPr/>
+              <a:t> </a:t>
+            </a:r>
+            <a:r>
+              <a:rPr/>
+              <a:t>each</a:t>
+            </a:r>
+            <a:r>
+              <a:rPr/>
+              <a:t> </a:t>
+            </a:r>
+            <a:r>
+              <a:rPr/>
+              <a:t>time</a:t>
+            </a:r>
+            <a:r>
+              <a:rPr/>
+              <a:t> </a:t>
+            </a:r>
+            <a:r>
+              <a:rPr/>
+              <a:t>you</a:t>
+            </a:r>
+            <a:r>
+              <a:rPr/>
+              <a:t> </a:t>
+            </a:r>
+            <a:r>
+              <a:rPr/>
+              <a:t>get</a:t>
+            </a:r>
+            <a:r>
+              <a:rPr/>
+              <a:t> </a:t>
+            </a:r>
+            <a:r>
+              <a:rPr/>
+              <a:t>information</a:t>
+            </a:r>
+            <a:r>
+              <a:rPr/>
+              <a:t> </a:t>
+            </a:r>
+            <a:r>
+              <a:rPr/>
+              <a:t>at</a:t>
+            </a:r>
+            <a:r>
+              <a:rPr/>
+              <a:t> </a:t>
+            </a:r>
+            <a:r>
+              <a:rPr/>
+              <a:t>a</a:t>
+            </a:r>
+            <a:r>
+              <a:rPr/>
+              <a:t> </a:t>
+            </a:r>
+            <a:r>
+              <a:rPr/>
+              <a:t>new</a:t>
+            </a:r>
+            <a:r>
+              <a:rPr/>
+              <a:t> </a:t>
+            </a:r>
+            <a:r>
+              <a:rPr/>
+              <a:t>patient</a:t>
+            </a:r>
+            <a:r>
+              <a:rPr/>
+              <a:t> </a:t>
+            </a:r>
+            <a:r>
+              <a:rPr/>
+              <a:t>visit.</a:t>
+            </a:r>
+          </a:p>
+          <a:p>
+            <a:pPr lvl="0" marL="0" indent="0">
+              <a:buNone/>
+            </a:pPr>
+          </a:p>
+          <a:p>
+            <a:pPr lvl="0" marL="0" indent="0">
+              <a:buNone/>
+            </a:pPr>
+            <a:r>
+              <a:rPr/>
+              <a:t>Note</a:t>
+            </a:r>
+            <a:r>
+              <a:rPr/>
+              <a:t> </a:t>
+            </a:r>
+            <a:r>
+              <a:rPr/>
+              <a:t>that</a:t>
+            </a:r>
+            <a:r>
+              <a:rPr/>
+              <a:t> </a:t>
+            </a:r>
+            <a:r>
+              <a:rPr/>
+              <a:t>this</a:t>
+            </a:r>
+            <a:r>
+              <a:rPr/>
+              <a:t> </a:t>
+            </a:r>
+            <a:r>
+              <a:rPr/>
+              <a:t>is</a:t>
+            </a:r>
+            <a:r>
+              <a:rPr/>
+              <a:t> </a:t>
+            </a:r>
+            <a:r>
+              <a:rPr/>
+              <a:t>what</a:t>
+            </a:r>
+            <a:r>
+              <a:rPr/>
+              <a:t> </a:t>
+            </a:r>
+            <a:r>
+              <a:rPr/>
+              <a:t>you</a:t>
+            </a:r>
+            <a:r>
+              <a:rPr/>
+              <a:t> </a:t>
+            </a:r>
+            <a:r>
+              <a:rPr/>
+              <a:t>should</a:t>
+            </a:r>
+            <a:r>
+              <a:rPr/>
+              <a:t> </a:t>
+            </a:r>
+            <a:r>
+              <a:rPr/>
+              <a:t>do</a:t>
+            </a:r>
+            <a:r>
+              <a:rPr/>
+              <a:t> </a:t>
+            </a:r>
+            <a:r>
+              <a:rPr/>
+              <a:t>before</a:t>
+            </a:r>
+            <a:r>
+              <a:rPr/>
+              <a:t> </a:t>
+            </a:r>
+            <a:r>
+              <a:rPr/>
+              <a:t>the</a:t>
+            </a:r>
+            <a:r>
+              <a:rPr/>
+              <a:t> </a:t>
+            </a:r>
+            <a:r>
+              <a:rPr/>
+              <a:t>data</a:t>
+            </a:r>
+            <a:r>
+              <a:rPr/>
+              <a:t> </a:t>
+            </a:r>
+            <a:r>
+              <a:rPr/>
+              <a:t>is</a:t>
+            </a:r>
+            <a:r>
+              <a:rPr/>
+              <a:t> </a:t>
+            </a:r>
+            <a:r>
+              <a:rPr/>
+              <a:t>collected.</a:t>
+            </a:r>
+            <a:r>
+              <a:rPr/>
+              <a:t> </a:t>
+            </a:r>
+            <a:r>
+              <a:rPr/>
+              <a:t>If</a:t>
+            </a:r>
+            <a:r>
+              <a:rPr/>
+              <a:t> </a:t>
+            </a:r>
+            <a:r>
+              <a:rPr/>
+              <a:t>the</a:t>
+            </a:r>
+            <a:r>
+              <a:rPr/>
+              <a:t> </a:t>
+            </a:r>
+            <a:r>
+              <a:rPr/>
+              <a:t>data</a:t>
+            </a:r>
+            <a:r>
+              <a:rPr/>
+              <a:t> </a:t>
+            </a:r>
+            <a:r>
+              <a:rPr/>
+              <a:t>is</a:t>
+            </a:r>
+            <a:r>
+              <a:rPr/>
+              <a:t> </a:t>
+            </a:r>
+            <a:r>
+              <a:rPr/>
+              <a:t>already</a:t>
+            </a:r>
+            <a:r>
+              <a:rPr/>
+              <a:t> </a:t>
+            </a:r>
+            <a:r>
+              <a:rPr/>
+              <a:t>collected</a:t>
+            </a:r>
+            <a:r>
+              <a:rPr/>
+              <a:t> </a:t>
+            </a:r>
+            <a:r>
+              <a:rPr/>
+              <a:t>by</a:t>
+            </a:r>
+            <a:r>
+              <a:rPr/>
+              <a:t> </a:t>
+            </a:r>
+            <a:r>
+              <a:rPr/>
+              <a:t>someone</a:t>
+            </a:r>
+            <a:r>
+              <a:rPr/>
+              <a:t> </a:t>
+            </a:r>
+            <a:r>
+              <a:rPr/>
+              <a:t>else,</a:t>
+            </a:r>
+            <a:r>
+              <a:rPr/>
+              <a:t> </a:t>
+            </a:r>
+            <a:r>
+              <a:rPr/>
+              <a:t>then</a:t>
+            </a:r>
+            <a:r>
+              <a:rPr/>
+              <a:t> </a:t>
+            </a:r>
+            <a:r>
+              <a:rPr/>
+              <a:t>you</a:t>
+            </a:r>
+            <a:r>
+              <a:rPr/>
+              <a:t> </a:t>
+            </a:r>
+            <a:r>
+              <a:rPr/>
+              <a:t>have</a:t>
+            </a:r>
+            <a:r>
+              <a:rPr/>
+              <a:t> </a:t>
+            </a:r>
+            <a:r>
+              <a:rPr/>
+              <a:t>to</a:t>
+            </a:r>
+            <a:r>
+              <a:rPr/>
+              <a:t> </a:t>
+            </a:r>
+            <a:r>
+              <a:rPr/>
+              <a:t>live</a:t>
+            </a:r>
+            <a:r>
+              <a:rPr/>
+              <a:t> </a:t>
+            </a:r>
+            <a:r>
+              <a:rPr/>
+              <a:t>with</a:t>
+            </a:r>
+            <a:r>
+              <a:rPr/>
+              <a:t> </a:t>
+            </a:r>
+            <a:r>
+              <a:rPr/>
+              <a:t>the</a:t>
+            </a:r>
+            <a:r>
+              <a:rPr/>
+              <a:t> </a:t>
+            </a:r>
+            <a:r>
+              <a:rPr/>
+              <a:t>limitations</a:t>
+            </a:r>
+            <a:r>
+              <a:rPr/>
+              <a:t> </a:t>
+            </a:r>
+            <a:r>
+              <a:rPr/>
+              <a:t>of</a:t>
+            </a:r>
+            <a:r>
+              <a:rPr/>
+              <a:t> </a:t>
+            </a:r>
+            <a:r>
+              <a:rPr/>
+              <a:t>whatever</a:t>
+            </a:r>
+            <a:r>
+              <a:rPr/>
+              <a:t> </a:t>
+            </a:r>
+            <a:r>
+              <a:rPr/>
+              <a:t>format</a:t>
+            </a:r>
+            <a:r>
+              <a:rPr/>
+              <a:t> </a:t>
+            </a:r>
+            <a:r>
+              <a:rPr/>
+              <a:t>they</a:t>
+            </a:r>
+            <a:r>
+              <a:rPr/>
+              <a:t> </a:t>
+            </a:r>
+            <a:r>
+              <a:rPr/>
+              <a:t>chose.</a:t>
+            </a:r>
+          </a:p>
+        </p:txBody>
+      </p:sp>
+      <p:sp>
+        <p:nvSpPr>
+          <p:cNvPr id="4" name="Slide Number Placeholder 3"/>
+          <p:cNvSpPr>
+            <a:spLocks noGrp="1"/>
+          </p:cNvSpPr>
+          <p:nvPr>
+            <p:ph type="sldNum" sz="quarter" idx="10"/>
+          </p:nvPr>
+        </p:nvSpPr>
+        <p:spPr/>
+        <p:txBody>
+          <a:bodyPr/>
+          <a:lstStyle/>
+          <a:p>
+            <a:fld id="{18BDFEC3-8487-43E8-A154-7C12CBC1FFF2}" type="slidenum">
+              <a:rPr lang="en-US"/>
+              <a:t>58</a:t>
+            </a:fld>
+            <a:endParaRPr lang="en-US"/>
+          </a:p>
+        </p:txBody>
+      </p:sp>
+    </p:spTree>
+  </p:cSld>
+</p:notes>
+</file>
+
+<file path=ppt/notesSlides/notesSlide42.xml><?xml version="1.0" encoding="utf-8"?>
+<p:notes xmlns:a="http://schemas.openxmlformats.org/drawingml/2006/main" xmlns:r="http://schemas.openxmlformats.org/officeDocument/2006/relationships" xmlns:p="http://schemas.openxmlformats.org/presentationml/2006/main">
+  <p:cSld>
+    <p:spTree>
+      <p:nvGrpSpPr>
+        <p:cNvPr id="1" name=""/>
+        <p:cNvGrpSpPr/>
+        <p:nvPr/>
+      </p:nvGrpSpPr>
+      <p:grpSpPr>
+        <a:xfrm>
+          <a:off x="0" y="0"/>
+          <a:ext cx="0" cy="0"/>
+          <a:chOff x="0" y="0"/>
+          <a:chExt cx="0" cy="0"/>
+        </a:xfrm>
+      </p:grpSpPr>
+      <p:sp>
+        <p:nvSpPr>
+          <p:cNvPr id="2" name="Slide Image Placeholder 1"/>
+          <p:cNvSpPr>
+            <a:spLocks noGrp="1" noRot="1" noChangeAspect="1"/>
+          </p:cNvSpPr>
+          <p:nvPr>
+            <p:ph type="sldImg"/>
+          </p:nvPr>
+        </p:nvSpPr>
+        <p:spPr/>
+      </p:sp>
+      <p:sp>
+        <p:nvSpPr>
+          <p:cNvPr id="3" name="Notes Placeholder 2"/>
+          <p:cNvSpPr>
+            <a:spLocks noGrp="1"/>
+          </p:cNvSpPr>
+          <p:nvPr>
+            <p:ph type="body" idx="1"/>
+          </p:nvPr>
+        </p:nvSpPr>
+        <p:spPr/>
+        <p:txBody>
+          <a:bodyPr/>
+          <a:lstStyle/>
+          <a:p>
+            <a:pPr lvl="0" marL="0" indent="0">
+              <a:buNone/>
+            </a:pPr>
+            <a:r>
+              <a:rPr/>
+              <a:t>We’ve</a:t>
+            </a:r>
+            <a:r>
+              <a:rPr/>
+              <a:t> </a:t>
+            </a:r>
+            <a:r>
+              <a:rPr/>
+              <a:t>covered</a:t>
+            </a:r>
+            <a:r>
+              <a:rPr/>
+              <a:t> </a:t>
+            </a:r>
+            <a:r>
+              <a:rPr/>
+              <a:t>a</a:t>
+            </a:r>
+            <a:r>
+              <a:rPr/>
+              <a:t> </a:t>
+            </a:r>
+            <a:r>
+              <a:rPr/>
+              <a:t>lot</a:t>
+            </a:r>
+            <a:r>
+              <a:rPr/>
+              <a:t> </a:t>
+            </a:r>
+            <a:r>
+              <a:rPr/>
+              <a:t>in</a:t>
+            </a:r>
+            <a:r>
+              <a:rPr/>
+              <a:t> </a:t>
+            </a:r>
+            <a:r>
+              <a:rPr/>
+              <a:t>these</a:t>
+            </a:r>
+            <a:r>
+              <a:rPr/>
+              <a:t> </a:t>
+            </a:r>
+            <a:r>
+              <a:rPr/>
+              <a:t>videos.</a:t>
+            </a:r>
+            <a:r>
+              <a:rPr/>
+              <a:t> </a:t>
+            </a:r>
+            <a:r>
+              <a:rPr/>
+              <a:t>There</a:t>
+            </a:r>
+            <a:r>
+              <a:rPr/>
+              <a:t> </a:t>
+            </a:r>
+            <a:r>
+              <a:rPr/>
+              <a:t>are</a:t>
+            </a:r>
+            <a:r>
+              <a:rPr/>
+              <a:t> </a:t>
+            </a:r>
+            <a:r>
+              <a:rPr/>
+              <a:t>two</a:t>
+            </a:r>
+            <a:r>
+              <a:rPr/>
+              <a:t> </a:t>
+            </a:r>
+            <a:r>
+              <a:rPr/>
+              <a:t>formats</a:t>
+            </a:r>
+            <a:r>
+              <a:rPr/>
+              <a:t> </a:t>
+            </a:r>
+            <a:r>
+              <a:rPr/>
+              <a:t>for</a:t>
+            </a:r>
+            <a:r>
+              <a:rPr/>
+              <a:t> </a:t>
+            </a:r>
+            <a:r>
+              <a:rPr/>
+              <a:t>longitudinal</a:t>
+            </a:r>
+            <a:r>
+              <a:rPr/>
+              <a:t> </a:t>
+            </a:r>
+            <a:r>
+              <a:rPr/>
+              <a:t>data.</a:t>
+            </a:r>
+            <a:r>
+              <a:rPr/>
+              <a:t> </a:t>
+            </a:r>
+            <a:r>
+              <a:rPr/>
+              <a:t>The</a:t>
+            </a:r>
+            <a:r>
+              <a:rPr/>
+              <a:t> </a:t>
+            </a:r>
+            <a:r>
+              <a:rPr/>
+              <a:t>short</a:t>
+            </a:r>
+            <a:r>
+              <a:rPr/>
+              <a:t> </a:t>
+            </a:r>
+            <a:r>
+              <a:rPr/>
+              <a:t>and</a:t>
+            </a:r>
+            <a:r>
+              <a:rPr/>
+              <a:t> </a:t>
+            </a:r>
+            <a:r>
+              <a:rPr/>
+              <a:t>fat</a:t>
+            </a:r>
+            <a:r>
+              <a:rPr/>
+              <a:t> </a:t>
+            </a:r>
+            <a:r>
+              <a:rPr/>
+              <a:t>format</a:t>
+            </a:r>
+            <a:r>
+              <a:rPr/>
+              <a:t> </a:t>
+            </a:r>
+            <a:r>
+              <a:rPr/>
+              <a:t>has</a:t>
+            </a:r>
+            <a:r>
+              <a:rPr/>
+              <a:t> </a:t>
+            </a:r>
+            <a:r>
+              <a:rPr/>
+              <a:t>one</a:t>
+            </a:r>
+            <a:r>
+              <a:rPr/>
+              <a:t> </a:t>
+            </a:r>
+            <a:r>
+              <a:rPr/>
+              <a:t>row</a:t>
+            </a:r>
+            <a:r>
+              <a:rPr/>
+              <a:t> </a:t>
+            </a:r>
+            <a:r>
+              <a:rPr/>
+              <a:t>per</a:t>
+            </a:r>
+            <a:r>
+              <a:rPr/>
+              <a:t> </a:t>
+            </a:r>
+            <a:r>
+              <a:rPr/>
+              <a:t>patient</a:t>
+            </a:r>
+            <a:r>
+              <a:rPr/>
+              <a:t> </a:t>
+            </a:r>
+            <a:r>
+              <a:rPr/>
+              <a:t>and</a:t>
+            </a:r>
+            <a:r>
+              <a:rPr/>
+              <a:t> </a:t>
+            </a:r>
+            <a:r>
+              <a:rPr/>
+              <a:t>strings</a:t>
+            </a:r>
+            <a:r>
+              <a:rPr/>
+              <a:t> </a:t>
+            </a:r>
+            <a:r>
+              <a:rPr/>
+              <a:t>out</a:t>
+            </a:r>
+            <a:r>
+              <a:rPr/>
+              <a:t> </a:t>
+            </a:r>
+            <a:r>
+              <a:rPr/>
+              <a:t>the</a:t>
+            </a:r>
+            <a:r>
+              <a:rPr/>
+              <a:t> </a:t>
+            </a:r>
+            <a:r>
+              <a:rPr/>
+              <a:t>data</a:t>
+            </a:r>
+            <a:r>
+              <a:rPr/>
+              <a:t> </a:t>
+            </a:r>
+            <a:r>
+              <a:rPr/>
+              <a:t>far</a:t>
+            </a:r>
+            <a:r>
+              <a:rPr/>
+              <a:t> </a:t>
+            </a:r>
+            <a:r>
+              <a:rPr/>
+              <a:t>to</a:t>
+            </a:r>
+            <a:r>
+              <a:rPr/>
+              <a:t> </a:t>
+            </a:r>
+            <a:r>
+              <a:rPr/>
+              <a:t>the</a:t>
+            </a:r>
+            <a:r>
+              <a:rPr/>
+              <a:t> </a:t>
+            </a:r>
+            <a:r>
+              <a:rPr/>
+              <a:t>right.</a:t>
+            </a:r>
+            <a:r>
+              <a:rPr/>
+              <a:t> </a:t>
+            </a:r>
+            <a:r>
+              <a:rPr/>
+              <a:t>The</a:t>
+            </a:r>
+            <a:r>
+              <a:rPr/>
+              <a:t> </a:t>
+            </a:r>
+            <a:r>
+              <a:rPr/>
+              <a:t>tall</a:t>
+            </a:r>
+            <a:r>
+              <a:rPr/>
+              <a:t> </a:t>
+            </a:r>
+            <a:r>
+              <a:rPr/>
+              <a:t>and</a:t>
+            </a:r>
+            <a:r>
+              <a:rPr/>
+              <a:t> </a:t>
+            </a:r>
+            <a:r>
+              <a:rPr/>
+              <a:t>thin</a:t>
+            </a:r>
+            <a:r>
+              <a:rPr/>
+              <a:t> </a:t>
+            </a:r>
+            <a:r>
+              <a:rPr/>
+              <a:t>format</a:t>
+            </a:r>
+            <a:r>
+              <a:rPr/>
+              <a:t> </a:t>
+            </a:r>
+            <a:r>
+              <a:rPr/>
+              <a:t>has</a:t>
+            </a:r>
+            <a:r>
+              <a:rPr/>
+              <a:t> </a:t>
+            </a:r>
+            <a:r>
+              <a:rPr/>
+              <a:t>one</a:t>
+            </a:r>
+            <a:r>
+              <a:rPr/>
+              <a:t> </a:t>
+            </a:r>
+            <a:r>
+              <a:rPr/>
+              <a:t>row</a:t>
+            </a:r>
+            <a:r>
+              <a:rPr/>
+              <a:t> </a:t>
+            </a:r>
+            <a:r>
+              <a:rPr/>
+              <a:t>per</a:t>
+            </a:r>
+            <a:r>
+              <a:rPr/>
+              <a:t> </a:t>
+            </a:r>
+            <a:r>
+              <a:rPr/>
+              <a:t>time</a:t>
+            </a:r>
+            <a:r>
+              <a:rPr/>
+              <a:t> </a:t>
+            </a:r>
+            <a:r>
+              <a:rPr/>
+              <a:t>point</a:t>
+            </a:r>
+            <a:r>
+              <a:rPr/>
+              <a:t> </a:t>
+            </a:r>
+            <a:r>
+              <a:rPr/>
+              <a:t>and</a:t>
+            </a:r>
+            <a:r>
+              <a:rPr/>
+              <a:t> </a:t>
+            </a:r>
+            <a:r>
+              <a:rPr/>
+              <a:t>strings</a:t>
+            </a:r>
+            <a:r>
+              <a:rPr/>
+              <a:t> </a:t>
+            </a:r>
+            <a:r>
+              <a:rPr/>
+              <a:t>out</a:t>
+            </a:r>
+            <a:r>
+              <a:rPr/>
+              <a:t> </a:t>
+            </a:r>
+            <a:r>
+              <a:rPr/>
+              <a:t>the</a:t>
+            </a:r>
+            <a:r>
+              <a:rPr/>
+              <a:t> </a:t>
+            </a:r>
+            <a:r>
+              <a:rPr/>
+              <a:t>data</a:t>
+            </a:r>
+            <a:r>
+              <a:rPr/>
+              <a:t> </a:t>
+            </a:r>
+            <a:r>
+              <a:rPr/>
+              <a:t>far</a:t>
+            </a:r>
+            <a:r>
+              <a:rPr/>
+              <a:t> </a:t>
+            </a:r>
+            <a:r>
+              <a:rPr/>
+              <a:t>down.</a:t>
+            </a:r>
+          </a:p>
+          <a:p>
+            <a:pPr lvl="0" marL="0" indent="0">
+              <a:buNone/>
+            </a:pPr>
+          </a:p>
+          <a:p>
+            <a:pPr lvl="0" marL="0" indent="0">
+              <a:buNone/>
+            </a:pPr>
+            <a:r>
+              <a:rPr/>
+              <a:t>Use</a:t>
+            </a:r>
+            <a:r>
+              <a:rPr/>
+              <a:t> </a:t>
+            </a:r>
+            <a:r>
+              <a:rPr/>
+              <a:t>the</a:t>
+            </a:r>
+            <a:r>
+              <a:rPr/>
+              <a:t> </a:t>
+            </a:r>
+            <a:r>
+              <a:rPr/>
+              <a:t>gather</a:t>
+            </a:r>
+            <a:r>
+              <a:rPr/>
+              <a:t> </a:t>
+            </a:r>
+            <a:r>
+              <a:rPr/>
+              <a:t>function</a:t>
+            </a:r>
+            <a:r>
+              <a:rPr/>
+              <a:t> </a:t>
+            </a:r>
+            <a:r>
+              <a:rPr/>
+              <a:t>in</a:t>
+            </a:r>
+            <a:r>
+              <a:rPr/>
+              <a:t> </a:t>
+            </a:r>
+            <a:r>
+              <a:rPr/>
+              <a:t>the</a:t>
+            </a:r>
+            <a:r>
+              <a:rPr/>
+              <a:t> </a:t>
+            </a:r>
+            <a:r>
+              <a:rPr/>
+              <a:t>tidyr</a:t>
+            </a:r>
+            <a:r>
+              <a:rPr/>
+              <a:t> </a:t>
+            </a:r>
+            <a:r>
+              <a:rPr/>
+              <a:t>library</a:t>
+            </a:r>
+            <a:r>
+              <a:rPr/>
+              <a:t> </a:t>
+            </a:r>
+            <a:r>
+              <a:rPr/>
+              <a:t>to</a:t>
+            </a:r>
+            <a:r>
+              <a:rPr/>
+              <a:t> </a:t>
+            </a:r>
+            <a:r>
+              <a:rPr/>
+              <a:t>convert</a:t>
+            </a:r>
+            <a:r>
+              <a:rPr/>
+              <a:t> </a:t>
+            </a:r>
+            <a:r>
+              <a:rPr/>
+              <a:t>from</a:t>
+            </a:r>
+            <a:r>
+              <a:rPr/>
+              <a:t> </a:t>
+            </a:r>
+            <a:r>
+              <a:rPr/>
+              <a:t>a</a:t>
+            </a:r>
+            <a:r>
+              <a:rPr/>
+              <a:t> </a:t>
+            </a:r>
+            <a:r>
+              <a:rPr/>
+              <a:t>short</a:t>
+            </a:r>
+            <a:r>
+              <a:rPr/>
+              <a:t> </a:t>
+            </a:r>
+            <a:r>
+              <a:rPr/>
+              <a:t>and</a:t>
+            </a:r>
+            <a:r>
+              <a:rPr/>
+              <a:t> </a:t>
+            </a:r>
+            <a:r>
+              <a:rPr/>
+              <a:t>fat</a:t>
+            </a:r>
+            <a:r>
+              <a:rPr/>
+              <a:t> </a:t>
+            </a:r>
+            <a:r>
+              <a:rPr/>
+              <a:t>format</a:t>
+            </a:r>
+            <a:r>
+              <a:rPr/>
+              <a:t> </a:t>
+            </a:r>
+            <a:r>
+              <a:rPr/>
+              <a:t>into</a:t>
+            </a:r>
+            <a:r>
+              <a:rPr/>
+              <a:t> </a:t>
+            </a:r>
+            <a:r>
+              <a:rPr/>
+              <a:t>a</a:t>
+            </a:r>
+            <a:r>
+              <a:rPr/>
+              <a:t> </a:t>
+            </a:r>
+            <a:r>
+              <a:rPr/>
+              <a:t>tall</a:t>
+            </a:r>
+            <a:r>
+              <a:rPr/>
+              <a:t> </a:t>
+            </a:r>
+            <a:r>
+              <a:rPr/>
+              <a:t>and</a:t>
+            </a:r>
+            <a:r>
+              <a:rPr/>
+              <a:t> </a:t>
+            </a:r>
+            <a:r>
+              <a:rPr/>
+              <a:t>thin</a:t>
+            </a:r>
+            <a:r>
+              <a:rPr/>
+              <a:t> </a:t>
+            </a:r>
+            <a:r>
+              <a:rPr/>
+              <a:t>format.</a:t>
+            </a:r>
+            <a:r>
+              <a:rPr/>
+              <a:t> </a:t>
+            </a:r>
+            <a:r>
+              <a:rPr/>
+              <a:t>Use</a:t>
+            </a:r>
+            <a:r>
+              <a:rPr/>
+              <a:t> </a:t>
+            </a:r>
+            <a:r>
+              <a:rPr/>
+              <a:t>the</a:t>
+            </a:r>
+            <a:r>
+              <a:rPr/>
+              <a:t> </a:t>
+            </a:r>
+            <a:r>
+              <a:rPr/>
+              <a:t>spread</a:t>
+            </a:r>
+            <a:r>
+              <a:rPr/>
+              <a:t> </a:t>
+            </a:r>
+            <a:r>
+              <a:rPr/>
+              <a:t>function</a:t>
+            </a:r>
+            <a:r>
+              <a:rPr/>
+              <a:t> </a:t>
+            </a:r>
+            <a:r>
+              <a:rPr/>
+              <a:t>to</a:t>
+            </a:r>
+            <a:r>
+              <a:rPr/>
+              <a:t> </a:t>
+            </a:r>
+            <a:r>
+              <a:rPr/>
+              <a:t>convert</a:t>
+            </a:r>
+            <a:r>
+              <a:rPr/>
+              <a:t> </a:t>
+            </a:r>
+            <a:r>
+              <a:rPr/>
+              <a:t>from</a:t>
+            </a:r>
+            <a:r>
+              <a:rPr/>
+              <a:t> </a:t>
+            </a:r>
+            <a:r>
+              <a:rPr/>
+              <a:t>a</a:t>
+            </a:r>
+            <a:r>
+              <a:rPr/>
+              <a:t> </a:t>
+            </a:r>
+            <a:r>
+              <a:rPr/>
+              <a:t>tall</a:t>
+            </a:r>
+            <a:r>
+              <a:rPr/>
+              <a:t> </a:t>
+            </a:r>
+            <a:r>
+              <a:rPr/>
+              <a:t>and</a:t>
+            </a:r>
+            <a:r>
+              <a:rPr/>
+              <a:t> </a:t>
+            </a:r>
+            <a:r>
+              <a:rPr/>
+              <a:t>thin</a:t>
+            </a:r>
+            <a:r>
+              <a:rPr/>
+              <a:t> </a:t>
+            </a:r>
+            <a:r>
+              <a:rPr/>
+              <a:t>format</a:t>
+            </a:r>
+            <a:r>
+              <a:rPr/>
+              <a:t> </a:t>
+            </a:r>
+            <a:r>
+              <a:rPr/>
+              <a:t>to</a:t>
+            </a:r>
+            <a:r>
+              <a:rPr/>
+              <a:t> </a:t>
+            </a:r>
+            <a:r>
+              <a:rPr/>
+              <a:t>a</a:t>
+            </a:r>
+            <a:r>
+              <a:rPr/>
+              <a:t> </a:t>
+            </a:r>
+            <a:r>
+              <a:rPr/>
+              <a:t>short</a:t>
+            </a:r>
+            <a:r>
+              <a:rPr/>
+              <a:t> </a:t>
+            </a:r>
+            <a:r>
+              <a:rPr/>
+              <a:t>and</a:t>
+            </a:r>
+            <a:r>
+              <a:rPr/>
+              <a:t> </a:t>
+            </a:r>
+            <a:r>
+              <a:rPr/>
+              <a:t>fat</a:t>
+            </a:r>
+            <a:r>
+              <a:rPr/>
+              <a:t> </a:t>
+            </a:r>
+            <a:r>
+              <a:rPr/>
+              <a:t>format.</a:t>
+            </a:r>
+          </a:p>
+          <a:p>
+            <a:pPr lvl="0" marL="0" indent="0">
+              <a:buNone/>
+            </a:pPr>
+          </a:p>
+          <a:p>
+            <a:pPr lvl="0" marL="0" indent="0">
+              <a:buNone/>
+            </a:pPr>
+            <a:r>
+              <a:rPr/>
+              <a:t>From</a:t>
+            </a:r>
+            <a:r>
+              <a:rPr/>
+              <a:t> </a:t>
+            </a:r>
+            <a:r>
+              <a:rPr/>
+              <a:t>a</a:t>
+            </a:r>
+            <a:r>
+              <a:rPr/>
+              <a:t> </a:t>
+            </a:r>
+            <a:r>
+              <a:rPr/>
+              <a:t>data</a:t>
+            </a:r>
+            <a:r>
+              <a:rPr/>
+              <a:t> </a:t>
+            </a:r>
+            <a:r>
+              <a:rPr/>
+              <a:t>management</a:t>
+            </a:r>
+            <a:r>
+              <a:rPr/>
+              <a:t> </a:t>
+            </a:r>
+            <a:r>
+              <a:rPr/>
+              <a:t>approach,</a:t>
+            </a:r>
+            <a:r>
+              <a:rPr/>
+              <a:t> </a:t>
+            </a:r>
+            <a:r>
+              <a:rPr/>
+              <a:t>you</a:t>
+            </a:r>
+            <a:r>
+              <a:rPr/>
+              <a:t> </a:t>
+            </a:r>
+            <a:r>
+              <a:rPr/>
+              <a:t>should</a:t>
+            </a:r>
+            <a:r>
+              <a:rPr/>
+              <a:t> </a:t>
+            </a:r>
+            <a:r>
+              <a:rPr/>
+              <a:t>consider</a:t>
+            </a:r>
+            <a:r>
+              <a:rPr/>
+              <a:t> </a:t>
+            </a:r>
+            <a:r>
+              <a:rPr/>
+              <a:t>a</a:t>
+            </a:r>
+            <a:r>
+              <a:rPr/>
+              <a:t> </a:t>
+            </a:r>
+            <a:r>
+              <a:rPr/>
+              <a:t>database</a:t>
+            </a:r>
+            <a:r>
+              <a:rPr/>
+              <a:t> </a:t>
+            </a:r>
+            <a:r>
+              <a:rPr/>
+              <a:t>term</a:t>
+            </a:r>
+            <a:r>
+              <a:rPr/>
+              <a:t> </a:t>
+            </a:r>
+            <a:r>
+              <a:rPr/>
+              <a:t>called</a:t>
+            </a:r>
+            <a:r>
+              <a:rPr/>
+              <a:t> </a:t>
+            </a:r>
+            <a:r>
+              <a:rPr/>
+              <a:t>normalization.</a:t>
+            </a:r>
+            <a:r>
+              <a:rPr/>
+              <a:t> </a:t>
+            </a:r>
+            <a:r>
+              <a:rPr/>
+              <a:t>In</a:t>
+            </a:r>
+            <a:r>
+              <a:rPr/>
+              <a:t> </a:t>
+            </a:r>
+            <a:r>
+              <a:rPr/>
+              <a:t>a</a:t>
+            </a:r>
+            <a:r>
+              <a:rPr/>
+              <a:t> </a:t>
+            </a:r>
+            <a:r>
+              <a:rPr/>
+              <a:t>longitudinal</a:t>
+            </a:r>
+            <a:r>
+              <a:rPr/>
+              <a:t> </a:t>
+            </a:r>
+            <a:r>
+              <a:rPr/>
+              <a:t>setting,</a:t>
+            </a:r>
+            <a:r>
+              <a:rPr/>
+              <a:t> </a:t>
+            </a:r>
+            <a:r>
+              <a:rPr/>
+              <a:t>this</a:t>
+            </a:r>
+            <a:r>
+              <a:rPr/>
+              <a:t> </a:t>
+            </a:r>
+            <a:r>
+              <a:rPr/>
+              <a:t>simply</a:t>
+            </a:r>
+            <a:r>
+              <a:rPr/>
+              <a:t> </a:t>
+            </a:r>
+            <a:r>
+              <a:rPr/>
+              <a:t>means</a:t>
+            </a:r>
+            <a:r>
+              <a:rPr/>
+              <a:t> </a:t>
+            </a:r>
+            <a:r>
+              <a:rPr/>
+              <a:t>putting</a:t>
+            </a:r>
+            <a:r>
+              <a:rPr/>
+              <a:t> </a:t>
+            </a:r>
+            <a:r>
+              <a:rPr/>
+              <a:t>your</a:t>
+            </a:r>
+            <a:r>
+              <a:rPr/>
+              <a:t> </a:t>
+            </a:r>
+            <a:r>
+              <a:rPr/>
+              <a:t>time</a:t>
+            </a:r>
+            <a:r>
+              <a:rPr/>
+              <a:t> </a:t>
+            </a:r>
+            <a:r>
+              <a:rPr/>
+              <a:t>constant</a:t>
+            </a:r>
+            <a:r>
+              <a:rPr/>
+              <a:t> </a:t>
+            </a:r>
+            <a:r>
+              <a:rPr/>
+              <a:t>data</a:t>
+            </a:r>
+            <a:r>
+              <a:rPr/>
+              <a:t> </a:t>
+            </a:r>
+            <a:r>
+              <a:rPr/>
+              <a:t>(usually</a:t>
+            </a:r>
+            <a:r>
+              <a:rPr/>
+              <a:t> </a:t>
+            </a:r>
+            <a:r>
+              <a:rPr/>
+              <a:t>the</a:t>
+            </a:r>
+            <a:r>
+              <a:rPr/>
+              <a:t> </a:t>
+            </a:r>
+            <a:r>
+              <a:rPr/>
+              <a:t>demographic</a:t>
+            </a:r>
+            <a:r>
+              <a:rPr/>
+              <a:t> </a:t>
+            </a:r>
+            <a:r>
+              <a:rPr/>
+              <a:t>variables)</a:t>
+            </a:r>
+            <a:r>
+              <a:rPr/>
+              <a:t> </a:t>
+            </a:r>
+            <a:r>
+              <a:rPr/>
+              <a:t>in</a:t>
+            </a:r>
+            <a:r>
+              <a:rPr/>
+              <a:t> </a:t>
+            </a:r>
+            <a:r>
+              <a:rPr/>
+              <a:t>a</a:t>
+            </a:r>
+            <a:r>
+              <a:rPr/>
+              <a:t> </a:t>
+            </a:r>
+            <a:r>
+              <a:rPr/>
+              <a:t>table</a:t>
+            </a:r>
+            <a:r>
+              <a:rPr/>
+              <a:t> </a:t>
+            </a:r>
+            <a:r>
+              <a:rPr/>
+              <a:t>using</a:t>
+            </a:r>
+            <a:r>
+              <a:rPr/>
+              <a:t> </a:t>
+            </a:r>
+            <a:r>
+              <a:rPr/>
+              <a:t>the</a:t>
+            </a:r>
+            <a:r>
+              <a:rPr/>
+              <a:t> </a:t>
+            </a:r>
+            <a:r>
+              <a:rPr/>
+              <a:t>short</a:t>
+            </a:r>
+            <a:r>
+              <a:rPr/>
+              <a:t> </a:t>
+            </a:r>
+            <a:r>
+              <a:rPr/>
+              <a:t>and</a:t>
+            </a:r>
+            <a:r>
+              <a:rPr/>
+              <a:t> </a:t>
+            </a:r>
+            <a:r>
+              <a:rPr/>
+              <a:t>fat</a:t>
+            </a:r>
+            <a:r>
+              <a:rPr/>
+              <a:t> </a:t>
+            </a:r>
+            <a:r>
+              <a:rPr/>
+              <a:t>format</a:t>
+            </a:r>
+            <a:r>
+              <a:rPr/>
+              <a:t> </a:t>
+            </a:r>
+            <a:r>
+              <a:rPr/>
+              <a:t>(one</a:t>
+            </a:r>
+            <a:r>
+              <a:rPr/>
+              <a:t> </a:t>
+            </a:r>
+            <a:r>
+              <a:rPr/>
+              <a:t>row</a:t>
+            </a:r>
+            <a:r>
+              <a:rPr/>
+              <a:t> </a:t>
+            </a:r>
+            <a:r>
+              <a:rPr/>
+              <a:t>per</a:t>
+            </a:r>
+            <a:r>
+              <a:rPr/>
+              <a:t> </a:t>
+            </a:r>
+            <a:r>
+              <a:rPr/>
+              <a:t>patient).</a:t>
+            </a:r>
+            <a:r>
+              <a:rPr/>
+              <a:t> </a:t>
+            </a:r>
+            <a:r>
+              <a:rPr/>
+              <a:t>Then</a:t>
+            </a:r>
+            <a:r>
+              <a:rPr/>
+              <a:t> </a:t>
+            </a:r>
+            <a:r>
+              <a:rPr/>
+              <a:t>put</a:t>
+            </a:r>
+            <a:r>
+              <a:rPr/>
+              <a:t> </a:t>
+            </a:r>
+            <a:r>
+              <a:rPr/>
+              <a:t>your</a:t>
+            </a:r>
+            <a:r>
+              <a:rPr/>
+              <a:t> </a:t>
+            </a:r>
+            <a:r>
+              <a:rPr/>
+              <a:t>time</a:t>
+            </a:r>
+            <a:r>
+              <a:rPr/>
+              <a:t> </a:t>
+            </a:r>
+            <a:r>
+              <a:rPr/>
+              <a:t>varying</a:t>
+            </a:r>
+            <a:r>
+              <a:rPr/>
+              <a:t> </a:t>
+            </a:r>
+            <a:r>
+              <a:rPr/>
+              <a:t>data</a:t>
+            </a:r>
+            <a:r>
+              <a:rPr/>
+              <a:t> </a:t>
+            </a:r>
+            <a:r>
+              <a:rPr/>
+              <a:t>in</a:t>
+            </a:r>
+            <a:r>
+              <a:rPr/>
+              <a:t> </a:t>
+            </a:r>
+            <a:r>
+              <a:rPr/>
+              <a:t>a</a:t>
+            </a:r>
+            <a:r>
+              <a:rPr/>
+              <a:t> </a:t>
+            </a:r>
+            <a:r>
+              <a:rPr/>
+              <a:t>different</a:t>
+            </a:r>
+            <a:r>
+              <a:rPr/>
+              <a:t> </a:t>
+            </a:r>
+            <a:r>
+              <a:rPr/>
+              <a:t>table</a:t>
+            </a:r>
+            <a:r>
+              <a:rPr/>
+              <a:t> </a:t>
+            </a:r>
+            <a:r>
+              <a:rPr/>
+              <a:t>using</a:t>
+            </a:r>
+            <a:r>
+              <a:rPr/>
+              <a:t> </a:t>
+            </a:r>
+            <a:r>
+              <a:rPr/>
+              <a:t>the</a:t>
+            </a:r>
+            <a:r>
+              <a:rPr/>
+              <a:t> </a:t>
+            </a:r>
+            <a:r>
+              <a:rPr/>
+              <a:t>tall</a:t>
+            </a:r>
+            <a:r>
+              <a:rPr/>
+              <a:t> </a:t>
+            </a:r>
+            <a:r>
+              <a:rPr/>
+              <a:t>and</a:t>
+            </a:r>
+            <a:r>
+              <a:rPr/>
+              <a:t> </a:t>
+            </a:r>
+            <a:r>
+              <a:rPr/>
+              <a:t>thin</a:t>
+            </a:r>
+            <a:r>
+              <a:rPr/>
+              <a:t> </a:t>
+            </a:r>
+            <a:r>
+              <a:rPr/>
+              <a:t>format</a:t>
+            </a:r>
+            <a:r>
+              <a:rPr/>
+              <a:t> </a:t>
+            </a:r>
+            <a:r>
+              <a:rPr/>
+              <a:t>(one</a:t>
+            </a:r>
+            <a:r>
+              <a:rPr/>
+              <a:t> </a:t>
+            </a:r>
+            <a:r>
+              <a:rPr/>
+              <a:t>row</a:t>
+            </a:r>
+            <a:r>
+              <a:rPr/>
+              <a:t> </a:t>
+            </a:r>
+            <a:r>
+              <a:rPr/>
+              <a:t>per</a:t>
+            </a:r>
+            <a:r>
+              <a:rPr/>
+              <a:t> </a:t>
+            </a:r>
+            <a:r>
+              <a:rPr/>
+              <a:t>time</a:t>
+            </a:r>
+            <a:r>
+              <a:rPr/>
+              <a:t> </a:t>
+            </a:r>
+            <a:r>
+              <a:rPr/>
+              <a:t>point).</a:t>
+            </a:r>
+          </a:p>
+        </p:txBody>
+      </p:sp>
+      <p:sp>
+        <p:nvSpPr>
+          <p:cNvPr id="4" name="Slide Number Placeholder 3"/>
+          <p:cNvSpPr>
+            <a:spLocks noGrp="1"/>
+          </p:cNvSpPr>
+          <p:nvPr>
+            <p:ph type="sldNum" sz="quarter" idx="10"/>
+          </p:nvPr>
+        </p:nvSpPr>
+        <p:spPr/>
+        <p:txBody>
+          <a:bodyPr/>
+          <a:lstStyle/>
+          <a:p>
+            <a:fld id="{18BDFEC3-8487-43E8-A154-7C12CBC1FFF2}" type="slidenum">
+              <a:rPr lang="en-US"/>
+              <a:t>59</a:t>
             </a:fld>
             <a:endParaRPr lang="en-US"/>
           </a:p>
@@ -18005,29 +20809,7 @@
             <a:pPr lvl="2"/>
             <a:r>
               <a:rPr/>
-              <a:t>There are 3</a:t>
-            </a:r>
-            <a:r>
-              <a:rPr i="1"/>
-              <a:t>2</a:t>
-            </a:r>
-            <a:r>
-              <a:rPr/>
-              <a:t>2=12 measurements</a:t>
-            </a:r>
-          </a:p>
-          <a:p>
-            <a:pPr lvl="2"/>
-            <a:r>
-              <a:rPr/>
-              <a:t>Look here for more details</a:t>
-            </a:r>
-          </a:p>
-          <a:p>
-            <a:pPr lvl="3"/>
-            <a:r>
-              <a:rPr/>
-              <a:t>www.statsci.org/data/general/energy.html</a:t>
+              <a:t>There are 3*2*2=12 measurements</a:t>
             </a:r>
           </a:p>
         </p:txBody>
@@ -19204,6 +21986,13 @@
               </a:rPr>
               <a:t>(</a:t>
             </a:r>
+            <a:br/>
+            <a:r>
+              <a:rPr>
+                <a:latin typeface="Courier"/>
+              </a:rPr>
+              <a:t>  </a:t>
+            </a:r>
             <a:r>
               <a:rPr>
                 <a:solidFill>
@@ -19224,14 +22013,7 @@
               <a:rPr>
                 <a:latin typeface="Courier"/>
               </a:rPr>
-              <a:t>  activity_lineplot,</a:t>
-            </a:r>
-            <a:br/>
-            <a:r>
-              <a:rPr>
-                <a:latin typeface="Courier"/>
-              </a:rPr>
-              <a:t>  </a:t>
+              <a:t>  activity_lineplot, </a:t>
             </a:r>
             <a:r>
               <a:rPr>
@@ -19718,20 +22500,6 @@
               <a:t>There are 5*26=130 measurements</a:t>
             </a:r>
           </a:p>
-          <a:p>
-            <a:pPr lvl="1"/>
-            <a:r>
-              <a:rPr/>
-              <a:t>For more information</a:t>
-            </a:r>
-          </a:p>
-          <a:p>
-            <a:pPr lvl="2"/>
-            <a:r>
-              <a:rPr/>
-              <a:t>www.statsci.org/data/general/lomaprie.txt</a:t>
-            </a:r>
-          </a:p>
         </p:txBody>
       </p:sp>
     </p:spTree>
@@ -20886,7 +23654,21 @@
               <a:rPr>
                 <a:latin typeface="Courier"/>
               </a:rPr>
-              <a:t>(qu_tall, </a:t>
+              <a:t>(</a:t>
+            </a:r>
+            <a:br/>
+            <a:r>
+              <a:rPr>
+                <a:latin typeface="Courier"/>
+              </a:rPr>
+              <a:t>      qu_tall, </a:t>
+            </a:r>
+            <a:br/>
+            <a:r>
+              <a:rPr>
+                <a:latin typeface="Courier"/>
+              </a:rPr>
+              <a:t>      </a:t>
             </a:r>
             <a:r>
               <a:rPr>
@@ -22335,22 +25117,6 @@
               <a:t>There are 3*11=33 measurements</a:t>
             </a:r>
           </a:p>
-          <a:p>
-            <a:pPr lvl="1"/>
-            <a:r>
-              <a:rPr/>
-              <a:t>For more information</a:t>
-            </a:r>
-          </a:p>
-          <a:p>
-            <a:pPr lvl="2"/>
-            <a:r>
-              <a:rPr>
-                <a:hlinkClick r:id="rId3"/>
-              </a:rPr>
-              <a:t>http://www.statsci.org/data/oz/backpain.html</a:t>
-            </a:r>
-          </a:p>
         </p:txBody>
       </p:sp>
     </p:spTree>
@@ -24382,13 +27148,6 @@
               </a:rPr>
               <a:t>age_range, </a:t>
             </a:r>
-            <a:br/>
-            <a:r>
-              <a:rPr>
-                <a:latin typeface="Courier"/>
-              </a:rPr>
-              <a:t>      </a:t>
-            </a:r>
             <a:r>
               <a:rPr>
                 <a:solidFill>
@@ -24472,13 +27231,6 @@
               </a:rPr>
               <a:t>], </a:t>
             </a:r>
-            <a:br/>
-            <a:r>
-              <a:rPr>
-                <a:latin typeface="Courier"/>
-              </a:rPr>
-              <a:t>      </a:t>
-            </a:r>
             <a:r>
               <a:rPr>
                 <a:solidFill>
@@ -24486,7 +27238,7 @@
                 </a:solidFill>
                 <a:latin typeface="Courier"/>
               </a:rPr>
-              <a:t>y=</a:t>
+              <a:t>xend=</a:t>
             </a:r>
             <a:r>
               <a:rPr>
@@ -24501,7 +27253,7 @@
                 </a:solidFill>
                 <a:latin typeface="Courier"/>
               </a:rPr>
-              <a:t>1</a:t>
+              <a:t>2</a:t>
             </a:r>
             <a:r>
               <a:rPr>
@@ -24523,7 +27275,7 @@
                 </a:solidFill>
                 <a:latin typeface="Courier"/>
               </a:rPr>
-              <a:t>xend=</a:t>
+              <a:t>y=</a:t>
             </a:r>
             <a:r>
               <a:rPr>
@@ -24538,20 +27290,13 @@
                 </a:solidFill>
                 <a:latin typeface="Courier"/>
               </a:rPr>
-              <a:t>2</a:t>
+              <a:t>1</a:t>
             </a:r>
             <a:r>
               <a:rPr>
                 <a:latin typeface="Courier"/>
               </a:rPr>
               <a:t>], </a:t>
-            </a:r>
-            <a:br/>
-            <a:r>
-              <a:rPr>
-                <a:latin typeface="Courier"/>
-              </a:rPr>
-              <a:t>      </a:t>
             </a:r>
             <a:r>
               <a:rPr>
@@ -25814,29 +28559,7 @@
             <a:pPr lvl="2"/>
             <a:r>
               <a:rPr/>
-              <a:t>There are 3</a:t>
-            </a:r>
-            <a:r>
-              <a:rPr i="1"/>
-              <a:t>2</a:t>
-            </a:r>
-            <a:r>
-              <a:rPr/>
-              <a:t>2=12 measurements</a:t>
-            </a:r>
-          </a:p>
-          <a:p>
-            <a:pPr lvl="2"/>
-            <a:r>
-              <a:rPr/>
-              <a:t>Look here for more details</a:t>
-            </a:r>
-          </a:p>
-          <a:p>
-            <a:pPr lvl="3"/>
-            <a:r>
-              <a:rPr/>
-              <a:t>www.statsci.org/data/oz/ctsib.html</a:t>
+              <a:t>There are 3*2*2=12 measurements</a:t>
             </a:r>
           </a:p>
         </p:txBody>
@@ -26222,7 +28945,7 @@
               <a:rPr>
                 <a:latin typeface="Courier"/>
               </a:rPr>
-              <a:t>time_constant_list </a:t>
+              <a:t>time_constant </a:t>
             </a:r>
             <a:r>
               <a:rPr>
@@ -26239,13 +28962,6 @@
               </a:rPr>
               <a:t> </a:t>
             </a:r>
-            <a:br/>
-            <a:r>
-              <a:rPr>
-                <a:latin typeface="Courier"/>
-              </a:rPr>
-              <a:t>  </a:t>
-            </a:r>
             <a:r>
               <a:rPr>
                 <a:solidFill>
@@ -26261,6 +28977,13 @@
               </a:rPr>
               <a:t>(</a:t>
             </a:r>
+            <a:br/>
+            <a:r>
+              <a:rPr>
+                <a:latin typeface="Courier"/>
+              </a:rPr>
+              <a:t>  </a:t>
+            </a:r>
             <a:r>
               <a:rPr>
                 <a:solidFill>
@@ -26276,6 +28999,13 @@
               </a:rPr>
               <a:t>, </a:t>
             </a:r>
+            <a:br/>
+            <a:r>
+              <a:rPr>
+                <a:latin typeface="Courier"/>
+              </a:rPr>
+              <a:t>  </a:t>
+            </a:r>
             <a:r>
               <a:rPr>
                 <a:solidFill>
@@ -26291,6 +29021,13 @@
               </a:rPr>
               <a:t>, </a:t>
             </a:r>
+            <a:br/>
+            <a:r>
+              <a:rPr>
+                <a:latin typeface="Courier"/>
+              </a:rPr>
+              <a:t>  </a:t>
+            </a:r>
             <a:r>
               <a:rPr>
                 <a:solidFill>
@@ -26306,6 +29043,13 @@
               </a:rPr>
               <a:t>, </a:t>
             </a:r>
+            <a:br/>
+            <a:r>
+              <a:rPr>
+                <a:latin typeface="Courier"/>
+              </a:rPr>
+              <a:t>  </a:t>
+            </a:r>
             <a:r>
               <a:rPr>
                 <a:solidFill>
@@ -26321,6 +29065,13 @@
               </a:rPr>
               <a:t>, </a:t>
             </a:r>
+            <a:br/>
+            <a:r>
+              <a:rPr>
+                <a:latin typeface="Courier"/>
+              </a:rPr>
+              <a:t>  </a:t>
+            </a:r>
             <a:r>
               <a:rPr>
                 <a:solidFill>
@@ -26363,7 +29114,7 @@
               <a:rPr>
                 <a:latin typeface="Courier"/>
               </a:rPr>
-              <a:t>  short_and_fat_data[ , time_constant_list]</a:t>
+              <a:t>  short_and_fat_data[ , time_constant]</a:t>
             </a:r>
           </a:p>
         </p:txBody>
@@ -27085,7 +29836,7 @@
               <a:rPr>
                 <a:latin typeface="Courier"/>
               </a:rPr>
-              <a:t>time_variable_list </a:t>
+              <a:t>time_variable </a:t>
             </a:r>
             <a:r>
               <a:rPr>
@@ -27102,13 +29853,6 @@
               </a:rPr>
               <a:t> </a:t>
             </a:r>
-            <a:br/>
-            <a:r>
-              <a:rPr>
-                <a:latin typeface="Courier"/>
-              </a:rPr>
-              <a:t>  </a:t>
-            </a:r>
             <a:r>
               <a:rPr>
                 <a:solidFill>
@@ -27124,6 +29868,13 @@
               </a:rPr>
               <a:t>(</a:t>
             </a:r>
+            <a:br/>
+            <a:r>
+              <a:rPr>
+                <a:latin typeface="Courier"/>
+              </a:rPr>
+              <a:t>  </a:t>
+            </a:r>
             <a:r>
               <a:rPr>
                 <a:solidFill>
@@ -27139,6 +29890,13 @@
               </a:rPr>
               <a:t>, </a:t>
             </a:r>
+            <a:br/>
+            <a:r>
+              <a:rPr>
+                <a:latin typeface="Courier"/>
+              </a:rPr>
+              <a:t>  </a:t>
+            </a:r>
             <a:r>
               <a:rPr>
                 <a:solidFill>
@@ -27154,6 +29912,13 @@
               </a:rPr>
               <a:t>, </a:t>
             </a:r>
+            <a:br/>
+            <a:r>
+              <a:rPr>
+                <a:latin typeface="Courier"/>
+              </a:rPr>
+              <a:t>  </a:t>
+            </a:r>
             <a:r>
               <a:rPr>
                 <a:solidFill>
@@ -27169,6 +29934,13 @@
               </a:rPr>
               <a:t>, </a:t>
             </a:r>
+            <a:br/>
+            <a:r>
+              <a:rPr>
+                <a:latin typeface="Courier"/>
+              </a:rPr>
+              <a:t>  </a:t>
+            </a:r>
             <a:r>
               <a:rPr>
                 <a:solidFill>
@@ -27211,7 +29983,7 @@
               <a:rPr>
                 <a:latin typeface="Courier"/>
               </a:rPr>
-              <a:t>  tall_and_thin_data[ , time_variable_list]</a:t>
+              <a:t>  tall_and_thin_data[ , time_variable]</a:t>
             </a:r>
           </a:p>
         </p:txBody>

--- a/introduction-to-r/results/v06-slides-and-speaker-notes.pptx
+++ b/introduction-to-r/results/v06-slides-and-speaker-notes.pptx
@@ -15956,7 +15956,7 @@
             </a:r>
             <a:r>
               <a:rPr/>
-              <a:t>measurementn</a:t>
+              <a:t>measurement</a:t>
             </a:r>
             <a:r>
               <a:rPr/>
@@ -20806,10 +20806,10 @@
             </a:r>
           </a:p>
           <a:p>
-            <a:pPr lvl="2"/>
-            <a:r>
-              <a:rPr/>
-              <a:t>There are 3*2*2=12 measurements</a:t>
+            <a:pPr lvl="3"/>
+            <a:r>
+              <a:rPr/>
+              <a:t>There are 3 measurements per subject</a:t>
             </a:r>
           </a:p>
         </p:txBody>
@@ -22490,14 +22490,7 @@
             <a:pPr lvl="2"/>
             <a:r>
               <a:rPr/>
-              <a:t>There are 26 subjects</a:t>
-            </a:r>
-          </a:p>
-          <a:p>
-            <a:pPr lvl="2"/>
-            <a:r>
-              <a:rPr/>
-              <a:t>There are 5*26=130 measurements</a:t>
+              <a:t>There are 25 subjects, 5 measurements</a:t>
             </a:r>
           </a:p>
         </p:txBody>
@@ -25114,7 +25107,7 @@
             <a:pPr lvl="2"/>
             <a:r>
               <a:rPr/>
-              <a:t>There are 3*11=33 measurements</a:t>
+              <a:t>Convert to one row per matched triple</a:t>
             </a:r>
           </a:p>
         </p:txBody>
@@ -27629,7 +27622,7 @@
             </a:r>
             <a:r>
               <a:rPr/>
-              <a:t>#2</a:t>
+              <a:t>#3</a:t>
             </a:r>
           </a:p>
         </p:txBody>
@@ -28559,7 +28552,7 @@
             <a:pPr lvl="2"/>
             <a:r>
               <a:rPr/>
-              <a:t>There are 3*2*2=12 measurements</a:t>
+              <a:t>40 subjects, 3*2*2=12 measurements</a:t>
             </a:r>
           </a:p>
         </p:txBody>
